--- a/Web/Server-Notes.pptx
+++ b/Web/Server-Notes.pptx
@@ -5,17 +5,18 @@
     <p:sldMasterId id="2147483648" r:id="rId1"/>
   </p:sldMasterIdLst>
   <p:notesMasterIdLst>
-    <p:notesMasterId r:id="rId8"/>
+    <p:notesMasterId r:id="rId9"/>
   </p:notesMasterIdLst>
   <p:handoutMasterIdLst>
-    <p:handoutMasterId r:id="rId9"/>
+    <p:handoutMasterId r:id="rId10"/>
   </p:handoutMasterIdLst>
   <p:sldIdLst>
     <p:sldId id="256" r:id="rId3"/>
     <p:sldId id="314" r:id="rId4"/>
-    <p:sldId id="284" r:id="rId5"/>
-    <p:sldId id="323" r:id="rId6"/>
-    <p:sldId id="277" r:id="rId7"/>
+    <p:sldId id="325" r:id="rId5"/>
+    <p:sldId id="284" r:id="rId6"/>
+    <p:sldId id="323" r:id="rId7"/>
+    <p:sldId id="277" r:id="rId8"/>
   </p:sldIdLst>
   <p:sldSz cx="12192000" cy="6858000"/>
   <p:notesSz cx="6858000" cy="9144000"/>
@@ -3682,7 +3683,7 @@
             <a:pPr algn="ctr"/>
             <a:r>
               <a:rPr lang="en-US" altLang="zh-CN" smtClean="0"/>
-              <a:t>Last updated: 2018-8-1</a:t>
+              <a:t>Last updated: 2020-2-1</a:t>
             </a:r>
             <a:endParaRPr lang="en-US" altLang="zh-CN" smtClean="0"/>
           </a:p>
@@ -4012,6 +4013,185 @@
 </file>
 
 <file path=ppt/slides/slide3.xml><?xml version="1.0" encoding="utf-8"?>
+<p:sld xmlns:a="http://schemas.openxmlformats.org/drawingml/2006/main" xmlns:r="http://schemas.openxmlformats.org/officeDocument/2006/relationships" xmlns:p="http://schemas.openxmlformats.org/presentationml/2006/main">
+  <p:cSld>
+    <p:spTree>
+      <p:nvGrpSpPr>
+        <p:cNvPr id="1" name=""/>
+        <p:cNvGrpSpPr/>
+        <p:nvPr/>
+      </p:nvGrpSpPr>
+      <p:grpSpPr/>
+      <p:sp>
+        <p:nvSpPr>
+          <p:cNvPr id="2" name="标题 1"/>
+          <p:cNvSpPr>
+            <a:spLocks noGrp="1"/>
+          </p:cNvSpPr>
+          <p:nvPr>
+            <p:ph type="title"/>
+          </p:nvPr>
+        </p:nvSpPr>
+        <p:spPr/>
+        <p:txBody>
+          <a:bodyPr/>
+          <a:p>
+            <a:r>
+              <a:rPr lang="en-US" altLang="zh-CN"/>
+              <a:t>Ubuntu</a:t>
+            </a:r>
+            <a:endParaRPr lang="en-US" altLang="zh-CN"/>
+          </a:p>
+        </p:txBody>
+      </p:sp>
+      <p:sp>
+        <p:nvSpPr>
+          <p:cNvPr id="3" name="内容占位符 2"/>
+          <p:cNvSpPr>
+            <a:spLocks noGrp="1"/>
+          </p:cNvSpPr>
+          <p:nvPr>
+            <p:ph idx="1"/>
+          </p:nvPr>
+        </p:nvSpPr>
+        <p:spPr/>
+        <p:txBody>
+          <a:bodyPr>
+            <a:normAutofit lnSpcReduction="10000"/>
+          </a:bodyPr>
+          <a:p>
+            <a:r>
+              <a:rPr lang="en-US" altLang="zh-CN"/>
+              <a:t>Swap</a:t>
+            </a:r>
+            <a:endParaRPr lang="en-US" altLang="zh-CN"/>
+          </a:p>
+          <a:p>
+            <a:pPr lvl="1"/>
+            <a:r>
+              <a:rPr lang="en-US" altLang="zh-CN"/>
+              <a:t>Configure Swap</a:t>
+            </a:r>
+            <a:endParaRPr lang="en-US" altLang="zh-CN"/>
+          </a:p>
+          <a:p>
+            <a:pPr lvl="2"/>
+            <a:r>
+              <a:rPr lang="en-US" altLang="zh-CN"/>
+              <a:t>sudo fallocate -l 1G /swapfile</a:t>
+            </a:r>
+            <a:endParaRPr lang="en-US" altLang="zh-CN"/>
+          </a:p>
+          <a:p>
+            <a:pPr lvl="2"/>
+            <a:r>
+              <a:rPr lang="en-US" altLang="zh-CN"/>
+              <a:t>ls -lh /swapfile</a:t>
+            </a:r>
+            <a:endParaRPr lang="en-US" altLang="zh-CN"/>
+          </a:p>
+          <a:p>
+            <a:pPr lvl="2"/>
+            <a:r>
+              <a:rPr lang="en-US" altLang="zh-CN"/>
+              <a:t>sudo chmod 600 /swapfile</a:t>
+            </a:r>
+            <a:endParaRPr lang="en-US" altLang="zh-CN"/>
+          </a:p>
+          <a:p>
+            <a:pPr lvl="2"/>
+            <a:r>
+              <a:rPr lang="en-US" altLang="zh-CN"/>
+              <a:t>sudo mkswap /swapfile</a:t>
+            </a:r>
+            <a:endParaRPr lang="en-US" altLang="zh-CN"/>
+          </a:p>
+          <a:p>
+            <a:pPr lvl="2"/>
+            <a:r>
+              <a:rPr lang="en-US" altLang="zh-CN"/>
+              <a:t>sudo swapon /swapfile</a:t>
+            </a:r>
+            <a:endParaRPr lang="en-US" altLang="zh-CN"/>
+          </a:p>
+          <a:p>
+            <a:pPr lvl="2"/>
+            <a:r>
+              <a:rPr lang="en-US" altLang="zh-CN"/>
+              <a:t>sudo swapon --show</a:t>
+            </a:r>
+            <a:endParaRPr lang="en-US" altLang="zh-CN"/>
+          </a:p>
+          <a:p>
+            <a:pPr lvl="2"/>
+            <a:r>
+              <a:rPr lang="en-US" altLang="zh-CN"/>
+              <a:t>free -h</a:t>
+            </a:r>
+            <a:endParaRPr lang="en-US" altLang="zh-CN"/>
+          </a:p>
+          <a:p>
+            <a:pPr lvl="2"/>
+            <a:r>
+              <a:rPr lang="en-US" altLang="zh-CN"/>
+              <a:t>echo '/swapfile none swap sw 0 0' | sudo tee -a /etc/fstab</a:t>
+            </a:r>
+            <a:endParaRPr lang="en-US" altLang="zh-CN"/>
+          </a:p>
+          <a:p>
+            <a:pPr lvl="1"/>
+            <a:r>
+              <a:rPr lang="en-US" altLang="zh-CN"/>
+              <a:t>Swappiness</a:t>
+            </a:r>
+            <a:endParaRPr lang="en-US" altLang="zh-CN"/>
+          </a:p>
+          <a:p>
+            <a:pPr lvl="2"/>
+            <a:r>
+              <a:rPr lang="en-US" altLang="zh-CN"/>
+              <a:t>cat /proc/sys/vm/swappiness</a:t>
+            </a:r>
+            <a:endParaRPr lang="en-US" altLang="zh-CN"/>
+          </a:p>
+          <a:p>
+            <a:pPr lvl="2"/>
+            <a:r>
+              <a:rPr lang="en-US" altLang="zh-CN"/>
+              <a:t>sudo nano /etc/sysctl.conf</a:t>
+            </a:r>
+            <a:endParaRPr lang="en-US" altLang="zh-CN"/>
+          </a:p>
+          <a:p>
+            <a:pPr lvl="2"/>
+            <a:r>
+              <a:rPr lang="en-US" altLang="zh-CN"/>
+              <a:t>vm.swappiness=10</a:t>
+            </a:r>
+            <a:endParaRPr lang="en-US" altLang="zh-CN"/>
+          </a:p>
+          <a:p>
+            <a:pPr lvl="2"/>
+            <a:r>
+              <a:rPr lang="en-US" altLang="zh-CN"/>
+              <a:t>vm.vfs_cache_pressure=50</a:t>
+            </a:r>
+            <a:endParaRPr lang="en-US" altLang="zh-CN"/>
+          </a:p>
+        </p:txBody>
+      </p:sp>
+    </p:spTree>
+    <p:custDataLst>
+      <p:tags r:id="rId1"/>
+    </p:custDataLst>
+  </p:cSld>
+  <p:clrMapOvr>
+    <a:masterClrMapping/>
+  </p:clrMapOvr>
+</p:sld>
+</file>
+
+<file path=ppt/slides/slide4.xml><?xml version="1.0" encoding="utf-8"?>
 <p:sld xmlns:a="http://schemas.openxmlformats.org/drawingml/2006/main" xmlns:r="http://schemas.openxmlformats.org/officeDocument/2006/relationships" xmlns:p="http://schemas.openxmlformats.org/presentationml/2006/main">
   <p:cSld>
     <p:spTree>
@@ -4238,7 +4418,7 @@
 </p:sld>
 </file>
 
-<file path=ppt/slides/slide4.xml><?xml version="1.0" encoding="utf-8"?>
+<file path=ppt/slides/slide5.xml><?xml version="1.0" encoding="utf-8"?>
 <p:sld xmlns:a="http://schemas.openxmlformats.org/drawingml/2006/main" xmlns:r="http://schemas.openxmlformats.org/officeDocument/2006/relationships" xmlns:p="http://schemas.openxmlformats.org/presentationml/2006/main">
   <p:cSld>
     <p:spTree>
@@ -4295,6 +4475,30 @@
             <a:r>
               <a:rPr lang="en-US" altLang="zh-CN"/>
               <a:t>/etc/nginx/nginx.conf</a:t>
+            </a:r>
+            <a:endParaRPr lang="en-US" altLang="zh-CN"/>
+          </a:p>
+          <a:p>
+            <a:pPr lvl="1"/>
+            <a:r>
+              <a:rPr lang="en-US" altLang="zh-CN"/>
+              <a:t>/etc/nginx/conf.d/*.conf</a:t>
+            </a:r>
+            <a:endParaRPr lang="en-US" altLang="zh-CN"/>
+          </a:p>
+          <a:p>
+            <a:pPr lvl="1"/>
+            <a:r>
+              <a:rPr lang="en-US" altLang="zh-CN"/>
+              <a:t>/etc/nginx/sites-available</a:t>
+            </a:r>
+            <a:endParaRPr lang="en-US" altLang="zh-CN"/>
+          </a:p>
+          <a:p>
+            <a:pPr lvl="1"/>
+            <a:r>
+              <a:rPr lang="en-US" altLang="zh-CN"/>
+              <a:t>/etc/nginx/sites-enabled</a:t>
             </a:r>
             <a:endParaRPr lang="en-US" altLang="zh-CN"/>
           </a:p>
@@ -4351,7 +4555,7 @@
 </p:sld>
 </file>
 
-<file path=ppt/slides/slide5.xml><?xml version="1.0" encoding="utf-8"?>
+<file path=ppt/slides/slide6.xml><?xml version="1.0" encoding="utf-8"?>
 <p:sld xmlns:a="http://schemas.openxmlformats.org/drawingml/2006/main" xmlns:r="http://schemas.openxmlformats.org/officeDocument/2006/relationships" xmlns:p="http://schemas.openxmlformats.org/presentationml/2006/main">
   <p:cSld>
     <p:spTree>
@@ -4565,6 +4769,14 @@
 
 <file path=ppt/tags/tag12.xml><?xml version="1.0" encoding="utf-8"?>
 <p:tagLst xmlns:p="http://schemas.openxmlformats.org/presentationml/2006/main">
+  <p:tag name="KSO_WM_BEAUTIFY_FLAG" val="#wm#"/>
+  <p:tag name="KSO_WM_TEMPLATE_CATEGORY" val="custom"/>
+  <p:tag name="KSO_WM_TEMPLATE_INDEX" val="160402"/>
+</p:tagLst>
+</file>
+
+<file path=ppt/tags/tag13.xml><?xml version="1.0" encoding="utf-8"?>
+<p:tagLst xmlns:p="http://schemas.openxmlformats.org/presentationml/2006/main">
   <p:tag name="KSO_WM_TAG_VERSION" val="1.0"/>
   <p:tag name="KSO_WM_BEAUTIFY_FLAG" val="#wm#"/>
   <p:tag name="KSO_WM_TEMPLATE_CATEGORY" val="custom"/>
@@ -4583,7 +4795,7 @@
 </p:tagLst>
 </file>
 
-<file path=ppt/tags/tag13.xml><?xml version="1.0" encoding="utf-8"?>
+<file path=ppt/tags/tag14.xml><?xml version="1.0" encoding="utf-8"?>
 <p:tagLst xmlns:p="http://schemas.openxmlformats.org/presentationml/2006/main">
   <p:tag name="KSO_WM_TAG_VERSION" val="1.0"/>
   <p:tag name="KSO_WM_BEAUTIFY_FLAG" val="#wm#"/>
@@ -4602,7 +4814,7 @@
 </p:tagLst>
 </file>
 
-<file path=ppt/tags/tag14.xml><?xml version="1.0" encoding="utf-8"?>
+<file path=ppt/tags/tag15.xml><?xml version="1.0" encoding="utf-8"?>
 <p:tagLst xmlns:p="http://schemas.openxmlformats.org/presentationml/2006/main">
   <p:tag name="KSO_WM_BEAUTIFY_FLAG" val="#wm#"/>
   <p:tag name="KSO_WM_TEMPLATE_CATEGORY" val="custom"/>

--- a/Web/Server-Notes.pptx
+++ b/Web/Server-Notes.pptx
@@ -5,10 +5,10 @@
     <p:sldMasterId id="2147483648" r:id="rId1"/>
   </p:sldMasterIdLst>
   <p:notesMasterIdLst>
-    <p:notesMasterId r:id="rId9"/>
+    <p:notesMasterId r:id="rId10"/>
   </p:notesMasterIdLst>
   <p:handoutMasterIdLst>
-    <p:handoutMasterId r:id="rId10"/>
+    <p:handoutMasterId r:id="rId16"/>
   </p:handoutMasterIdLst>
   <p:sldIdLst>
     <p:sldId id="256" r:id="rId3"/>
@@ -16,7 +16,13 @@
     <p:sldId id="325" r:id="rId5"/>
     <p:sldId id="284" r:id="rId6"/>
     <p:sldId id="323" r:id="rId7"/>
-    <p:sldId id="277" r:id="rId8"/>
+    <p:sldId id="329" r:id="rId8"/>
+    <p:sldId id="277" r:id="rId9"/>
+    <p:sldId id="333" r:id="rId11"/>
+    <p:sldId id="337" r:id="rId12"/>
+    <p:sldId id="332" r:id="rId13"/>
+    <p:sldId id="334" r:id="rId14"/>
+    <p:sldId id="331" r:id="rId15"/>
   </p:sldIdLst>
   <p:sldSz cx="12192000" cy="6858000"/>
   <p:notesSz cx="6858000" cy="9144000"/>
@@ -3700,6 +3706,396 @@
 </p:sld>
 </file>
 
+<file path=ppt/slides/slide10.xml><?xml version="1.0" encoding="utf-8"?>
+<p:sld xmlns:a="http://schemas.openxmlformats.org/drawingml/2006/main" xmlns:r="http://schemas.openxmlformats.org/officeDocument/2006/relationships" xmlns:p="http://schemas.openxmlformats.org/presentationml/2006/main">
+  <p:cSld>
+    <p:spTree>
+      <p:nvGrpSpPr>
+        <p:cNvPr id="1" name=""/>
+        <p:cNvGrpSpPr/>
+        <p:nvPr/>
+      </p:nvGrpSpPr>
+      <p:grpSpPr/>
+      <p:sp>
+        <p:nvSpPr>
+          <p:cNvPr id="2" name="标题 1"/>
+          <p:cNvSpPr>
+            <a:spLocks noGrp="1"/>
+          </p:cNvSpPr>
+          <p:nvPr>
+            <p:ph type="title"/>
+          </p:nvPr>
+        </p:nvSpPr>
+        <p:spPr/>
+        <p:txBody>
+          <a:bodyPr/>
+          <a:p>
+            <a:r>
+              <a:rPr lang="en-US" altLang="zh-CN"/>
+              <a:t>Zabbix</a:t>
+            </a:r>
+            <a:endParaRPr lang="en-US" altLang="zh-CN"/>
+          </a:p>
+        </p:txBody>
+      </p:sp>
+      <p:sp>
+        <p:nvSpPr>
+          <p:cNvPr id="3" name="内容占位符 2"/>
+          <p:cNvSpPr>
+            <a:spLocks noGrp="1"/>
+          </p:cNvSpPr>
+          <p:nvPr>
+            <p:ph idx="1"/>
+          </p:nvPr>
+        </p:nvSpPr>
+        <p:spPr>
+          <a:xfrm>
+            <a:off x="838200" y="1211580"/>
+            <a:ext cx="5185410" cy="4549140"/>
+          </a:xfrm>
+        </p:spPr>
+        <p:txBody>
+          <a:bodyPr>
+            <a:normAutofit fontScale="90000" lnSpcReduction="20000"/>
+          </a:bodyPr>
+          <a:p>
+            <a:r>
+              <a:rPr lang="en-US" altLang="zh-CN"/>
+              <a:t>References</a:t>
+            </a:r>
+            <a:endParaRPr lang="en-US" altLang="zh-CN"/>
+          </a:p>
+          <a:p>
+            <a:pPr lvl="1"/>
+            <a:r>
+              <a:rPr lang="en-US" altLang="zh-CN"/>
+              <a:t>https://www.zabbix.com</a:t>
+            </a:r>
+            <a:endParaRPr lang="en-US" altLang="zh-CN"/>
+          </a:p>
+          <a:p>
+            <a:pPr lvl="0"/>
+            <a:r>
+              <a:rPr lang="en-US" altLang="zh-CN"/>
+              <a:t>Component</a:t>
+            </a:r>
+            <a:endParaRPr lang="en-US" altLang="zh-CN"/>
+          </a:p>
+          <a:p>
+            <a:pPr lvl="1"/>
+            <a:r>
+              <a:rPr lang="en-US" altLang="zh-CN"/>
+              <a:t>server</a:t>
+            </a:r>
+            <a:endParaRPr lang="en-US" altLang="zh-CN"/>
+          </a:p>
+          <a:p>
+            <a:pPr lvl="1"/>
+            <a:r>
+              <a:rPr lang="en-US" altLang="zh-CN"/>
+              <a:t>agent: deployed on the target machine to be monitored, responsible for reporting the gathered data from the target to the server</a:t>
+            </a:r>
+            <a:endParaRPr lang="en-US" altLang="zh-CN"/>
+          </a:p>
+          <a:p>
+            <a:pPr lvl="0"/>
+            <a:r>
+              <a:rPr lang="en-US" altLang="zh-CN"/>
+              <a:t>Suppor</a:t>
+            </a:r>
+            <a:endParaRPr lang="en-US" altLang="zh-CN"/>
+          </a:p>
+          <a:p>
+            <a:pPr lvl="1"/>
+            <a:r>
+              <a:rPr lang="en-US" altLang="zh-CN"/>
+              <a:t>MySQL/PostgreSQL support</a:t>
+            </a:r>
+            <a:endParaRPr lang="en-US" altLang="zh-CN"/>
+          </a:p>
+          <a:p>
+            <a:pPr lvl="1"/>
+            <a:r>
+              <a:rPr lang="en-US" altLang="zh-CN"/>
+              <a:t>Apache2/Nginx support</a:t>
+            </a:r>
+            <a:endParaRPr lang="en-US" altLang="zh-CN"/>
+          </a:p>
+          <a:p>
+            <a:pPr lvl="0"/>
+            <a:r>
+              <a:rPr lang="en-US" altLang="zh-CN"/>
+              <a:t>Install</a:t>
+            </a:r>
+            <a:endParaRPr lang="en-US" altLang="zh-CN"/>
+          </a:p>
+          <a:p>
+            <a:pPr lvl="1"/>
+            <a:r>
+              <a:rPr lang="en-US" altLang="zh-CN"/>
+              <a:t>apt-get install mysql-server mysql-client mlocate</a:t>
+            </a:r>
+            <a:endParaRPr lang="en-US" altLang="zh-CN"/>
+          </a:p>
+          <a:p>
+            <a:pPr lvl="1"/>
+            <a:r>
+              <a:rPr lang="en-US" altLang="zh-CN"/>
+              <a:t>sudo apt-get install zabbix-server-mysql zabbix-frontend-php zabbix-agent</a:t>
+            </a:r>
+            <a:endParaRPr lang="en-US" altLang="zh-CN"/>
+          </a:p>
+        </p:txBody>
+      </p:sp>
+      <p:pic>
+        <p:nvPicPr>
+          <p:cNvPr id="4" name="图片 3" descr="1190037-20171123164838290-262268018"/>
+          <p:cNvPicPr>
+            <a:picLocks noChangeAspect="1"/>
+          </p:cNvPicPr>
+          <p:nvPr>
+            <p:custDataLst>
+              <p:tags r:id="rId1"/>
+            </p:custDataLst>
+          </p:nvPr>
+        </p:nvPicPr>
+        <p:blipFill>
+          <a:blip r:embed="rId2"/>
+          <a:stretch>
+            <a:fillRect/>
+          </a:stretch>
+        </p:blipFill>
+        <p:spPr>
+          <a:xfrm>
+            <a:off x="6023610" y="443865"/>
+            <a:ext cx="6168390" cy="3387725"/>
+          </a:xfrm>
+          <a:prstGeom prst="rect">
+            <a:avLst/>
+          </a:prstGeom>
+        </p:spPr>
+      </p:pic>
+    </p:spTree>
+    <p:custDataLst>
+      <p:tags r:id="rId3"/>
+    </p:custDataLst>
+  </p:cSld>
+  <p:clrMapOvr>
+    <a:masterClrMapping/>
+  </p:clrMapOvr>
+</p:sld>
+</file>
+
+<file path=ppt/slides/slide11.xml><?xml version="1.0" encoding="utf-8"?>
+<p:sld xmlns:a="http://schemas.openxmlformats.org/drawingml/2006/main" xmlns:r="http://schemas.openxmlformats.org/officeDocument/2006/relationships" xmlns:p="http://schemas.openxmlformats.org/presentationml/2006/main">
+  <p:cSld>
+    <p:spTree>
+      <p:nvGrpSpPr>
+        <p:cNvPr id="1" name=""/>
+        <p:cNvGrpSpPr/>
+        <p:nvPr/>
+      </p:nvGrpSpPr>
+      <p:grpSpPr/>
+      <p:sp>
+        <p:nvSpPr>
+          <p:cNvPr id="2" name="标题 1"/>
+          <p:cNvSpPr>
+            <a:spLocks noGrp="1"/>
+          </p:cNvSpPr>
+          <p:nvPr>
+            <p:ph type="title"/>
+          </p:nvPr>
+        </p:nvSpPr>
+        <p:spPr/>
+        <p:txBody>
+          <a:bodyPr/>
+          <a:p>
+            <a:r>
+              <a:rPr lang="zh-CN" altLang="en-US"/>
+              <a:t>阿里云域名</a:t>
+            </a:r>
+            <a:r>
+              <a:rPr lang="en-US" altLang="zh-CN"/>
+              <a:t>+</a:t>
+            </a:r>
+            <a:r>
+              <a:rPr lang="zh-CN" altLang="en-US"/>
+              <a:t>腾讯云服务器</a:t>
+            </a:r>
+            <a:endParaRPr lang="zh-CN" altLang="en-US"/>
+          </a:p>
+        </p:txBody>
+      </p:sp>
+      <p:sp>
+        <p:nvSpPr>
+          <p:cNvPr id="3" name="内容占位符 2"/>
+          <p:cNvSpPr>
+            <a:spLocks noGrp="1"/>
+          </p:cNvSpPr>
+          <p:nvPr>
+            <p:ph idx="1"/>
+          </p:nvPr>
+        </p:nvSpPr>
+        <p:spPr/>
+        <p:txBody>
+          <a:bodyPr/>
+          <a:p>
+            <a:r>
+              <a:rPr lang="en-US" altLang="zh-CN"/>
+              <a:t>References</a:t>
+            </a:r>
+            <a:endParaRPr lang="en-US" altLang="zh-CN"/>
+          </a:p>
+          <a:p>
+            <a:pPr lvl="1"/>
+            <a:r>
+              <a:rPr lang="en-US" altLang="zh-CN"/>
+              <a:t>https://blog.csdn.net/daotiao0199/article/details/81945865</a:t>
+            </a:r>
+            <a:endParaRPr lang="en-US" altLang="zh-CN"/>
+          </a:p>
+          <a:p>
+            <a:pPr lvl="0"/>
+            <a:r>
+              <a:rPr lang="en-US" altLang="zh-CN" sz="2400"/>
+              <a:t>Steps</a:t>
+            </a:r>
+            <a:endParaRPr lang="en-US" altLang="zh-CN" sz="2400"/>
+          </a:p>
+          <a:p>
+            <a:pPr lvl="1"/>
+            <a:r>
+              <a:rPr lang="en-US" altLang="zh-CN"/>
+              <a:t>阿里云-&gt;控制台-&gt;域名-&gt;域名列表-&gt;管理</a:t>
+            </a:r>
+            <a:endParaRPr lang="en-US" altLang="zh-CN" sz="2000"/>
+          </a:p>
+          <a:p>
+            <a:pPr lvl="1"/>
+            <a:r>
+              <a:rPr lang="en-US" altLang="zh-CN"/>
+              <a:t>修改域名的DNS服务器</a:t>
+            </a:r>
+            <a:r>
+              <a:rPr lang="zh-CN" altLang="en-US"/>
+              <a:t>为</a:t>
+            </a:r>
+            <a:r>
+              <a:rPr lang="en-US" altLang="zh-CN"/>
+              <a:t>s1g1ns1.dnspod.net</a:t>
+            </a:r>
+            <a:r>
+              <a:rPr lang="zh-CN" altLang="en-US"/>
+              <a:t>和</a:t>
+            </a:r>
+            <a:r>
+              <a:rPr lang="en-US" altLang="zh-CN">
+                <a:sym typeface="+mn-ea"/>
+              </a:rPr>
+              <a:t>s1g1ns2.dnspod.net</a:t>
+            </a:r>
+            <a:endParaRPr lang="en-US" altLang="zh-CN">
+              <a:sym typeface="+mn-ea"/>
+            </a:endParaRPr>
+          </a:p>
+          <a:p>
+            <a:pPr lvl="1"/>
+            <a:r>
+              <a:rPr lang="en-US" altLang="zh-CN"/>
+              <a:t>腾讯云-&gt;控制台-&gt;域名服务-&gt;我的域名-&gt;添加解析</a:t>
+            </a:r>
+            <a:endParaRPr lang="en-US" altLang="zh-CN"/>
+          </a:p>
+          <a:p>
+            <a:pPr lvl="1"/>
+            <a:r>
+              <a:rPr lang="zh-CN" altLang="en-US"/>
+              <a:t>腾讯云域名诊断工具 </a:t>
+            </a:r>
+            <a:r>
+              <a:rPr lang="en-US" altLang="zh-CN"/>
+              <a:t>https://domaintool.cloud.tencent.com</a:t>
+            </a:r>
+            <a:endParaRPr lang="en-US" altLang="zh-CN"/>
+          </a:p>
+        </p:txBody>
+      </p:sp>
+    </p:spTree>
+    <p:custDataLst>
+      <p:tags r:id="rId1"/>
+    </p:custDataLst>
+  </p:cSld>
+  <p:clrMapOvr>
+    <a:masterClrMapping/>
+  </p:clrMapOvr>
+</p:sld>
+</file>
+
+<file path=ppt/slides/slide12.xml><?xml version="1.0" encoding="utf-8"?>
+<p:sld xmlns:a="http://schemas.openxmlformats.org/drawingml/2006/main" xmlns:r="http://schemas.openxmlformats.org/officeDocument/2006/relationships" xmlns:p="http://schemas.openxmlformats.org/presentationml/2006/main">
+  <p:cSld>
+    <p:spTree>
+      <p:nvGrpSpPr>
+        <p:cNvPr id="1" name=""/>
+        <p:cNvGrpSpPr/>
+        <p:nvPr/>
+      </p:nvGrpSpPr>
+      <p:grpSpPr/>
+      <p:sp>
+        <p:nvSpPr>
+          <p:cNvPr id="2" name="标题 1"/>
+          <p:cNvSpPr>
+            <a:spLocks noGrp="1"/>
+          </p:cNvSpPr>
+          <p:nvPr>
+            <p:ph type="title"/>
+          </p:nvPr>
+        </p:nvSpPr>
+        <p:spPr/>
+        <p:txBody>
+          <a:bodyPr/>
+          <a:p>
+            <a:r>
+              <a:rPr lang="en-US" altLang="zh-CN"/>
+              <a:t>Q&amp;A</a:t>
+            </a:r>
+            <a:endParaRPr lang="en-US" altLang="zh-CN"/>
+          </a:p>
+        </p:txBody>
+      </p:sp>
+      <p:sp>
+        <p:nvSpPr>
+          <p:cNvPr id="3" name="内容占位符 2"/>
+          <p:cNvSpPr>
+            <a:spLocks noGrp="1"/>
+          </p:cNvSpPr>
+          <p:nvPr>
+            <p:ph idx="1"/>
+          </p:nvPr>
+        </p:nvSpPr>
+        <p:spPr/>
+        <p:txBody>
+          <a:bodyPr/>
+          <a:p>
+            <a:r>
+              <a:rPr lang="zh-CN" altLang="en-US"/>
+              <a:t>Safari浏览器不支持将非ASCII字符存入Cookie</a:t>
+            </a:r>
+            <a:endParaRPr lang="zh-CN" altLang="en-US"/>
+          </a:p>
+        </p:txBody>
+      </p:sp>
+    </p:spTree>
+    <p:custDataLst>
+      <p:tags r:id="rId1"/>
+    </p:custDataLst>
+  </p:cSld>
+  <p:clrMapOvr>
+    <a:masterClrMapping/>
+  </p:clrMapOvr>
+</p:sld>
+</file>
+
 <file path=ppt/slides/slide2.xml><?xml version="1.0" encoding="utf-8"?>
 <p:sld xmlns:a="http://schemas.openxmlformats.org/drawingml/2006/main" xmlns:r="http://schemas.openxmlformats.org/officeDocument/2006/relationships" xmlns:p="http://schemas.openxmlformats.org/presentationml/2006/main">
   <p:cSld>
@@ -4462,17 +4858,34 @@
         </p:nvSpPr>
         <p:spPr/>
         <p:txBody>
-          <a:bodyPr/>
-          <a:p>
-            <a:r>
-              <a:rPr lang="en-US" altLang="zh-CN"/>
-              <a:t>Basic</a:t>
+          <a:bodyPr>
+            <a:normAutofit lnSpcReduction="10000"/>
+          </a:bodyPr>
+          <a:p>
+            <a:r>
+              <a:rPr lang="en-US" altLang="zh-CN"/>
+              <a:t>Install</a:t>
             </a:r>
             <a:endParaRPr lang="en-US" altLang="zh-CN"/>
           </a:p>
           <a:p>
             <a:pPr lvl="1"/>
             <a:r>
+              <a:rPr lang="en-US" altLang="zh-CN" sz="2000"/>
+              <a:t>sudo apt install nginx</a:t>
+            </a:r>
+            <a:endParaRPr lang="en-US" altLang="zh-CN"/>
+          </a:p>
+          <a:p>
+            <a:r>
+              <a:rPr lang="en-US" altLang="zh-CN"/>
+              <a:t>Configuration Files</a:t>
+            </a:r>
+            <a:endParaRPr lang="en-US" altLang="zh-CN"/>
+          </a:p>
+          <a:p>
+            <a:pPr lvl="1"/>
+            <a:r>
               <a:rPr lang="en-US" altLang="zh-CN"/>
               <a:t>/etc/nginx/nginx.conf</a:t>
             </a:r>
@@ -4507,6 +4920,14 @@
             <a:r>
               <a:rPr lang="en-US" altLang="zh-CN"/>
               <a:t>/var/log/nginx/</a:t>
+            </a:r>
+            <a:endParaRPr lang="en-US" altLang="zh-CN"/>
+          </a:p>
+          <a:p>
+            <a:pPr lvl="0"/>
+            <a:r>
+              <a:rPr lang="en-US" altLang="zh-CN"/>
+              <a:t>Commands</a:t>
             </a:r>
             <a:endParaRPr lang="en-US" altLang="zh-CN"/>
           </a:p>
@@ -4567,6 +4988,408 @@
       <p:grpSpPr/>
       <p:sp>
         <p:nvSpPr>
+          <p:cNvPr id="2" name="标题 1"/>
+          <p:cNvSpPr>
+            <a:spLocks noGrp="1"/>
+          </p:cNvSpPr>
+          <p:nvPr>
+            <p:ph type="title"/>
+          </p:nvPr>
+        </p:nvSpPr>
+        <p:spPr/>
+        <p:txBody>
+          <a:bodyPr/>
+          <a:p>
+            <a:r>
+              <a:rPr lang="en-US" altLang="zh-CN"/>
+              <a:t>Nginx Configuration</a:t>
+            </a:r>
+            <a:endParaRPr lang="en-US" altLang="zh-CN"/>
+          </a:p>
+        </p:txBody>
+      </p:sp>
+      <p:sp>
+        <p:nvSpPr>
+          <p:cNvPr id="3" name="内容占位符 2"/>
+          <p:cNvSpPr>
+            <a:spLocks noGrp="1"/>
+          </p:cNvSpPr>
+          <p:nvPr>
+            <p:ph idx="1"/>
+          </p:nvPr>
+        </p:nvSpPr>
+        <p:spPr>
+          <a:xfrm>
+            <a:off x="838200" y="1154430"/>
+            <a:ext cx="10515600" cy="1928495"/>
+          </a:xfrm>
+        </p:spPr>
+        <p:txBody>
+          <a:bodyPr/>
+          <a:p>
+            <a:r>
+              <a:rPr lang="en-US" altLang="zh-CN"/>
+              <a:t>References</a:t>
+            </a:r>
+            <a:endParaRPr lang="en-US" altLang="zh-CN"/>
+          </a:p>
+          <a:p>
+            <a:pPr lvl="1"/>
+            <a:r>
+              <a:rPr lang="en-US" altLang="zh-CN"/>
+              <a:t>https://nginx.org/en/docs/http/ngx_http_core_module.html</a:t>
+            </a:r>
+            <a:endParaRPr lang="en-US" altLang="zh-CN"/>
+          </a:p>
+          <a:p>
+            <a:r>
+              <a:rPr lang="en-US" altLang="zh-CN"/>
+              <a:t>Config options</a:t>
+            </a:r>
+            <a:endParaRPr lang="en-US" altLang="zh-CN"/>
+          </a:p>
+          <a:p>
+            <a:pPr lvl="1"/>
+            <a:r>
+              <a:rPr lang="en-US" altLang="zh-CN"/>
+              <a:t>max_ranges:</a:t>
+            </a:r>
+            <a:endParaRPr lang="en-US" altLang="zh-CN"/>
+          </a:p>
+          <a:p>
+            <a:pPr lvl="2"/>
+            <a:r>
+              <a:rPr lang="en-US" altLang="zh-CN"/>
+              <a:t>0 to disable byte-range support</a:t>
+            </a:r>
+            <a:endParaRPr lang="en-US" altLang="zh-CN"/>
+          </a:p>
+        </p:txBody>
+      </p:sp>
+      <p:graphicFrame>
+        <p:nvGraphicFramePr>
+          <p:cNvPr id="4" name="表格 3"/>
+          <p:cNvGraphicFramePr/>
+          <p:nvPr>
+            <p:custDataLst>
+              <p:tags r:id="rId1"/>
+            </p:custDataLst>
+          </p:nvPr>
+        </p:nvGraphicFramePr>
+        <p:xfrm>
+          <a:off x="838200" y="3319145"/>
+          <a:ext cx="10605135" cy="2804160"/>
+        </p:xfrm>
+        <a:graphic>
+          <a:graphicData uri="http://schemas.openxmlformats.org/drawingml/2006/table">
+            <a:tbl>
+              <a:tblPr firstRow="1" bandRow="1">
+                <a:tableStyleId>{5C22544A-7EE6-4342-B048-85BDC9FD1C3A}</a:tableStyleId>
+              </a:tblPr>
+              <a:tblGrid>
+                <a:gridCol w="2844165"/>
+                <a:gridCol w="4317365"/>
+                <a:gridCol w="3443605"/>
+              </a:tblGrid>
+              <a:tr h="381000">
+                <a:tc>
+                  <a:txBody>
+                    <a:bodyPr/>
+                    <a:p>
+                      <a:pPr>
+                        <a:buNone/>
+                      </a:pPr>
+                      <a:endParaRPr lang="zh-CN" altLang="en-US"/>
+                    </a:p>
+                  </a:txBody>
+                  <a:tcPr/>
+                </a:tc>
+                <a:tc>
+                  <a:txBody>
+                    <a:bodyPr/>
+                    <a:p>
+                      <a:pPr>
+                        <a:buNone/>
+                      </a:pPr>
+                      <a:endParaRPr lang="zh-CN" altLang="en-US"/>
+                    </a:p>
+                  </a:txBody>
+                  <a:tcPr/>
+                </a:tc>
+                <a:tc>
+                  <a:txBody>
+                    <a:bodyPr/>
+                    <a:p>
+                      <a:pPr>
+                        <a:buNone/>
+                      </a:pPr>
+                      <a:endParaRPr lang="zh-CN" altLang="en-US"/>
+                    </a:p>
+                  </a:txBody>
+                  <a:tcPr/>
+                </a:tc>
+              </a:tr>
+              <a:tr h="381000">
+                <a:tc>
+                  <a:txBody>
+                    <a:bodyPr/>
+                    <a:p>
+                      <a:pPr>
+                        <a:buNone/>
+                      </a:pPr>
+                      <a:r>
+                        <a:rPr lang="en-US" altLang="zh-CN"/>
+                        <a:t>max_ranges</a:t>
+                      </a:r>
+                      <a:endParaRPr lang="en-US" altLang="zh-CN"/>
+                    </a:p>
+                  </a:txBody>
+                  <a:tcPr/>
+                </a:tc>
+                <a:tc>
+                  <a:txBody>
+                    <a:bodyPr/>
+                    <a:p>
+                      <a:pPr>
+                        <a:buNone/>
+                      </a:pPr>
+                      <a:r>
+                        <a:rPr lang="zh-CN" altLang="en-US"/>
+                        <a:t>Limits the maximum allowed number of ranges in byte-range requests</a:t>
+                      </a:r>
+                      <a:endParaRPr lang="zh-CN" altLang="en-US"/>
+                    </a:p>
+                  </a:txBody>
+                  <a:tcPr/>
+                </a:tc>
+                <a:tc>
+                  <a:txBody>
+                    <a:bodyPr/>
+                    <a:p>
+                      <a:pPr>
+                        <a:buNone/>
+                      </a:pPr>
+                      <a:r>
+                        <a:rPr lang="en-US" altLang="zh-CN"/>
+                        <a:t>Default: not limited</a:t>
+                      </a:r>
+                      <a:endParaRPr lang="en-US" altLang="zh-CN"/>
+                    </a:p>
+                    <a:p>
+                      <a:pPr>
+                        <a:buNone/>
+                      </a:pPr>
+                      <a:r>
+                        <a:rPr lang="en-US" altLang="zh-CN"/>
+                        <a:t>0: disable byte-range support</a:t>
+                      </a:r>
+                      <a:endParaRPr lang="en-US" altLang="zh-CN"/>
+                    </a:p>
+                  </a:txBody>
+                  <a:tcPr/>
+                </a:tc>
+              </a:tr>
+              <a:tr h="381000">
+                <a:tc>
+                  <a:txBody>
+                    <a:bodyPr/>
+                    <a:p>
+                      <a:pPr>
+                        <a:buNone/>
+                      </a:pPr>
+                      <a:r>
+                        <a:rPr lang="zh-CN" altLang="en-US"/>
+                        <a:t>proxy_connect_timeout</a:t>
+                      </a:r>
+                      <a:endParaRPr lang="zh-CN" altLang="en-US"/>
+                    </a:p>
+                  </a:txBody>
+                  <a:tcPr/>
+                </a:tc>
+                <a:tc>
+                  <a:txBody>
+                    <a:bodyPr/>
+                    <a:p>
+                      <a:pPr>
+                        <a:buNone/>
+                      </a:pPr>
+                      <a:endParaRPr lang="zh-CN" altLang="en-US"/>
+                    </a:p>
+                  </a:txBody>
+                  <a:tcPr/>
+                </a:tc>
+                <a:tc>
+                  <a:txBody>
+                    <a:bodyPr/>
+                    <a:p>
+                      <a:pPr>
+                        <a:buNone/>
+                      </a:pPr>
+                      <a:endParaRPr lang="zh-CN" altLang="en-US"/>
+                    </a:p>
+                  </a:txBody>
+                  <a:tcPr/>
+                </a:tc>
+              </a:tr>
+              <a:tr h="381000">
+                <a:tc>
+                  <a:txBody>
+                    <a:bodyPr/>
+                    <a:p>
+                      <a:pPr>
+                        <a:buNone/>
+                      </a:pPr>
+                      <a:r>
+                        <a:rPr lang="zh-CN" altLang="en-US" sz="1800">
+                          <a:sym typeface="+mn-ea"/>
+                        </a:rPr>
+                        <a:t>proxy_send_timeout</a:t>
+                      </a:r>
+                      <a:endParaRPr lang="zh-CN" altLang="en-US"/>
+                    </a:p>
+                  </a:txBody>
+                  <a:tcPr/>
+                </a:tc>
+                <a:tc>
+                  <a:txBody>
+                    <a:bodyPr/>
+                    <a:p>
+                      <a:pPr>
+                        <a:buNone/>
+                      </a:pPr>
+                      <a:endParaRPr lang="zh-CN" altLang="en-US"/>
+                    </a:p>
+                  </a:txBody>
+                  <a:tcPr/>
+                </a:tc>
+                <a:tc>
+                  <a:txBody>
+                    <a:bodyPr/>
+                    <a:p>
+                      <a:pPr>
+                        <a:buNone/>
+                      </a:pPr>
+                      <a:endParaRPr lang="zh-CN" altLang="en-US"/>
+                    </a:p>
+                  </a:txBody>
+                  <a:tcPr/>
+                </a:tc>
+              </a:tr>
+              <a:tr h="381000">
+                <a:tc>
+                  <a:txBody>
+                    <a:bodyPr/>
+                    <a:p>
+                      <a:pPr>
+                        <a:buNone/>
+                      </a:pPr>
+                      <a:r>
+                        <a:rPr lang="zh-CN" altLang="en-US" sz="1800">
+                          <a:sym typeface="+mn-ea"/>
+                        </a:rPr>
+                        <a:t>proxy_read_timeout</a:t>
+                      </a:r>
+                      <a:endParaRPr lang="zh-CN" altLang="en-US"/>
+                    </a:p>
+                  </a:txBody>
+                  <a:tcPr/>
+                </a:tc>
+                <a:tc>
+                  <a:txBody>
+                    <a:bodyPr/>
+                    <a:p>
+                      <a:pPr>
+                        <a:buNone/>
+                      </a:pPr>
+                      <a:endParaRPr lang="zh-CN" altLang="en-US"/>
+                    </a:p>
+                  </a:txBody>
+                  <a:tcPr/>
+                </a:tc>
+                <a:tc>
+                  <a:txBody>
+                    <a:bodyPr/>
+                    <a:p>
+                      <a:pPr>
+                        <a:buNone/>
+                      </a:pPr>
+                      <a:endParaRPr lang="zh-CN" altLang="en-US"/>
+                    </a:p>
+                  </a:txBody>
+                  <a:tcPr/>
+                </a:tc>
+              </a:tr>
+              <a:tr h="381000">
+                <a:tc>
+                  <a:txBody>
+                    <a:bodyPr/>
+                    <a:p>
+                      <a:pPr>
+                        <a:buNone/>
+                      </a:pPr>
+                      <a:r>
+                        <a:rPr lang="zh-CN" altLang="en-US" sz="1800">
+                          <a:sym typeface="+mn-ea"/>
+                        </a:rPr>
+                        <a:t>send_timeout</a:t>
+                      </a:r>
+                      <a:endParaRPr lang="zh-CN" altLang="en-US"/>
+                    </a:p>
+                  </a:txBody>
+                  <a:tcPr/>
+                </a:tc>
+                <a:tc>
+                  <a:txBody>
+                    <a:bodyPr/>
+                    <a:p>
+                      <a:pPr>
+                        <a:buNone/>
+                      </a:pPr>
+                      <a:endParaRPr lang="zh-CN" altLang="en-US"/>
+                    </a:p>
+                  </a:txBody>
+                  <a:tcPr/>
+                </a:tc>
+                <a:tc>
+                  <a:txBody>
+                    <a:bodyPr/>
+                    <a:p>
+                      <a:pPr>
+                        <a:buNone/>
+                      </a:pPr>
+                      <a:endParaRPr lang="zh-CN" altLang="en-US"/>
+                    </a:p>
+                  </a:txBody>
+                  <a:tcPr/>
+                </a:tc>
+              </a:tr>
+            </a:tbl>
+          </a:graphicData>
+        </a:graphic>
+      </p:graphicFrame>
+    </p:spTree>
+    <p:custDataLst>
+      <p:tags r:id="rId2"/>
+    </p:custDataLst>
+  </p:cSld>
+  <p:clrMapOvr>
+    <a:masterClrMapping/>
+  </p:clrMapOvr>
+</p:sld>
+</file>
+
+<file path=ppt/slides/slide7.xml><?xml version="1.0" encoding="utf-8"?>
+<p:sld xmlns:a="http://schemas.openxmlformats.org/drawingml/2006/main" xmlns:r="http://schemas.openxmlformats.org/officeDocument/2006/relationships" xmlns:p="http://schemas.openxmlformats.org/presentationml/2006/main">
+  <p:cSld>
+    <p:spTree>
+      <p:nvGrpSpPr>
+        <p:cNvPr id="1" name=""/>
+        <p:cNvGrpSpPr/>
+        <p:nvPr/>
+      </p:nvGrpSpPr>
+      <p:grpSpPr/>
+      <p:sp>
+        <p:nvSpPr>
           <p:cNvPr id="24578" name="标题 2"/>
           <p:cNvSpPr>
             <a:spLocks noGrp="1"/>
@@ -4735,6 +5558,756 @@
     </p:spTree>
     <p:custDataLst>
       <p:tags r:id="rId3"/>
+    </p:custDataLst>
+  </p:cSld>
+  <p:clrMapOvr>
+    <a:masterClrMapping/>
+  </p:clrMapOvr>
+</p:sld>
+</file>
+
+<file path=ppt/slides/slide8.xml><?xml version="1.0" encoding="utf-8"?>
+<p:sld xmlns:a="http://schemas.openxmlformats.org/drawingml/2006/main" xmlns:r="http://schemas.openxmlformats.org/officeDocument/2006/relationships" xmlns:p="http://schemas.openxmlformats.org/presentationml/2006/main">
+  <p:cSld>
+    <p:spTree>
+      <p:nvGrpSpPr>
+        <p:cNvPr id="1" name=""/>
+        <p:cNvGrpSpPr/>
+        <p:nvPr/>
+      </p:nvGrpSpPr>
+      <p:grpSpPr/>
+      <p:sp>
+        <p:nvSpPr>
+          <p:cNvPr id="2" name="标题 1"/>
+          <p:cNvSpPr>
+            <a:spLocks noGrp="1"/>
+          </p:cNvSpPr>
+          <p:nvPr>
+            <p:ph type="title"/>
+          </p:nvPr>
+        </p:nvSpPr>
+        <p:spPr/>
+        <p:txBody>
+          <a:bodyPr/>
+          <a:p>
+            <a:r>
+              <a:rPr lang="en-US" altLang="zh-CN"/>
+              <a:t>Monitoring</a:t>
+            </a:r>
+            <a:endParaRPr lang="en-US" altLang="zh-CN"/>
+          </a:p>
+        </p:txBody>
+      </p:sp>
+      <p:graphicFrame>
+        <p:nvGraphicFramePr>
+          <p:cNvPr id="4" name="表格 3"/>
+          <p:cNvGraphicFramePr/>
+          <p:nvPr>
+            <p:custDataLst>
+              <p:tags r:id="rId1"/>
+            </p:custDataLst>
+          </p:nvPr>
+        </p:nvGraphicFramePr>
+        <p:xfrm>
+          <a:off x="976630" y="1437640"/>
+          <a:ext cx="10553065" cy="3870325"/>
+        </p:xfrm>
+        <a:graphic>
+          <a:graphicData uri="http://schemas.openxmlformats.org/drawingml/2006/table">
+            <a:tbl>
+              <a:tblPr firstRow="1" bandRow="1">
+                <a:tableStyleId>{5C22544A-7EE6-4342-B048-85BDC9FD1C3A}</a:tableStyleId>
+              </a:tblPr>
+              <a:tblGrid>
+                <a:gridCol w="1602105"/>
+                <a:gridCol w="4458970"/>
+                <a:gridCol w="4491990"/>
+              </a:tblGrid>
+              <a:tr h="517525">
+                <a:tc>
+                  <a:txBody>
+                    <a:bodyPr/>
+                    <a:p>
+                      <a:pPr algn="ctr">
+                        <a:buNone/>
+                      </a:pPr>
+                      <a:endParaRPr lang="zh-CN" altLang="en-US"/>
+                    </a:p>
+                  </a:txBody>
+                  <a:tcPr anchor="ctr" anchorCtr="0"/>
+                </a:tc>
+                <a:tc>
+                  <a:txBody>
+                    <a:bodyPr/>
+                    <a:p>
+                      <a:pPr algn="ctr">
+                        <a:buNone/>
+                      </a:pPr>
+                      <a:r>
+                        <a:rPr lang="zh-CN" altLang="en-US"/>
+                        <a:t>命令</a:t>
+                      </a:r>
+                      <a:endParaRPr lang="zh-CN" altLang="en-US"/>
+                    </a:p>
+                  </a:txBody>
+                  <a:tcPr anchor="ctr" anchorCtr="0"/>
+                </a:tc>
+                <a:tc>
+                  <a:txBody>
+                    <a:bodyPr/>
+                    <a:p>
+                      <a:pPr algn="ctr">
+                        <a:buNone/>
+                      </a:pPr>
+                      <a:r>
+                        <a:rPr lang="zh-CN" altLang="en-US"/>
+                        <a:t>说明</a:t>
+                      </a:r>
+                      <a:endParaRPr lang="zh-CN" altLang="en-US"/>
+                    </a:p>
+                  </a:txBody>
+                  <a:tcPr anchor="ctr" anchorCtr="0"/>
+                </a:tc>
+              </a:tr>
+              <a:tr h="516890">
+                <a:tc>
+                  <a:txBody>
+                    <a:bodyPr/>
+                    <a:p>
+                      <a:pPr>
+                        <a:buNone/>
+                      </a:pPr>
+                      <a:r>
+                        <a:rPr lang="zh-CN" altLang="en-US"/>
+                        <a:t>监控硬件</a:t>
+                      </a:r>
+                      <a:endParaRPr lang="zh-CN" altLang="en-US"/>
+                    </a:p>
+                  </a:txBody>
+                  <a:tcPr/>
+                </a:tc>
+                <a:tc>
+                  <a:txBody>
+                    <a:bodyPr/>
+                    <a:p>
+                      <a:pPr>
+                        <a:buNone/>
+                      </a:pPr>
+                      <a:r>
+                        <a:rPr lang="zh-CN" altLang="en-US"/>
+                        <a:t>ipmitool</a:t>
+                      </a:r>
+                      <a:endParaRPr lang="zh-CN" altLang="en-US"/>
+                    </a:p>
+                  </a:txBody>
+                  <a:tcPr/>
+                </a:tc>
+                <a:tc>
+                  <a:txBody>
+                    <a:bodyPr/>
+                    <a:p>
+                      <a:pPr>
+                        <a:buNone/>
+                      </a:pPr>
+                      <a:endParaRPr lang="zh-CN" altLang="en-US"/>
+                    </a:p>
+                  </a:txBody>
+                  <a:tcPr/>
+                </a:tc>
+              </a:tr>
+              <a:tr h="641985">
+                <a:tc>
+                  <a:txBody>
+                    <a:bodyPr/>
+                    <a:p>
+                      <a:pPr>
+                        <a:buNone/>
+                      </a:pPr>
+                      <a:r>
+                        <a:rPr lang="en-US" altLang="zh-CN"/>
+                        <a:t>CPU</a:t>
+                      </a:r>
+                      <a:r>
+                        <a:rPr lang="zh-CN" altLang="en-US"/>
+                        <a:t>相关</a:t>
+                      </a:r>
+                      <a:endParaRPr lang="zh-CN" altLang="en-US"/>
+                    </a:p>
+                  </a:txBody>
+                  <a:tcPr/>
+                </a:tc>
+                <a:tc>
+                  <a:txBody>
+                    <a:bodyPr/>
+                    <a:p>
+                      <a:pPr>
+                        <a:buNone/>
+                      </a:pPr>
+                      <a:r>
+                        <a:rPr lang="zh-CN" altLang="en-US"/>
+                        <a:t>lscpu uptime top htop vmstat mpstat</a:t>
+                      </a:r>
+                      <a:endParaRPr lang="zh-CN" altLang="en-US"/>
+                    </a:p>
+                  </a:txBody>
+                  <a:tcPr/>
+                </a:tc>
+                <a:tc>
+                  <a:txBody>
+                    <a:bodyPr/>
+                    <a:p>
+                      <a:pPr>
+                        <a:buNone/>
+                      </a:pPr>
+                      <a:endParaRPr lang="zh-CN" altLang="en-US"/>
+                    </a:p>
+                  </a:txBody>
+                  <a:tcPr/>
+                </a:tc>
+              </a:tr>
+              <a:tr h="517525">
+                <a:tc>
+                  <a:txBody>
+                    <a:bodyPr/>
+                    <a:p>
+                      <a:pPr>
+                        <a:buNone/>
+                      </a:pPr>
+                      <a:r>
+                        <a:rPr lang="zh-CN" altLang="en-US"/>
+                        <a:t>内存</a:t>
+                      </a:r>
+                      <a:endParaRPr lang="zh-CN" altLang="en-US"/>
+                    </a:p>
+                  </a:txBody>
+                  <a:tcPr/>
+                </a:tc>
+                <a:tc>
+                  <a:txBody>
+                    <a:bodyPr/>
+                    <a:p>
+                      <a:pPr>
+                        <a:buNone/>
+                      </a:pPr>
+                      <a:r>
+                        <a:rPr lang="en-US" altLang="zh-CN"/>
+                        <a:t>free</a:t>
+                      </a:r>
+                      <a:endParaRPr lang="en-US" altLang="zh-CN"/>
+                    </a:p>
+                  </a:txBody>
+                  <a:tcPr/>
+                </a:tc>
+                <a:tc>
+                  <a:txBody>
+                    <a:bodyPr/>
+                    <a:p>
+                      <a:pPr>
+                        <a:buNone/>
+                      </a:pPr>
+                      <a:endParaRPr lang="zh-CN" altLang="en-US"/>
+                    </a:p>
+                  </a:txBody>
+                  <a:tcPr/>
+                </a:tc>
+              </a:tr>
+              <a:tr h="516890">
+                <a:tc>
+                  <a:txBody>
+                    <a:bodyPr/>
+                    <a:p>
+                      <a:pPr>
+                        <a:buNone/>
+                      </a:pPr>
+                      <a:r>
+                        <a:rPr lang="zh-CN" altLang="en-US"/>
+                        <a:t>磁盘</a:t>
+                      </a:r>
+                      <a:endParaRPr lang="zh-CN" altLang="en-US"/>
+                    </a:p>
+                  </a:txBody>
+                  <a:tcPr/>
+                </a:tc>
+                <a:tc>
+                  <a:txBody>
+                    <a:bodyPr/>
+                    <a:p>
+                      <a:pPr>
+                        <a:buNone/>
+                      </a:pPr>
+                      <a:r>
+                        <a:rPr lang="en-US" altLang="zh-CN"/>
+                        <a:t>df dd iotop</a:t>
+                      </a:r>
+                      <a:endParaRPr lang="en-US" altLang="zh-CN"/>
+                    </a:p>
+                  </a:txBody>
+                  <a:tcPr/>
+                </a:tc>
+                <a:tc>
+                  <a:txBody>
+                    <a:bodyPr/>
+                    <a:p>
+                      <a:pPr>
+                        <a:buNone/>
+                      </a:pPr>
+                      <a:endParaRPr lang="zh-CN" altLang="en-US"/>
+                    </a:p>
+                  </a:txBody>
+                  <a:tcPr/>
+                </a:tc>
+              </a:tr>
+              <a:tr h="517525">
+                <a:tc>
+                  <a:txBody>
+                    <a:bodyPr/>
+                    <a:p>
+                      <a:pPr>
+                        <a:buNone/>
+                      </a:pPr>
+                      <a:r>
+                        <a:rPr lang="zh-CN" altLang="en-US"/>
+                        <a:t>网络</a:t>
+                      </a:r>
+                      <a:endParaRPr lang="zh-CN" altLang="en-US"/>
+                    </a:p>
+                  </a:txBody>
+                  <a:tcPr/>
+                </a:tc>
+                <a:tc>
+                  <a:txBody>
+                    <a:bodyPr/>
+                    <a:p>
+                      <a:pPr>
+                        <a:buNone/>
+                      </a:pPr>
+                      <a:r>
+                        <a:rPr lang="en-US" altLang="zh-CN"/>
+                        <a:t>iftop nethogs</a:t>
+                      </a:r>
+                      <a:endParaRPr lang="en-US" altLang="zh-CN"/>
+                    </a:p>
+                    <a:p>
+                      <a:pPr>
+                        <a:buNone/>
+                      </a:pPr>
+                      <a:r>
+                        <a:rPr lang="en-US" altLang="zh-CN"/>
+                        <a:t>sudo lsof -i -P -n | grep LISTEN</a:t>
+                      </a:r>
+                      <a:endParaRPr lang="en-US" altLang="zh-CN"/>
+                    </a:p>
+                  </a:txBody>
+                  <a:tcPr/>
+                </a:tc>
+                <a:tc>
+                  <a:txBody>
+                    <a:bodyPr/>
+                    <a:p>
+                      <a:pPr>
+                        <a:buNone/>
+                      </a:pPr>
+                      <a:endParaRPr lang="zh-CN" altLang="en-US"/>
+                    </a:p>
+                  </a:txBody>
+                  <a:tcPr/>
+                </a:tc>
+              </a:tr>
+              <a:tr h="641985">
+                <a:tc>
+                  <a:txBody>
+                    <a:bodyPr/>
+                    <a:p>
+                      <a:pPr>
+                        <a:buNone/>
+                      </a:pPr>
+                      <a:r>
+                        <a:rPr lang="zh-CN" altLang="en-US"/>
+                        <a:t>监控出图</a:t>
+                      </a:r>
+                      <a:endParaRPr lang="zh-CN" altLang="en-US"/>
+                    </a:p>
+                  </a:txBody>
+                  <a:tcPr/>
+                </a:tc>
+                <a:tc>
+                  <a:txBody>
+                    <a:bodyPr/>
+                    <a:p>
+                      <a:pPr>
+                        <a:buNone/>
+                      </a:pPr>
+                      <a:r>
+                        <a:rPr lang="en-US" altLang="zh-CN"/>
+                        <a:t>mrtg nagios cacti zabbix</a:t>
+                      </a:r>
+                      <a:endParaRPr lang="en-US" altLang="zh-CN"/>
+                    </a:p>
+                  </a:txBody>
+                  <a:tcPr/>
+                </a:tc>
+                <a:tc>
+                  <a:txBody>
+                    <a:bodyPr/>
+                    <a:p>
+                      <a:pPr>
+                        <a:buNone/>
+                      </a:pPr>
+                      <a:endParaRPr lang="zh-CN" altLang="en-US"/>
+                    </a:p>
+                  </a:txBody>
+                  <a:tcPr/>
+                </a:tc>
+              </a:tr>
+            </a:tbl>
+          </a:graphicData>
+        </a:graphic>
+      </p:graphicFrame>
+    </p:spTree>
+    <p:custDataLst>
+      <p:tags r:id="rId2"/>
+    </p:custDataLst>
+  </p:cSld>
+  <p:clrMapOvr>
+    <a:masterClrMapping/>
+  </p:clrMapOvr>
+</p:sld>
+</file>
+
+<file path=ppt/slides/slide9.xml><?xml version="1.0" encoding="utf-8"?>
+<p:sld xmlns:a="http://schemas.openxmlformats.org/drawingml/2006/main" xmlns:r="http://schemas.openxmlformats.org/officeDocument/2006/relationships" xmlns:p="http://schemas.openxmlformats.org/presentationml/2006/main">
+  <p:cSld>
+    <p:spTree>
+      <p:nvGrpSpPr>
+        <p:cNvPr id="1" name=""/>
+        <p:cNvGrpSpPr/>
+        <p:nvPr/>
+      </p:nvGrpSpPr>
+      <p:grpSpPr/>
+      <p:sp>
+        <p:nvSpPr>
+          <p:cNvPr id="2" name="标题 1"/>
+          <p:cNvSpPr>
+            <a:spLocks noGrp="1"/>
+          </p:cNvSpPr>
+          <p:nvPr>
+            <p:ph type="title"/>
+          </p:nvPr>
+        </p:nvSpPr>
+        <p:spPr/>
+        <p:txBody>
+          <a:bodyPr/>
+          <a:p>
+            <a:r>
+              <a:rPr lang="en-US" altLang="zh-CN"/>
+              <a:t>SAR</a:t>
+            </a:r>
+            <a:endParaRPr lang="en-US" altLang="zh-CN"/>
+          </a:p>
+        </p:txBody>
+      </p:sp>
+      <p:sp>
+        <p:nvSpPr>
+          <p:cNvPr id="3" name="内容占位符 2"/>
+          <p:cNvSpPr>
+            <a:spLocks noGrp="1"/>
+          </p:cNvSpPr>
+          <p:nvPr>
+            <p:ph idx="1"/>
+          </p:nvPr>
+        </p:nvSpPr>
+        <p:spPr>
+          <a:xfrm>
+            <a:off x="838200" y="1211580"/>
+            <a:ext cx="10515600" cy="5447665"/>
+          </a:xfrm>
+        </p:spPr>
+        <p:txBody>
+          <a:bodyPr>
+            <a:normAutofit fontScale="70000"/>
+          </a:bodyPr>
+          <a:p>
+            <a:r>
+              <a:rPr lang="en-US" altLang="zh-CN"/>
+              <a:t>sudo apt install sysstat</a:t>
+            </a:r>
+            <a:endParaRPr lang="en-US" altLang="zh-CN"/>
+          </a:p>
+          <a:p>
+            <a:r>
+              <a:rPr lang="en-US" altLang="zh-CN"/>
+              <a:t>Enable sysstat</a:t>
+            </a:r>
+            <a:endParaRPr lang="en-US" altLang="zh-CN"/>
+          </a:p>
+          <a:p>
+            <a:pPr lvl="1"/>
+            <a:r>
+              <a:rPr lang="en-US" altLang="zh-CN"/>
+              <a:t>/etc/default/sysstat false-&gt;true</a:t>
+            </a:r>
+            <a:endParaRPr lang="en-US" altLang="zh-CN"/>
+          </a:p>
+          <a:p>
+            <a:pPr lvl="0"/>
+            <a:r>
+              <a:rPr lang="en-US" altLang="zh-CN" sz="2400"/>
+              <a:t>Configure sysstat</a:t>
+            </a:r>
+            <a:endParaRPr lang="en-US" altLang="zh-CN"/>
+          </a:p>
+          <a:p>
+            <a:pPr lvl="1"/>
+            <a:r>
+              <a:rPr lang="en-US" altLang="zh-CN"/>
+              <a:t>/etc/cron.d/sysstat 5-55/10-&gt;*/2</a:t>
+            </a:r>
+            <a:endParaRPr lang="en-US" altLang="zh-CN"/>
+          </a:p>
+          <a:p>
+            <a:pPr lvl="1"/>
+            <a:r>
+              <a:rPr lang="en-US" altLang="zh-CN"/>
+              <a:t>/etc/sysstat/sysstat</a:t>
+            </a:r>
+            <a:endParaRPr lang="en-US" altLang="zh-CN"/>
+          </a:p>
+          <a:p>
+            <a:pPr lvl="2"/>
+            <a:r>
+              <a:rPr lang="en-US" altLang="zh-CN" sz="1800"/>
+              <a:t>HISTORY: 7-&gt;30</a:t>
+            </a:r>
+            <a:endParaRPr lang="en-US" altLang="zh-CN"/>
+          </a:p>
+          <a:p>
+            <a:pPr lvl="0"/>
+            <a:r>
+              <a:rPr lang="en-US" altLang="zh-CN"/>
+              <a:t>Start sysstat</a:t>
+            </a:r>
+            <a:endParaRPr lang="en-US" altLang="zh-CN"/>
+          </a:p>
+          <a:p>
+            <a:pPr lvl="1"/>
+            <a:r>
+              <a:rPr lang="en-US" altLang="zh-CN"/>
+              <a:t>sudo service sysstat restart</a:t>
+            </a:r>
+            <a:endParaRPr lang="en-US" altLang="zh-CN"/>
+          </a:p>
+          <a:p>
+            <a:pPr lvl="1"/>
+            <a:r>
+              <a:rPr lang="en-US" altLang="zh-CN"/>
+              <a:t>sudo service --status-all</a:t>
+            </a:r>
+            <a:endParaRPr lang="en-US" altLang="zh-CN"/>
+          </a:p>
+          <a:p>
+            <a:pPr lvl="1"/>
+            <a:r>
+              <a:rPr lang="en-US" altLang="zh-CN"/>
+              <a:t>log file: /var/log/sysstat/sa*</a:t>
+            </a:r>
+            <a:endParaRPr lang="en-US" altLang="zh-CN"/>
+          </a:p>
+          <a:p>
+            <a:pPr lvl="0"/>
+            <a:r>
+              <a:rPr lang="en-US" altLang="zh-CN"/>
+              <a:t>ksar</a:t>
+            </a:r>
+            <a:endParaRPr lang="en-US" altLang="zh-CN"/>
+          </a:p>
+          <a:p>
+            <a:pPr lvl="1"/>
+            <a:r>
+              <a:rPr lang="en-US" altLang="zh-CN"/>
+              <a:t>sudo apt install openjdk-8-jre</a:t>
+            </a:r>
+            <a:endParaRPr lang="en-US" altLang="zh-CN"/>
+          </a:p>
+          <a:p>
+            <a:pPr lvl="1"/>
+            <a:r>
+              <a:rPr lang="en-US" altLang="zh-CN"/>
+              <a:t>wget https://excellmedia.dl.sourceforge.net/project/ksar/ksar/5.0.6/kSar-5.0.6.zip</a:t>
+            </a:r>
+            <a:endParaRPr lang="en-US" altLang="zh-CN"/>
+          </a:p>
+          <a:p>
+            <a:pPr lvl="1"/>
+            <a:r>
+              <a:rPr lang="en-US" altLang="zh-CN"/>
+              <a:t>LC_ALL=C sar -A -f sa22 &gt;sa22.parse</a:t>
+            </a:r>
+            <a:endParaRPr lang="en-US" altLang="zh-CN"/>
+          </a:p>
+          <a:p>
+            <a:pPr lvl="1"/>
+            <a:r>
+              <a:rPr lang="en-US" altLang="zh-CN"/>
+              <a:t>run.sh &amp;</a:t>
+            </a:r>
+            <a:endParaRPr lang="en-US" altLang="zh-CN"/>
+          </a:p>
+          <a:p>
+            <a:pPr lvl="1"/>
+            <a:r>
+              <a:rPr lang="en-US" altLang="zh-CN"/>
+              <a:t>Select “load from text file...”</a:t>
+            </a:r>
+            <a:endParaRPr lang="en-US" altLang="zh-CN"/>
+          </a:p>
+          <a:p>
+            <a:pPr lvl="0"/>
+            <a:r>
+              <a:rPr lang="en-US" altLang="zh-CN"/>
+              <a:t>References</a:t>
+            </a:r>
+            <a:endParaRPr lang="en-US" altLang="zh-CN"/>
+          </a:p>
+          <a:p>
+            <a:pPr lvl="1"/>
+            <a:r>
+              <a:rPr lang="en-US" altLang="zh-CN"/>
+              <a:t>https://www.howtoforge.com/install-and-configure-sar-and-ksar-for-daily-monitoring-on-linux-and-generate-pdf-reports/</a:t>
+            </a:r>
+            <a:endParaRPr lang="en-US" altLang="zh-CN"/>
+          </a:p>
+        </p:txBody>
+      </p:sp>
+      <p:sp>
+        <p:nvSpPr>
+          <p:cNvPr id="4" name="文本框 3"/>
+          <p:cNvSpPr txBox="1"/>
+          <p:nvPr/>
+        </p:nvSpPr>
+        <p:spPr>
+          <a:xfrm>
+            <a:off x="6075680" y="1211580"/>
+            <a:ext cx="5632450" cy="3415030"/>
+          </a:xfrm>
+          <a:prstGeom prst="rect">
+            <a:avLst/>
+          </a:prstGeom>
+          <a:noFill/>
+          <a:ln>
+            <a:solidFill>
+              <a:srgbClr val="FFC000"/>
+            </a:solidFill>
+          </a:ln>
+        </p:spPr>
+        <p:txBody>
+          <a:bodyPr wrap="square" rtlCol="0">
+            <a:spAutoFit/>
+          </a:bodyPr>
+          <a:p>
+            <a:r>
+              <a:rPr lang="zh-CN" altLang="en-US"/>
+              <a:t>#!/bin/bash</a:t>
+            </a:r>
+            <a:endParaRPr lang="zh-CN" altLang="en-US"/>
+          </a:p>
+          <a:p>
+            <a:r>
+              <a:rPr lang="zh-CN" altLang="en-US"/>
+              <a:t>idx=`date --date="1 days ago" +%</a:t>
+            </a:r>
+            <a:r>
+              <a:rPr lang="en-US" altLang="zh-CN"/>
+              <a:t>Y%m%</a:t>
+            </a:r>
+            <a:r>
+              <a:rPr lang="zh-CN" altLang="en-US"/>
+              <a:t>d`</a:t>
+            </a:r>
+            <a:endParaRPr lang="zh-CN" altLang="en-US"/>
+          </a:p>
+          <a:p>
+            <a:endParaRPr lang="zh-CN" altLang="en-US"/>
+          </a:p>
+          <a:p>
+            <a:r>
+              <a:rPr lang="zh-CN" altLang="en-US"/>
+              <a:t>work_dir="/home/lgm/SarReports/"</a:t>
+            </a:r>
+            <a:endParaRPr lang="zh-CN" altLang="en-US"/>
+          </a:p>
+          <a:p>
+            <a:r>
+              <a:rPr lang="zh-CN" altLang="en-US"/>
+              <a:t>sar_file="$work_dir/sa$idx"</a:t>
+            </a:r>
+            <a:endParaRPr lang="zh-CN" altLang="en-US"/>
+          </a:p>
+          <a:p>
+            <a:r>
+              <a:rPr lang="zh-CN" altLang="en-US"/>
+              <a:t>pdf_file="$work_dir/sa$idx.pdf'</a:t>
+            </a:r>
+            <a:endParaRPr lang="zh-CN" altLang="en-US"/>
+          </a:p>
+          <a:p>
+            <a:r>
+              <a:rPr lang="en-US" altLang="zh-CN"/>
+              <a:t>ksar_dir=”</a:t>
+            </a:r>
+            <a:r>
+              <a:rPr lang="zh-CN" altLang="en-US">
+                <a:sym typeface="+mn-ea"/>
+              </a:rPr>
+              <a:t>/home/lgm/Programs/kSar-5.0.6/</a:t>
+            </a:r>
+            <a:r>
+              <a:rPr lang="en-US" altLang="zh-CN">
+                <a:sym typeface="+mn-ea"/>
+              </a:rPr>
+              <a:t>”</a:t>
+            </a:r>
+            <a:endParaRPr lang="zh-CN" altLang="en-US"/>
+          </a:p>
+          <a:p>
+            <a:endParaRPr lang="zh-CN" altLang="en-US"/>
+          </a:p>
+          <a:p>
+            <a:r>
+              <a:rPr lang="zh-CN" altLang="en-US"/>
+              <a:t>LC_ALL=C sar -A -f /var/log/sysstat/sa$idx &gt; $sar_file</a:t>
+            </a:r>
+            <a:endParaRPr lang="zh-CN" altLang="en-US"/>
+          </a:p>
+          <a:p>
+            <a:r>
+              <a:rPr lang="zh-CN" altLang="en-US"/>
+              <a:t>cd </a:t>
+            </a:r>
+            <a:r>
+              <a:rPr lang="en-US" altLang="zh-CN"/>
+              <a:t>$ksar_dir</a:t>
+            </a:r>
+            <a:endParaRPr lang="en-US" altLang="zh-CN"/>
+          </a:p>
+          <a:p>
+            <a:r>
+              <a:rPr lang="zh-CN" altLang="en-US"/>
+              <a:t>java -jar kSar.jar -input $sar_file -outputPDF $pdf_file</a:t>
+            </a:r>
+            <a:endParaRPr lang="zh-CN" altLang="en-US"/>
+          </a:p>
+          <a:p>
+            <a:r>
+              <a:rPr lang="zh-CN" altLang="en-US"/>
+              <a:t>echo "Ksar graph successfully generated"</a:t>
+            </a:r>
+            <a:endParaRPr lang="zh-CN" altLang="en-US"/>
+          </a:p>
+        </p:txBody>
+      </p:sp>
+    </p:spTree>
+    <p:custDataLst>
+      <p:tags r:id="rId1"/>
     </p:custDataLst>
   </p:cSld>
   <p:clrMapOvr>
@@ -4777,6 +6350,20 @@
 
 <file path=ppt/tags/tag13.xml><?xml version="1.0" encoding="utf-8"?>
 <p:tagLst xmlns:p="http://schemas.openxmlformats.org/presentationml/2006/main">
+  <p:tag name="KSO_WM_UNIT_TABLE_BEAUTIFY" val="smartTable{99aee9ff-5b5f-4aaf-9c92-8085ec331e2a}"/>
+</p:tagLst>
+</file>
+
+<file path=ppt/tags/tag14.xml><?xml version="1.0" encoding="utf-8"?>
+<p:tagLst xmlns:p="http://schemas.openxmlformats.org/presentationml/2006/main">
+  <p:tag name="KSO_WM_BEAUTIFY_FLAG" val="#wm#"/>
+  <p:tag name="KSO_WM_TEMPLATE_CATEGORY" val="custom"/>
+  <p:tag name="KSO_WM_TEMPLATE_INDEX" val="160402"/>
+</p:tagLst>
+</file>
+
+<file path=ppt/tags/tag15.xml><?xml version="1.0" encoding="utf-8"?>
+<p:tagLst xmlns:p="http://schemas.openxmlformats.org/presentationml/2006/main">
   <p:tag name="KSO_WM_TAG_VERSION" val="1.0"/>
   <p:tag name="KSO_WM_BEAUTIFY_FLAG" val="#wm#"/>
   <p:tag name="KSO_WM_TEMPLATE_CATEGORY" val="custom"/>
@@ -4795,7 +6382,7 @@
 </p:tagLst>
 </file>
 
-<file path=ppt/tags/tag14.xml><?xml version="1.0" encoding="utf-8"?>
+<file path=ppt/tags/tag16.xml><?xml version="1.0" encoding="utf-8"?>
 <p:tagLst xmlns:p="http://schemas.openxmlformats.org/presentationml/2006/main">
   <p:tag name="KSO_WM_TAG_VERSION" val="1.0"/>
   <p:tag name="KSO_WM_BEAUTIFY_FLAG" val="#wm#"/>
@@ -4814,7 +6401,7 @@
 </p:tagLst>
 </file>
 
-<file path=ppt/tags/tag15.xml><?xml version="1.0" encoding="utf-8"?>
+<file path=ppt/tags/tag17.xml><?xml version="1.0" encoding="utf-8"?>
 <p:tagLst xmlns:p="http://schemas.openxmlformats.org/presentationml/2006/main">
   <p:tag name="KSO_WM_BEAUTIFY_FLAG" val="#wm#"/>
   <p:tag name="KSO_WM_TEMPLATE_CATEGORY" val="custom"/>
@@ -4831,9 +6418,62 @@
 </p:tagLst>
 </file>
 
+<file path=ppt/tags/tag18.xml><?xml version="1.0" encoding="utf-8"?>
+<p:tagLst xmlns:p="http://schemas.openxmlformats.org/presentationml/2006/main">
+  <p:tag name="KSO_WM_UNIT_TABLE_BEAUTIFY" val="smartTable{690034af-4a4d-4275-b375-4df7cb54ca97}"/>
+</p:tagLst>
+</file>
+
+<file path=ppt/tags/tag19.xml><?xml version="1.0" encoding="utf-8"?>
+<p:tagLst xmlns:p="http://schemas.openxmlformats.org/presentationml/2006/main">
+  <p:tag name="KSO_WM_BEAUTIFY_FLAG" val="#wm#"/>
+  <p:tag name="KSO_WM_TEMPLATE_CATEGORY" val="custom"/>
+  <p:tag name="KSO_WM_TEMPLATE_INDEX" val="160402"/>
+</p:tagLst>
+</file>
+
 <file path=ppt/tags/tag2.xml><?xml version="1.0" encoding="utf-8"?>
 <p:tagLst xmlns:p="http://schemas.openxmlformats.org/presentationml/2006/main">
   <p:tag name="KSO_WM_TAG_VERSION" val="1.0"/>
+  <p:tag name="KSO_WM_TEMPLATE_CATEGORY" val="custom"/>
+  <p:tag name="KSO_WM_TEMPLATE_INDEX" val="160402"/>
+</p:tagLst>
+</file>
+
+<file path=ppt/tags/tag20.xml><?xml version="1.0" encoding="utf-8"?>
+<p:tagLst xmlns:p="http://schemas.openxmlformats.org/presentationml/2006/main">
+  <p:tag name="KSO_WM_BEAUTIFY_FLAG" val="#wm#"/>
+  <p:tag name="KSO_WM_TEMPLATE_CATEGORY" val="custom"/>
+  <p:tag name="KSO_WM_TEMPLATE_INDEX" val="160402"/>
+</p:tagLst>
+</file>
+
+<file path=ppt/tags/tag21.xml><?xml version="1.0" encoding="utf-8"?>
+<p:tagLst xmlns:p="http://schemas.openxmlformats.org/presentationml/2006/main">
+  <p:tag name="REFSHAPE" val="186877716"/>
+  <p:tag name="KSO_WM_UNIT_PLACING_PICTURE_USER_VIEWPORT" val="{&quot;height&quot;:4185,&quot;width&quot;:7620}"/>
+</p:tagLst>
+</file>
+
+<file path=ppt/tags/tag22.xml><?xml version="1.0" encoding="utf-8"?>
+<p:tagLst xmlns:p="http://schemas.openxmlformats.org/presentationml/2006/main">
+  <p:tag name="KSO_WM_BEAUTIFY_FLAG" val="#wm#"/>
+  <p:tag name="KSO_WM_TEMPLATE_CATEGORY" val="custom"/>
+  <p:tag name="KSO_WM_TEMPLATE_INDEX" val="160402"/>
+</p:tagLst>
+</file>
+
+<file path=ppt/tags/tag23.xml><?xml version="1.0" encoding="utf-8"?>
+<p:tagLst xmlns:p="http://schemas.openxmlformats.org/presentationml/2006/main">
+  <p:tag name="KSO_WM_BEAUTIFY_FLAG" val="#wm#"/>
+  <p:tag name="KSO_WM_TEMPLATE_CATEGORY" val="custom"/>
+  <p:tag name="KSO_WM_TEMPLATE_INDEX" val="160402"/>
+</p:tagLst>
+</file>
+
+<file path=ppt/tags/tag24.xml><?xml version="1.0" encoding="utf-8"?>
+<p:tagLst xmlns:p="http://schemas.openxmlformats.org/presentationml/2006/main">
+  <p:tag name="KSO_WM_BEAUTIFY_FLAG" val="#wm#"/>
   <p:tag name="KSO_WM_TEMPLATE_CATEGORY" val="custom"/>
   <p:tag name="KSO_WM_TEMPLATE_INDEX" val="160402"/>
 </p:tagLst>

--- a/Web/Server-Notes.pptx
+++ b/Web/Server-Notes.pptx
@@ -5907,6 +5907,10 @@
                       <a:pPr>
                         <a:buNone/>
                       </a:pPr>
+                      <a:r>
+                        <a:rPr lang="zh-CN" altLang="en-US"/>
+                        <a:t>列出正在监听的端口</a:t>
+                      </a:r>
                       <a:endParaRPr lang="zh-CN" altLang="en-US"/>
                     </a:p>
                   </a:txBody>

--- a/Web/Server-Notes.pptx
+++ b/Web/Server-Notes.pptx
@@ -5,24 +5,26 @@
     <p:sldMasterId id="2147483648" r:id="rId1"/>
   </p:sldMasterIdLst>
   <p:notesMasterIdLst>
-    <p:notesMasterId r:id="rId10"/>
+    <p:notesMasterId r:id="rId11"/>
   </p:notesMasterIdLst>
   <p:handoutMasterIdLst>
-    <p:handoutMasterId r:id="rId16"/>
+    <p:handoutMasterId r:id="rId18"/>
   </p:handoutMasterIdLst>
   <p:sldIdLst>
     <p:sldId id="256" r:id="rId3"/>
     <p:sldId id="314" r:id="rId4"/>
     <p:sldId id="325" r:id="rId5"/>
-    <p:sldId id="284" r:id="rId6"/>
-    <p:sldId id="323" r:id="rId7"/>
-    <p:sldId id="329" r:id="rId8"/>
-    <p:sldId id="277" r:id="rId9"/>
-    <p:sldId id="333" r:id="rId11"/>
-    <p:sldId id="337" r:id="rId12"/>
-    <p:sldId id="332" r:id="rId13"/>
-    <p:sldId id="334" r:id="rId14"/>
-    <p:sldId id="331" r:id="rId15"/>
+    <p:sldId id="343" r:id="rId6"/>
+    <p:sldId id="284" r:id="rId7"/>
+    <p:sldId id="323" r:id="rId8"/>
+    <p:sldId id="329" r:id="rId9"/>
+    <p:sldId id="277" r:id="rId10"/>
+    <p:sldId id="333" r:id="rId12"/>
+    <p:sldId id="337" r:id="rId13"/>
+    <p:sldId id="332" r:id="rId14"/>
+    <p:sldId id="334" r:id="rId15"/>
+    <p:sldId id="341" r:id="rId16"/>
+    <p:sldId id="331" r:id="rId17"/>
   </p:sldIdLst>
   <p:sldSz cx="12192000" cy="6858000"/>
   <p:notesSz cx="6858000" cy="9144000"/>
@@ -3689,9 +3691,9 @@
             <a:pPr algn="ctr"/>
             <a:r>
               <a:rPr lang="en-US" altLang="zh-CN" smtClean="0"/>
-              <a:t>Last updated: 2020-2-1</a:t>
-            </a:r>
-            <a:endParaRPr lang="en-US" altLang="zh-CN" smtClean="0"/>
+              <a:t>Last updated: 12/25/2020</a:t>
+            </a:r>
+            <a:endParaRPr lang="zh-CN" altLang="en-US" smtClean="0"/>
           </a:p>
         </p:txBody>
       </p:sp>
@@ -3707,6 +3709,348 @@
 </file>
 
 <file path=ppt/slides/slide10.xml><?xml version="1.0" encoding="utf-8"?>
+<p:sld xmlns:a="http://schemas.openxmlformats.org/drawingml/2006/main" xmlns:r="http://schemas.openxmlformats.org/officeDocument/2006/relationships" xmlns:p="http://schemas.openxmlformats.org/presentationml/2006/main">
+  <p:cSld>
+    <p:spTree>
+      <p:nvGrpSpPr>
+        <p:cNvPr id="1" name=""/>
+        <p:cNvGrpSpPr/>
+        <p:nvPr/>
+      </p:nvGrpSpPr>
+      <p:grpSpPr/>
+      <p:sp>
+        <p:nvSpPr>
+          <p:cNvPr id="2" name="标题 1"/>
+          <p:cNvSpPr>
+            <a:spLocks noGrp="1"/>
+          </p:cNvSpPr>
+          <p:nvPr>
+            <p:ph type="title"/>
+          </p:nvPr>
+        </p:nvSpPr>
+        <p:spPr/>
+        <p:txBody>
+          <a:bodyPr/>
+          <a:p>
+            <a:r>
+              <a:rPr lang="en-US" altLang="zh-CN"/>
+              <a:t>SAR</a:t>
+            </a:r>
+            <a:endParaRPr lang="en-US" altLang="zh-CN"/>
+          </a:p>
+        </p:txBody>
+      </p:sp>
+      <p:sp>
+        <p:nvSpPr>
+          <p:cNvPr id="3" name="内容占位符 2"/>
+          <p:cNvSpPr>
+            <a:spLocks noGrp="1"/>
+          </p:cNvSpPr>
+          <p:nvPr>
+            <p:ph idx="1"/>
+          </p:nvPr>
+        </p:nvSpPr>
+        <p:spPr>
+          <a:xfrm>
+            <a:off x="838200" y="1211580"/>
+            <a:ext cx="10515600" cy="5447665"/>
+          </a:xfrm>
+        </p:spPr>
+        <p:txBody>
+          <a:bodyPr>
+            <a:normAutofit fontScale="70000"/>
+          </a:bodyPr>
+          <a:p>
+            <a:r>
+              <a:rPr lang="en-US" altLang="zh-CN"/>
+              <a:t>sudo apt install sysstat</a:t>
+            </a:r>
+            <a:endParaRPr lang="en-US" altLang="zh-CN"/>
+          </a:p>
+          <a:p>
+            <a:r>
+              <a:rPr lang="en-US" altLang="zh-CN"/>
+              <a:t>Enable sysstat</a:t>
+            </a:r>
+            <a:endParaRPr lang="en-US" altLang="zh-CN"/>
+          </a:p>
+          <a:p>
+            <a:pPr lvl="1"/>
+            <a:r>
+              <a:rPr lang="en-US" altLang="zh-CN"/>
+              <a:t>/etc/default/sysstat false-&gt;true</a:t>
+            </a:r>
+            <a:endParaRPr lang="en-US" altLang="zh-CN"/>
+          </a:p>
+          <a:p>
+            <a:pPr lvl="0"/>
+            <a:r>
+              <a:rPr lang="en-US" altLang="zh-CN" sz="2400"/>
+              <a:t>Configure sysstat</a:t>
+            </a:r>
+            <a:endParaRPr lang="en-US" altLang="zh-CN"/>
+          </a:p>
+          <a:p>
+            <a:pPr lvl="1"/>
+            <a:r>
+              <a:rPr lang="en-US" altLang="zh-CN"/>
+              <a:t>/etc/cron.d/sysstat 5-55/10-&gt;*/2</a:t>
+            </a:r>
+            <a:endParaRPr lang="en-US" altLang="zh-CN"/>
+          </a:p>
+          <a:p>
+            <a:pPr lvl="1"/>
+            <a:r>
+              <a:rPr lang="en-US" altLang="zh-CN"/>
+              <a:t>/etc/sysstat/sysstat</a:t>
+            </a:r>
+            <a:endParaRPr lang="en-US" altLang="zh-CN"/>
+          </a:p>
+          <a:p>
+            <a:pPr lvl="2"/>
+            <a:r>
+              <a:rPr lang="en-US" altLang="zh-CN" sz="1800"/>
+              <a:t>HISTORY: 7-&gt;30</a:t>
+            </a:r>
+            <a:endParaRPr lang="en-US" altLang="zh-CN"/>
+          </a:p>
+          <a:p>
+            <a:pPr lvl="0"/>
+            <a:r>
+              <a:rPr lang="en-US" altLang="zh-CN"/>
+              <a:t>Start sysstat</a:t>
+            </a:r>
+            <a:endParaRPr lang="en-US" altLang="zh-CN"/>
+          </a:p>
+          <a:p>
+            <a:pPr lvl="1"/>
+            <a:r>
+              <a:rPr lang="en-US" altLang="zh-CN"/>
+              <a:t>sudo service sysstat restart</a:t>
+            </a:r>
+            <a:endParaRPr lang="en-US" altLang="zh-CN"/>
+          </a:p>
+          <a:p>
+            <a:pPr lvl="1"/>
+            <a:r>
+              <a:rPr lang="en-US" altLang="zh-CN"/>
+              <a:t>sudo service --status-all</a:t>
+            </a:r>
+            <a:endParaRPr lang="en-US" altLang="zh-CN"/>
+          </a:p>
+          <a:p>
+            <a:pPr lvl="1"/>
+            <a:r>
+              <a:rPr lang="en-US" altLang="zh-CN"/>
+              <a:t>log file: /var/log/sysstat/sa*</a:t>
+            </a:r>
+            <a:endParaRPr lang="en-US" altLang="zh-CN"/>
+          </a:p>
+          <a:p>
+            <a:pPr lvl="0"/>
+            <a:r>
+              <a:rPr lang="en-US" altLang="zh-CN"/>
+              <a:t>ksar</a:t>
+            </a:r>
+            <a:endParaRPr lang="en-US" altLang="zh-CN"/>
+          </a:p>
+          <a:p>
+            <a:pPr lvl="1"/>
+            <a:r>
+              <a:rPr lang="en-US" altLang="zh-CN"/>
+              <a:t>sudo apt install openjdk-8-jre</a:t>
+            </a:r>
+            <a:endParaRPr lang="en-US" altLang="zh-CN"/>
+          </a:p>
+          <a:p>
+            <a:pPr lvl="1"/>
+            <a:r>
+              <a:rPr lang="en-US" altLang="zh-CN"/>
+              <a:t>wget https://excellmedia.dl.sourceforge.net/project/ksar/ksar/5.0.6/kSar-5.0.6.zip</a:t>
+            </a:r>
+            <a:endParaRPr lang="en-US" altLang="zh-CN"/>
+          </a:p>
+          <a:p>
+            <a:pPr lvl="1"/>
+            <a:r>
+              <a:rPr lang="en-US" altLang="zh-CN"/>
+              <a:t>LC_ALL=C sar -A -f sa22 &gt;sa22.parse</a:t>
+            </a:r>
+            <a:endParaRPr lang="en-US" altLang="zh-CN"/>
+          </a:p>
+          <a:p>
+            <a:pPr lvl="1"/>
+            <a:r>
+              <a:rPr lang="en-US" altLang="zh-CN"/>
+              <a:t>run.sh &amp;</a:t>
+            </a:r>
+            <a:endParaRPr lang="en-US" altLang="zh-CN"/>
+          </a:p>
+          <a:p>
+            <a:pPr lvl="1"/>
+            <a:r>
+              <a:rPr lang="en-US" altLang="zh-CN"/>
+              <a:t>Select “load from text file...”</a:t>
+            </a:r>
+            <a:endParaRPr lang="en-US" altLang="zh-CN"/>
+          </a:p>
+          <a:p>
+            <a:pPr lvl="0"/>
+            <a:r>
+              <a:rPr lang="en-US" altLang="zh-CN"/>
+              <a:t>References</a:t>
+            </a:r>
+            <a:endParaRPr lang="en-US" altLang="zh-CN"/>
+          </a:p>
+          <a:p>
+            <a:pPr lvl="1"/>
+            <a:r>
+              <a:rPr lang="en-US" altLang="zh-CN"/>
+              <a:t>https://www.howtoforge.com/install-and-configure-sar-and-ksar-for-daily-monitoring-on-linux-and-generate-pdf-reports/</a:t>
+            </a:r>
+            <a:endParaRPr lang="en-US" altLang="zh-CN"/>
+          </a:p>
+        </p:txBody>
+      </p:sp>
+      <p:sp>
+        <p:nvSpPr>
+          <p:cNvPr id="4" name="文本框 3"/>
+          <p:cNvSpPr txBox="1"/>
+          <p:nvPr/>
+        </p:nvSpPr>
+        <p:spPr>
+          <a:xfrm>
+            <a:off x="6075680" y="1211580"/>
+            <a:ext cx="5632450" cy="3415030"/>
+          </a:xfrm>
+          <a:prstGeom prst="rect">
+            <a:avLst/>
+          </a:prstGeom>
+          <a:noFill/>
+          <a:ln>
+            <a:solidFill>
+              <a:srgbClr val="FFC000"/>
+            </a:solidFill>
+          </a:ln>
+        </p:spPr>
+        <p:txBody>
+          <a:bodyPr wrap="square" rtlCol="0">
+            <a:spAutoFit/>
+          </a:bodyPr>
+          <a:p>
+            <a:r>
+              <a:rPr lang="zh-CN" altLang="en-US"/>
+              <a:t>#!/bin/bash</a:t>
+            </a:r>
+            <a:endParaRPr lang="zh-CN" altLang="en-US"/>
+          </a:p>
+          <a:p>
+            <a:r>
+              <a:rPr lang="zh-CN" altLang="en-US"/>
+              <a:t>idx=`date --date="1 days ago" +%</a:t>
+            </a:r>
+            <a:r>
+              <a:rPr lang="en-US" altLang="zh-CN"/>
+              <a:t>Y%m%</a:t>
+            </a:r>
+            <a:r>
+              <a:rPr lang="zh-CN" altLang="en-US"/>
+              <a:t>d`</a:t>
+            </a:r>
+            <a:endParaRPr lang="zh-CN" altLang="en-US"/>
+          </a:p>
+          <a:p>
+            <a:endParaRPr lang="zh-CN" altLang="en-US"/>
+          </a:p>
+          <a:p>
+            <a:r>
+              <a:rPr lang="zh-CN" altLang="en-US"/>
+              <a:t>work_dir="/home/lgm/SarReports/"</a:t>
+            </a:r>
+            <a:endParaRPr lang="zh-CN" altLang="en-US"/>
+          </a:p>
+          <a:p>
+            <a:r>
+              <a:rPr lang="zh-CN" altLang="en-US"/>
+              <a:t>sar_file="$work_dir/sa$idx"</a:t>
+            </a:r>
+            <a:endParaRPr lang="zh-CN" altLang="en-US"/>
+          </a:p>
+          <a:p>
+            <a:r>
+              <a:rPr lang="zh-CN" altLang="en-US"/>
+              <a:t>pdf_file="$work_dir/sa$idx.pdf'</a:t>
+            </a:r>
+            <a:endParaRPr lang="zh-CN" altLang="en-US"/>
+          </a:p>
+          <a:p>
+            <a:r>
+              <a:rPr lang="en-US" altLang="zh-CN"/>
+              <a:t>ksar_dir=”</a:t>
+            </a:r>
+            <a:r>
+              <a:rPr lang="zh-CN" altLang="en-US">
+                <a:sym typeface="+mn-ea"/>
+              </a:rPr>
+              <a:t>/home/lgm/Programs/kSar-5.0.6/</a:t>
+            </a:r>
+            <a:r>
+              <a:rPr lang="en-US" altLang="zh-CN">
+                <a:sym typeface="+mn-ea"/>
+              </a:rPr>
+              <a:t>”</a:t>
+            </a:r>
+            <a:endParaRPr lang="zh-CN" altLang="en-US"/>
+          </a:p>
+          <a:p>
+            <a:endParaRPr lang="zh-CN" altLang="en-US"/>
+          </a:p>
+          <a:p>
+            <a:r>
+              <a:rPr lang="zh-CN" altLang="en-US"/>
+              <a:t>LC_ALL=C sar -A -f /var/log/sysstat/sa$idx &gt; $sar_file</a:t>
+            </a:r>
+            <a:endParaRPr lang="zh-CN" altLang="en-US"/>
+          </a:p>
+          <a:p>
+            <a:r>
+              <a:rPr lang="zh-CN" altLang="en-US"/>
+              <a:t>cd </a:t>
+            </a:r>
+            <a:r>
+              <a:rPr lang="en-US" altLang="zh-CN"/>
+              <a:t>$ksar_dir</a:t>
+            </a:r>
+            <a:endParaRPr lang="en-US" altLang="zh-CN"/>
+          </a:p>
+          <a:p>
+            <a:r>
+              <a:rPr lang="zh-CN" altLang="en-US"/>
+              <a:t>java -jar kSar.jar -input $sar_file -outputPDF $pdf_file</a:t>
+            </a:r>
+            <a:endParaRPr lang="zh-CN" altLang="en-US"/>
+          </a:p>
+          <a:p>
+            <a:r>
+              <a:rPr lang="zh-CN" altLang="en-US"/>
+              <a:t>echo "Ksar graph successfully generated"</a:t>
+            </a:r>
+            <a:endParaRPr lang="zh-CN" altLang="en-US"/>
+          </a:p>
+        </p:txBody>
+      </p:sp>
+    </p:spTree>
+    <p:custDataLst>
+      <p:tags r:id="rId1"/>
+    </p:custDataLst>
+  </p:cSld>
+  <p:clrMapOvr>
+    <a:masterClrMapping/>
+  </p:clrMapOvr>
+</p:sld>
+</file>
+
+<file path=ppt/slides/slide11.xml><?xml version="1.0" encoding="utf-8"?>
 <p:sld xmlns:a="http://schemas.openxmlformats.org/drawingml/2006/main" xmlns:r="http://schemas.openxmlformats.org/officeDocument/2006/relationships" xmlns:p="http://schemas.openxmlformats.org/presentationml/2006/main">
   <p:cSld>
     <p:spTree>
@@ -3886,7 +4230,7 @@
 </p:sld>
 </file>
 
-<file path=ppt/slides/slide11.xml><?xml version="1.0" encoding="utf-8"?>
+<file path=ppt/slides/slide12.xml><?xml version="1.0" encoding="utf-8"?>
 <p:sld xmlns:a="http://schemas.openxmlformats.org/drawingml/2006/main" xmlns:r="http://schemas.openxmlformats.org/officeDocument/2006/relationships" xmlns:p="http://schemas.openxmlformats.org/presentationml/2006/main">
   <p:cSld>
     <p:spTree>
@@ -4031,7 +4375,140 @@
 </p:sld>
 </file>
 
-<file path=ppt/slides/slide12.xml><?xml version="1.0" encoding="utf-8"?>
+<file path=ppt/slides/slide13.xml><?xml version="1.0" encoding="utf-8"?>
+<p:sld xmlns:a="http://schemas.openxmlformats.org/drawingml/2006/main" xmlns:r="http://schemas.openxmlformats.org/officeDocument/2006/relationships" xmlns:p="http://schemas.openxmlformats.org/presentationml/2006/main">
+  <p:cSld>
+    <p:spTree>
+      <p:nvGrpSpPr>
+        <p:cNvPr id="1" name=""/>
+        <p:cNvGrpSpPr/>
+        <p:nvPr/>
+      </p:nvGrpSpPr>
+      <p:grpSpPr/>
+      <p:sp>
+        <p:nvSpPr>
+          <p:cNvPr id="2" name="标题 1"/>
+          <p:cNvSpPr>
+            <a:spLocks noGrp="1"/>
+          </p:cNvSpPr>
+          <p:nvPr>
+            <p:ph type="title"/>
+          </p:nvPr>
+        </p:nvSpPr>
+        <p:spPr/>
+        <p:txBody>
+          <a:bodyPr/>
+          <a:p>
+            <a:r>
+              <a:rPr lang="en-US" altLang="zh-CN"/>
+              <a:t>CDN</a:t>
+            </a:r>
+            <a:endParaRPr lang="en-US" altLang="zh-CN"/>
+          </a:p>
+        </p:txBody>
+      </p:sp>
+      <p:sp>
+        <p:nvSpPr>
+          <p:cNvPr id="3" name="内容占位符 2"/>
+          <p:cNvSpPr>
+            <a:spLocks noGrp="1"/>
+          </p:cNvSpPr>
+          <p:nvPr>
+            <p:ph idx="1"/>
+          </p:nvPr>
+        </p:nvSpPr>
+        <p:spPr>
+          <a:xfrm>
+            <a:off x="838200" y="1211580"/>
+            <a:ext cx="5759450" cy="4549140"/>
+          </a:xfrm>
+        </p:spPr>
+        <p:txBody>
+          <a:bodyPr/>
+          <a:p>
+            <a:r>
+              <a:rPr lang="en-US" altLang="zh-CN"/>
+              <a:t>Content Delivery Network</a:t>
+            </a:r>
+            <a:endParaRPr lang="en-US" altLang="zh-CN"/>
+          </a:p>
+          <a:p>
+            <a:r>
+              <a:rPr lang="zh-CN" altLang="en-US"/>
+              <a:t>动静分离</a:t>
+            </a:r>
+            <a:endParaRPr lang="zh-CN" altLang="en-US"/>
+          </a:p>
+          <a:p>
+            <a:pPr lvl="1"/>
+            <a:r>
+              <a:rPr lang="zh-CN" altLang="en-US"/>
+              <a:t>https://www.cnblogs.com/matengfei123/p/8005404.html</a:t>
+            </a:r>
+            <a:endParaRPr lang="zh-CN" altLang="en-US"/>
+          </a:p>
+        </p:txBody>
+      </p:sp>
+      <p:pic>
+        <p:nvPicPr>
+          <p:cNvPr id="4" name="图片 3"/>
+          <p:cNvPicPr>
+            <a:picLocks noChangeAspect="1"/>
+          </p:cNvPicPr>
+          <p:nvPr/>
+        </p:nvPicPr>
+        <p:blipFill>
+          <a:blip r:embed="rId1"/>
+          <a:stretch>
+            <a:fillRect/>
+          </a:stretch>
+        </p:blipFill>
+        <p:spPr>
+          <a:xfrm>
+            <a:off x="6830695" y="1338580"/>
+            <a:ext cx="4878705" cy="993775"/>
+          </a:xfrm>
+          <a:prstGeom prst="rect">
+            <a:avLst/>
+          </a:prstGeom>
+        </p:spPr>
+      </p:pic>
+      <p:pic>
+        <p:nvPicPr>
+          <p:cNvPr id="5" name="图片 4"/>
+          <p:cNvPicPr>
+            <a:picLocks noChangeAspect="1"/>
+          </p:cNvPicPr>
+          <p:nvPr/>
+        </p:nvPicPr>
+        <p:blipFill>
+          <a:blip r:embed="rId2"/>
+          <a:stretch>
+            <a:fillRect/>
+          </a:stretch>
+        </p:blipFill>
+        <p:spPr>
+          <a:xfrm>
+            <a:off x="6598285" y="2651125"/>
+            <a:ext cx="5005705" cy="2152015"/>
+          </a:xfrm>
+          <a:prstGeom prst="rect">
+            <a:avLst/>
+          </a:prstGeom>
+        </p:spPr>
+      </p:pic>
+    </p:spTree>
+    <p:custDataLst>
+      <p:tags r:id="rId3"/>
+    </p:custDataLst>
+  </p:cSld>
+  <p:clrMapOvr>
+    <a:masterClrMapping/>
+  </p:clrMapOvr>
+</p:sld>
+</file>
+
+<file path=ppt/slides/slide14.xml><?xml version="1.0" encoding="utf-8"?>
 <p:sld xmlns:a="http://schemas.openxmlformats.org/drawingml/2006/main" xmlns:r="http://schemas.openxmlformats.org/officeDocument/2006/relationships" xmlns:p="http://schemas.openxmlformats.org/presentationml/2006/main">
   <p:cSld>
     <p:spTree>
@@ -4588,6 +5065,206 @@
 </file>
 
 <file path=ppt/slides/slide4.xml><?xml version="1.0" encoding="utf-8"?>
+<p:sld xmlns:a="http://schemas.openxmlformats.org/drawingml/2006/main" xmlns:r="http://schemas.openxmlformats.org/officeDocument/2006/relationships" xmlns:p="http://schemas.openxmlformats.org/presentationml/2006/main">
+  <p:cSld>
+    <p:spTree>
+      <p:nvGrpSpPr>
+        <p:cNvPr id="1" name=""/>
+        <p:cNvGrpSpPr/>
+        <p:nvPr/>
+      </p:nvGrpSpPr>
+      <p:grpSpPr/>
+      <p:sp>
+        <p:nvSpPr>
+          <p:cNvPr id="2" name="标题 1"/>
+          <p:cNvSpPr>
+            <a:spLocks noGrp="1"/>
+          </p:cNvSpPr>
+          <p:nvPr>
+            <p:ph type="title"/>
+          </p:nvPr>
+        </p:nvSpPr>
+        <p:spPr/>
+        <p:txBody>
+          <a:bodyPr/>
+          <a:p>
+            <a:r>
+              <a:rPr lang="en-US" altLang="zh-CN"/>
+              <a:t>Windows Server</a:t>
+            </a:r>
+            <a:endParaRPr lang="en-US" altLang="zh-CN"/>
+          </a:p>
+        </p:txBody>
+      </p:sp>
+      <p:sp>
+        <p:nvSpPr>
+          <p:cNvPr id="3" name="内容占位符 2"/>
+          <p:cNvSpPr>
+            <a:spLocks noGrp="1"/>
+          </p:cNvSpPr>
+          <p:nvPr>
+            <p:ph idx="1"/>
+          </p:nvPr>
+        </p:nvSpPr>
+        <p:spPr>
+          <a:xfrm>
+            <a:off x="838200" y="1211580"/>
+            <a:ext cx="10515600" cy="4796155"/>
+          </a:xfrm>
+        </p:spPr>
+        <p:txBody>
+          <a:bodyPr>
+            <a:normAutofit lnSpcReduction="20000"/>
+          </a:bodyPr>
+          <a:p>
+            <a:r>
+              <a:rPr lang="zh-CN" altLang="en-US"/>
+              <a:t>远程桌面连接</a:t>
+            </a:r>
+            <a:endParaRPr lang="zh-CN" altLang="en-US"/>
+          </a:p>
+          <a:p>
+            <a:pPr lvl="1"/>
+            <a:r>
+              <a:rPr lang="zh-CN" altLang="en-US"/>
+              <a:t>https://zhuanlan.zhihu.com/p/33490405</a:t>
+            </a:r>
+            <a:endParaRPr lang="zh-CN" altLang="en-US"/>
+          </a:p>
+          <a:p>
+            <a:pPr lvl="1"/>
+            <a:r>
+              <a:rPr lang="zh-CN" altLang="en-US"/>
+              <a:t>阿里云网页连接登录服务器</a:t>
+            </a:r>
+            <a:endParaRPr lang="zh-CN" altLang="en-US"/>
+          </a:p>
+          <a:p>
+            <a:pPr lvl="1"/>
+            <a:r>
+              <a:rPr lang="zh-CN" altLang="en-US"/>
+              <a:t>服务器管理</a:t>
+            </a:r>
+            <a:r>
+              <a:rPr lang="en-US" altLang="zh-CN"/>
+              <a:t>-</a:t>
+            </a:r>
+            <a:r>
+              <a:rPr lang="zh-CN" altLang="en-US"/>
+              <a:t>》本地服务器</a:t>
+            </a:r>
+            <a:r>
+              <a:rPr lang="en-US" altLang="zh-CN"/>
+              <a:t>-</a:t>
+            </a:r>
+            <a:r>
+              <a:rPr lang="zh-CN" altLang="en-US"/>
+              <a:t>》启用远程管理和远程桌面</a:t>
+            </a:r>
+            <a:endParaRPr lang="zh-CN" altLang="en-US"/>
+          </a:p>
+          <a:p>
+            <a:pPr lvl="0"/>
+            <a:r>
+              <a:rPr lang="en-US" altLang="zh-CN"/>
+              <a:t>Install Exchange Server</a:t>
+            </a:r>
+            <a:endParaRPr lang="en-US" altLang="zh-CN"/>
+          </a:p>
+          <a:p>
+            <a:pPr lvl="1"/>
+            <a:r>
+              <a:rPr lang="zh-CN" altLang="en-US"/>
+              <a:t>部署</a:t>
+            </a:r>
+            <a:r>
+              <a:rPr lang="en-US" altLang="zh-CN"/>
+              <a:t>AD</a:t>
+            </a:r>
+            <a:endParaRPr lang="en-US" altLang="zh-CN"/>
+          </a:p>
+          <a:p>
+            <a:pPr lvl="2"/>
+            <a:r>
+              <a:rPr lang="en-US" altLang="zh-CN"/>
+              <a:t>https://blog.51cto.com/lumay0526/2046844</a:t>
+            </a:r>
+            <a:endParaRPr lang="en-US" altLang="zh-CN"/>
+          </a:p>
+          <a:p>
+            <a:pPr lvl="1"/>
+            <a:r>
+              <a:rPr lang="zh-CN" altLang="en-US"/>
+              <a:t>安装</a:t>
+            </a:r>
+            <a:r>
+              <a:rPr lang="en-US" altLang="zh-CN"/>
+              <a:t>Exchange Server</a:t>
+            </a:r>
+            <a:endParaRPr lang="en-US" altLang="zh-CN"/>
+          </a:p>
+          <a:p>
+            <a:pPr lvl="2"/>
+            <a:r>
+              <a:rPr lang="en-US" altLang="zh-CN"/>
+              <a:t>https://blog.csdn.net/weixin_39585471/article/details/81081274</a:t>
+            </a:r>
+            <a:endParaRPr lang="en-US" altLang="zh-CN"/>
+          </a:p>
+          <a:p>
+            <a:pPr lvl="1"/>
+            <a:r>
+              <a:rPr lang="en-US" altLang="zh-CN"/>
+              <a:t>Post-installation</a:t>
+            </a:r>
+            <a:endParaRPr lang="en-US" altLang="zh-CN"/>
+          </a:p>
+          <a:p>
+            <a:pPr lvl="2"/>
+            <a:r>
+              <a:rPr lang="en-US" altLang="zh-CN"/>
+              <a:t>https://docs.microsoft.com/en-us/exchange/plan-and-deploy/post-installation-tasks/post-installation-tasks?view=exchserver-2019</a:t>
+            </a:r>
+            <a:endParaRPr lang="en-US" altLang="zh-CN"/>
+          </a:p>
+          <a:p>
+            <a:pPr lvl="2"/>
+            <a:r>
+              <a:rPr lang="en-US" altLang="zh-CN"/>
+              <a:t>Exchange Management Shell</a:t>
+            </a:r>
+            <a:endParaRPr lang="en-US" altLang="zh-CN"/>
+          </a:p>
+          <a:p>
+            <a:pPr lvl="2"/>
+            <a:r>
+              <a:rPr lang="en-US" altLang="zh-CN"/>
+              <a:t>Exchange admin center</a:t>
+            </a:r>
+            <a:endParaRPr lang="en-US" altLang="zh-CN"/>
+          </a:p>
+          <a:p>
+            <a:pPr lvl="3"/>
+            <a:r>
+              <a:rPr lang="en-US" altLang="zh-CN"/>
+              <a:t>https://&lt;ServerFQDN&gt;/ecp</a:t>
+            </a:r>
+            <a:endParaRPr lang="en-US" altLang="zh-CN"/>
+          </a:p>
+        </p:txBody>
+      </p:sp>
+    </p:spTree>
+    <p:custDataLst>
+      <p:tags r:id="rId1"/>
+    </p:custDataLst>
+  </p:cSld>
+  <p:clrMapOvr>
+    <a:masterClrMapping/>
+  </p:clrMapOvr>
+</p:sld>
+</file>
+
+<file path=ppt/slides/slide5.xml><?xml version="1.0" encoding="utf-8"?>
 <p:sld xmlns:a="http://schemas.openxmlformats.org/drawingml/2006/main" xmlns:r="http://schemas.openxmlformats.org/officeDocument/2006/relationships" xmlns:p="http://schemas.openxmlformats.org/presentationml/2006/main">
   <p:cSld>
     <p:spTree>
@@ -4814,7 +5491,7 @@
 </p:sld>
 </file>
 
-<file path=ppt/slides/slide5.xml><?xml version="1.0" encoding="utf-8"?>
+<file path=ppt/slides/slide6.xml><?xml version="1.0" encoding="utf-8"?>
 <p:sld xmlns:a="http://schemas.openxmlformats.org/drawingml/2006/main" xmlns:r="http://schemas.openxmlformats.org/officeDocument/2006/relationships" xmlns:p="http://schemas.openxmlformats.org/presentationml/2006/main">
   <p:cSld>
     <p:spTree>
@@ -4976,7 +5653,7 @@
 </p:sld>
 </file>
 
-<file path=ppt/slides/slide6.xml><?xml version="1.0" encoding="utf-8"?>
+<file path=ppt/slides/slide7.xml><?xml version="1.0" encoding="utf-8"?>
 <p:sld xmlns:a="http://schemas.openxmlformats.org/drawingml/2006/main" xmlns:r="http://schemas.openxmlformats.org/officeDocument/2006/relationships" xmlns:p="http://schemas.openxmlformats.org/presentationml/2006/main">
   <p:cSld>
     <p:spTree>
@@ -5378,7 +6055,7 @@
 </p:sld>
 </file>
 
-<file path=ppt/slides/slide7.xml><?xml version="1.0" encoding="utf-8"?>
+<file path=ppt/slides/slide8.xml><?xml version="1.0" encoding="utf-8"?>
 <p:sld xmlns:a="http://schemas.openxmlformats.org/drawingml/2006/main" xmlns:r="http://schemas.openxmlformats.org/officeDocument/2006/relationships" xmlns:p="http://schemas.openxmlformats.org/presentationml/2006/main">
   <p:cSld>
     <p:spTree>
@@ -5566,7 +6243,7 @@
 </p:sld>
 </file>
 
-<file path=ppt/slides/slide8.xml><?xml version="1.0" encoding="utf-8"?>
+<file path=ppt/slides/slide9.xml><?xml version="1.0" encoding="utf-8"?>
 <p:sld xmlns:a="http://schemas.openxmlformats.org/drawingml/2006/main" xmlns:r="http://schemas.openxmlformats.org/officeDocument/2006/relationships" xmlns:p="http://schemas.openxmlformats.org/presentationml/2006/main">
   <p:cSld>
     <p:spTree>
@@ -5978,348 +6655,6 @@
 </p:sld>
 </file>
 
-<file path=ppt/slides/slide9.xml><?xml version="1.0" encoding="utf-8"?>
-<p:sld xmlns:a="http://schemas.openxmlformats.org/drawingml/2006/main" xmlns:r="http://schemas.openxmlformats.org/officeDocument/2006/relationships" xmlns:p="http://schemas.openxmlformats.org/presentationml/2006/main">
-  <p:cSld>
-    <p:spTree>
-      <p:nvGrpSpPr>
-        <p:cNvPr id="1" name=""/>
-        <p:cNvGrpSpPr/>
-        <p:nvPr/>
-      </p:nvGrpSpPr>
-      <p:grpSpPr/>
-      <p:sp>
-        <p:nvSpPr>
-          <p:cNvPr id="2" name="标题 1"/>
-          <p:cNvSpPr>
-            <a:spLocks noGrp="1"/>
-          </p:cNvSpPr>
-          <p:nvPr>
-            <p:ph type="title"/>
-          </p:nvPr>
-        </p:nvSpPr>
-        <p:spPr/>
-        <p:txBody>
-          <a:bodyPr/>
-          <a:p>
-            <a:r>
-              <a:rPr lang="en-US" altLang="zh-CN"/>
-              <a:t>SAR</a:t>
-            </a:r>
-            <a:endParaRPr lang="en-US" altLang="zh-CN"/>
-          </a:p>
-        </p:txBody>
-      </p:sp>
-      <p:sp>
-        <p:nvSpPr>
-          <p:cNvPr id="3" name="内容占位符 2"/>
-          <p:cNvSpPr>
-            <a:spLocks noGrp="1"/>
-          </p:cNvSpPr>
-          <p:nvPr>
-            <p:ph idx="1"/>
-          </p:nvPr>
-        </p:nvSpPr>
-        <p:spPr>
-          <a:xfrm>
-            <a:off x="838200" y="1211580"/>
-            <a:ext cx="10515600" cy="5447665"/>
-          </a:xfrm>
-        </p:spPr>
-        <p:txBody>
-          <a:bodyPr>
-            <a:normAutofit fontScale="70000"/>
-          </a:bodyPr>
-          <a:p>
-            <a:r>
-              <a:rPr lang="en-US" altLang="zh-CN"/>
-              <a:t>sudo apt install sysstat</a:t>
-            </a:r>
-            <a:endParaRPr lang="en-US" altLang="zh-CN"/>
-          </a:p>
-          <a:p>
-            <a:r>
-              <a:rPr lang="en-US" altLang="zh-CN"/>
-              <a:t>Enable sysstat</a:t>
-            </a:r>
-            <a:endParaRPr lang="en-US" altLang="zh-CN"/>
-          </a:p>
-          <a:p>
-            <a:pPr lvl="1"/>
-            <a:r>
-              <a:rPr lang="en-US" altLang="zh-CN"/>
-              <a:t>/etc/default/sysstat false-&gt;true</a:t>
-            </a:r>
-            <a:endParaRPr lang="en-US" altLang="zh-CN"/>
-          </a:p>
-          <a:p>
-            <a:pPr lvl="0"/>
-            <a:r>
-              <a:rPr lang="en-US" altLang="zh-CN" sz="2400"/>
-              <a:t>Configure sysstat</a:t>
-            </a:r>
-            <a:endParaRPr lang="en-US" altLang="zh-CN"/>
-          </a:p>
-          <a:p>
-            <a:pPr lvl="1"/>
-            <a:r>
-              <a:rPr lang="en-US" altLang="zh-CN"/>
-              <a:t>/etc/cron.d/sysstat 5-55/10-&gt;*/2</a:t>
-            </a:r>
-            <a:endParaRPr lang="en-US" altLang="zh-CN"/>
-          </a:p>
-          <a:p>
-            <a:pPr lvl="1"/>
-            <a:r>
-              <a:rPr lang="en-US" altLang="zh-CN"/>
-              <a:t>/etc/sysstat/sysstat</a:t>
-            </a:r>
-            <a:endParaRPr lang="en-US" altLang="zh-CN"/>
-          </a:p>
-          <a:p>
-            <a:pPr lvl="2"/>
-            <a:r>
-              <a:rPr lang="en-US" altLang="zh-CN" sz="1800"/>
-              <a:t>HISTORY: 7-&gt;30</a:t>
-            </a:r>
-            <a:endParaRPr lang="en-US" altLang="zh-CN"/>
-          </a:p>
-          <a:p>
-            <a:pPr lvl="0"/>
-            <a:r>
-              <a:rPr lang="en-US" altLang="zh-CN"/>
-              <a:t>Start sysstat</a:t>
-            </a:r>
-            <a:endParaRPr lang="en-US" altLang="zh-CN"/>
-          </a:p>
-          <a:p>
-            <a:pPr lvl="1"/>
-            <a:r>
-              <a:rPr lang="en-US" altLang="zh-CN"/>
-              <a:t>sudo service sysstat restart</a:t>
-            </a:r>
-            <a:endParaRPr lang="en-US" altLang="zh-CN"/>
-          </a:p>
-          <a:p>
-            <a:pPr lvl="1"/>
-            <a:r>
-              <a:rPr lang="en-US" altLang="zh-CN"/>
-              <a:t>sudo service --status-all</a:t>
-            </a:r>
-            <a:endParaRPr lang="en-US" altLang="zh-CN"/>
-          </a:p>
-          <a:p>
-            <a:pPr lvl="1"/>
-            <a:r>
-              <a:rPr lang="en-US" altLang="zh-CN"/>
-              <a:t>log file: /var/log/sysstat/sa*</a:t>
-            </a:r>
-            <a:endParaRPr lang="en-US" altLang="zh-CN"/>
-          </a:p>
-          <a:p>
-            <a:pPr lvl="0"/>
-            <a:r>
-              <a:rPr lang="en-US" altLang="zh-CN"/>
-              <a:t>ksar</a:t>
-            </a:r>
-            <a:endParaRPr lang="en-US" altLang="zh-CN"/>
-          </a:p>
-          <a:p>
-            <a:pPr lvl="1"/>
-            <a:r>
-              <a:rPr lang="en-US" altLang="zh-CN"/>
-              <a:t>sudo apt install openjdk-8-jre</a:t>
-            </a:r>
-            <a:endParaRPr lang="en-US" altLang="zh-CN"/>
-          </a:p>
-          <a:p>
-            <a:pPr lvl="1"/>
-            <a:r>
-              <a:rPr lang="en-US" altLang="zh-CN"/>
-              <a:t>wget https://excellmedia.dl.sourceforge.net/project/ksar/ksar/5.0.6/kSar-5.0.6.zip</a:t>
-            </a:r>
-            <a:endParaRPr lang="en-US" altLang="zh-CN"/>
-          </a:p>
-          <a:p>
-            <a:pPr lvl="1"/>
-            <a:r>
-              <a:rPr lang="en-US" altLang="zh-CN"/>
-              <a:t>LC_ALL=C sar -A -f sa22 &gt;sa22.parse</a:t>
-            </a:r>
-            <a:endParaRPr lang="en-US" altLang="zh-CN"/>
-          </a:p>
-          <a:p>
-            <a:pPr lvl="1"/>
-            <a:r>
-              <a:rPr lang="en-US" altLang="zh-CN"/>
-              <a:t>run.sh &amp;</a:t>
-            </a:r>
-            <a:endParaRPr lang="en-US" altLang="zh-CN"/>
-          </a:p>
-          <a:p>
-            <a:pPr lvl="1"/>
-            <a:r>
-              <a:rPr lang="en-US" altLang="zh-CN"/>
-              <a:t>Select “load from text file...”</a:t>
-            </a:r>
-            <a:endParaRPr lang="en-US" altLang="zh-CN"/>
-          </a:p>
-          <a:p>
-            <a:pPr lvl="0"/>
-            <a:r>
-              <a:rPr lang="en-US" altLang="zh-CN"/>
-              <a:t>References</a:t>
-            </a:r>
-            <a:endParaRPr lang="en-US" altLang="zh-CN"/>
-          </a:p>
-          <a:p>
-            <a:pPr lvl="1"/>
-            <a:r>
-              <a:rPr lang="en-US" altLang="zh-CN"/>
-              <a:t>https://www.howtoforge.com/install-and-configure-sar-and-ksar-for-daily-monitoring-on-linux-and-generate-pdf-reports/</a:t>
-            </a:r>
-            <a:endParaRPr lang="en-US" altLang="zh-CN"/>
-          </a:p>
-        </p:txBody>
-      </p:sp>
-      <p:sp>
-        <p:nvSpPr>
-          <p:cNvPr id="4" name="文本框 3"/>
-          <p:cNvSpPr txBox="1"/>
-          <p:nvPr/>
-        </p:nvSpPr>
-        <p:spPr>
-          <a:xfrm>
-            <a:off x="6075680" y="1211580"/>
-            <a:ext cx="5632450" cy="3415030"/>
-          </a:xfrm>
-          <a:prstGeom prst="rect">
-            <a:avLst/>
-          </a:prstGeom>
-          <a:noFill/>
-          <a:ln>
-            <a:solidFill>
-              <a:srgbClr val="FFC000"/>
-            </a:solidFill>
-          </a:ln>
-        </p:spPr>
-        <p:txBody>
-          <a:bodyPr wrap="square" rtlCol="0">
-            <a:spAutoFit/>
-          </a:bodyPr>
-          <a:p>
-            <a:r>
-              <a:rPr lang="zh-CN" altLang="en-US"/>
-              <a:t>#!/bin/bash</a:t>
-            </a:r>
-            <a:endParaRPr lang="zh-CN" altLang="en-US"/>
-          </a:p>
-          <a:p>
-            <a:r>
-              <a:rPr lang="zh-CN" altLang="en-US"/>
-              <a:t>idx=`date --date="1 days ago" +%</a:t>
-            </a:r>
-            <a:r>
-              <a:rPr lang="en-US" altLang="zh-CN"/>
-              <a:t>Y%m%</a:t>
-            </a:r>
-            <a:r>
-              <a:rPr lang="zh-CN" altLang="en-US"/>
-              <a:t>d`</a:t>
-            </a:r>
-            <a:endParaRPr lang="zh-CN" altLang="en-US"/>
-          </a:p>
-          <a:p>
-            <a:endParaRPr lang="zh-CN" altLang="en-US"/>
-          </a:p>
-          <a:p>
-            <a:r>
-              <a:rPr lang="zh-CN" altLang="en-US"/>
-              <a:t>work_dir="/home/lgm/SarReports/"</a:t>
-            </a:r>
-            <a:endParaRPr lang="zh-CN" altLang="en-US"/>
-          </a:p>
-          <a:p>
-            <a:r>
-              <a:rPr lang="zh-CN" altLang="en-US"/>
-              <a:t>sar_file="$work_dir/sa$idx"</a:t>
-            </a:r>
-            <a:endParaRPr lang="zh-CN" altLang="en-US"/>
-          </a:p>
-          <a:p>
-            <a:r>
-              <a:rPr lang="zh-CN" altLang="en-US"/>
-              <a:t>pdf_file="$work_dir/sa$idx.pdf'</a:t>
-            </a:r>
-            <a:endParaRPr lang="zh-CN" altLang="en-US"/>
-          </a:p>
-          <a:p>
-            <a:r>
-              <a:rPr lang="en-US" altLang="zh-CN"/>
-              <a:t>ksar_dir=”</a:t>
-            </a:r>
-            <a:r>
-              <a:rPr lang="zh-CN" altLang="en-US">
-                <a:sym typeface="+mn-ea"/>
-              </a:rPr>
-              <a:t>/home/lgm/Programs/kSar-5.0.6/</a:t>
-            </a:r>
-            <a:r>
-              <a:rPr lang="en-US" altLang="zh-CN">
-                <a:sym typeface="+mn-ea"/>
-              </a:rPr>
-              <a:t>”</a:t>
-            </a:r>
-            <a:endParaRPr lang="zh-CN" altLang="en-US"/>
-          </a:p>
-          <a:p>
-            <a:endParaRPr lang="zh-CN" altLang="en-US"/>
-          </a:p>
-          <a:p>
-            <a:r>
-              <a:rPr lang="zh-CN" altLang="en-US"/>
-              <a:t>LC_ALL=C sar -A -f /var/log/sysstat/sa$idx &gt; $sar_file</a:t>
-            </a:r>
-            <a:endParaRPr lang="zh-CN" altLang="en-US"/>
-          </a:p>
-          <a:p>
-            <a:r>
-              <a:rPr lang="zh-CN" altLang="en-US"/>
-              <a:t>cd </a:t>
-            </a:r>
-            <a:r>
-              <a:rPr lang="en-US" altLang="zh-CN"/>
-              <a:t>$ksar_dir</a:t>
-            </a:r>
-            <a:endParaRPr lang="en-US" altLang="zh-CN"/>
-          </a:p>
-          <a:p>
-            <a:r>
-              <a:rPr lang="zh-CN" altLang="en-US"/>
-              <a:t>java -jar kSar.jar -input $sar_file -outputPDF $pdf_file</a:t>
-            </a:r>
-            <a:endParaRPr lang="zh-CN" altLang="en-US"/>
-          </a:p>
-          <a:p>
-            <a:r>
-              <a:rPr lang="zh-CN" altLang="en-US"/>
-              <a:t>echo "Ksar graph successfully generated"</a:t>
-            </a:r>
-            <a:endParaRPr lang="zh-CN" altLang="en-US"/>
-          </a:p>
-        </p:txBody>
-      </p:sp>
-    </p:spTree>
-    <p:custDataLst>
-      <p:tags r:id="rId1"/>
-    </p:custDataLst>
-  </p:cSld>
-  <p:clrMapOvr>
-    <a:masterClrMapping/>
-  </p:clrMapOvr>
-</p:sld>
-</file>
-
 <file path=ppt/tags/tag1.xml><?xml version="1.0" encoding="utf-8"?>
 <p:tagLst xmlns:p="http://schemas.openxmlformats.org/presentationml/2006/main">
   <p:tag name="KSO_WM_TAG_VERSION" val="1.0"/>
@@ -6354,11 +6689,19 @@
 
 <file path=ppt/tags/tag13.xml><?xml version="1.0" encoding="utf-8"?>
 <p:tagLst xmlns:p="http://schemas.openxmlformats.org/presentationml/2006/main">
+  <p:tag name="KSO_WM_BEAUTIFY_FLAG" val="#wm#"/>
+  <p:tag name="KSO_WM_TEMPLATE_CATEGORY" val="custom"/>
+  <p:tag name="KSO_WM_TEMPLATE_INDEX" val="160402"/>
+</p:tagLst>
+</file>
+
+<file path=ppt/tags/tag14.xml><?xml version="1.0" encoding="utf-8"?>
+<p:tagLst xmlns:p="http://schemas.openxmlformats.org/presentationml/2006/main">
   <p:tag name="KSO_WM_UNIT_TABLE_BEAUTIFY" val="smartTable{99aee9ff-5b5f-4aaf-9c92-8085ec331e2a}"/>
 </p:tagLst>
 </file>
 
-<file path=ppt/tags/tag14.xml><?xml version="1.0" encoding="utf-8"?>
+<file path=ppt/tags/tag15.xml><?xml version="1.0" encoding="utf-8"?>
 <p:tagLst xmlns:p="http://schemas.openxmlformats.org/presentationml/2006/main">
   <p:tag name="KSO_WM_BEAUTIFY_FLAG" val="#wm#"/>
   <p:tag name="KSO_WM_TEMPLATE_CATEGORY" val="custom"/>
@@ -6366,7 +6709,7 @@
 </p:tagLst>
 </file>
 
-<file path=ppt/tags/tag15.xml><?xml version="1.0" encoding="utf-8"?>
+<file path=ppt/tags/tag16.xml><?xml version="1.0" encoding="utf-8"?>
 <p:tagLst xmlns:p="http://schemas.openxmlformats.org/presentationml/2006/main">
   <p:tag name="KSO_WM_TAG_VERSION" val="1.0"/>
   <p:tag name="KSO_WM_BEAUTIFY_FLAG" val="#wm#"/>
@@ -6386,7 +6729,7 @@
 </p:tagLst>
 </file>
 
-<file path=ppt/tags/tag16.xml><?xml version="1.0" encoding="utf-8"?>
+<file path=ppt/tags/tag17.xml><?xml version="1.0" encoding="utf-8"?>
 <p:tagLst xmlns:p="http://schemas.openxmlformats.org/presentationml/2006/main">
   <p:tag name="KSO_WM_TAG_VERSION" val="1.0"/>
   <p:tag name="KSO_WM_BEAUTIFY_FLAG" val="#wm#"/>
@@ -6405,7 +6748,7 @@
 </p:tagLst>
 </file>
 
-<file path=ppt/tags/tag17.xml><?xml version="1.0" encoding="utf-8"?>
+<file path=ppt/tags/tag18.xml><?xml version="1.0" encoding="utf-8"?>
 <p:tagLst xmlns:p="http://schemas.openxmlformats.org/presentationml/2006/main">
   <p:tag name="KSO_WM_BEAUTIFY_FLAG" val="#wm#"/>
   <p:tag name="KSO_WM_TEMPLATE_CATEGORY" val="custom"/>
@@ -6422,17 +6765,9 @@
 </p:tagLst>
 </file>
 
-<file path=ppt/tags/tag18.xml><?xml version="1.0" encoding="utf-8"?>
+<file path=ppt/tags/tag19.xml><?xml version="1.0" encoding="utf-8"?>
 <p:tagLst xmlns:p="http://schemas.openxmlformats.org/presentationml/2006/main">
   <p:tag name="KSO_WM_UNIT_TABLE_BEAUTIFY" val="smartTable{690034af-4a4d-4275-b375-4df7cb54ca97}"/>
-</p:tagLst>
-</file>
-
-<file path=ppt/tags/tag19.xml><?xml version="1.0" encoding="utf-8"?>
-<p:tagLst xmlns:p="http://schemas.openxmlformats.org/presentationml/2006/main">
-  <p:tag name="KSO_WM_BEAUTIFY_FLAG" val="#wm#"/>
-  <p:tag name="KSO_WM_TEMPLATE_CATEGORY" val="custom"/>
-  <p:tag name="KSO_WM_TEMPLATE_INDEX" val="160402"/>
 </p:tagLst>
 </file>
 
@@ -6454,16 +6789,16 @@
 
 <file path=ppt/tags/tag21.xml><?xml version="1.0" encoding="utf-8"?>
 <p:tagLst xmlns:p="http://schemas.openxmlformats.org/presentationml/2006/main">
-  <p:tag name="REFSHAPE" val="186877716"/>
-  <p:tag name="KSO_WM_UNIT_PLACING_PICTURE_USER_VIEWPORT" val="{&quot;height&quot;:4185,&quot;width&quot;:7620}"/>
+  <p:tag name="KSO_WM_BEAUTIFY_FLAG" val="#wm#"/>
+  <p:tag name="KSO_WM_TEMPLATE_CATEGORY" val="custom"/>
+  <p:tag name="KSO_WM_TEMPLATE_INDEX" val="160402"/>
 </p:tagLst>
 </file>
 
 <file path=ppt/tags/tag22.xml><?xml version="1.0" encoding="utf-8"?>
 <p:tagLst xmlns:p="http://schemas.openxmlformats.org/presentationml/2006/main">
-  <p:tag name="KSO_WM_BEAUTIFY_FLAG" val="#wm#"/>
-  <p:tag name="KSO_WM_TEMPLATE_CATEGORY" val="custom"/>
-  <p:tag name="KSO_WM_TEMPLATE_INDEX" val="160402"/>
+  <p:tag name="REFSHAPE" val="186877716"/>
+  <p:tag name="KSO_WM_UNIT_PLACING_PICTURE_USER_VIEWPORT" val="{&quot;height&quot;:4185,&quot;width&quot;:7620}"/>
 </p:tagLst>
 </file>
 
@@ -6476,6 +6811,22 @@
 </file>
 
 <file path=ppt/tags/tag24.xml><?xml version="1.0" encoding="utf-8"?>
+<p:tagLst xmlns:p="http://schemas.openxmlformats.org/presentationml/2006/main">
+  <p:tag name="KSO_WM_BEAUTIFY_FLAG" val="#wm#"/>
+  <p:tag name="KSO_WM_TEMPLATE_CATEGORY" val="custom"/>
+  <p:tag name="KSO_WM_TEMPLATE_INDEX" val="160402"/>
+</p:tagLst>
+</file>
+
+<file path=ppt/tags/tag25.xml><?xml version="1.0" encoding="utf-8"?>
+<p:tagLst xmlns:p="http://schemas.openxmlformats.org/presentationml/2006/main">
+  <p:tag name="KSO_WM_BEAUTIFY_FLAG" val="#wm#"/>
+  <p:tag name="KSO_WM_TEMPLATE_CATEGORY" val="custom"/>
+  <p:tag name="KSO_WM_TEMPLATE_INDEX" val="160402"/>
+</p:tagLst>
+</file>
+
+<file path=ppt/tags/tag26.xml><?xml version="1.0" encoding="utf-8"?>
 <p:tagLst xmlns:p="http://schemas.openxmlformats.org/presentationml/2006/main">
   <p:tag name="KSO_WM_BEAUTIFY_FLAG" val="#wm#"/>
   <p:tag name="KSO_WM_TEMPLATE_CATEGORY" val="custom"/>

--- a/Web/Server-Notes.pptx
+++ b/Web/Server-Notes.pptx
@@ -8,7 +8,7 @@
     <p:notesMasterId r:id="rId11"/>
   </p:notesMasterIdLst>
   <p:handoutMasterIdLst>
-    <p:handoutMasterId r:id="rId18"/>
+    <p:handoutMasterId r:id="rId20"/>
   </p:handoutMasterIdLst>
   <p:sldIdLst>
     <p:sldId id="256" r:id="rId3"/>
@@ -24,7 +24,9 @@
     <p:sldId id="332" r:id="rId14"/>
     <p:sldId id="334" r:id="rId15"/>
     <p:sldId id="341" r:id="rId16"/>
-    <p:sldId id="331" r:id="rId17"/>
+    <p:sldId id="354" r:id="rId17"/>
+    <p:sldId id="356" r:id="rId18"/>
+    <p:sldId id="331" r:id="rId19"/>
   </p:sldIdLst>
   <p:sldSz cx="12192000" cy="6858000"/>
   <p:notesSz cx="6858000" cy="9144000"/>
@@ -3691,7 +3693,7 @@
             <a:pPr algn="ctr"/>
             <a:r>
               <a:rPr lang="en-US" altLang="zh-CN" smtClean="0"/>
-              <a:t>Last updated: 12/25/2020</a:t>
+              <a:t>Last updated: 3/1/2021</a:t>
             </a:r>
             <a:endParaRPr lang="zh-CN" altLang="en-US" smtClean="0"/>
           </a:p>
@@ -4534,6 +4536,595 @@
           <a:p>
             <a:r>
               <a:rPr lang="en-US" altLang="zh-CN"/>
+              <a:t>Set Up VPN</a:t>
+            </a:r>
+            <a:endParaRPr lang="en-US" altLang="zh-CN"/>
+          </a:p>
+        </p:txBody>
+      </p:sp>
+      <p:sp>
+        <p:nvSpPr>
+          <p:cNvPr id="3" name="内容占位符 2"/>
+          <p:cNvSpPr>
+            <a:spLocks noGrp="1"/>
+          </p:cNvSpPr>
+          <p:nvPr>
+            <p:ph idx="1"/>
+          </p:nvPr>
+        </p:nvSpPr>
+        <p:spPr>
+          <a:xfrm>
+            <a:off x="838200" y="1211580"/>
+            <a:ext cx="5058410" cy="5146675"/>
+          </a:xfrm>
+        </p:spPr>
+        <p:txBody>
+          <a:bodyPr>
+            <a:normAutofit fontScale="80000"/>
+          </a:bodyPr>
+          <a:p>
+            <a:r>
+              <a:rPr lang="en-US" altLang="zh-CN"/>
+              <a:t>Rent server from vultr.com</a:t>
+            </a:r>
+            <a:endParaRPr lang="en-US" altLang="zh-CN"/>
+          </a:p>
+          <a:p>
+            <a:r>
+              <a:rPr lang="en-US" altLang="zh-CN"/>
+              <a:t>Config server as VPN server</a:t>
+            </a:r>
+            <a:endParaRPr lang="en-US" altLang="zh-CN"/>
+          </a:p>
+          <a:p>
+            <a:pPr lvl="1"/>
+            <a:r>
+              <a:rPr lang="en-US" altLang="zh-CN"/>
+              <a:t>Refer</a:t>
+            </a:r>
+            <a:endParaRPr lang="en-US" altLang="zh-CN"/>
+          </a:p>
+          <a:p>
+            <a:pPr lvl="2"/>
+            <a:r>
+              <a:rPr lang="en-US" altLang="zh-CN"/>
+              <a:t>https://www.vultr.com/docs/setup-a-pptp-vpn-server-on-ubuntu</a:t>
+            </a:r>
+            <a:endParaRPr lang="en-US" altLang="zh-CN"/>
+          </a:p>
+          <a:p>
+            <a:pPr lvl="2"/>
+            <a:r>
+              <a:rPr lang="en-US" altLang="zh-CN"/>
+              <a:t>https://blog.warmcolor.net/2013/06/21/%E5%9F%BA%E4%BA%8Eubuntu%E6%90%AD%E5%BB%BAvpn%E6%9C%8D%E5%8A%A1%E5%99%A8%E5%B7%B2%E9%AA%8C%E8%AF%81/</a:t>
+            </a:r>
+            <a:endParaRPr lang="en-US" altLang="zh-CN"/>
+          </a:p>
+          <a:p>
+            <a:pPr lvl="1"/>
+            <a:r>
+              <a:rPr lang="en-US" altLang="zh-CN" sz="2000"/>
+              <a:t>Steps</a:t>
+            </a:r>
+            <a:endParaRPr lang="en-US" altLang="zh-CN" sz="2000"/>
+          </a:p>
+          <a:p>
+            <a:pPr lvl="2"/>
+            <a:r>
+              <a:rPr lang="en-US" altLang="zh-CN"/>
+              <a:t>apt-get install pptpd</a:t>
+            </a:r>
+            <a:endParaRPr lang="en-US" altLang="zh-CN" sz="1800"/>
+          </a:p>
+          <a:p>
+            <a:pPr lvl="2"/>
+            <a:r>
+              <a:rPr lang="en-US" altLang="zh-CN"/>
+              <a:t>Edit /etc/pptpd.conf</a:t>
+            </a:r>
+            <a:endParaRPr lang="en-US" altLang="zh-CN"/>
+          </a:p>
+          <a:p>
+            <a:pPr lvl="3"/>
+            <a:r>
+              <a:rPr lang="en-US" altLang="zh-CN"/>
+              <a:t>option /etc/ppp/pptpd-options</a:t>
+            </a:r>
+            <a:endParaRPr lang="en-US" altLang="zh-CN"/>
+          </a:p>
+          <a:p>
+            <a:pPr lvl="3"/>
+            <a:r>
+              <a:rPr lang="en-US" altLang="zh-CN"/>
+              <a:t>localip 192.168.0.1</a:t>
+            </a:r>
+            <a:endParaRPr lang="en-US" altLang="zh-CN"/>
+          </a:p>
+          <a:p>
+            <a:pPr lvl="3"/>
+            <a:r>
+              <a:rPr lang="en-US" altLang="zh-CN"/>
+              <a:t>remoteip 192.168.0.11-150</a:t>
+            </a:r>
+            <a:endParaRPr lang="en-US" altLang="zh-CN"/>
+          </a:p>
+          <a:p>
+            <a:pPr lvl="2"/>
+            <a:r>
+              <a:rPr lang="en-US" altLang="zh-CN"/>
+              <a:t>Edit /etc/ppp/pptpd-options</a:t>
+            </a:r>
+            <a:endParaRPr lang="en-US" altLang="zh-CN"/>
+          </a:p>
+          <a:p>
+            <a:pPr lvl="3"/>
+            <a:r>
+              <a:rPr lang="en-US" altLang="zh-CN"/>
+              <a:t>ms-dns: 8.8.8.8 8.8.4.4</a:t>
+            </a:r>
+            <a:endParaRPr lang="en-US" altLang="zh-CN"/>
+          </a:p>
+          <a:p>
+            <a:pPr lvl="2"/>
+            <a:r>
+              <a:rPr lang="en-US" altLang="zh-CN"/>
+              <a:t>/etc/ppp/chap-secrets</a:t>
+            </a:r>
+            <a:endParaRPr lang="en-US" altLang="zh-CN"/>
+          </a:p>
+          <a:p>
+            <a:pPr lvl="3"/>
+            <a:r>
+              <a:rPr lang="en-US" altLang="zh-CN"/>
+              <a:t>	用户名 pptpd 密码 *</a:t>
+            </a:r>
+            <a:endParaRPr lang="en-US" altLang="zh-CN"/>
+          </a:p>
+        </p:txBody>
+      </p:sp>
+      <p:sp>
+        <p:nvSpPr>
+          <p:cNvPr id="4" name="内容占位符 2"/>
+          <p:cNvSpPr>
+            <a:spLocks noGrp="1"/>
+          </p:cNvSpPr>
+          <p:nvPr/>
+        </p:nvSpPr>
+        <p:spPr>
+          <a:xfrm>
+            <a:off x="6352540" y="1195070"/>
+            <a:ext cx="5001260" cy="4951095"/>
+          </a:xfrm>
+          <a:prstGeom prst="rect">
+            <a:avLst/>
+          </a:prstGeom>
+        </p:spPr>
+        <p:txBody>
+          <a:bodyPr vert="horz" lIns="91440" tIns="45720" rIns="91440" bIns="45720" rtlCol="0"/>
+          <a:lstStyle>
+            <a:lvl1pPr marL="342900" indent="-342900" algn="l" defTabSz="914400" rtl="0" eaLnBrk="1" latinLnBrk="0" hangingPunct="1">
+              <a:lnSpc>
+                <a:spcPct val="90000"/>
+              </a:lnSpc>
+              <a:spcBef>
+                <a:spcPts val="1000"/>
+              </a:spcBef>
+              <a:buFont typeface="黑体" panose="02010609060101010101" charset="-122"/>
+              <a:buChar char="〉"/>
+              <a:defRPr sz="2400" kern="1200">
+                <a:solidFill>
+                  <a:schemeClr val="tx1"/>
+                </a:solidFill>
+                <a:latin typeface="+mn-lt"/>
+                <a:ea typeface="+mn-ea"/>
+                <a:cs typeface="+mn-cs"/>
+              </a:defRPr>
+            </a:lvl1pPr>
+            <a:lvl2pPr marL="800100" indent="-342900" algn="l" defTabSz="914400" rtl="0" eaLnBrk="1" latinLnBrk="0" hangingPunct="1">
+              <a:lnSpc>
+                <a:spcPct val="90000"/>
+              </a:lnSpc>
+              <a:spcBef>
+                <a:spcPts val="500"/>
+              </a:spcBef>
+              <a:buFont typeface="Arial" panose="020B0604020202020204" pitchFamily="34" charset="0"/>
+              <a:buChar char="•"/>
+              <a:defRPr sz="2000" kern="1200">
+                <a:solidFill>
+                  <a:schemeClr val="tx1"/>
+                </a:solidFill>
+                <a:latin typeface="+mn-lt"/>
+                <a:ea typeface="+mn-ea"/>
+                <a:cs typeface="+mn-cs"/>
+              </a:defRPr>
+            </a:lvl2pPr>
+            <a:lvl3pPr marL="1257300" indent="-342900" algn="l" defTabSz="914400" rtl="0" eaLnBrk="1" latinLnBrk="0" hangingPunct="1">
+              <a:lnSpc>
+                <a:spcPct val="90000"/>
+              </a:lnSpc>
+              <a:spcBef>
+                <a:spcPts val="500"/>
+              </a:spcBef>
+              <a:buFont typeface="Arial" panose="020B0604020202020204" pitchFamily="34" charset="0"/>
+              <a:buChar char="•"/>
+              <a:defRPr sz="1800" kern="1200">
+                <a:solidFill>
+                  <a:schemeClr val="tx1"/>
+                </a:solidFill>
+                <a:latin typeface="+mn-lt"/>
+                <a:ea typeface="+mn-ea"/>
+                <a:cs typeface="+mn-cs"/>
+              </a:defRPr>
+            </a:lvl3pPr>
+            <a:lvl4pPr marL="1657350" indent="-285750" algn="l" defTabSz="914400" rtl="0" eaLnBrk="1" latinLnBrk="0" hangingPunct="1">
+              <a:lnSpc>
+                <a:spcPct val="90000"/>
+              </a:lnSpc>
+              <a:spcBef>
+                <a:spcPts val="500"/>
+              </a:spcBef>
+              <a:buFont typeface="Arial" panose="020B0604020202020204" pitchFamily="34" charset="0"/>
+              <a:buChar char="•"/>
+              <a:defRPr sz="1800" kern="1200">
+                <a:solidFill>
+                  <a:schemeClr val="tx1"/>
+                </a:solidFill>
+                <a:latin typeface="+mn-lt"/>
+                <a:ea typeface="+mn-ea"/>
+                <a:cs typeface="+mn-cs"/>
+              </a:defRPr>
+            </a:lvl4pPr>
+            <a:lvl5pPr marL="2114550" indent="-285750" algn="l" defTabSz="914400" rtl="0" eaLnBrk="1" latinLnBrk="0" hangingPunct="1">
+              <a:lnSpc>
+                <a:spcPct val="90000"/>
+              </a:lnSpc>
+              <a:spcBef>
+                <a:spcPts val="500"/>
+              </a:spcBef>
+              <a:buFont typeface="Arial" panose="020B0604020202020204" pitchFamily="34" charset="0"/>
+              <a:buChar char="•"/>
+              <a:defRPr sz="1800" kern="1200">
+                <a:solidFill>
+                  <a:schemeClr val="tx1"/>
+                </a:solidFill>
+                <a:latin typeface="+mn-lt"/>
+                <a:ea typeface="+mn-ea"/>
+                <a:cs typeface="+mn-cs"/>
+              </a:defRPr>
+            </a:lvl5pPr>
+            <a:lvl6pPr marL="2514600" indent="-228600" algn="l" defTabSz="914400" rtl="0" eaLnBrk="1" latinLnBrk="0" hangingPunct="1">
+              <a:lnSpc>
+                <a:spcPct val="90000"/>
+              </a:lnSpc>
+              <a:spcBef>
+                <a:spcPts val="500"/>
+              </a:spcBef>
+              <a:buFont typeface="Arial" panose="020B0604020202020204" pitchFamily="34" charset="0"/>
+              <a:buChar char="•"/>
+              <a:defRPr sz="1800" kern="1200">
+                <a:solidFill>
+                  <a:schemeClr val="tx1"/>
+                </a:solidFill>
+                <a:latin typeface="+mn-lt"/>
+                <a:ea typeface="+mn-ea"/>
+                <a:cs typeface="+mn-cs"/>
+              </a:defRPr>
+            </a:lvl6pPr>
+            <a:lvl7pPr marL="2971800" indent="-228600" algn="l" defTabSz="914400" rtl="0" eaLnBrk="1" latinLnBrk="0" hangingPunct="1">
+              <a:lnSpc>
+                <a:spcPct val="90000"/>
+              </a:lnSpc>
+              <a:spcBef>
+                <a:spcPts val="500"/>
+              </a:spcBef>
+              <a:buFont typeface="Arial" panose="020B0604020202020204" pitchFamily="34" charset="0"/>
+              <a:buChar char="•"/>
+              <a:defRPr sz="1800" kern="1200">
+                <a:solidFill>
+                  <a:schemeClr val="tx1"/>
+                </a:solidFill>
+                <a:latin typeface="+mn-lt"/>
+                <a:ea typeface="+mn-ea"/>
+                <a:cs typeface="+mn-cs"/>
+              </a:defRPr>
+            </a:lvl7pPr>
+            <a:lvl8pPr marL="3429000" indent="-228600" algn="l" defTabSz="914400" rtl="0" eaLnBrk="1" latinLnBrk="0" hangingPunct="1">
+              <a:lnSpc>
+                <a:spcPct val="90000"/>
+              </a:lnSpc>
+              <a:spcBef>
+                <a:spcPts val="500"/>
+              </a:spcBef>
+              <a:buFont typeface="Arial" panose="020B0604020202020204" pitchFamily="34" charset="0"/>
+              <a:buChar char="•"/>
+              <a:defRPr sz="1800" kern="1200">
+                <a:solidFill>
+                  <a:schemeClr val="tx1"/>
+                </a:solidFill>
+                <a:latin typeface="+mn-lt"/>
+                <a:ea typeface="+mn-ea"/>
+                <a:cs typeface="+mn-cs"/>
+              </a:defRPr>
+            </a:lvl8pPr>
+            <a:lvl9pPr marL="3886200" indent="-228600" algn="l" defTabSz="914400" rtl="0" eaLnBrk="1" latinLnBrk="0" hangingPunct="1">
+              <a:lnSpc>
+                <a:spcPct val="90000"/>
+              </a:lnSpc>
+              <a:spcBef>
+                <a:spcPts val="500"/>
+              </a:spcBef>
+              <a:buFont typeface="Arial" panose="020B0604020202020204" pitchFamily="34" charset="0"/>
+              <a:buChar char="•"/>
+              <a:defRPr sz="1800" kern="1200">
+                <a:solidFill>
+                  <a:schemeClr val="tx1"/>
+                </a:solidFill>
+                <a:latin typeface="+mn-lt"/>
+                <a:ea typeface="+mn-ea"/>
+                <a:cs typeface="+mn-cs"/>
+              </a:defRPr>
+            </a:lvl9pPr>
+          </a:lstStyle>
+          <a:p>
+            <a:pPr lvl="2"/>
+            <a:r>
+              <a:rPr lang="en-US" altLang="zh-CN" sz="1600"/>
+              <a:t>/etc/init.d/pptpd restart</a:t>
+            </a:r>
+            <a:endParaRPr lang="en-US" altLang="zh-CN" sz="1600"/>
+          </a:p>
+          <a:p>
+            <a:pPr lvl="2"/>
+            <a:r>
+              <a:rPr lang="en-US" altLang="zh-CN" sz="1600"/>
+              <a:t>iptables -I INPUT -p tcp --dport 1723 -j ACCEPT</a:t>
+            </a:r>
+            <a:endParaRPr lang="en-US" altLang="zh-CN" sz="1600"/>
+          </a:p>
+          <a:p>
+            <a:pPr lvl="2"/>
+            <a:r>
+              <a:rPr lang="en-US" altLang="zh-CN" sz="1600"/>
+              <a:t>/proc/sys/net/ipv4/ip_forward: 1</a:t>
+            </a:r>
+            <a:endParaRPr lang="en-US" altLang="zh-CN" sz="1600"/>
+          </a:p>
+          <a:p>
+            <a:pPr lvl="2"/>
+            <a:r>
+              <a:rPr lang="en-US" altLang="zh-CN" sz="1600"/>
+              <a:t>Edit /etc/sysctl.con</a:t>
+            </a:r>
+            <a:endParaRPr lang="en-US" altLang="zh-CN" sz="1600"/>
+          </a:p>
+          <a:p>
+            <a:pPr lvl="3"/>
+            <a:r>
+              <a:rPr lang="en-US" altLang="zh-CN" sz="1600"/>
+              <a:t>	net.ipv4.ip_forward = 1</a:t>
+            </a:r>
+            <a:endParaRPr lang="en-US" altLang="zh-CN" sz="1600"/>
+          </a:p>
+          <a:p>
+            <a:pPr lvl="2"/>
+            <a:r>
+              <a:rPr lang="en-US" altLang="zh-CN" sz="1600"/>
+              <a:t>sysctl -p</a:t>
+            </a:r>
+            <a:endParaRPr lang="en-US" altLang="zh-CN" sz="1600"/>
+          </a:p>
+          <a:p>
+            <a:pPr lvl="2"/>
+            <a:r>
+              <a:rPr lang="en-US" altLang="zh-CN" sz="1600"/>
+              <a:t>/etc/init.d/procps restart</a:t>
+            </a:r>
+            <a:endParaRPr lang="en-US" altLang="zh-CN" sz="1600"/>
+          </a:p>
+          <a:p>
+            <a:pPr lvl="2"/>
+            <a:r>
+              <a:rPr lang="en-US" altLang="zh-CN" sz="1600"/>
+              <a:t>apt-get intall iptables</a:t>
+            </a:r>
+            <a:endParaRPr lang="en-US" altLang="zh-CN" sz="1600"/>
+          </a:p>
+          <a:p>
+            <a:pPr lvl="2"/>
+            <a:r>
+              <a:rPr lang="en-US" altLang="zh-CN" sz="1600"/>
+              <a:t>iptables --table nat --append POSTROUTING --out-interface {eth0} --jump MASQUERADE</a:t>
+            </a:r>
+            <a:endParaRPr lang="en-US" altLang="zh-CN" sz="1600"/>
+          </a:p>
+          <a:p>
+            <a:pPr lvl="2"/>
+            <a:r>
+              <a:rPr lang="en-US" altLang="zh-CN" sz="1600"/>
+              <a:t>Edit /etc/rc.local:</a:t>
+            </a:r>
+            <a:endParaRPr lang="en-US" altLang="zh-CN" sz="1600"/>
+          </a:p>
+          <a:p>
+            <a:pPr lvl="3"/>
+            <a:r>
+              <a:rPr lang="en-US" altLang="zh-CN" sz="1600"/>
+              <a:t>iptables --table nat --append POSTROUTING --out-interface eth0 --jump MASQUERADE</a:t>
+            </a:r>
+            <a:endParaRPr lang="en-US" altLang="zh-CN" sz="1600"/>
+          </a:p>
+          <a:p>
+            <a:pPr lvl="0"/>
+            <a:r>
+              <a:rPr lang="en-US" altLang="zh-CN" sz="2000"/>
+              <a:t>Set up client</a:t>
+            </a:r>
+            <a:endParaRPr lang="en-US" altLang="zh-CN" sz="2000"/>
+          </a:p>
+          <a:p>
+            <a:pPr lvl="1"/>
+            <a:r>
+              <a:rPr lang="en-US" altLang="zh-CN" sz="1800"/>
+              <a:t>Search vpn in start menu</a:t>
+            </a:r>
+            <a:endParaRPr lang="en-US" altLang="zh-CN" sz="1800"/>
+          </a:p>
+        </p:txBody>
+      </p:sp>
+    </p:spTree>
+    <p:custDataLst>
+      <p:tags r:id="rId1"/>
+    </p:custDataLst>
+  </p:cSld>
+  <p:clrMapOvr>
+    <a:masterClrMapping/>
+  </p:clrMapOvr>
+</p:sld>
+</file>
+
+<file path=ppt/slides/slide15.xml><?xml version="1.0" encoding="utf-8"?>
+<p:sld xmlns:a="http://schemas.openxmlformats.org/drawingml/2006/main" xmlns:r="http://schemas.openxmlformats.org/officeDocument/2006/relationships" xmlns:p="http://schemas.openxmlformats.org/presentationml/2006/main">
+  <p:cSld>
+    <p:spTree>
+      <p:nvGrpSpPr>
+        <p:cNvPr id="1" name=""/>
+        <p:cNvGrpSpPr/>
+        <p:nvPr/>
+      </p:nvGrpSpPr>
+      <p:grpSpPr/>
+      <p:sp>
+        <p:nvSpPr>
+          <p:cNvPr id="2" name="标题 1"/>
+          <p:cNvSpPr>
+            <a:spLocks noGrp="1"/>
+          </p:cNvSpPr>
+          <p:nvPr>
+            <p:ph type="title"/>
+          </p:nvPr>
+        </p:nvSpPr>
+        <p:spPr/>
+        <p:txBody>
+          <a:bodyPr/>
+          <a:p>
+            <a:r>
+              <a:rPr lang="en-US" altLang="zh-CN"/>
+              <a:t>HTTPS</a:t>
+            </a:r>
+            <a:endParaRPr lang="en-US" altLang="zh-CN"/>
+          </a:p>
+        </p:txBody>
+      </p:sp>
+      <p:sp>
+        <p:nvSpPr>
+          <p:cNvPr id="3" name="内容占位符 2"/>
+          <p:cNvSpPr>
+            <a:spLocks noGrp="1"/>
+          </p:cNvSpPr>
+          <p:nvPr>
+            <p:ph idx="1"/>
+          </p:nvPr>
+        </p:nvSpPr>
+        <p:spPr/>
+        <p:txBody>
+          <a:bodyPr/>
+          <a:p>
+            <a:r>
+              <a:rPr lang="en-US" altLang="zh-CN"/>
+              <a:t>References</a:t>
+            </a:r>
+            <a:endParaRPr lang="en-US" altLang="zh-CN"/>
+          </a:p>
+          <a:p>
+            <a:pPr lvl="1"/>
+            <a:r>
+              <a:rPr lang="en-US" altLang="zh-CN"/>
+              <a:t>https://www.cnblogs.com/tomingto/p/11327696.html</a:t>
+            </a:r>
+            <a:endParaRPr lang="en-US" altLang="zh-CN"/>
+          </a:p>
+          <a:p>
+            <a:pPr lvl="1"/>
+            <a:r>
+              <a:rPr lang="en-US" altLang="zh-CN"/>
+              <a:t>https://help.aliyun.com/document_detail/98576.htm?spm=a2c4g.11186623.2.19.181060e0zo8yDx#concept-omf-lxn-yfb</a:t>
+            </a:r>
+            <a:endParaRPr lang="en-US" altLang="zh-CN"/>
+          </a:p>
+          <a:p>
+            <a:pPr lvl="0"/>
+            <a:r>
+              <a:rPr lang="en-US" altLang="zh-CN"/>
+              <a:t>Steps</a:t>
+            </a:r>
+            <a:endParaRPr lang="en-US" altLang="zh-CN"/>
+          </a:p>
+          <a:p>
+            <a:pPr lvl="1"/>
+            <a:r>
+              <a:rPr lang="en-US" altLang="zh-CN"/>
+              <a:t>Generate keystore</a:t>
+            </a:r>
+            <a:endParaRPr lang="en-US" altLang="zh-CN"/>
+          </a:p>
+          <a:p>
+            <a:pPr lvl="1"/>
+            <a:r>
+              <a:rPr lang="en-US" altLang="zh-CN"/>
+              <a:t>在Tomcat安装目录下新建cert目录，将解压的证书和密码文件拷贝到cert目录下</a:t>
+            </a:r>
+            <a:endParaRPr lang="en-US" altLang="zh-CN"/>
+          </a:p>
+          <a:p>
+            <a:pPr lvl="1"/>
+            <a:r>
+              <a:rPr lang="en-US" altLang="zh-CN"/>
+              <a:t>Modify conf/server.xml</a:t>
+            </a:r>
+            <a:endParaRPr lang="en-US" altLang="zh-CN"/>
+          </a:p>
+          <a:p>
+            <a:pPr lvl="1"/>
+            <a:endParaRPr lang="en-US" altLang="zh-CN"/>
+          </a:p>
+        </p:txBody>
+      </p:sp>
+    </p:spTree>
+    <p:custDataLst>
+      <p:tags r:id="rId1"/>
+    </p:custDataLst>
+  </p:cSld>
+  <p:clrMapOvr>
+    <a:masterClrMapping/>
+  </p:clrMapOvr>
+</p:sld>
+</file>
+
+<file path=ppt/slides/slide16.xml><?xml version="1.0" encoding="utf-8"?>
+<p:sld xmlns:a="http://schemas.openxmlformats.org/drawingml/2006/main" xmlns:r="http://schemas.openxmlformats.org/officeDocument/2006/relationships" xmlns:p="http://schemas.openxmlformats.org/presentationml/2006/main">
+  <p:cSld>
+    <p:spTree>
+      <p:nvGrpSpPr>
+        <p:cNvPr id="1" name=""/>
+        <p:cNvGrpSpPr/>
+        <p:nvPr/>
+      </p:nvGrpSpPr>
+      <p:grpSpPr/>
+      <p:sp>
+        <p:nvSpPr>
+          <p:cNvPr id="2" name="标题 1"/>
+          <p:cNvSpPr>
+            <a:spLocks noGrp="1"/>
+          </p:cNvSpPr>
+          <p:nvPr>
+            <p:ph type="title"/>
+          </p:nvPr>
+        </p:nvSpPr>
+        <p:spPr/>
+        <p:txBody>
+          <a:bodyPr/>
+          <a:p>
+            <a:r>
+              <a:rPr lang="en-US" altLang="zh-CN"/>
               <a:t>Q&amp;A</a:t>
             </a:r>
             <a:endParaRPr lang="en-US" altLang="zh-CN"/>
@@ -5114,7 +5705,7 @@
         </p:spPr>
         <p:txBody>
           <a:bodyPr>
-            <a:normAutofit lnSpcReduction="20000"/>
+            <a:normAutofit fontScale="90000" lnSpcReduction="20000"/>
           </a:bodyPr>
           <a:p>
             <a:r>
@@ -5162,6 +5753,30 @@
               <a:t>》启用远程管理和远程桌面</a:t>
             </a:r>
             <a:endParaRPr lang="zh-CN" altLang="en-US"/>
+          </a:p>
+          <a:p>
+            <a:pPr lvl="0"/>
+            <a:r>
+              <a:rPr lang="en-US" altLang="zh-CN"/>
+              <a:t>Check port status</a:t>
+            </a:r>
+            <a:endParaRPr lang="en-US" altLang="zh-CN"/>
+          </a:p>
+          <a:p>
+            <a:pPr lvl="1"/>
+            <a:r>
+              <a:rPr lang="en-US" altLang="zh-CN"/>
+              <a:t>CurrPorts</a:t>
+            </a:r>
+            <a:endParaRPr lang="en-US" altLang="zh-CN"/>
+          </a:p>
+          <a:p>
+            <a:pPr lvl="2"/>
+            <a:r>
+              <a:rPr lang="en-US" altLang="zh-CN"/>
+              <a:t>http://www.nirsoft.net/utils/cports.html</a:t>
+            </a:r>
+            <a:endParaRPr lang="en-US" altLang="zh-CN"/>
           </a:p>
           <a:p>
             <a:pPr lvl="0"/>
@@ -6827,6 +7442,22 @@
 </file>
 
 <file path=ppt/tags/tag26.xml><?xml version="1.0" encoding="utf-8"?>
+<p:tagLst xmlns:p="http://schemas.openxmlformats.org/presentationml/2006/main">
+  <p:tag name="KSO_WM_BEAUTIFY_FLAG" val="#wm#"/>
+  <p:tag name="KSO_WM_TEMPLATE_CATEGORY" val="custom"/>
+  <p:tag name="KSO_WM_TEMPLATE_INDEX" val="160402"/>
+</p:tagLst>
+</file>
+
+<file path=ppt/tags/tag27.xml><?xml version="1.0" encoding="utf-8"?>
+<p:tagLst xmlns:p="http://schemas.openxmlformats.org/presentationml/2006/main">
+  <p:tag name="KSO_WM_BEAUTIFY_FLAG" val="#wm#"/>
+  <p:tag name="KSO_WM_TEMPLATE_CATEGORY" val="custom"/>
+  <p:tag name="KSO_WM_TEMPLATE_INDEX" val="160402"/>
+</p:tagLst>
+</file>
+
+<file path=ppt/tags/tag28.xml><?xml version="1.0" encoding="utf-8"?>
 <p:tagLst xmlns:p="http://schemas.openxmlformats.org/presentationml/2006/main">
   <p:tag name="KSO_WM_BEAUTIFY_FLAG" val="#wm#"/>
   <p:tag name="KSO_WM_TEMPLATE_CATEGORY" val="custom"/>

--- a/Web/Server-Notes.pptx
+++ b/Web/Server-Notes.pptx
@@ -8,7 +8,7 @@
     <p:notesMasterId r:id="rId11"/>
   </p:notesMasterIdLst>
   <p:handoutMasterIdLst>
-    <p:handoutMasterId r:id="rId20"/>
+    <p:handoutMasterId r:id="rId24"/>
   </p:handoutMasterIdLst>
   <p:sldIdLst>
     <p:sldId id="256" r:id="rId3"/>
@@ -25,8 +25,12 @@
     <p:sldId id="334" r:id="rId15"/>
     <p:sldId id="341" r:id="rId16"/>
     <p:sldId id="354" r:id="rId17"/>
-    <p:sldId id="356" r:id="rId18"/>
-    <p:sldId id="331" r:id="rId19"/>
+    <p:sldId id="358" r:id="rId18"/>
+    <p:sldId id="359" r:id="rId19"/>
+    <p:sldId id="362" r:id="rId20"/>
+    <p:sldId id="356" r:id="rId21"/>
+    <p:sldId id="363" r:id="rId22"/>
+    <p:sldId id="331" r:id="rId23"/>
   </p:sldIdLst>
   <p:sldSz cx="12192000" cy="6858000"/>
   <p:notesSz cx="6858000" cy="9144000"/>
@@ -5008,7 +5012,7 @@
           <a:p>
             <a:r>
               <a:rPr lang="en-US" altLang="zh-CN"/>
-              <a:t>HTTPS</a:t>
+              <a:t>SSL Certificate - Self-Signed</a:t>
             </a:r>
             <a:endParaRPr lang="en-US" altLang="zh-CN"/>
           </a:p>
@@ -5024,67 +5028,467 @@
             <p:ph idx="1"/>
           </p:nvPr>
         </p:nvSpPr>
-        <p:spPr/>
-        <p:txBody>
-          <a:bodyPr/>
-          <a:p>
-            <a:r>
-              <a:rPr lang="en-US" altLang="zh-CN"/>
-              <a:t>References</a:t>
-            </a:r>
-            <a:endParaRPr lang="en-US" altLang="zh-CN"/>
+        <p:spPr>
+          <a:xfrm>
+            <a:off x="838200" y="1211580"/>
+            <a:ext cx="6403340" cy="5037455"/>
+          </a:xfrm>
+        </p:spPr>
+        <p:txBody>
+          <a:bodyPr>
+            <a:noAutofit/>
+          </a:bodyPr>
+          <a:p>
+            <a:r>
+              <a:rPr lang="en-US" altLang="zh-CN" sz="1600"/>
+              <a:t>Reference</a:t>
+            </a:r>
+            <a:endParaRPr lang="en-US" altLang="zh-CN" sz="1600"/>
           </a:p>
           <a:p>
             <a:pPr lvl="1"/>
             <a:r>
-              <a:rPr lang="en-US" altLang="zh-CN"/>
-              <a:t>https://www.cnblogs.com/tomingto/p/11327696.html</a:t>
-            </a:r>
-            <a:endParaRPr lang="en-US" altLang="zh-CN"/>
+              <a:rPr lang="en-US" altLang="zh-CN" sz="1200"/>
+              <a:t>https://alvinalexander.com/linux-unix/my-notes-how-configure-https-nginx-ubuntu-16/</a:t>
+            </a:r>
+            <a:endParaRPr lang="en-US" altLang="zh-CN" sz="1200"/>
           </a:p>
           <a:p>
             <a:pPr lvl="1"/>
             <a:r>
-              <a:rPr lang="en-US" altLang="zh-CN"/>
-              <a:t>https://help.aliyun.com/document_detail/98576.htm?spm=a2c4g.11186623.2.19.181060e0zo8yDx#concept-omf-lxn-yfb</a:t>
-            </a:r>
-            <a:endParaRPr lang="en-US" altLang="zh-CN"/>
-          </a:p>
-          <a:p>
-            <a:pPr lvl="0"/>
-            <a:r>
-              <a:rPr lang="en-US" altLang="zh-CN"/>
-              <a:t>Steps</a:t>
-            </a:r>
-            <a:endParaRPr lang="en-US" altLang="zh-CN"/>
+              <a:rPr lang="en-US" altLang="zh-CN" sz="1200"/>
+              <a:t>https://www.digitalocean.com/community/tutorials/how-to-create-a-self-signed-ssl-certificate-for-nginx-in-ubuntu-16-04</a:t>
+            </a:r>
+            <a:endParaRPr lang="en-US" altLang="zh-CN" sz="1200"/>
+          </a:p>
+          <a:p>
+            <a:r>
+              <a:rPr lang="en-US" altLang="zh-CN" sz="1600"/>
+              <a:t>Concept</a:t>
+            </a:r>
+            <a:endParaRPr lang="en-US" altLang="zh-CN" sz="1600"/>
           </a:p>
           <a:p>
             <a:pPr lvl="1"/>
             <a:r>
-              <a:rPr lang="en-US" altLang="zh-CN"/>
-              <a:t>Generate keystore</a:t>
-            </a:r>
-            <a:endParaRPr lang="en-US" altLang="zh-CN"/>
+              <a:rPr lang="en-US" altLang="zh-CN" sz="1400"/>
+              <a:t>SSL key (private key)</a:t>
+            </a:r>
+            <a:endParaRPr lang="en-US" altLang="zh-CN" sz="1400"/>
+          </a:p>
+          <a:p>
+            <a:pPr lvl="2"/>
+            <a:r>
+              <a:rPr lang="en-US" altLang="zh-CN" sz="1200"/>
+              <a:t>kept on server</a:t>
+            </a:r>
+            <a:r>
+              <a:rPr lang="zh-CN" altLang="en-US" sz="1200"/>
+              <a:t>，</a:t>
+            </a:r>
+            <a:r>
+              <a:rPr lang="en-US" altLang="zh-CN" sz="1200"/>
+              <a:t> used to encrypt content sent to client</a:t>
+            </a:r>
+            <a:endParaRPr lang="en-US" altLang="zh-CN" sz="1200"/>
           </a:p>
           <a:p>
             <a:pPr lvl="1"/>
             <a:r>
-              <a:rPr lang="en-US" altLang="zh-CN"/>
-              <a:t>在Tomcat安装目录下新建cert目录，将解压的证书和密码文件拷贝到cert目录下</a:t>
-            </a:r>
-            <a:endParaRPr lang="en-US" altLang="zh-CN"/>
+              <a:rPr lang="en-US" altLang="zh-CN" sz="1400"/>
+              <a:t>SSL certificate (public certificate)</a:t>
+            </a:r>
+            <a:endParaRPr lang="en-US" altLang="zh-CN" sz="1400"/>
+          </a:p>
+          <a:p>
+            <a:pPr lvl="2"/>
+            <a:r>
+              <a:rPr lang="en-US" altLang="zh-CN" sz="1200"/>
+              <a:t>publicly shared with anyone requesting the content</a:t>
+            </a:r>
+            <a:r>
+              <a:rPr lang="zh-CN" altLang="en-US" sz="1200"/>
+              <a:t>，</a:t>
+            </a:r>
+            <a:r>
+              <a:rPr lang="en-US" altLang="zh-CN" sz="1200"/>
+              <a:t> used to decrypt content signed by the associated SSL key</a:t>
+            </a:r>
+            <a:endParaRPr lang="en-US" altLang="zh-CN" sz="1200"/>
+          </a:p>
+          <a:p>
+            <a:r>
+              <a:rPr lang="en-US" altLang="zh-CN" sz="1600"/>
+              <a:t>Self-signed using openssl</a:t>
+            </a:r>
+            <a:endParaRPr lang="en-US" altLang="zh-CN" sz="1600"/>
           </a:p>
           <a:p>
             <a:pPr lvl="1"/>
             <a:r>
-              <a:rPr lang="en-US" altLang="zh-CN"/>
-              <a:t>Modify conf/server.xml</a:t>
-            </a:r>
-            <a:endParaRPr lang="en-US" altLang="zh-CN"/>
+              <a:rPr lang="en-US" altLang="zh-CN" sz="1400"/>
+              <a:t>openssl req -x509 -nodes -days 3650 -newkey rsa:2048 -keyout /etc/ssl/private/aja-nginx-selfsigned.key -out /etc/ssl/certs/aja-nginx-selfsigned.crt</a:t>
+            </a:r>
+            <a:endParaRPr lang="en-US" altLang="zh-CN" sz="1400"/>
+          </a:p>
+          <a:p>
+            <a:pPr lvl="2"/>
+            <a:r>
+              <a:rPr lang="en-US" altLang="zh-CN" sz="1200"/>
+              <a:t>output .key and .crt files</a:t>
+            </a:r>
+            <a:endParaRPr lang="en-US" altLang="zh-CN" sz="1200"/>
           </a:p>
           <a:p>
             <a:pPr lvl="1"/>
-            <a:endParaRPr lang="en-US" altLang="zh-CN"/>
+            <a:r>
+              <a:rPr lang="en-US" altLang="zh-CN" sz="1400"/>
+              <a:t>openssl dhparam -out /etc/ssl/certs/aja-dhparam.pem 2048</a:t>
+            </a:r>
+            <a:endParaRPr lang="en-US" altLang="zh-CN" sz="1400"/>
+          </a:p>
+          <a:p>
+            <a:pPr lvl="1"/>
+            <a:r>
+              <a:rPr lang="en-US" altLang="zh-CN" sz="1400"/>
+              <a:t>/etc/nginx/snippets/aja-self-signed.conf</a:t>
+            </a:r>
+            <a:endParaRPr lang="en-US" altLang="zh-CN" sz="1400"/>
+          </a:p>
+          <a:p>
+            <a:pPr lvl="2"/>
+            <a:r>
+              <a:rPr lang="en-US" altLang="zh-CN" sz="1200"/>
+              <a:t>ssl_certificate /etc/ssl/certs/aja-nginx-selfsigned.crt</a:t>
+            </a:r>
+            <a:r>
+              <a:rPr lang="zh-CN" altLang="en-US" sz="1200"/>
+              <a:t>；</a:t>
+            </a:r>
+            <a:endParaRPr lang="zh-CN" altLang="en-US" sz="1200"/>
+          </a:p>
+          <a:p>
+            <a:pPr lvl="2"/>
+            <a:r>
+              <a:rPr lang="zh-CN" altLang="en-US" sz="1200"/>
+              <a:t>ssl_certificate_key /etc/ssl/private/aja-nginx-selfsigned.key;</a:t>
+            </a:r>
+            <a:endParaRPr lang="zh-CN" altLang="en-US" sz="1200"/>
+          </a:p>
+          <a:p>
+            <a:pPr lvl="1"/>
+            <a:r>
+              <a:rPr lang="zh-CN" altLang="en-US" sz="1400"/>
+              <a:t>/etc/nginx/snippets/aja-ssl-params.conf</a:t>
+            </a:r>
+            <a:endParaRPr lang="zh-CN" altLang="en-US" sz="1400"/>
+          </a:p>
+          <a:p>
+            <a:pPr lvl="2"/>
+            <a:endParaRPr lang="zh-CN" altLang="en-US" sz="1400"/>
+          </a:p>
+        </p:txBody>
+      </p:sp>
+      <p:sp>
+        <p:nvSpPr>
+          <p:cNvPr id="4" name="文本框 3"/>
+          <p:cNvSpPr txBox="1"/>
+          <p:nvPr/>
+        </p:nvSpPr>
+        <p:spPr>
+          <a:xfrm>
+            <a:off x="7369810" y="904240"/>
+            <a:ext cx="4495165" cy="3415030"/>
+          </a:xfrm>
+          <a:prstGeom prst="rect">
+            <a:avLst/>
+          </a:prstGeom>
+          <a:noFill/>
+          <a:ln>
+            <a:solidFill>
+              <a:srgbClr val="FFC000"/>
+            </a:solidFill>
+            <a:prstDash val="dash"/>
+          </a:ln>
+        </p:spPr>
+        <p:txBody>
+          <a:bodyPr wrap="square" rtlCol="0">
+            <a:spAutoFit/>
+          </a:bodyPr>
+          <a:p>
+            <a:r>
+              <a:rPr lang="en-US" altLang="zh-CN" sz="900"/>
+              <a:t># </a:t>
+            </a:r>
+            <a:r>
+              <a:rPr lang="zh-CN" altLang="en-US" sz="900"/>
+              <a:t>/etc/nginx/snippets/aja-ssl-params.conf</a:t>
+            </a:r>
+            <a:endParaRPr lang="zh-CN" altLang="en-US" sz="900"/>
+          </a:p>
+          <a:p>
+            <a:r>
+              <a:rPr lang="zh-CN" altLang="en-US" sz="900"/>
+              <a:t># from https://cipherli.st/</a:t>
+            </a:r>
+            <a:endParaRPr lang="zh-CN" altLang="en-US" sz="900"/>
+          </a:p>
+          <a:p>
+            <a:r>
+              <a:rPr lang="zh-CN" altLang="en-US" sz="900"/>
+              <a:t>    # and https://raymii.org/s/tutorials/Strong_SSL_Security_On_nginx.html</a:t>
+            </a:r>
+            <a:endParaRPr lang="zh-CN" altLang="en-US" sz="900"/>
+          </a:p>
+          <a:p>
+            <a:endParaRPr lang="zh-CN" altLang="en-US" sz="900"/>
+          </a:p>
+          <a:p>
+            <a:r>
+              <a:rPr lang="zh-CN" altLang="en-US" sz="900"/>
+              <a:t>    ssl_protocols TLSv1 TLSv1.1 TLSv1.2;</a:t>
+            </a:r>
+            <a:endParaRPr lang="zh-CN" altLang="en-US" sz="900"/>
+          </a:p>
+          <a:p>
+            <a:r>
+              <a:rPr lang="zh-CN" altLang="en-US" sz="900"/>
+              <a:t>    ssl_prefer_server_ciphers on;</a:t>
+            </a:r>
+            <a:endParaRPr lang="zh-CN" altLang="en-US" sz="900"/>
+          </a:p>
+          <a:p>
+            <a:r>
+              <a:rPr lang="zh-CN" altLang="en-US" sz="900"/>
+              <a:t>    ssl_ciphers "EECDH+AESGCM:EDH+AESGCM:AES256+EECDH:AES256+EDH";</a:t>
+            </a:r>
+            <a:endParaRPr lang="zh-CN" altLang="en-US" sz="900"/>
+          </a:p>
+          <a:p>
+            <a:r>
+              <a:rPr lang="zh-CN" altLang="en-US" sz="900"/>
+              <a:t>    ssl_ecdh_curve secp384r1;</a:t>
+            </a:r>
+            <a:endParaRPr lang="zh-CN" altLang="en-US" sz="900"/>
+          </a:p>
+          <a:p>
+            <a:r>
+              <a:rPr lang="zh-CN" altLang="en-US" sz="900"/>
+              <a:t>    ssl_session_cache shared:SSL:10m;</a:t>
+            </a:r>
+            <a:endParaRPr lang="zh-CN" altLang="en-US" sz="900"/>
+          </a:p>
+          <a:p>
+            <a:r>
+              <a:rPr lang="zh-CN" altLang="en-US" sz="900"/>
+              <a:t>    ssl_session_tickets off;</a:t>
+            </a:r>
+            <a:endParaRPr lang="zh-CN" altLang="en-US" sz="900"/>
+          </a:p>
+          <a:p>
+            <a:r>
+              <a:rPr lang="zh-CN" altLang="en-US" sz="900"/>
+              <a:t>    ssl_stapling on;</a:t>
+            </a:r>
+            <a:endParaRPr lang="zh-CN" altLang="en-US" sz="900"/>
+          </a:p>
+          <a:p>
+            <a:r>
+              <a:rPr lang="zh-CN" altLang="en-US" sz="900"/>
+              <a:t>    ssl_stapling_verify on;</a:t>
+            </a:r>
+            <a:endParaRPr lang="zh-CN" altLang="en-US" sz="900"/>
+          </a:p>
+          <a:p>
+            <a:r>
+              <a:rPr lang="zh-CN" altLang="en-US" sz="900"/>
+              <a:t>    resolver 8.8.8.8 8.8.4.4 valid=300s;</a:t>
+            </a:r>
+            <a:endParaRPr lang="zh-CN" altLang="en-US" sz="900"/>
+          </a:p>
+          <a:p>
+            <a:r>
+              <a:rPr lang="zh-CN" altLang="en-US" sz="900"/>
+              <a:t>    resolver_timeout 5s;</a:t>
+            </a:r>
+            <a:endParaRPr lang="zh-CN" altLang="en-US" sz="900"/>
+          </a:p>
+          <a:p>
+            <a:r>
+              <a:rPr lang="zh-CN" altLang="en-US" sz="900"/>
+              <a:t>    # Disable preloading HSTS for now.  You can use the commented out header line that includes</a:t>
+            </a:r>
+            <a:endParaRPr lang="zh-CN" altLang="en-US" sz="900"/>
+          </a:p>
+          <a:p>
+            <a:r>
+              <a:rPr lang="zh-CN" altLang="en-US" sz="900"/>
+              <a:t>    # the "preload" directive if you understand the implications.</a:t>
+            </a:r>
+            <a:endParaRPr lang="zh-CN" altLang="en-US" sz="900"/>
+          </a:p>
+          <a:p>
+            <a:r>
+              <a:rPr lang="zh-CN" altLang="en-US" sz="900"/>
+              <a:t>    #add_header Strict-Transport-Security "max-age=63072000; includeSubdomains; preload";</a:t>
+            </a:r>
+            <a:endParaRPr lang="zh-CN" altLang="en-US" sz="900"/>
+          </a:p>
+          <a:p>
+            <a:r>
+              <a:rPr lang="zh-CN" altLang="en-US" sz="900"/>
+              <a:t>    add_header Strict-Transport-Security "max-age=63072000; includeSubdomains";</a:t>
+            </a:r>
+            <a:endParaRPr lang="zh-CN" altLang="en-US" sz="900"/>
+          </a:p>
+          <a:p>
+            <a:r>
+              <a:rPr lang="zh-CN" altLang="en-US" sz="900"/>
+              <a:t>    add_header X-Frame-Options DENY;</a:t>
+            </a:r>
+            <a:endParaRPr lang="zh-CN" altLang="en-US" sz="900"/>
+          </a:p>
+          <a:p>
+            <a:r>
+              <a:rPr lang="zh-CN" altLang="en-US" sz="900"/>
+              <a:t>    add_header X-Content-Type-Options nosniff;</a:t>
+            </a:r>
+            <a:endParaRPr lang="zh-CN" altLang="en-US" sz="900"/>
+          </a:p>
+          <a:p>
+            <a:endParaRPr lang="zh-CN" altLang="en-US" sz="900"/>
+          </a:p>
+          <a:p>
+            <a:r>
+              <a:rPr lang="zh-CN" altLang="en-US" sz="900"/>
+              <a:t>    ssl_dhparam /etc/ssl/certs/aja-dhparam.pem;</a:t>
+            </a:r>
+            <a:endParaRPr lang="zh-CN" altLang="en-US" sz="900"/>
+          </a:p>
+        </p:txBody>
+      </p:sp>
+      <p:sp>
+        <p:nvSpPr>
+          <p:cNvPr id="5" name="文本框 4"/>
+          <p:cNvSpPr txBox="1"/>
+          <p:nvPr/>
+        </p:nvSpPr>
+        <p:spPr>
+          <a:xfrm>
+            <a:off x="7369810" y="4499610"/>
+            <a:ext cx="4495165" cy="2168525"/>
+          </a:xfrm>
+          <a:prstGeom prst="rect">
+            <a:avLst/>
+          </a:prstGeom>
+          <a:noFill/>
+          <a:ln>
+            <a:solidFill>
+              <a:srgbClr val="FFC000"/>
+            </a:solidFill>
+            <a:prstDash val="dash"/>
+          </a:ln>
+        </p:spPr>
+        <p:txBody>
+          <a:bodyPr wrap="square" rtlCol="0">
+            <a:spAutoFit/>
+          </a:bodyPr>
+          <a:p>
+            <a:r>
+              <a:rPr sz="900"/>
+              <a:t>server {</a:t>
+            </a:r>
+            <a:endParaRPr sz="900"/>
+          </a:p>
+          <a:p>
+            <a:r>
+              <a:rPr sz="900"/>
+              <a:t>    #listen 80 default_server;</a:t>
+            </a:r>
+            <a:endParaRPr sz="900"/>
+          </a:p>
+          <a:p>
+            <a:r>
+              <a:rPr sz="900"/>
+              <a:t>    #listen [::]:80 default_server;</a:t>
+            </a:r>
+            <a:endParaRPr sz="900"/>
+          </a:p>
+          <a:p>
+            <a:r>
+              <a:rPr sz="900"/>
+              <a:t>    #listen 443 ssl http2 default_server;</a:t>
+            </a:r>
+            <a:endParaRPr sz="900"/>
+          </a:p>
+          <a:p>
+            <a:r>
+              <a:rPr sz="900"/>
+              <a:t>    #listen [::]:443 ssl http2 default_server;</a:t>
+            </a:r>
+            <a:endParaRPr sz="900"/>
+          </a:p>
+          <a:p>
+            <a:endParaRPr sz="900"/>
+          </a:p>
+          <a:p>
+            <a:r>
+              <a:rPr sz="900"/>
+              <a:t>    # these work without "default_server"</a:t>
+            </a:r>
+            <a:endParaRPr sz="900"/>
+          </a:p>
+          <a:p>
+            <a:r>
+              <a:rPr sz="900"/>
+              <a:t>    listen 80;</a:t>
+            </a:r>
+            <a:endParaRPr sz="900"/>
+          </a:p>
+          <a:p>
+            <a:r>
+              <a:rPr sz="900"/>
+              <a:t>    listen [::]:80;</a:t>
+            </a:r>
+            <a:endParaRPr sz="900"/>
+          </a:p>
+          <a:p>
+            <a:r>
+              <a:rPr sz="900"/>
+              <a:t>    listen 443 ssl http2;</a:t>
+            </a:r>
+            <a:endParaRPr sz="900"/>
+          </a:p>
+          <a:p>
+            <a:r>
+              <a:rPr sz="900"/>
+              <a:t>    listen [::]:443 ssl http2;</a:t>
+            </a:r>
+            <a:endParaRPr sz="900"/>
+          </a:p>
+          <a:p>
+            <a:endParaRPr sz="900"/>
+          </a:p>
+          <a:p>
+            <a:r>
+              <a:rPr sz="900"/>
+              <a:t>    server_name server_domain_or_IP;</a:t>
+            </a:r>
+            <a:endParaRPr sz="900"/>
+          </a:p>
+          <a:p>
+            <a:r>
+              <a:rPr sz="900"/>
+              <a:t>    include snippets/aja-self-signed.conf;</a:t>
+            </a:r>
+            <a:endParaRPr sz="900"/>
+          </a:p>
+          <a:p>
+            <a:r>
+              <a:rPr sz="900"/>
+              <a:t>    include snippets/aja-ssl-params.conf;</a:t>
+            </a:r>
+            <a:endParaRPr sz="900"/>
           </a:p>
         </p:txBody>
       </p:sp>
@@ -5125,7 +5529,7 @@
           <a:p>
             <a:r>
               <a:rPr lang="en-US" altLang="zh-CN"/>
-              <a:t>Q&amp;A</a:t>
+              <a:t>SSL Certificate - Letsencrypt</a:t>
             </a:r>
             <a:endParaRPr lang="en-US" altLang="zh-CN"/>
           </a:p>
@@ -5141,15 +5545,1541 @@
             <p:ph idx="1"/>
           </p:nvPr>
         </p:nvSpPr>
+        <p:spPr>
+          <a:xfrm>
+            <a:off x="838200" y="1211580"/>
+            <a:ext cx="5714365" cy="4885055"/>
+          </a:xfrm>
+        </p:spPr>
+        <p:txBody>
+          <a:bodyPr>
+            <a:noAutofit/>
+          </a:bodyPr>
+          <a:p>
+            <a:r>
+              <a:rPr lang="en-US" altLang="zh-CN" sz="1800"/>
+              <a:t>Reference</a:t>
+            </a:r>
+            <a:endParaRPr lang="en-US" altLang="zh-CN" sz="1800"/>
+          </a:p>
+          <a:p>
+            <a:pPr lvl="1"/>
+            <a:r>
+              <a:rPr lang="en-US" altLang="zh-CN" sz="1600"/>
+              <a:t>https://letsencrypt.org/</a:t>
+            </a:r>
+            <a:endParaRPr lang="en-US" altLang="zh-CN" sz="1600"/>
+          </a:p>
+          <a:p>
+            <a:pPr lvl="1"/>
+            <a:r>
+              <a:rPr lang="en-US" altLang="zh-CN" sz="1600"/>
+              <a:t>https://certbot.eff.org/instructions</a:t>
+            </a:r>
+            <a:endParaRPr lang="en-US" altLang="zh-CN" sz="1600"/>
+          </a:p>
+          <a:p>
+            <a:pPr lvl="1"/>
+            <a:r>
+              <a:rPr lang="en-US" altLang="zh-CN" sz="1600"/>
+              <a:t>https://www.digitalocean.com/community/tutorials/how-to-secure-nginx-with-let-s-encrypt-on-ubuntu-16-04</a:t>
+            </a:r>
+            <a:endParaRPr lang="en-US" altLang="zh-CN" sz="1600"/>
+          </a:p>
+          <a:p>
+            <a:pPr lvl="1"/>
+            <a:r>
+              <a:rPr lang="en-US" altLang="zh-CN" sz="1600"/>
+              <a:t>https://techsparx.com/software-development/docker/damp/nginx-cron-ssl.html</a:t>
+            </a:r>
+            <a:endParaRPr lang="en-US" altLang="zh-CN" sz="1600"/>
+          </a:p>
+          <a:p>
+            <a:pPr lvl="1"/>
+            <a:r>
+              <a:rPr lang="en-US" altLang="zh-CN" sz="1600"/>
+              <a:t>https://900913.ru/2017/06/09/kak-dobavit-ssl-na-ubuntu-server-16-04-i-vyshe/</a:t>
+            </a:r>
+            <a:endParaRPr lang="en-US" altLang="zh-CN" sz="1600"/>
+          </a:p>
+          <a:p>
+            <a:pPr lvl="0"/>
+            <a:r>
+              <a:rPr lang="en-US" altLang="zh-CN" sz="1800"/>
+              <a:t>Intro</a:t>
+            </a:r>
+            <a:endParaRPr lang="en-US" altLang="zh-CN" sz="1800"/>
+          </a:p>
+          <a:p>
+            <a:pPr lvl="1"/>
+            <a:r>
+              <a:rPr lang="en-US" altLang="zh-CN" sz="1600"/>
+              <a:t>offering free SSL/HTTPS certificates</a:t>
+            </a:r>
+            <a:endParaRPr lang="en-US" altLang="zh-CN" sz="1600"/>
+          </a:p>
+          <a:p>
+            <a:pPr lvl="1"/>
+            <a:r>
+              <a:rPr lang="en-US" altLang="zh-CN" sz="1600"/>
+              <a:t>The main issue with Letsencrypt is that certificates expire after 90 days.</a:t>
+            </a:r>
+            <a:endParaRPr lang="en-US" altLang="zh-CN" sz="1600"/>
+          </a:p>
+          <a:p>
+            <a:pPr lvl="1"/>
+            <a:r>
+              <a:rPr lang="en-US" altLang="zh-CN" sz="1600"/>
+              <a:t>Certbot: leading client program for Letsencrypt</a:t>
+            </a:r>
+            <a:endParaRPr lang="en-US" altLang="zh-CN" sz="1600"/>
+          </a:p>
+        </p:txBody>
+      </p:sp>
+      <p:sp>
+        <p:nvSpPr>
+          <p:cNvPr id="4" name="内容占位符 2"/>
+          <p:cNvSpPr>
+            <a:spLocks noGrp="1"/>
+          </p:cNvSpPr>
+          <p:nvPr/>
+        </p:nvSpPr>
+        <p:spPr>
+          <a:xfrm>
+            <a:off x="6617970" y="1191895"/>
+            <a:ext cx="5245100" cy="4885055"/>
+          </a:xfrm>
+          <a:prstGeom prst="rect">
+            <a:avLst/>
+          </a:prstGeom>
+        </p:spPr>
+        <p:txBody>
+          <a:bodyPr vert="horz" lIns="91440" tIns="45720" rIns="91440" bIns="45720" rtlCol="0">
+            <a:normAutofit lnSpcReduction="10000"/>
+          </a:bodyPr>
+          <a:lstStyle>
+            <a:lvl1pPr marL="342900" indent="-342900" algn="l" defTabSz="914400" rtl="0" eaLnBrk="1" latinLnBrk="0" hangingPunct="1">
+              <a:lnSpc>
+                <a:spcPct val="90000"/>
+              </a:lnSpc>
+              <a:spcBef>
+                <a:spcPts val="1000"/>
+              </a:spcBef>
+              <a:buFont typeface="黑体" panose="02010609060101010101" charset="-122"/>
+              <a:buChar char="〉"/>
+              <a:defRPr sz="2400" kern="1200">
+                <a:solidFill>
+                  <a:schemeClr val="tx1"/>
+                </a:solidFill>
+                <a:latin typeface="+mn-lt"/>
+                <a:ea typeface="+mn-ea"/>
+                <a:cs typeface="+mn-cs"/>
+              </a:defRPr>
+            </a:lvl1pPr>
+            <a:lvl2pPr marL="800100" indent="-342900" algn="l" defTabSz="914400" rtl="0" eaLnBrk="1" latinLnBrk="0" hangingPunct="1">
+              <a:lnSpc>
+                <a:spcPct val="90000"/>
+              </a:lnSpc>
+              <a:spcBef>
+                <a:spcPts val="500"/>
+              </a:spcBef>
+              <a:buFont typeface="Arial" panose="020B0604020202020204" pitchFamily="34" charset="0"/>
+              <a:buChar char="•"/>
+              <a:defRPr sz="2000" kern="1200">
+                <a:solidFill>
+                  <a:schemeClr val="tx1"/>
+                </a:solidFill>
+                <a:latin typeface="+mn-lt"/>
+                <a:ea typeface="+mn-ea"/>
+                <a:cs typeface="+mn-cs"/>
+              </a:defRPr>
+            </a:lvl2pPr>
+            <a:lvl3pPr marL="1257300" indent="-342900" algn="l" defTabSz="914400" rtl="0" eaLnBrk="1" latinLnBrk="0" hangingPunct="1">
+              <a:lnSpc>
+                <a:spcPct val="90000"/>
+              </a:lnSpc>
+              <a:spcBef>
+                <a:spcPts val="500"/>
+              </a:spcBef>
+              <a:buFont typeface="Arial" panose="020B0604020202020204" pitchFamily="34" charset="0"/>
+              <a:buChar char="•"/>
+              <a:defRPr sz="1800" kern="1200">
+                <a:solidFill>
+                  <a:schemeClr val="tx1"/>
+                </a:solidFill>
+                <a:latin typeface="+mn-lt"/>
+                <a:ea typeface="+mn-ea"/>
+                <a:cs typeface="+mn-cs"/>
+              </a:defRPr>
+            </a:lvl3pPr>
+            <a:lvl4pPr marL="1657350" indent="-285750" algn="l" defTabSz="914400" rtl="0" eaLnBrk="1" latinLnBrk="0" hangingPunct="1">
+              <a:lnSpc>
+                <a:spcPct val="90000"/>
+              </a:lnSpc>
+              <a:spcBef>
+                <a:spcPts val="500"/>
+              </a:spcBef>
+              <a:buFont typeface="Arial" panose="020B0604020202020204" pitchFamily="34" charset="0"/>
+              <a:buChar char="•"/>
+              <a:defRPr sz="1800" kern="1200">
+                <a:solidFill>
+                  <a:schemeClr val="tx1"/>
+                </a:solidFill>
+                <a:latin typeface="+mn-lt"/>
+                <a:ea typeface="+mn-ea"/>
+                <a:cs typeface="+mn-cs"/>
+              </a:defRPr>
+            </a:lvl4pPr>
+            <a:lvl5pPr marL="2114550" indent="-285750" algn="l" defTabSz="914400" rtl="0" eaLnBrk="1" latinLnBrk="0" hangingPunct="1">
+              <a:lnSpc>
+                <a:spcPct val="90000"/>
+              </a:lnSpc>
+              <a:spcBef>
+                <a:spcPts val="500"/>
+              </a:spcBef>
+              <a:buFont typeface="Arial" panose="020B0604020202020204" pitchFamily="34" charset="0"/>
+              <a:buChar char="•"/>
+              <a:defRPr sz="1800" kern="1200">
+                <a:solidFill>
+                  <a:schemeClr val="tx1"/>
+                </a:solidFill>
+                <a:latin typeface="+mn-lt"/>
+                <a:ea typeface="+mn-ea"/>
+                <a:cs typeface="+mn-cs"/>
+              </a:defRPr>
+            </a:lvl5pPr>
+            <a:lvl6pPr marL="2514600" indent="-228600" algn="l" defTabSz="914400" rtl="0" eaLnBrk="1" latinLnBrk="0" hangingPunct="1">
+              <a:lnSpc>
+                <a:spcPct val="90000"/>
+              </a:lnSpc>
+              <a:spcBef>
+                <a:spcPts val="500"/>
+              </a:spcBef>
+              <a:buFont typeface="Arial" panose="020B0604020202020204" pitchFamily="34" charset="0"/>
+              <a:buChar char="•"/>
+              <a:defRPr sz="1800" kern="1200">
+                <a:solidFill>
+                  <a:schemeClr val="tx1"/>
+                </a:solidFill>
+                <a:latin typeface="+mn-lt"/>
+                <a:ea typeface="+mn-ea"/>
+                <a:cs typeface="+mn-cs"/>
+              </a:defRPr>
+            </a:lvl6pPr>
+            <a:lvl7pPr marL="2971800" indent="-228600" algn="l" defTabSz="914400" rtl="0" eaLnBrk="1" latinLnBrk="0" hangingPunct="1">
+              <a:lnSpc>
+                <a:spcPct val="90000"/>
+              </a:lnSpc>
+              <a:spcBef>
+                <a:spcPts val="500"/>
+              </a:spcBef>
+              <a:buFont typeface="Arial" panose="020B0604020202020204" pitchFamily="34" charset="0"/>
+              <a:buChar char="•"/>
+              <a:defRPr sz="1800" kern="1200">
+                <a:solidFill>
+                  <a:schemeClr val="tx1"/>
+                </a:solidFill>
+                <a:latin typeface="+mn-lt"/>
+                <a:ea typeface="+mn-ea"/>
+                <a:cs typeface="+mn-cs"/>
+              </a:defRPr>
+            </a:lvl7pPr>
+            <a:lvl8pPr marL="3429000" indent="-228600" algn="l" defTabSz="914400" rtl="0" eaLnBrk="1" latinLnBrk="0" hangingPunct="1">
+              <a:lnSpc>
+                <a:spcPct val="90000"/>
+              </a:lnSpc>
+              <a:spcBef>
+                <a:spcPts val="500"/>
+              </a:spcBef>
+              <a:buFont typeface="Arial" panose="020B0604020202020204" pitchFamily="34" charset="0"/>
+              <a:buChar char="•"/>
+              <a:defRPr sz="1800" kern="1200">
+                <a:solidFill>
+                  <a:schemeClr val="tx1"/>
+                </a:solidFill>
+                <a:latin typeface="+mn-lt"/>
+                <a:ea typeface="+mn-ea"/>
+                <a:cs typeface="+mn-cs"/>
+              </a:defRPr>
+            </a:lvl8pPr>
+            <a:lvl9pPr marL="3886200" indent="-228600" algn="l" defTabSz="914400" rtl="0" eaLnBrk="1" latinLnBrk="0" hangingPunct="1">
+              <a:lnSpc>
+                <a:spcPct val="90000"/>
+              </a:lnSpc>
+              <a:spcBef>
+                <a:spcPts val="500"/>
+              </a:spcBef>
+              <a:buFont typeface="Arial" panose="020B0604020202020204" pitchFamily="34" charset="0"/>
+              <a:buChar char="•"/>
+              <a:defRPr sz="1800" kern="1200">
+                <a:solidFill>
+                  <a:schemeClr val="tx1"/>
+                </a:solidFill>
+                <a:latin typeface="+mn-lt"/>
+                <a:ea typeface="+mn-ea"/>
+                <a:cs typeface="+mn-cs"/>
+              </a:defRPr>
+            </a:lvl9pPr>
+          </a:lstStyle>
+          <a:p>
+            <a:pPr lvl="0"/>
+            <a:r>
+              <a:rPr lang="en-US" altLang="zh-CN" sz="1800">
+                <a:sym typeface="+mn-ea"/>
+              </a:rPr>
+              <a:t>Steps</a:t>
+            </a:r>
+            <a:endParaRPr lang="en-US" altLang="zh-CN" sz="1800"/>
+          </a:p>
+          <a:p>
+            <a:pPr lvl="1"/>
+            <a:r>
+              <a:rPr lang="en-US" altLang="zh-CN" sz="1600">
+                <a:sym typeface="+mn-ea"/>
+              </a:rPr>
+              <a:t>Install Certbot</a:t>
+            </a:r>
+            <a:endParaRPr lang="en-US" altLang="zh-CN" sz="1600"/>
+          </a:p>
+          <a:p>
+            <a:pPr lvl="2"/>
+            <a:r>
+              <a:rPr lang="en-US" altLang="zh-CN" sz="1400">
+                <a:sym typeface="+mn-ea"/>
+              </a:rPr>
+              <a:t>sudo apt install gpg software-properties-common</a:t>
+            </a:r>
+            <a:endParaRPr lang="en-US" altLang="zh-CN" sz="1400"/>
+          </a:p>
+          <a:p>
+            <a:pPr lvl="2"/>
+            <a:r>
+              <a:rPr lang="en-US" altLang="zh-CN" sz="1400">
+                <a:sym typeface="+mn-ea"/>
+              </a:rPr>
+              <a:t># sudo add-apt-repository ppa:certbot/certbot</a:t>
+            </a:r>
+            <a:endParaRPr lang="en-US" altLang="zh-CN" sz="1400"/>
+          </a:p>
+          <a:p>
+            <a:pPr lvl="2"/>
+            <a:r>
+              <a:rPr lang="en-US" altLang="zh-CN" sz="1400">
+                <a:sym typeface="+mn-ea"/>
+              </a:rPr>
+              <a:t># sudo apt update</a:t>
+            </a:r>
+            <a:endParaRPr lang="en-US" altLang="zh-CN" sz="1400"/>
+          </a:p>
+          <a:p>
+            <a:pPr lvl="2"/>
+            <a:r>
+              <a:rPr lang="en-US" altLang="zh-CN" sz="1400">
+                <a:sym typeface="+mn-ea"/>
+              </a:rPr>
+              <a:t>sudo apt-get install python-certbot-nginx</a:t>
+            </a:r>
+            <a:endParaRPr lang="en-US" altLang="zh-CN" sz="1400"/>
+          </a:p>
+          <a:p>
+            <a:pPr lvl="1"/>
+            <a:r>
+              <a:rPr lang="en-US" altLang="zh-CN" sz="1600">
+                <a:sym typeface="+mn-ea"/>
+              </a:rPr>
+              <a:t>Generate certificate</a:t>
+            </a:r>
+            <a:endParaRPr lang="en-US" altLang="zh-CN" sz="1600">
+              <a:sym typeface="+mn-ea"/>
+            </a:endParaRPr>
+          </a:p>
+          <a:p>
+            <a:pPr lvl="2"/>
+            <a:r>
+              <a:rPr lang="en-US" altLang="zh-CN" sz="1600">
+                <a:sym typeface="+mn-ea"/>
+              </a:rPr>
+              <a:t>Make sure http://example.com can be accessed correctly</a:t>
+            </a:r>
+            <a:endParaRPr lang="en-US" altLang="zh-CN" sz="1600">
+              <a:sym typeface="+mn-ea"/>
+            </a:endParaRPr>
+          </a:p>
+          <a:p>
+            <a:pPr lvl="2"/>
+            <a:r>
+              <a:rPr lang="en-US" altLang="zh-CN" sz="1600">
+                <a:sym typeface="+mn-ea"/>
+              </a:rPr>
+              <a:t>certbot certonly --nginx</a:t>
+            </a:r>
+            <a:endParaRPr lang="en-US" altLang="zh-CN" sz="1600">
+              <a:sym typeface="+mn-ea"/>
+            </a:endParaRPr>
+          </a:p>
+          <a:p>
+            <a:pPr lvl="3"/>
+            <a:r>
+              <a:rPr lang="en-US" altLang="zh-CN" sz="1600">
+                <a:sym typeface="+mn-ea"/>
+              </a:rPr>
+              <a:t>output dir: /etc/letsencrypt/live/{url}/</a:t>
+            </a:r>
+            <a:endParaRPr lang="en-US" altLang="zh-CN" sz="1600">
+              <a:sym typeface="+mn-ea"/>
+            </a:endParaRPr>
+          </a:p>
+          <a:p>
+            <a:pPr lvl="3"/>
+            <a:r>
+              <a:rPr lang="en-US" altLang="zh-CN" sz="1600">
+                <a:sym typeface="+mn-ea"/>
+              </a:rPr>
+              <a:t>output files: fullchain.pem, privkey.pem</a:t>
+            </a:r>
+            <a:endParaRPr lang="en-US" altLang="zh-CN" sz="1600">
+              <a:sym typeface="+mn-ea"/>
+            </a:endParaRPr>
+          </a:p>
+          <a:p>
+            <a:pPr lvl="0"/>
+            <a:r>
+              <a:rPr lang="en-US" altLang="zh-CN" sz="1800"/>
+              <a:t>Docker</a:t>
+            </a:r>
+            <a:endParaRPr lang="en-US" altLang="zh-CN" sz="1800"/>
+          </a:p>
+          <a:p>
+            <a:pPr lvl="1"/>
+            <a:r>
+              <a:rPr lang="en-US" altLang="zh-CN" sz="1500"/>
+              <a:t>Copy generated fullchain.pem and privkey.pem to nginx folder</a:t>
+            </a:r>
+            <a:endParaRPr lang="en-US" altLang="zh-CN" sz="1500"/>
+          </a:p>
+          <a:p>
+            <a:pPr lvl="1"/>
+            <a:r>
+              <a:rPr lang="en-US" altLang="zh-CN" sz="1500"/>
+              <a:t>Configure Dockerfile for nginx to copy the two files to /etc/letsencrypt/live/{url}/ folder</a:t>
+            </a:r>
+            <a:endParaRPr lang="en-US" altLang="zh-CN" sz="1500"/>
+          </a:p>
+          <a:p>
+            <a:pPr lvl="1"/>
+            <a:r>
+              <a:rPr lang="en-US" altLang="zh-CN" sz="1500"/>
+              <a:t>Modify ngix config file to support https</a:t>
+            </a:r>
+            <a:endParaRPr lang="en-US" altLang="zh-CN" sz="2000"/>
+          </a:p>
+          <a:p>
+            <a:pPr lvl="1"/>
+            <a:endParaRPr lang="en-US" altLang="zh-CN" sz="2000"/>
+          </a:p>
+        </p:txBody>
+      </p:sp>
+    </p:spTree>
+    <p:custDataLst>
+      <p:tags r:id="rId1"/>
+    </p:custDataLst>
+  </p:cSld>
+  <p:clrMapOvr>
+    <a:masterClrMapping/>
+  </p:clrMapOvr>
+</p:sld>
+</file>
+
+<file path=ppt/slides/slide17.xml><?xml version="1.0" encoding="utf-8"?>
+<p:sld xmlns:a="http://schemas.openxmlformats.org/drawingml/2006/main" xmlns:r="http://schemas.openxmlformats.org/officeDocument/2006/relationships" xmlns:p="http://schemas.openxmlformats.org/presentationml/2006/main">
+  <p:cSld>
+    <p:spTree>
+      <p:nvGrpSpPr>
+        <p:cNvPr id="1" name=""/>
+        <p:cNvGrpSpPr/>
+        <p:nvPr/>
+      </p:nvGrpSpPr>
+      <p:grpSpPr/>
+      <p:sp>
+        <p:nvSpPr>
+          <p:cNvPr id="2" name="标题 1"/>
+          <p:cNvSpPr>
+            <a:spLocks noGrp="1"/>
+          </p:cNvSpPr>
+          <p:nvPr>
+            <p:ph type="title"/>
+          </p:nvPr>
+        </p:nvSpPr>
         <p:spPr/>
         <p:txBody>
           <a:bodyPr/>
           <a:p>
             <a:r>
-              <a:rPr lang="zh-CN" altLang="en-US"/>
-              <a:t>Safari浏览器不支持将非ASCII字符存入Cookie</a:t>
-            </a:r>
-            <a:endParaRPr lang="zh-CN" altLang="en-US"/>
+              <a:rPr lang="en-US" altLang="zh-CN"/>
+              <a:t>SSL Certificate - Letencypt 2</a:t>
+            </a:r>
+            <a:endParaRPr lang="en-US" altLang="zh-CN"/>
+          </a:p>
+        </p:txBody>
+      </p:sp>
+      <p:sp>
+        <p:nvSpPr>
+          <p:cNvPr id="3" name="内容占位符 2"/>
+          <p:cNvSpPr>
+            <a:spLocks noGrp="1"/>
+          </p:cNvSpPr>
+          <p:nvPr>
+            <p:ph idx="1"/>
+          </p:nvPr>
+        </p:nvSpPr>
+        <p:spPr>
+          <a:xfrm>
+            <a:off x="838200" y="1211580"/>
+            <a:ext cx="6428740" cy="4549140"/>
+          </a:xfrm>
+        </p:spPr>
+        <p:txBody>
+          <a:bodyPr>
+            <a:normAutofit lnSpcReduction="10000"/>
+          </a:bodyPr>
+          <a:p>
+            <a:r>
+              <a:rPr lang="en-US" altLang="zh-CN" sz="2000"/>
+              <a:t>References</a:t>
+            </a:r>
+            <a:endParaRPr lang="en-US" altLang="zh-CN" sz="2000"/>
+          </a:p>
+          <a:p>
+            <a:pPr lvl="1"/>
+            <a:r>
+              <a:rPr lang="en-US" altLang="zh-CN" sz="1800"/>
+              <a:t>https://www.theparsedweb.com/production-ready-setup-with-nginx-flask-and-postgres/</a:t>
+            </a:r>
+            <a:endParaRPr lang="en-US" altLang="zh-CN" sz="1800"/>
+          </a:p>
+          <a:p>
+            <a:pPr lvl="0"/>
+            <a:r>
+              <a:rPr lang="en-US" altLang="zh-CN" sz="2000"/>
+              <a:t>Steps</a:t>
+            </a:r>
+            <a:endParaRPr lang="en-US" altLang="zh-CN" sz="2000"/>
+          </a:p>
+          <a:p>
+            <a:pPr lvl="1"/>
+            <a:r>
+              <a:rPr lang="en-US" altLang="zh-CN" sz="1800"/>
+              <a:t>sudo apt-get install -y certbot</a:t>
+            </a:r>
+            <a:endParaRPr lang="en-US" altLang="zh-CN" sz="1800"/>
+          </a:p>
+          <a:p>
+            <a:pPr lvl="1"/>
+            <a:r>
+              <a:rPr lang="en-US" altLang="zh-CN" sz="1800"/>
+              <a:t>stop 80 port service</a:t>
+            </a:r>
+            <a:endParaRPr lang="en-US" altLang="zh-CN" sz="1800"/>
+          </a:p>
+          <a:p>
+            <a:pPr lvl="1"/>
+            <a:r>
+              <a:rPr lang="en-US" altLang="zh-CN" sz="1800"/>
+              <a:t>sudo certbot certonly --standalone --preferred-challenges http -d fishpano.com</a:t>
+            </a:r>
+            <a:endParaRPr lang="en-US" altLang="zh-CN" sz="1800"/>
+          </a:p>
+          <a:p>
+            <a:pPr lvl="2"/>
+            <a:r>
+              <a:rPr lang="en-US" altLang="zh-CN" sz="1600"/>
+              <a:t>generate certificate and chain: /etc/letsencrypt/live/fishpano.com/fullchain.pem</a:t>
+            </a:r>
+            <a:endParaRPr lang="en-US" altLang="zh-CN" sz="1600"/>
+          </a:p>
+          <a:p>
+            <a:pPr lvl="2"/>
+            <a:r>
+              <a:rPr lang="en-US" altLang="zh-CN" sz="1600"/>
+              <a:t>generate private key file: /etc/letsencrypt/live/fishpano.com/privkey.pem</a:t>
+            </a:r>
+            <a:endParaRPr lang="en-US" altLang="zh-CN" sz="1600"/>
+          </a:p>
+          <a:p>
+            <a:pPr lvl="1"/>
+            <a:r>
+              <a:rPr lang="en-US" altLang="zh-CN" sz="1800"/>
+              <a:t>modify docker-compose.yml to map “/etc/letsencrypt” folder and support 443 port</a:t>
+            </a:r>
+            <a:endParaRPr lang="en-US" altLang="zh-CN" sz="1800"/>
+          </a:p>
+          <a:p>
+            <a:pPr lvl="1"/>
+            <a:r>
+              <a:rPr lang="en-US" altLang="zh-CN" sz="1800"/>
+              <a:t>modify nginx configure file to forward http to https and configure ssl_certificate and ssl_certificate_key</a:t>
+            </a:r>
+            <a:endParaRPr lang="en-US" altLang="zh-CN" sz="1800"/>
+          </a:p>
+          <a:p>
+            <a:pPr lvl="1"/>
+            <a:r>
+              <a:rPr lang="en-US" altLang="zh-CN" sz="1800"/>
+              <a:t>sudo certbot renew</a:t>
+            </a:r>
+            <a:endParaRPr lang="en-US" altLang="zh-CN" sz="1800"/>
+          </a:p>
+        </p:txBody>
+      </p:sp>
+      <p:sp>
+        <p:nvSpPr>
+          <p:cNvPr id="4" name="文本框 3"/>
+          <p:cNvSpPr txBox="1"/>
+          <p:nvPr/>
+        </p:nvSpPr>
+        <p:spPr>
+          <a:xfrm>
+            <a:off x="7631430" y="3096895"/>
+            <a:ext cx="3859530" cy="3415030"/>
+          </a:xfrm>
+          <a:prstGeom prst="rect">
+            <a:avLst/>
+          </a:prstGeom>
+          <a:noFill/>
+          <a:ln>
+            <a:solidFill>
+              <a:srgbClr val="C00000"/>
+            </a:solidFill>
+          </a:ln>
+        </p:spPr>
+        <p:txBody>
+          <a:bodyPr wrap="square" rtlCol="0">
+            <a:spAutoFit/>
+          </a:bodyPr>
+          <a:p>
+            <a:r>
+              <a:rPr lang="zh-CN" altLang="en-US" sz="1200"/>
+              <a:t>server {                                                               </a:t>
+            </a:r>
+            <a:endParaRPr lang="zh-CN" altLang="en-US" sz="1200"/>
+          </a:p>
+          <a:p>
+            <a:r>
+              <a:rPr lang="zh-CN" altLang="en-US" sz="1200"/>
+              <a:t>    listen 80;                                                         </a:t>
+            </a:r>
+            <a:endParaRPr lang="zh-CN" altLang="en-US" sz="1200"/>
+          </a:p>
+          <a:p>
+            <a:r>
+              <a:rPr lang="zh-CN" altLang="en-US" sz="1200"/>
+              <a:t>    listen [::]:80;                                                    </a:t>
+            </a:r>
+            <a:endParaRPr lang="zh-CN" altLang="en-US" sz="1200"/>
+          </a:p>
+          <a:p>
+            <a:r>
+              <a:rPr lang="zh-CN" altLang="en-US" sz="1200"/>
+              <a:t>    server_name _;                                                     </a:t>
+            </a:r>
+            <a:endParaRPr lang="zh-CN" altLang="en-US" sz="1200"/>
+          </a:p>
+          <a:p>
+            <a:r>
+              <a:rPr lang="zh-CN" altLang="en-US" sz="1200"/>
+              <a:t>    charset utf-8;                                                     </a:t>
+            </a:r>
+            <a:endParaRPr lang="zh-CN" altLang="en-US" sz="1200"/>
+          </a:p>
+          <a:p>
+            <a:r>
+              <a:rPr lang="zh-CN" altLang="en-US" sz="1200"/>
+              <a:t>    client_max_body_size 100M;                                         </a:t>
+            </a:r>
+            <a:endParaRPr lang="zh-CN" altLang="en-US" sz="1200"/>
+          </a:p>
+          <a:p>
+            <a:r>
+              <a:rPr lang="zh-CN" altLang="en-US" sz="1200"/>
+              <a:t>    return 301 https://$host$request_uri;                              </a:t>
+            </a:r>
+            <a:endParaRPr lang="zh-CN" altLang="en-US" sz="1200"/>
+          </a:p>
+          <a:p>
+            <a:r>
+              <a:rPr lang="zh-CN" altLang="en-US" sz="1200"/>
+              <a:t>}                                                                      </a:t>
+            </a:r>
+            <a:endParaRPr lang="zh-CN" altLang="en-US" sz="1200"/>
+          </a:p>
+          <a:p>
+            <a:r>
+              <a:rPr lang="zh-CN" altLang="en-US" sz="1200"/>
+              <a:t>                                                                       </a:t>
+            </a:r>
+            <a:endParaRPr lang="zh-CN" altLang="en-US" sz="1200"/>
+          </a:p>
+          <a:p>
+            <a:r>
+              <a:rPr lang="zh-CN" altLang="en-US" sz="1200"/>
+              <a:t>server {                                                               </a:t>
+            </a:r>
+            <a:endParaRPr lang="zh-CN" altLang="en-US" sz="1200"/>
+          </a:p>
+          <a:p>
+            <a:r>
+              <a:rPr lang="zh-CN" altLang="en-US" sz="1200"/>
+              <a:t>    listen 443 ssl default_server;                                     </a:t>
+            </a:r>
+            <a:endParaRPr lang="zh-CN" altLang="en-US" sz="1200"/>
+          </a:p>
+          <a:p>
+            <a:r>
+              <a:rPr lang="zh-CN" altLang="en-US" sz="1200"/>
+              <a:t>                                                                       </a:t>
+            </a:r>
+            <a:endParaRPr lang="zh-CN" altLang="en-US" sz="1200"/>
+          </a:p>
+          <a:p>
+            <a:r>
+              <a:rPr lang="zh-CN" altLang="en-US" sz="1200"/>
+              <a:t>    ssl_certificate /etc/letsencrypt/live/fishpano.com/fullchain.pem;  </a:t>
+            </a:r>
+            <a:endParaRPr lang="zh-CN" altLang="en-US" sz="1200"/>
+          </a:p>
+          <a:p>
+            <a:r>
+              <a:rPr lang="zh-CN" altLang="en-US" sz="1200"/>
+              <a:t>    ssl_certificate_key /etc/letsencrypt/live/fishpano.com/privkey.pem;</a:t>
+            </a:r>
+            <a:endParaRPr lang="zh-CN" altLang="en-US" sz="1200"/>
+          </a:p>
+          <a:p>
+            <a:r>
+              <a:rPr lang="en-US" altLang="zh-CN" sz="1200"/>
+              <a:t>    ...</a:t>
+            </a:r>
+            <a:endParaRPr lang="en-US" altLang="zh-CN" sz="1200"/>
+          </a:p>
+          <a:p>
+            <a:r>
+              <a:rPr lang="en-US" altLang="zh-CN" sz="1200"/>
+              <a:t>}</a:t>
+            </a:r>
+            <a:endParaRPr lang="en-US" altLang="zh-CN" sz="1200"/>
+          </a:p>
+        </p:txBody>
+      </p:sp>
+      <p:sp>
+        <p:nvSpPr>
+          <p:cNvPr id="5" name="文本框 4"/>
+          <p:cNvSpPr txBox="1"/>
+          <p:nvPr/>
+        </p:nvSpPr>
+        <p:spPr>
+          <a:xfrm>
+            <a:off x="7631430" y="1703070"/>
+            <a:ext cx="3859530" cy="1198880"/>
+          </a:xfrm>
+          <a:prstGeom prst="rect">
+            <a:avLst/>
+          </a:prstGeom>
+          <a:noFill/>
+          <a:ln>
+            <a:solidFill>
+              <a:srgbClr val="C00000"/>
+            </a:solidFill>
+          </a:ln>
+        </p:spPr>
+        <p:txBody>
+          <a:bodyPr wrap="square" rtlCol="0">
+            <a:spAutoFit/>
+          </a:bodyPr>
+          <a:p>
+            <a:r>
+              <a:rPr lang="en-US" altLang="zh-CN" sz="1200"/>
+              <a:t>    nginx-fishpano:</a:t>
+            </a:r>
+            <a:endParaRPr lang="en-US" altLang="zh-CN" sz="1200"/>
+          </a:p>
+          <a:p>
+            <a:r>
+              <a:rPr lang="en-US" altLang="zh-CN" sz="1200"/>
+              <a:t>        ports:</a:t>
+            </a:r>
+            <a:endParaRPr lang="en-US" altLang="zh-CN" sz="1200"/>
+          </a:p>
+          <a:p>
+            <a:r>
+              <a:rPr lang="en-US" altLang="zh-CN" sz="1200"/>
+              <a:t>          - "443:443"</a:t>
+            </a:r>
+            <a:endParaRPr lang="en-US" altLang="zh-CN" sz="1200"/>
+          </a:p>
+          <a:p>
+            <a:r>
+              <a:rPr lang="en-US" altLang="zh-CN" sz="1200"/>
+              <a:t>          - "80:80"</a:t>
+            </a:r>
+            <a:endParaRPr lang="en-US" altLang="zh-CN" sz="1200"/>
+          </a:p>
+          <a:p>
+            <a:r>
+              <a:rPr lang="en-US" altLang="zh-CN" sz="1200"/>
+              <a:t>        volumes:</a:t>
+            </a:r>
+            <a:endParaRPr lang="en-US" altLang="zh-CN" sz="1200"/>
+          </a:p>
+          <a:p>
+            <a:r>
+              <a:rPr lang="en-US" altLang="zh-CN" sz="1200"/>
+              <a:t>          - /etc/letsencrypt:/etc/letsencrypt</a:t>
+            </a:r>
+            <a:endParaRPr lang="en-US" altLang="zh-CN" sz="1200"/>
+          </a:p>
+        </p:txBody>
+      </p:sp>
+    </p:spTree>
+    <p:custDataLst>
+      <p:tags r:id="rId1"/>
+    </p:custDataLst>
+  </p:cSld>
+  <p:clrMapOvr>
+    <a:masterClrMapping/>
+  </p:clrMapOvr>
+</p:sld>
+</file>
+
+<file path=ppt/slides/slide18.xml><?xml version="1.0" encoding="utf-8"?>
+<p:sld xmlns:a="http://schemas.openxmlformats.org/drawingml/2006/main" xmlns:r="http://schemas.openxmlformats.org/officeDocument/2006/relationships" xmlns:p="http://schemas.openxmlformats.org/presentationml/2006/main">
+  <p:cSld>
+    <p:spTree>
+      <p:nvGrpSpPr>
+        <p:cNvPr id="1" name=""/>
+        <p:cNvGrpSpPr/>
+        <p:nvPr/>
+      </p:nvGrpSpPr>
+      <p:grpSpPr/>
+      <p:sp>
+        <p:nvSpPr>
+          <p:cNvPr id="2" name="标题 1"/>
+          <p:cNvSpPr>
+            <a:spLocks noGrp="1"/>
+          </p:cNvSpPr>
+          <p:nvPr>
+            <p:ph type="title"/>
+          </p:nvPr>
+        </p:nvSpPr>
+        <p:spPr/>
+        <p:txBody>
+          <a:bodyPr/>
+          <a:p>
+            <a:r>
+              <a:rPr lang="en-US" altLang="zh-CN"/>
+              <a:t>HTTPS</a:t>
+            </a:r>
+            <a:endParaRPr lang="en-US" altLang="zh-CN"/>
+          </a:p>
+        </p:txBody>
+      </p:sp>
+      <p:sp>
+        <p:nvSpPr>
+          <p:cNvPr id="3" name="内容占位符 2"/>
+          <p:cNvSpPr>
+            <a:spLocks noGrp="1"/>
+          </p:cNvSpPr>
+          <p:nvPr>
+            <p:ph idx="1"/>
+          </p:nvPr>
+        </p:nvSpPr>
+        <p:spPr>
+          <a:xfrm>
+            <a:off x="838200" y="1211580"/>
+            <a:ext cx="10515600" cy="5095875"/>
+          </a:xfrm>
+        </p:spPr>
+        <p:txBody>
+          <a:bodyPr/>
+          <a:p>
+            <a:r>
+              <a:rPr lang="en-US" altLang="zh-CN" sz="1600"/>
+              <a:t>References</a:t>
+            </a:r>
+            <a:endParaRPr lang="en-US" altLang="zh-CN" sz="1600"/>
+          </a:p>
+          <a:p>
+            <a:pPr lvl="1"/>
+            <a:r>
+              <a:rPr lang="en-US" altLang="zh-CN" sz="1400"/>
+              <a:t>https://www.cnblogs.com/tomingto/p/11327696.html</a:t>
+            </a:r>
+            <a:endParaRPr lang="en-US" altLang="zh-CN" sz="1400"/>
+          </a:p>
+          <a:p>
+            <a:pPr lvl="1"/>
+            <a:r>
+              <a:rPr lang="en-US" altLang="zh-CN" sz="1400"/>
+              <a:t>https://help.aliyun.com/document_detail/98576.htm?spm=a2c4g.11186623.2.19.181060e0zo8yDx#concept-omf-lxn-yfb</a:t>
+            </a:r>
+            <a:endParaRPr lang="en-US" altLang="zh-CN" sz="1400"/>
+          </a:p>
+          <a:p>
+            <a:pPr lvl="1"/>
+            <a:r>
+              <a:rPr lang="en-US" altLang="zh-CN" sz="1400"/>
+              <a:t>https://www.linuxscrew.com/set-up-nginx-https-reverse-proxy-ubuntu#:~:text=What%20is%20Nginx%3F%20Nginx%20is%20a%20popular%20web,Apache%20HTTP%20Server.%20What%20is%20a%20Proxy%20Server</a:t>
+            </a:r>
+            <a:endParaRPr lang="en-US" altLang="zh-CN" sz="1400"/>
+          </a:p>
+          <a:p>
+            <a:pPr lvl="0"/>
+            <a:r>
+              <a:rPr lang="en-US" altLang="zh-CN" sz="1600"/>
+              <a:t>Concept</a:t>
+            </a:r>
+            <a:endParaRPr lang="en-US" altLang="zh-CN" sz="1600"/>
+          </a:p>
+          <a:p>
+            <a:pPr lvl="1"/>
+            <a:r>
+              <a:rPr lang="en-US" altLang="zh-CN" sz="1400"/>
+              <a:t>To enable HTTPS, a certificate from a CA (Certificate Authority) is needed.</a:t>
+            </a:r>
+            <a:endParaRPr lang="en-US" altLang="zh-CN" sz="1400"/>
+          </a:p>
+          <a:p>
+            <a:pPr lvl="1"/>
+            <a:r>
+              <a:rPr lang="en-US" altLang="zh-CN" sz="1400"/>
+              <a:t>ACME: Automatic Certificate Management Environment</a:t>
+            </a:r>
+            <a:endParaRPr lang="en-US" altLang="zh-CN" sz="1400"/>
+          </a:p>
+          <a:p>
+            <a:pPr lvl="0"/>
+            <a:r>
+              <a:rPr lang="en-US" altLang="zh-CN" sz="1600"/>
+              <a:t>Tomcat</a:t>
+            </a:r>
+            <a:endParaRPr lang="en-US" altLang="zh-CN" sz="1600"/>
+          </a:p>
+          <a:p>
+            <a:pPr lvl="1"/>
+            <a:r>
+              <a:rPr lang="en-US" altLang="zh-CN" sz="1400"/>
+              <a:t>Generate keystore</a:t>
+            </a:r>
+            <a:endParaRPr lang="en-US" altLang="zh-CN" sz="1400"/>
+          </a:p>
+          <a:p>
+            <a:pPr lvl="1"/>
+            <a:r>
+              <a:rPr lang="en-US" altLang="zh-CN" sz="1400"/>
+              <a:t>在Tomcat安装目录下新建cert目录，将解压的证书和密码文件拷贝到cert目录下</a:t>
+            </a:r>
+            <a:endParaRPr lang="en-US" altLang="zh-CN" sz="1400"/>
+          </a:p>
+          <a:p>
+            <a:pPr lvl="1"/>
+            <a:r>
+              <a:rPr lang="en-US" altLang="zh-CN" sz="1400"/>
+              <a:t>Modify conf/server.xml</a:t>
+            </a:r>
+            <a:endParaRPr lang="en-US" altLang="zh-CN" sz="1400"/>
+          </a:p>
+          <a:p>
+            <a:pPr lvl="0"/>
+            <a:r>
+              <a:rPr lang="en-US" altLang="zh-CN" sz="1600"/>
+              <a:t>Linux + Nginx</a:t>
+            </a:r>
+            <a:endParaRPr lang="en-US" altLang="zh-CN" sz="1600"/>
+          </a:p>
+          <a:p>
+            <a:pPr lvl="1"/>
+            <a:r>
+              <a:rPr lang="en-US" altLang="zh-CN" sz="1400"/>
+              <a:t>sudo apt-get install software-properties-common</a:t>
+            </a:r>
+            <a:endParaRPr lang="en-US" altLang="zh-CN" sz="1400"/>
+          </a:p>
+          <a:p>
+            <a:pPr lvl="1"/>
+            <a:r>
+              <a:rPr lang="en-US" altLang="zh-CN" sz="1400"/>
+              <a:t>sudo add-apt-repository ppa:certbot/certbot</a:t>
+            </a:r>
+            <a:endParaRPr lang="en-US" altLang="zh-CN" sz="1400"/>
+          </a:p>
+          <a:p>
+            <a:pPr lvl="1"/>
+            <a:r>
+              <a:rPr lang="en-US" altLang="zh-CN" sz="1400"/>
+              <a:t>sudo apt-get update</a:t>
+            </a:r>
+            <a:endParaRPr lang="en-US" altLang="zh-CN" sz="1400"/>
+          </a:p>
+          <a:p>
+            <a:pPr lvl="1"/>
+            <a:r>
+              <a:rPr lang="en-US" altLang="zh-CN" sz="1400"/>
+              <a:t>sudo apt-get install python-certbot-nginx</a:t>
+            </a:r>
+            <a:endParaRPr lang="en-US" altLang="zh-CN" sz="1400"/>
+          </a:p>
+          <a:p>
+            <a:pPr lvl="1"/>
+            <a:r>
+              <a:rPr lang="en-US" altLang="zh-CN" sz="1400"/>
+              <a:t>sudo certbot --nginx</a:t>
+            </a:r>
+            <a:endParaRPr lang="en-US" altLang="zh-CN" sz="1400"/>
+          </a:p>
+          <a:p>
+            <a:pPr lvl="1"/>
+            <a:endParaRPr lang="en-US" altLang="zh-CN" sz="1400"/>
+          </a:p>
+        </p:txBody>
+      </p:sp>
+    </p:spTree>
+    <p:custDataLst>
+      <p:tags r:id="rId1"/>
+    </p:custDataLst>
+  </p:cSld>
+  <p:clrMapOvr>
+    <a:masterClrMapping/>
+  </p:clrMapOvr>
+</p:sld>
+</file>
+
+<file path=ppt/slides/slide19.xml><?xml version="1.0" encoding="utf-8"?>
+<p:sld xmlns:a="http://schemas.openxmlformats.org/drawingml/2006/main" xmlns:r="http://schemas.openxmlformats.org/officeDocument/2006/relationships" xmlns:p="http://schemas.openxmlformats.org/presentationml/2006/main">
+  <p:cSld>
+    <p:spTree>
+      <p:nvGrpSpPr>
+        <p:cNvPr id="1" name=""/>
+        <p:cNvGrpSpPr/>
+        <p:nvPr/>
+      </p:nvGrpSpPr>
+      <p:grpSpPr/>
+      <p:sp>
+        <p:nvSpPr>
+          <p:cNvPr id="2" name="标题 1"/>
+          <p:cNvSpPr>
+            <a:spLocks noGrp="1"/>
+          </p:cNvSpPr>
+          <p:nvPr>
+            <p:ph type="title"/>
+          </p:nvPr>
+        </p:nvSpPr>
+        <p:spPr/>
+        <p:txBody>
+          <a:bodyPr/>
+          <a:p>
+            <a:r>
+              <a:rPr lang="en-US" altLang="zh-CN"/>
+              <a:t>Gunicorn</a:t>
+            </a:r>
+            <a:endParaRPr lang="en-US" altLang="zh-CN"/>
+          </a:p>
+        </p:txBody>
+      </p:sp>
+      <p:sp>
+        <p:nvSpPr>
+          <p:cNvPr id="3" name="内容占位符 2"/>
+          <p:cNvSpPr>
+            <a:spLocks noGrp="1"/>
+          </p:cNvSpPr>
+          <p:nvPr>
+            <p:ph idx="1"/>
+          </p:nvPr>
+        </p:nvSpPr>
+        <p:spPr>
+          <a:xfrm>
+            <a:off x="838200" y="1211580"/>
+            <a:ext cx="6231255" cy="4549140"/>
+          </a:xfrm>
+        </p:spPr>
+        <p:txBody>
+          <a:bodyPr/>
+          <a:p>
+            <a:r>
+              <a:rPr lang="en-US" altLang="zh-CN"/>
+              <a:t>References</a:t>
+            </a:r>
+            <a:endParaRPr lang="en-US" altLang="zh-CN"/>
+          </a:p>
+          <a:p>
+            <a:pPr lvl="1"/>
+            <a:r>
+              <a:rPr lang="en-US" altLang="zh-CN"/>
+              <a:t>https://medium.com/building-the-system/gunicorn-3-means-of-concurrency-efbb547674b7</a:t>
+            </a:r>
+            <a:endParaRPr lang="en-US" altLang="zh-CN"/>
+          </a:p>
+          <a:p>
+            <a:pPr lvl="0"/>
+            <a:r>
+              <a:rPr lang="en-US" altLang="zh-CN"/>
+              <a:t>Notes</a:t>
+            </a:r>
+            <a:endParaRPr lang="en-US" altLang="zh-CN"/>
+          </a:p>
+          <a:p>
+            <a:pPr lvl="1"/>
+            <a:r>
+              <a:rPr lang="en-US" altLang="zh-CN"/>
+              <a:t>sync workers execute one request after another</a:t>
+            </a:r>
+            <a:endParaRPr lang="en-US" altLang="zh-CN"/>
+          </a:p>
+        </p:txBody>
+      </p:sp>
+      <p:sp>
+        <p:nvSpPr>
+          <p:cNvPr id="4" name="圆角矩形 3"/>
+          <p:cNvSpPr/>
+          <p:nvPr/>
+        </p:nvSpPr>
+        <p:spPr>
+          <a:xfrm>
+            <a:off x="7069455" y="2171065"/>
+            <a:ext cx="1270000" cy="3285490"/>
+          </a:xfrm>
+          <a:prstGeom prst="roundRect">
+            <a:avLst/>
+          </a:prstGeom>
+        </p:spPr>
+        <p:style>
+          <a:lnRef idx="2">
+            <a:schemeClr val="accent1">
+              <a:shade val="50000"/>
+            </a:schemeClr>
+          </a:lnRef>
+          <a:fillRef idx="1">
+            <a:schemeClr val="accent1"/>
+          </a:fillRef>
+          <a:effectRef idx="0">
+            <a:schemeClr val="accent1"/>
+          </a:effectRef>
+          <a:fontRef idx="minor">
+            <a:schemeClr val="lt1"/>
+          </a:fontRef>
+        </p:style>
+        <p:txBody>
+          <a:bodyPr rtlCol="0" anchor="ctr"/>
+          <a:p>
+            <a:pPr algn="ctr"/>
+            <a:r>
+              <a:rPr lang="en-US" altLang="zh-CN"/>
+              <a:t>Master Process</a:t>
+            </a:r>
+            <a:endParaRPr lang="en-US" altLang="zh-CN"/>
+          </a:p>
+        </p:txBody>
+      </p:sp>
+      <p:sp>
+        <p:nvSpPr>
+          <p:cNvPr id="5" name="圆角矩形 4"/>
+          <p:cNvSpPr/>
+          <p:nvPr/>
+        </p:nvSpPr>
+        <p:spPr>
+          <a:xfrm>
+            <a:off x="8339455" y="1945640"/>
+            <a:ext cx="1421130" cy="843915"/>
+          </a:xfrm>
+          <a:prstGeom prst="roundRect">
+            <a:avLst/>
+          </a:prstGeom>
+        </p:spPr>
+        <p:style>
+          <a:lnRef idx="2">
+            <a:schemeClr val="accent1">
+              <a:shade val="50000"/>
+            </a:schemeClr>
+          </a:lnRef>
+          <a:fillRef idx="1">
+            <a:schemeClr val="accent1"/>
+          </a:fillRef>
+          <a:effectRef idx="0">
+            <a:schemeClr val="accent1"/>
+          </a:effectRef>
+          <a:fontRef idx="minor">
+            <a:schemeClr val="lt1"/>
+          </a:fontRef>
+        </p:style>
+        <p:txBody>
+          <a:bodyPr rtlCol="0" anchor="ctr"/>
+          <a:p>
+            <a:pPr algn="ctr"/>
+            <a:r>
+              <a:rPr lang="en-US" altLang="zh-CN"/>
+              <a:t>Worker Process</a:t>
+            </a:r>
+            <a:endParaRPr lang="en-US" altLang="zh-CN"/>
+          </a:p>
+        </p:txBody>
+      </p:sp>
+      <p:sp>
+        <p:nvSpPr>
+          <p:cNvPr id="6" name="圆角矩形 5"/>
+          <p:cNvSpPr/>
+          <p:nvPr/>
+        </p:nvSpPr>
+        <p:spPr>
+          <a:xfrm>
+            <a:off x="9760585" y="1666875"/>
+            <a:ext cx="1187450" cy="589915"/>
+          </a:xfrm>
+          <a:prstGeom prst="roundRect">
+            <a:avLst/>
+          </a:prstGeom>
+        </p:spPr>
+        <p:style>
+          <a:lnRef idx="2">
+            <a:schemeClr val="accent1">
+              <a:shade val="50000"/>
+            </a:schemeClr>
+          </a:lnRef>
+          <a:fillRef idx="1">
+            <a:schemeClr val="accent1"/>
+          </a:fillRef>
+          <a:effectRef idx="0">
+            <a:schemeClr val="accent1"/>
+          </a:effectRef>
+          <a:fontRef idx="minor">
+            <a:schemeClr val="lt1"/>
+          </a:fontRef>
+        </p:style>
+        <p:txBody>
+          <a:bodyPr rtlCol="0" anchor="ctr"/>
+          <a:p>
+            <a:pPr algn="ctr"/>
+            <a:r>
+              <a:rPr lang="en-US" altLang="zh-CN"/>
+              <a:t>Worker Thread</a:t>
+            </a:r>
+            <a:endParaRPr lang="en-US" altLang="zh-CN"/>
+          </a:p>
+        </p:txBody>
+      </p:sp>
+      <p:sp>
+        <p:nvSpPr>
+          <p:cNvPr id="7" name="圆角矩形 6"/>
+          <p:cNvSpPr/>
+          <p:nvPr/>
+        </p:nvSpPr>
+        <p:spPr>
+          <a:xfrm>
+            <a:off x="9760585" y="2330450"/>
+            <a:ext cx="1187450" cy="589915"/>
+          </a:xfrm>
+          <a:prstGeom prst="roundRect">
+            <a:avLst/>
+          </a:prstGeom>
+        </p:spPr>
+        <p:style>
+          <a:lnRef idx="2">
+            <a:schemeClr val="accent1">
+              <a:shade val="50000"/>
+            </a:schemeClr>
+          </a:lnRef>
+          <a:fillRef idx="1">
+            <a:schemeClr val="accent1"/>
+          </a:fillRef>
+          <a:effectRef idx="0">
+            <a:schemeClr val="accent1"/>
+          </a:effectRef>
+          <a:fontRef idx="minor">
+            <a:schemeClr val="lt1"/>
+          </a:fontRef>
+        </p:style>
+        <p:txBody>
+          <a:bodyPr rtlCol="0" anchor="ctr"/>
+          <a:p>
+            <a:pPr algn="ctr"/>
+            <a:r>
+              <a:rPr lang="en-US" altLang="zh-CN"/>
+              <a:t>Worker Thread</a:t>
+            </a:r>
+            <a:endParaRPr lang="en-US" altLang="zh-CN"/>
+          </a:p>
+        </p:txBody>
+      </p:sp>
+      <p:sp>
+        <p:nvSpPr>
+          <p:cNvPr id="8" name="圆角矩形 7"/>
+          <p:cNvSpPr/>
+          <p:nvPr/>
+        </p:nvSpPr>
+        <p:spPr>
+          <a:xfrm>
+            <a:off x="8339455" y="3207385"/>
+            <a:ext cx="1421130" cy="843915"/>
+          </a:xfrm>
+          <a:prstGeom prst="roundRect">
+            <a:avLst/>
+          </a:prstGeom>
+        </p:spPr>
+        <p:style>
+          <a:lnRef idx="2">
+            <a:schemeClr val="accent1">
+              <a:shade val="50000"/>
+            </a:schemeClr>
+          </a:lnRef>
+          <a:fillRef idx="1">
+            <a:schemeClr val="accent1"/>
+          </a:fillRef>
+          <a:effectRef idx="0">
+            <a:schemeClr val="accent1"/>
+          </a:effectRef>
+          <a:fontRef idx="minor">
+            <a:schemeClr val="lt1"/>
+          </a:fontRef>
+        </p:style>
+        <p:txBody>
+          <a:bodyPr rtlCol="0" anchor="ctr"/>
+          <a:p>
+            <a:pPr algn="ctr"/>
+            <a:r>
+              <a:rPr lang="en-US" altLang="zh-CN"/>
+              <a:t>Worker Process</a:t>
+            </a:r>
+            <a:endParaRPr lang="en-US" altLang="zh-CN"/>
+          </a:p>
+        </p:txBody>
+      </p:sp>
+      <p:cxnSp>
+        <p:nvCxnSpPr>
+          <p:cNvPr id="9" name="直接箭头连接符 8"/>
+          <p:cNvCxnSpPr>
+            <a:endCxn id="6" idx="3"/>
+          </p:cNvCxnSpPr>
+          <p:nvPr/>
+        </p:nvCxnSpPr>
+        <p:spPr>
+          <a:xfrm flipH="1">
+            <a:off x="10948035" y="1949450"/>
+            <a:ext cx="878840" cy="12700"/>
+          </a:xfrm>
+          <a:prstGeom prst="straightConnector1">
+            <a:avLst/>
+          </a:prstGeom>
+          <a:ln>
+            <a:tailEnd type="arrow"/>
+          </a:ln>
+        </p:spPr>
+        <p:style>
+          <a:lnRef idx="1">
+            <a:schemeClr val="accent1"/>
+          </a:lnRef>
+          <a:fillRef idx="0">
+            <a:schemeClr val="accent1"/>
+          </a:fillRef>
+          <a:effectRef idx="0">
+            <a:schemeClr val="accent1"/>
+          </a:effectRef>
+          <a:fontRef idx="minor">
+            <a:schemeClr val="tx1"/>
+          </a:fontRef>
+        </p:style>
+      </p:cxnSp>
+      <p:cxnSp>
+        <p:nvCxnSpPr>
+          <p:cNvPr id="10" name="直接箭头连接符 9"/>
+          <p:cNvCxnSpPr/>
+          <p:nvPr/>
+        </p:nvCxnSpPr>
+        <p:spPr>
+          <a:xfrm flipH="1">
+            <a:off x="10948035" y="2619375"/>
+            <a:ext cx="878840" cy="12700"/>
+          </a:xfrm>
+          <a:prstGeom prst="straightConnector1">
+            <a:avLst/>
+          </a:prstGeom>
+          <a:ln>
+            <a:tailEnd type="arrow"/>
+          </a:ln>
+        </p:spPr>
+        <p:style>
+          <a:lnRef idx="1">
+            <a:schemeClr val="accent1"/>
+          </a:lnRef>
+          <a:fillRef idx="0">
+            <a:schemeClr val="accent1"/>
+          </a:fillRef>
+          <a:effectRef idx="0">
+            <a:schemeClr val="accent1"/>
+          </a:effectRef>
+          <a:fontRef idx="minor">
+            <a:schemeClr val="tx1"/>
+          </a:fontRef>
+        </p:style>
+      </p:cxnSp>
+      <p:sp>
+        <p:nvSpPr>
+          <p:cNvPr id="11" name="圆角矩形 10"/>
+          <p:cNvSpPr/>
+          <p:nvPr/>
+        </p:nvSpPr>
+        <p:spPr>
+          <a:xfrm>
+            <a:off x="9760585" y="3334385"/>
+            <a:ext cx="1187450" cy="589915"/>
+          </a:xfrm>
+          <a:prstGeom prst="roundRect">
+            <a:avLst/>
+          </a:prstGeom>
+        </p:spPr>
+        <p:style>
+          <a:lnRef idx="2">
+            <a:schemeClr val="accent1">
+              <a:shade val="50000"/>
+            </a:schemeClr>
+          </a:lnRef>
+          <a:fillRef idx="1">
+            <a:schemeClr val="accent1"/>
+          </a:fillRef>
+          <a:effectRef idx="0">
+            <a:schemeClr val="accent1"/>
+          </a:effectRef>
+          <a:fontRef idx="minor">
+            <a:schemeClr val="lt1"/>
+          </a:fontRef>
+        </p:style>
+        <p:txBody>
+          <a:bodyPr rtlCol="0" anchor="ctr"/>
+          <a:p>
+            <a:pPr algn="ctr"/>
+            <a:r>
+              <a:rPr lang="en-US" altLang="zh-CN"/>
+              <a:t>Worker Thread</a:t>
+            </a:r>
+            <a:endParaRPr lang="en-US" altLang="zh-CN"/>
+          </a:p>
+        </p:txBody>
+      </p:sp>
+      <p:cxnSp>
+        <p:nvCxnSpPr>
+          <p:cNvPr id="12" name="直接箭头连接符 11"/>
+          <p:cNvCxnSpPr>
+            <a:endCxn id="11" idx="3"/>
+          </p:cNvCxnSpPr>
+          <p:nvPr/>
+        </p:nvCxnSpPr>
+        <p:spPr>
+          <a:xfrm flipH="1">
+            <a:off x="10948035" y="3622675"/>
+            <a:ext cx="893445" cy="6985"/>
+          </a:xfrm>
+          <a:prstGeom prst="straightConnector1">
+            <a:avLst/>
+          </a:prstGeom>
+          <a:ln>
+            <a:tailEnd type="arrow"/>
+          </a:ln>
+        </p:spPr>
+        <p:style>
+          <a:lnRef idx="1">
+            <a:schemeClr val="accent1"/>
+          </a:lnRef>
+          <a:fillRef idx="0">
+            <a:schemeClr val="accent1"/>
+          </a:fillRef>
+          <a:effectRef idx="0">
+            <a:schemeClr val="accent1"/>
+          </a:effectRef>
+          <a:fontRef idx="minor">
+            <a:schemeClr val="tx1"/>
+          </a:fontRef>
+        </p:style>
+      </p:cxnSp>
+      <p:sp>
+        <p:nvSpPr>
+          <p:cNvPr id="13" name="文本框 12"/>
+          <p:cNvSpPr txBox="1"/>
+          <p:nvPr/>
+        </p:nvSpPr>
+        <p:spPr>
+          <a:xfrm>
+            <a:off x="11065510" y="1557655"/>
+            <a:ext cx="847725" cy="306705"/>
+          </a:xfrm>
+          <a:prstGeom prst="rect">
+            <a:avLst/>
+          </a:prstGeom>
+          <a:noFill/>
+        </p:spPr>
+        <p:txBody>
+          <a:bodyPr wrap="square" rtlCol="0">
+            <a:spAutoFit/>
+          </a:bodyPr>
+          <a:p>
+            <a:r>
+              <a:rPr lang="en-US" altLang="zh-CN" sz="1400"/>
+              <a:t>request</a:t>
+            </a:r>
+            <a:endParaRPr lang="en-US" altLang="zh-CN" sz="1400"/>
+          </a:p>
+        </p:txBody>
+      </p:sp>
+      <p:sp>
+        <p:nvSpPr>
+          <p:cNvPr id="14" name="文本框 13"/>
+          <p:cNvSpPr txBox="1"/>
+          <p:nvPr/>
+        </p:nvSpPr>
+        <p:spPr>
+          <a:xfrm>
+            <a:off x="11065510" y="2256790"/>
+            <a:ext cx="847725" cy="306705"/>
+          </a:xfrm>
+          <a:prstGeom prst="rect">
+            <a:avLst/>
+          </a:prstGeom>
+          <a:noFill/>
+        </p:spPr>
+        <p:txBody>
+          <a:bodyPr wrap="square" rtlCol="0">
+            <a:spAutoFit/>
+          </a:bodyPr>
+          <a:p>
+            <a:r>
+              <a:rPr lang="en-US" altLang="zh-CN" sz="1400"/>
+              <a:t>request</a:t>
+            </a:r>
+            <a:endParaRPr lang="en-US" altLang="zh-CN" sz="1400"/>
+          </a:p>
+        </p:txBody>
+      </p:sp>
+      <p:sp>
+        <p:nvSpPr>
+          <p:cNvPr id="15" name="文本框 14"/>
+          <p:cNvSpPr txBox="1"/>
+          <p:nvPr/>
+        </p:nvSpPr>
+        <p:spPr>
+          <a:xfrm>
+            <a:off x="11065510" y="3207385"/>
+            <a:ext cx="847725" cy="306705"/>
+          </a:xfrm>
+          <a:prstGeom prst="rect">
+            <a:avLst/>
+          </a:prstGeom>
+          <a:noFill/>
+        </p:spPr>
+        <p:txBody>
+          <a:bodyPr wrap="square" rtlCol="0">
+            <a:spAutoFit/>
+          </a:bodyPr>
+          <a:p>
+            <a:r>
+              <a:rPr lang="en-US" altLang="zh-CN" sz="1400"/>
+              <a:t>request</a:t>
+            </a:r>
+            <a:endParaRPr lang="en-US" altLang="zh-CN" sz="1400"/>
           </a:p>
         </p:txBody>
       </p:sp>
@@ -5468,6 +7398,71 @@
     </p:spTree>
     <p:custDataLst>
       <p:tags r:id="rId3"/>
+    </p:custDataLst>
+  </p:cSld>
+  <p:clrMapOvr>
+    <a:masterClrMapping/>
+  </p:clrMapOvr>
+</p:sld>
+</file>
+
+<file path=ppt/slides/slide20.xml><?xml version="1.0" encoding="utf-8"?>
+<p:sld xmlns:a="http://schemas.openxmlformats.org/drawingml/2006/main" xmlns:r="http://schemas.openxmlformats.org/officeDocument/2006/relationships" xmlns:p="http://schemas.openxmlformats.org/presentationml/2006/main">
+  <p:cSld>
+    <p:spTree>
+      <p:nvGrpSpPr>
+        <p:cNvPr id="1" name=""/>
+        <p:cNvGrpSpPr/>
+        <p:nvPr/>
+      </p:nvGrpSpPr>
+      <p:grpSpPr/>
+      <p:sp>
+        <p:nvSpPr>
+          <p:cNvPr id="2" name="标题 1"/>
+          <p:cNvSpPr>
+            <a:spLocks noGrp="1"/>
+          </p:cNvSpPr>
+          <p:nvPr>
+            <p:ph type="title"/>
+          </p:nvPr>
+        </p:nvSpPr>
+        <p:spPr/>
+        <p:txBody>
+          <a:bodyPr/>
+          <a:p>
+            <a:r>
+              <a:rPr lang="en-US" altLang="zh-CN"/>
+              <a:t>Q&amp;A</a:t>
+            </a:r>
+            <a:endParaRPr lang="en-US" altLang="zh-CN"/>
+          </a:p>
+        </p:txBody>
+      </p:sp>
+      <p:sp>
+        <p:nvSpPr>
+          <p:cNvPr id="3" name="内容占位符 2"/>
+          <p:cNvSpPr>
+            <a:spLocks noGrp="1"/>
+          </p:cNvSpPr>
+          <p:nvPr>
+            <p:ph idx="1"/>
+          </p:nvPr>
+        </p:nvSpPr>
+        <p:spPr/>
+        <p:txBody>
+          <a:bodyPr/>
+          <a:p>
+            <a:r>
+              <a:rPr lang="zh-CN" altLang="en-US"/>
+              <a:t>Safari浏览器不支持将非ASCII字符存入Cookie</a:t>
+            </a:r>
+            <a:endParaRPr lang="zh-CN" altLang="en-US"/>
+          </a:p>
+        </p:txBody>
+      </p:sp>
+    </p:spTree>
+    <p:custDataLst>
+      <p:tags r:id="rId1"/>
     </p:custDataLst>
   </p:cSld>
   <p:clrMapOvr>
@@ -7465,6 +9460,14 @@
 </p:tagLst>
 </file>
 
+<file path=ppt/tags/tag29.xml><?xml version="1.0" encoding="utf-8"?>
+<p:tagLst xmlns:p="http://schemas.openxmlformats.org/presentationml/2006/main">
+  <p:tag name="KSO_WM_BEAUTIFY_FLAG" val="#wm#"/>
+  <p:tag name="KSO_WM_TEMPLATE_CATEGORY" val="custom"/>
+  <p:tag name="KSO_WM_TEMPLATE_INDEX" val="160402"/>
+</p:tagLst>
+</file>
+
 <file path=ppt/tags/tag3.xml><?xml version="1.0" encoding="utf-8"?>
 <p:tagLst xmlns:p="http://schemas.openxmlformats.org/presentationml/2006/main">
   <p:tag name="KSO_WM_TEMPLATE_THUMBS_INDEX" val="1、9、12、16、19、20、24、27、28"/>
@@ -7472,6 +9475,30 @@
   <p:tag name="KSO_WM_TEMPLATE_INDEX" val="160402"/>
   <p:tag name="KSO_WM_TAG_VERSION" val="1.0"/>
   <p:tag name="KSO_WM_BEAUTIFY_FLAG" val="#wm#"/>
+</p:tagLst>
+</file>
+
+<file path=ppt/tags/tag30.xml><?xml version="1.0" encoding="utf-8"?>
+<p:tagLst xmlns:p="http://schemas.openxmlformats.org/presentationml/2006/main">
+  <p:tag name="KSO_WM_BEAUTIFY_FLAG" val="#wm#"/>
+  <p:tag name="KSO_WM_TEMPLATE_CATEGORY" val="custom"/>
+  <p:tag name="KSO_WM_TEMPLATE_INDEX" val="160402"/>
+</p:tagLst>
+</file>
+
+<file path=ppt/tags/tag31.xml><?xml version="1.0" encoding="utf-8"?>
+<p:tagLst xmlns:p="http://schemas.openxmlformats.org/presentationml/2006/main">
+  <p:tag name="KSO_WM_BEAUTIFY_FLAG" val="#wm#"/>
+  <p:tag name="KSO_WM_TEMPLATE_CATEGORY" val="custom"/>
+  <p:tag name="KSO_WM_TEMPLATE_INDEX" val="160402"/>
+</p:tagLst>
+</file>
+
+<file path=ppt/tags/tag32.xml><?xml version="1.0" encoding="utf-8"?>
+<p:tagLst xmlns:p="http://schemas.openxmlformats.org/presentationml/2006/main">
+  <p:tag name="KSO_WM_BEAUTIFY_FLAG" val="#wm#"/>
+  <p:tag name="KSO_WM_TEMPLATE_CATEGORY" val="custom"/>
+  <p:tag name="KSO_WM_TEMPLATE_INDEX" val="160402"/>
 </p:tagLst>
 </file>
 

--- a/Web/Server-Notes.pptx
+++ b/Web/Server-Notes.pptx
@@ -11908,7 +11908,7 @@
         <p:spPr>
           <a:xfrm>
             <a:off x="838200" y="1211580"/>
-            <a:ext cx="4991735" cy="5454650"/>
+            <a:ext cx="6742430" cy="5454650"/>
           </a:xfrm>
         </p:spPr>
         <p:txBody>
@@ -12024,6 +12024,10 @@
           </a:p>
           <a:p>
             <a:pPr lvl="1"/>
+            <a:r>
+              <a:rPr lang="en-US" altLang="zh-CN"/>
+              <a:t>rsync -ahvz -e "ssh -i ../sparks.pem" --progress ../src/*.py $user_name@$host_name:$www_root</a:t>
+            </a:r>
             <a:endParaRPr lang="en-US" altLang="zh-CN"/>
           </a:p>
         </p:txBody>
@@ -12042,7 +12046,7 @@
         </p:blipFill>
         <p:spPr>
           <a:xfrm>
-            <a:off x="6743700" y="914400"/>
+            <a:off x="7401560" y="914400"/>
             <a:ext cx="4610100" cy="2912110"/>
           </a:xfrm>
           <a:prstGeom prst="rect">

--- a/Web/Server-Notes.pptx
+++ b/Web/Server-Notes.pptx
@@ -4810,8 +4810,8 @@
           </p:nvPr>
         </p:nvGraphicFramePr>
         <p:xfrm>
-          <a:off x="838200" y="3319145"/>
-          <a:ext cx="10605135" cy="2804160"/>
+          <a:off x="838200" y="3082925"/>
+          <a:ext cx="10605135" cy="2941320"/>
         </p:xfrm>
         <a:graphic>
           <a:graphicData uri="http://schemas.openxmlformats.org/drawingml/2006/table">
@@ -4821,8 +4821,8 @@
               </a:tblPr>
               <a:tblGrid>
                 <a:gridCol w="2844165"/>
-                <a:gridCol w="4317365"/>
-                <a:gridCol w="3443605"/>
+                <a:gridCol w="3171825"/>
+                <a:gridCol w="4589145"/>
               </a:tblGrid>
               <a:tr h="381000">
                 <a:tc>
@@ -4871,10 +4871,10 @@
                         <a:buNone/>
                       </a:pPr>
                       <a:r>
-                        <a:rPr lang="en-US" altLang="zh-CN"/>
+                        <a:rPr lang="en-US" altLang="zh-CN" sz="1400"/>
                         <a:t>max_ranges</a:t>
                       </a:r>
-                      <a:endParaRPr lang="en-US" altLang="zh-CN"/>
+                      <a:endParaRPr lang="en-US" altLang="zh-CN" sz="1400"/>
                     </a:p>
                   </a:txBody>
                   <a:tcPr/>
@@ -4887,10 +4887,10 @@
                         <a:buNone/>
                       </a:pPr>
                       <a:r>
-                        <a:rPr lang="zh-CN" altLang="en-US"/>
+                        <a:rPr lang="zh-CN" altLang="en-US" sz="1400"/>
                         <a:t>Limits the maximum allowed number of ranges in byte-range requests</a:t>
                       </a:r>
-                      <a:endParaRPr lang="zh-CN" altLang="en-US"/>
+                      <a:endParaRPr lang="zh-CN" altLang="en-US" sz="1400"/>
                     </a:p>
                   </a:txBody>
                   <a:tcPr/>
@@ -4903,20 +4903,20 @@
                         <a:buNone/>
                       </a:pPr>
                       <a:r>
-                        <a:rPr lang="en-US" altLang="zh-CN"/>
+                        <a:rPr lang="en-US" altLang="zh-CN" sz="1400"/>
                         <a:t>Default: not limited</a:t>
                       </a:r>
-                      <a:endParaRPr lang="en-US" altLang="zh-CN"/>
+                      <a:endParaRPr lang="en-US" altLang="zh-CN" sz="1400"/>
                     </a:p>
                     <a:p>
                       <a:pPr>
                         <a:buNone/>
                       </a:pPr>
                       <a:r>
-                        <a:rPr lang="en-US" altLang="zh-CN"/>
+                        <a:rPr lang="en-US" altLang="zh-CN" sz="1400"/>
                         <a:t>0: disable byte-range support</a:t>
                       </a:r>
-                      <a:endParaRPr lang="en-US" altLang="zh-CN"/>
+                      <a:endParaRPr lang="en-US" altLang="zh-CN" sz="1400"/>
                     </a:p>
                   </a:txBody>
                   <a:tcPr/>
@@ -4931,10 +4931,10 @@
                         <a:buNone/>
                       </a:pPr>
                       <a:r>
-                        <a:rPr lang="zh-CN" altLang="en-US"/>
+                        <a:rPr lang="zh-CN" altLang="en-US" sz="1400"/>
                         <a:t>proxy_connect_timeout</a:t>
                       </a:r>
-                      <a:endParaRPr lang="zh-CN" altLang="en-US"/>
+                      <a:endParaRPr lang="zh-CN" altLang="en-US" sz="1400"/>
                     </a:p>
                   </a:txBody>
                   <a:tcPr/>
@@ -4946,7 +4946,7 @@
                       <a:pPr>
                         <a:buNone/>
                       </a:pPr>
-                      <a:endParaRPr lang="zh-CN" altLang="en-US"/>
+                      <a:endParaRPr lang="zh-CN" altLang="en-US" sz="1400"/>
                     </a:p>
                   </a:txBody>
                   <a:tcPr/>
@@ -4958,7 +4958,7 @@
                       <a:pPr>
                         <a:buNone/>
                       </a:pPr>
-                      <a:endParaRPr lang="zh-CN" altLang="en-US"/>
+                      <a:endParaRPr lang="zh-CN" altLang="en-US" sz="1400"/>
                     </a:p>
                   </a:txBody>
                   <a:tcPr/>
@@ -4973,12 +4973,14 @@
                         <a:buNone/>
                       </a:pPr>
                       <a:r>
-                        <a:rPr lang="zh-CN" altLang="en-US" sz="1800">
+                        <a:rPr lang="zh-CN" altLang="en-US" sz="1400">
                           <a:sym typeface="+mn-ea"/>
                         </a:rPr>
                         <a:t>proxy_send_timeout</a:t>
                       </a:r>
-                      <a:endParaRPr lang="zh-CN" altLang="en-US"/>
+                      <a:endParaRPr lang="zh-CN" altLang="en-US" sz="1400">
+                        <a:sym typeface="+mn-ea"/>
+                      </a:endParaRPr>
                     </a:p>
                   </a:txBody>
                   <a:tcPr/>
@@ -4990,7 +4992,7 @@
                       <a:pPr>
                         <a:buNone/>
                       </a:pPr>
-                      <a:endParaRPr lang="zh-CN" altLang="en-US"/>
+                      <a:endParaRPr lang="zh-CN" altLang="en-US" sz="1400"/>
                     </a:p>
                   </a:txBody>
                   <a:tcPr/>
@@ -5002,7 +5004,7 @@
                       <a:pPr>
                         <a:buNone/>
                       </a:pPr>
-                      <a:endParaRPr lang="zh-CN" altLang="en-US"/>
+                      <a:endParaRPr lang="zh-CN" altLang="en-US" sz="1400"/>
                     </a:p>
                   </a:txBody>
                   <a:tcPr/>
@@ -5017,12 +5019,14 @@
                         <a:buNone/>
                       </a:pPr>
                       <a:r>
-                        <a:rPr lang="zh-CN" altLang="en-US" sz="1800">
+                        <a:rPr lang="zh-CN" altLang="en-US" sz="1400">
                           <a:sym typeface="+mn-ea"/>
                         </a:rPr>
                         <a:t>proxy_read_timeout</a:t>
                       </a:r>
-                      <a:endParaRPr lang="zh-CN" altLang="en-US"/>
+                      <a:endParaRPr lang="zh-CN" altLang="en-US" sz="1400">
+                        <a:sym typeface="+mn-ea"/>
+                      </a:endParaRPr>
                     </a:p>
                   </a:txBody>
                   <a:tcPr/>
@@ -5034,7 +5038,7 @@
                       <a:pPr>
                         <a:buNone/>
                       </a:pPr>
-                      <a:endParaRPr lang="zh-CN" altLang="en-US"/>
+                      <a:endParaRPr lang="zh-CN" altLang="en-US" sz="1400"/>
                     </a:p>
                   </a:txBody>
                   <a:tcPr/>
@@ -5046,7 +5050,7 @@
                       <a:pPr>
                         <a:buNone/>
                       </a:pPr>
-                      <a:endParaRPr lang="zh-CN" altLang="en-US"/>
+                      <a:endParaRPr lang="zh-CN" altLang="en-US" sz="1400"/>
                     </a:p>
                   </a:txBody>
                   <a:tcPr/>
@@ -5061,12 +5065,14 @@
                         <a:buNone/>
                       </a:pPr>
                       <a:r>
-                        <a:rPr lang="zh-CN" altLang="en-US" sz="1800">
+                        <a:rPr lang="zh-CN" altLang="en-US" sz="1400">
                           <a:sym typeface="+mn-ea"/>
                         </a:rPr>
                         <a:t>send_timeout</a:t>
                       </a:r>
-                      <a:endParaRPr lang="zh-CN" altLang="en-US"/>
+                      <a:endParaRPr lang="zh-CN" altLang="en-US" sz="1400">
+                        <a:sym typeface="+mn-ea"/>
+                      </a:endParaRPr>
                     </a:p>
                   </a:txBody>
                   <a:tcPr/>
@@ -5078,7 +5084,7 @@
                       <a:pPr>
                         <a:buNone/>
                       </a:pPr>
-                      <a:endParaRPr lang="zh-CN" altLang="en-US"/>
+                      <a:endParaRPr lang="zh-CN" altLang="en-US" sz="1400"/>
                     </a:p>
                   </a:txBody>
                   <a:tcPr/>
@@ -5090,7 +5096,61 @@
                       <a:pPr>
                         <a:buNone/>
                       </a:pPr>
-                      <a:endParaRPr lang="zh-CN" altLang="en-US"/>
+                      <a:endParaRPr lang="zh-CN" altLang="en-US" sz="1400"/>
+                    </a:p>
+                  </a:txBody>
+                  <a:tcPr/>
+                </a:tc>
+              </a:tr>
+              <a:tr h="381000">
+                <a:tc>
+                  <a:txBody>
+                    <a:bodyPr/>
+                    <a:p>
+                      <a:pPr>
+                        <a:buNone/>
+                      </a:pPr>
+                      <a:r>
+                        <a:rPr lang="en-US" altLang="zh-CN" sz="1400"/>
+                        <a:t>limit_rate</a:t>
+                      </a:r>
+                      <a:endParaRPr lang="en-US" altLang="zh-CN" sz="1400"/>
+                    </a:p>
+                  </a:txBody>
+                  <a:tcPr/>
+                </a:tc>
+                <a:tc>
+                  <a:txBody>
+                    <a:bodyPr/>
+                    <a:p>
+                      <a:pPr>
+                        <a:buNone/>
+                      </a:pPr>
+                      <a:r>
+                        <a:rPr lang="zh-CN" altLang="en-US" sz="1400"/>
+                        <a:t>limit_rate 512k;</a:t>
+                      </a:r>
+                      <a:r>
+                        <a:rPr lang="en-US" altLang="zh-CN" sz="1400"/>
+                        <a:t>  // limit bandwidth to 512K</a:t>
+                      </a:r>
+                      <a:endParaRPr lang="en-US" altLang="zh-CN" sz="1400"/>
+                    </a:p>
+                  </a:txBody>
+                  <a:tcPr/>
+                </a:tc>
+                <a:tc>
+                  <a:txBody>
+                    <a:bodyPr/>
+                    <a:p>
+                      <a:pPr>
+                        <a:buNone/>
+                      </a:pPr>
+                      <a:r>
+                        <a:rPr lang="zh-CN" altLang="en-US" sz="1400"/>
+                        <a:t>该指令用于限制向客户端传输数据的速度，单位是Byte/s每秒传输的字节数，设置0禁用限制功能。</a:t>
+                      </a:r>
+                      <a:endParaRPr lang="zh-CN" altLang="en-US" sz="1400"/>
                     </a:p>
                   </a:txBody>
                   <a:tcPr/>
@@ -11347,6 +11407,38 @@
               <a:t>solution: modify nginx configuration</a:t>
             </a:r>
             <a:endParaRPr lang="en-US" altLang="zh-CN"/>
+          </a:p>
+          <a:p>
+            <a:pPr lvl="0"/>
+            <a:r>
+              <a:rPr lang="zh-CN" altLang="en-US"/>
+              <a:t>云盘扩容</a:t>
+            </a:r>
+            <a:endParaRPr lang="zh-CN" altLang="en-US"/>
+          </a:p>
+          <a:p>
+            <a:pPr lvl="1"/>
+            <a:r>
+              <a:rPr lang="zh-CN" altLang="en-US"/>
+              <a:t>sudo apt-get install -y cloud-guest-utils</a:t>
+            </a:r>
+            <a:endParaRPr lang="zh-CN" altLang="en-US"/>
+          </a:p>
+          <a:p>
+            <a:pPr lvl="1"/>
+            <a:r>
+              <a:rPr lang="zh-CN" altLang="en-US"/>
+              <a:t>sudo growpart /dev/vda 1</a:t>
+            </a:r>
+            <a:endParaRPr lang="zh-CN" altLang="en-US"/>
+          </a:p>
+          <a:p>
+            <a:pPr lvl="1"/>
+            <a:r>
+              <a:rPr lang="zh-CN" altLang="en-US"/>
+              <a:t>sudo resize2fs /dev/vda1</a:t>
+            </a:r>
+            <a:endParaRPr lang="zh-CN" altLang="en-US"/>
           </a:p>
         </p:txBody>
       </p:sp>

--- a/Web/Server-Notes.pptx
+++ b/Web/Server-Notes.pptx
@@ -8,7 +8,7 @@
     <p:notesMasterId r:id="rId17"/>
   </p:notesMasterIdLst>
   <p:handoutMasterIdLst>
-    <p:handoutMasterId r:id="rId43"/>
+    <p:handoutMasterId r:id="rId52"/>
   </p:handoutMasterIdLst>
   <p:sldIdLst>
     <p:sldId id="256" r:id="rId3"/>
@@ -33,28 +33,37 @@
     <p:sldId id="390" r:id="rId23"/>
     <p:sldId id="389" r:id="rId24"/>
     <p:sldId id="358" r:id="rId25"/>
-    <p:sldId id="359" r:id="rId26"/>
-    <p:sldId id="401" r:id="rId27"/>
-    <p:sldId id="362" r:id="rId28"/>
-    <p:sldId id="356" r:id="rId29"/>
-    <p:sldId id="363" r:id="rId30"/>
-    <p:sldId id="429" r:id="rId31"/>
-    <p:sldId id="483" r:id="rId32"/>
-    <p:sldId id="515" r:id="rId33"/>
-    <p:sldId id="331" r:id="rId34"/>
-    <p:sldId id="516" r:id="rId35"/>
-    <p:sldId id="517" r:id="rId36"/>
-    <p:sldId id="518" r:id="rId37"/>
-    <p:sldId id="523" r:id="rId38"/>
-    <p:sldId id="524" r:id="rId39"/>
-    <p:sldId id="367" r:id="rId40"/>
-    <p:sldId id="368" r:id="rId41"/>
-    <p:sldId id="369" r:id="rId42"/>
+    <p:sldId id="528" r:id="rId26"/>
+    <p:sldId id="529" r:id="rId27"/>
+    <p:sldId id="359" r:id="rId28"/>
+    <p:sldId id="401" r:id="rId29"/>
+    <p:sldId id="362" r:id="rId30"/>
+    <p:sldId id="356" r:id="rId31"/>
+    <p:sldId id="363" r:id="rId32"/>
+    <p:sldId id="429" r:id="rId33"/>
+    <p:sldId id="483" r:id="rId34"/>
+    <p:sldId id="515" r:id="rId35"/>
+    <p:sldId id="558" r:id="rId36"/>
+    <p:sldId id="547" r:id="rId37"/>
+    <p:sldId id="548" r:id="rId38"/>
+    <p:sldId id="331" r:id="rId39"/>
+    <p:sldId id="516" r:id="rId40"/>
+    <p:sldId id="517" r:id="rId41"/>
+    <p:sldId id="518" r:id="rId42"/>
+    <p:sldId id="523" r:id="rId43"/>
+    <p:sldId id="524" r:id="rId44"/>
+    <p:sldId id="367" r:id="rId45"/>
+    <p:sldId id="368" r:id="rId46"/>
+    <p:sldId id="369" r:id="rId47"/>
+    <p:sldId id="570" r:id="rId48"/>
+    <p:sldId id="571" r:id="rId49"/>
+    <p:sldId id="572" r:id="rId50"/>
+    <p:sldId id="573" r:id="rId51"/>
   </p:sldIdLst>
   <p:sldSz cx="12192000" cy="6858000"/>
   <p:notesSz cx="6858000" cy="9144000"/>
   <p:custDataLst>
-    <p:tags r:id="rId47"/>
+    <p:tags r:id="rId56"/>
   </p:custDataLst>
   <p:defaultTextStyle>
     <a:defPPr>
@@ -7273,10 +7282,18 @@
           <a:p>
             <a:pPr lvl="1"/>
             <a:r>
-              <a:rPr lang="en-US" altLang="zh-CN" sz="930"/>
+              <a:rPr lang="en-US" altLang="zh-CN" sz="930">
+                <a:solidFill>
+                  <a:srgbClr val="FF0000"/>
+                </a:solidFill>
+              </a:rPr>
               <a:t>openssl x509 -text -in certificate.crt -noout</a:t>
             </a:r>
-            <a:endParaRPr lang="en-US" altLang="zh-CN" sz="930"/>
+            <a:endParaRPr lang="en-US" altLang="zh-CN" sz="930">
+              <a:solidFill>
+                <a:srgbClr val="FF0000"/>
+              </a:solidFill>
+            </a:endParaRPr>
           </a:p>
           <a:p>
             <a:pPr lvl="0"/>
@@ -7760,22 +7777,6 @@
             <a:pPr lvl="1"/>
             <a:r>
               <a:rPr lang="en-US" altLang="zh-CN" sz="1400"/>
-              <a:t>openssl req -x509 -nodes -days 3650 -newkey rsa:2048 -keyout /etc/ssl/private/aja-nginx-selfsigned.key -out /etc/ssl/certs/aja-nginx-selfsigned.crt</a:t>
-            </a:r>
-            <a:endParaRPr lang="en-US" altLang="zh-CN" sz="1400"/>
-          </a:p>
-          <a:p>
-            <a:pPr lvl="2"/>
-            <a:r>
-              <a:rPr lang="en-US" altLang="zh-CN" sz="1200"/>
-              <a:t>output .key and .crt files</a:t>
-            </a:r>
-            <a:endParaRPr lang="en-US" altLang="zh-CN" sz="1200"/>
-          </a:p>
-          <a:p>
-            <a:pPr lvl="1"/>
-            <a:r>
-              <a:rPr lang="en-US" altLang="zh-CN" sz="1400"/>
               <a:t>openssl dhparam -out /etc/ssl/certs/aja-dhparam.pem 2048</a:t>
             </a:r>
             <a:endParaRPr lang="en-US" altLang="zh-CN" sz="1400"/>
@@ -8137,6 +8138,239 @@
 </file>
 
 <file path=ppt/slides/slide23.xml><?xml version="1.0" encoding="utf-8"?>
+<p:sld xmlns:a="http://schemas.openxmlformats.org/drawingml/2006/main" xmlns:r="http://schemas.openxmlformats.org/officeDocument/2006/relationships" xmlns:p="http://schemas.openxmlformats.org/presentationml/2006/main">
+  <p:cSld>
+    <p:spTree>
+      <p:nvGrpSpPr>
+        <p:cNvPr id="1" name=""/>
+        <p:cNvGrpSpPr/>
+        <p:nvPr/>
+      </p:nvGrpSpPr>
+      <p:grpSpPr/>
+      <p:sp>
+        <p:nvSpPr>
+          <p:cNvPr id="2" name="标题 1"/>
+          <p:cNvSpPr>
+            <a:spLocks noGrp="1"/>
+          </p:cNvSpPr>
+          <p:nvPr>
+            <p:ph type="title"/>
+          </p:nvPr>
+        </p:nvSpPr>
+        <p:spPr/>
+        <p:txBody>
+          <a:bodyPr/>
+          <a:p>
+            <a:r>
+              <a:rPr lang="en-US" altLang="zh-CN"/>
+              <a:t>SSL Certificate - Self-Signed</a:t>
+            </a:r>
+            <a:endParaRPr lang="en-US" altLang="zh-CN"/>
+          </a:p>
+        </p:txBody>
+      </p:sp>
+      <p:sp>
+        <p:nvSpPr>
+          <p:cNvPr id="3" name="内容占位符 2"/>
+          <p:cNvSpPr>
+            <a:spLocks noGrp="1"/>
+          </p:cNvSpPr>
+          <p:nvPr>
+            <p:ph idx="1"/>
+          </p:nvPr>
+        </p:nvSpPr>
+        <p:spPr/>
+        <p:txBody>
+          <a:bodyPr/>
+          <a:p>
+            <a:r>
+              <a:rPr lang="en-US" altLang="zh-CN"/>
+              <a:t>Create</a:t>
+            </a:r>
+            <a:endParaRPr lang="en-US" altLang="zh-CN"/>
+          </a:p>
+          <a:p>
+            <a:pPr lvl="1"/>
+            <a:r>
+              <a:rPr lang="en-US" altLang="zh-CN"/>
+              <a:t>Nginx</a:t>
+            </a:r>
+            <a:endParaRPr lang="en-US" altLang="zh-CN"/>
+          </a:p>
+          <a:p>
+            <a:pPr lvl="2"/>
+            <a:r>
+              <a:rPr lang="en-US" altLang="zh-CN" sz="1800">
+                <a:solidFill>
+                  <a:srgbClr val="FF0000"/>
+                </a:solidFill>
+                <a:sym typeface="+mn-ea"/>
+              </a:rPr>
+              <a:t>openssl req -x509 -nodes -days 3650 -newkey rsa:2048 -keyout /etc/ssl/private/aja-nginx-selfsigned.key -out /etc/ssl/certs/aja-nginx-selfsigned.crt</a:t>
+            </a:r>
+            <a:endParaRPr lang="en-US" altLang="zh-CN" sz="1800">
+              <a:solidFill>
+                <a:srgbClr val="FF0000"/>
+              </a:solidFill>
+            </a:endParaRPr>
+          </a:p>
+          <a:p>
+            <a:pPr lvl="3"/>
+            <a:r>
+              <a:rPr lang="en-US" altLang="zh-CN" sz="2000">
+                <a:sym typeface="+mn-ea"/>
+              </a:rPr>
+              <a:t>output .key and .crt files for nginx server</a:t>
+            </a:r>
+            <a:endParaRPr lang="en-US" altLang="zh-CN" sz="2000"/>
+          </a:p>
+          <a:p>
+            <a:pPr lvl="1"/>
+            <a:r>
+              <a:rPr lang="en-US" altLang="zh-CN"/>
+              <a:t>Tomcat</a:t>
+            </a:r>
+            <a:endParaRPr lang="en-US" altLang="zh-CN"/>
+          </a:p>
+          <a:p>
+            <a:pPr lvl="2"/>
+            <a:r>
+              <a:rPr lang="en-US" altLang="zh-CN"/>
+              <a:t>Generate certificate</a:t>
+            </a:r>
+            <a:endParaRPr lang="en-US" altLang="zh-CN"/>
+          </a:p>
+          <a:p>
+            <a:pPr lvl="3"/>
+            <a:r>
+              <a:rPr lang="en-US" altLang="zh-CN"/>
+              <a:t>keytool -genkey -keyalg RSA -alias tomcat -keystore selfsigned.jks -validity 365 -keysize 2048</a:t>
+            </a:r>
+            <a:endParaRPr lang="en-US" altLang="zh-CN" sz="1800"/>
+          </a:p>
+          <a:p>
+            <a:pPr lvl="4"/>
+            <a:r>
+              <a:rPr lang="en-US" altLang="zh-CN"/>
+              <a:t>selfsigned.jks is the key store file</a:t>
+            </a:r>
+            <a:endParaRPr lang="en-US" altLang="zh-CN"/>
+          </a:p>
+          <a:p>
+            <a:pPr lvl="4"/>
+            <a:r>
+              <a:rPr lang="en-US" altLang="zh-CN"/>
+              <a:t>input domain name as common name</a:t>
+            </a:r>
+            <a:endParaRPr lang="en-US" altLang="zh-CN"/>
+          </a:p>
+          <a:p>
+            <a:pPr lvl="2"/>
+            <a:r>
+              <a:rPr lang="en-US" altLang="zh-CN"/>
+              <a:t>Verify certificate</a:t>
+            </a:r>
+            <a:endParaRPr lang="en-US" altLang="zh-CN"/>
+          </a:p>
+          <a:p>
+            <a:pPr lvl="3"/>
+            <a:r>
+              <a:rPr lang="en-US" altLang="zh-CN"/>
+              <a:t>keytool -list -v -keystore selfsigned.jks</a:t>
+            </a:r>
+            <a:endParaRPr lang="en-US" altLang="zh-CN"/>
+          </a:p>
+          <a:p>
+            <a:pPr lvl="1"/>
+            <a:endParaRPr lang="en-US" altLang="zh-CN"/>
+          </a:p>
+        </p:txBody>
+      </p:sp>
+    </p:spTree>
+    <p:custDataLst>
+      <p:tags r:id="rId1"/>
+    </p:custDataLst>
+  </p:cSld>
+  <p:clrMapOvr>
+    <a:masterClrMapping/>
+  </p:clrMapOvr>
+</p:sld>
+</file>
+
+<file path=ppt/slides/slide24.xml><?xml version="1.0" encoding="utf-8"?>
+<p:sld xmlns:a="http://schemas.openxmlformats.org/drawingml/2006/main" xmlns:r="http://schemas.openxmlformats.org/officeDocument/2006/relationships" xmlns:p="http://schemas.openxmlformats.org/presentationml/2006/main">
+  <p:cSld>
+    <p:spTree>
+      <p:nvGrpSpPr>
+        <p:cNvPr id="1" name=""/>
+        <p:cNvGrpSpPr/>
+        <p:nvPr/>
+      </p:nvGrpSpPr>
+      <p:grpSpPr/>
+      <p:sp>
+        <p:nvSpPr>
+          <p:cNvPr id="2" name="标题 1"/>
+          <p:cNvSpPr>
+            <a:spLocks noGrp="1"/>
+          </p:cNvSpPr>
+          <p:nvPr>
+            <p:ph type="title"/>
+          </p:nvPr>
+        </p:nvSpPr>
+        <p:spPr/>
+        <p:txBody>
+          <a:bodyPr/>
+          <a:p>
+            <a:r>
+              <a:rPr lang="zh-CN" altLang="en-US"/>
+              <a:t>信任自签名证书</a:t>
+            </a:r>
+            <a:endParaRPr lang="zh-CN" altLang="en-US"/>
+          </a:p>
+        </p:txBody>
+      </p:sp>
+      <p:sp>
+        <p:nvSpPr>
+          <p:cNvPr id="3" name="内容占位符 2"/>
+          <p:cNvSpPr>
+            <a:spLocks noGrp="1"/>
+          </p:cNvSpPr>
+          <p:nvPr>
+            <p:ph idx="1"/>
+          </p:nvPr>
+        </p:nvSpPr>
+        <p:spPr/>
+        <p:txBody>
+          <a:bodyPr/>
+          <a:p>
+            <a:r>
+              <a:rPr lang="en-US" altLang="zh-CN"/>
+              <a:t>References</a:t>
+            </a:r>
+            <a:endParaRPr lang="en-US" altLang="zh-CN"/>
+          </a:p>
+          <a:p>
+            <a:pPr lvl="1"/>
+            <a:r>
+              <a:rPr lang="en-US" altLang="zh-CN"/>
+              <a:t>https://www.jianshu.com/p/07233168346e</a:t>
+            </a:r>
+            <a:endParaRPr lang="en-US" altLang="zh-CN"/>
+          </a:p>
+        </p:txBody>
+      </p:sp>
+    </p:spTree>
+    <p:custDataLst>
+      <p:tags r:id="rId1"/>
+    </p:custDataLst>
+  </p:cSld>
+  <p:clrMapOvr>
+    <a:masterClrMapping/>
+  </p:clrMapOvr>
+</p:sld>
+</file>
+
+<file path=ppt/slides/slide25.xml><?xml version="1.0" encoding="utf-8"?>
 <p:sld xmlns:a="http://schemas.openxmlformats.org/drawingml/2006/main" xmlns:r="http://schemas.openxmlformats.org/officeDocument/2006/relationships" xmlns:p="http://schemas.openxmlformats.org/presentationml/2006/main">
   <p:cSld>
     <p:spTree>
@@ -8623,7 +8857,7 @@
 </p:sld>
 </file>
 
-<file path=ppt/slides/slide24.xml><?xml version="1.0" encoding="utf-8"?>
+<file path=ppt/slides/slide26.xml><?xml version="1.0" encoding="utf-8"?>
 <p:sld xmlns:a="http://schemas.openxmlformats.org/drawingml/2006/main" xmlns:r="http://schemas.openxmlformats.org/officeDocument/2006/relationships" xmlns:p="http://schemas.openxmlformats.org/presentationml/2006/main">
   <p:cSld>
     <p:spTree>
@@ -9274,7 +9508,7 @@
 </p:sld>
 </file>
 
-<file path=ppt/slides/slide25.xml><?xml version="1.0" encoding="utf-8"?>
+<file path=ppt/slides/slide27.xml><?xml version="1.0" encoding="utf-8"?>
 <p:sld xmlns:a="http://schemas.openxmlformats.org/drawingml/2006/main" xmlns:r="http://schemas.openxmlformats.org/officeDocument/2006/relationships" xmlns:p="http://schemas.openxmlformats.org/presentationml/2006/main">
   <p:cSld>
     <p:spTree>
@@ -9684,7 +9918,7 @@
 </p:sld>
 </file>
 
-<file path=ppt/slides/slide26.xml><?xml version="1.0" encoding="utf-8"?>
+<file path=ppt/slides/slide28.xml><?xml version="1.0" encoding="utf-8"?>
 <p:sld xmlns:a="http://schemas.openxmlformats.org/drawingml/2006/main" xmlns:r="http://schemas.openxmlformats.org/officeDocument/2006/relationships" xmlns:p="http://schemas.openxmlformats.org/presentationml/2006/main">
   <p:cSld>
     <p:spTree>
@@ -10172,7 +10406,7 @@
 </p:sld>
 </file>
 
-<file path=ppt/slides/slide27.xml><?xml version="1.0" encoding="utf-8"?>
+<file path=ppt/slides/slide29.xml><?xml version="1.0" encoding="utf-8"?>
 <p:sld xmlns:a="http://schemas.openxmlformats.org/drawingml/2006/main" xmlns:r="http://schemas.openxmlformats.org/officeDocument/2006/relationships" xmlns:p="http://schemas.openxmlformats.org/presentationml/2006/main">
   <p:cSld>
     <p:spTree>
@@ -10714,7 +10948,7 @@
 </p:sld>
 </file>
 
-<file path=ppt/slides/slide28.xml><?xml version="1.0" encoding="utf-8"?>
+<file path=ppt/slides/slide3.xml><?xml version="1.0" encoding="utf-8"?>
 <p:sld xmlns:a="http://schemas.openxmlformats.org/drawingml/2006/main" xmlns:r="http://schemas.openxmlformats.org/officeDocument/2006/relationships" xmlns:p="http://schemas.openxmlformats.org/presentationml/2006/main">
   <p:cSld>
     <p:spTree>
@@ -10726,7 +10960,7 @@
       <p:grpSpPr/>
       <p:sp>
         <p:nvSpPr>
-          <p:cNvPr id="2" name="标题 1"/>
+          <p:cNvPr id="4" name="标题 3"/>
           <p:cNvSpPr>
             <a:spLocks noGrp="1"/>
           </p:cNvSpPr>
@@ -10740,63 +10974,27 @@
           <a:p>
             <a:r>
               <a:rPr lang="en-US" altLang="zh-CN"/>
-              <a:t>Redis Server</a:t>
-            </a:r>
-            <a:endParaRPr lang="en-US" altLang="zh-CN"/>
-          </a:p>
-        </p:txBody>
-      </p:sp>
-      <p:sp>
-        <p:nvSpPr>
-          <p:cNvPr id="3" name="内容占位符 2"/>
+              <a:t>General</a:t>
+            </a:r>
+            <a:endParaRPr lang="en-US" altLang="zh-CN"/>
+          </a:p>
+        </p:txBody>
+      </p:sp>
+      <p:sp>
+        <p:nvSpPr>
+          <p:cNvPr id="5" name="文本占位符 4"/>
           <p:cNvSpPr>
             <a:spLocks noGrp="1"/>
           </p:cNvSpPr>
           <p:nvPr>
-            <p:ph idx="1"/>
+            <p:ph type="body" idx="1"/>
           </p:nvPr>
         </p:nvSpPr>
         <p:spPr/>
         <p:txBody>
           <a:bodyPr/>
           <a:p>
-            <a:r>
-              <a:rPr lang="en-US" altLang="zh-CN"/>
-              <a:t>Steps</a:t>
-            </a:r>
-            <a:endParaRPr lang="en-US" altLang="zh-CN"/>
-          </a:p>
-          <a:p>
-            <a:pPr lvl="1"/>
-            <a:r>
-              <a:rPr lang="en-US" altLang="zh-CN"/>
-              <a:t>sudo apt install redis-server</a:t>
-            </a:r>
-            <a:endParaRPr lang="en-US" altLang="zh-CN"/>
-          </a:p>
-          <a:p>
-            <a:pPr lvl="1"/>
-            <a:r>
-              <a:rPr lang="en-US" altLang="zh-CN"/>
-              <a:t>sudo service redis-server start</a:t>
-            </a:r>
-            <a:endParaRPr lang="en-US" altLang="zh-CN"/>
-          </a:p>
-          <a:p>
-            <a:pPr lvl="2"/>
-            <a:r>
-              <a:rPr lang="en-US" altLang="zh-CN" sz="1800"/>
-              <a:t>port 6379</a:t>
-            </a:r>
-            <a:endParaRPr lang="en-US" altLang="zh-CN"/>
-          </a:p>
-          <a:p>
-            <a:pPr lvl="1"/>
-            <a:r>
-              <a:rPr lang="en-US" altLang="zh-CN"/>
-              <a:t>sudo service redis-server status</a:t>
-            </a:r>
-            <a:endParaRPr lang="en-US" altLang="zh-CN"/>
+            <a:endParaRPr lang="zh-CN" altLang="en-US"/>
           </a:p>
         </p:txBody>
       </p:sp>
@@ -10811,7 +11009,104 @@
 </p:sld>
 </file>
 
-<file path=ppt/slides/slide29.xml><?xml version="1.0" encoding="utf-8"?>
+<file path=ppt/slides/slide30.xml><?xml version="1.0" encoding="utf-8"?>
+<p:sld xmlns:a="http://schemas.openxmlformats.org/drawingml/2006/main" xmlns:r="http://schemas.openxmlformats.org/officeDocument/2006/relationships" xmlns:p="http://schemas.openxmlformats.org/presentationml/2006/main">
+  <p:cSld>
+    <p:spTree>
+      <p:nvGrpSpPr>
+        <p:cNvPr id="1" name=""/>
+        <p:cNvGrpSpPr/>
+        <p:nvPr/>
+      </p:nvGrpSpPr>
+      <p:grpSpPr/>
+      <p:sp>
+        <p:nvSpPr>
+          <p:cNvPr id="2" name="标题 1"/>
+          <p:cNvSpPr>
+            <a:spLocks noGrp="1"/>
+          </p:cNvSpPr>
+          <p:nvPr>
+            <p:ph type="title"/>
+          </p:nvPr>
+        </p:nvSpPr>
+        <p:spPr/>
+        <p:txBody>
+          <a:bodyPr/>
+          <a:p>
+            <a:r>
+              <a:rPr lang="en-US" altLang="zh-CN"/>
+              <a:t>Redis Server</a:t>
+            </a:r>
+            <a:endParaRPr lang="en-US" altLang="zh-CN"/>
+          </a:p>
+        </p:txBody>
+      </p:sp>
+      <p:sp>
+        <p:nvSpPr>
+          <p:cNvPr id="3" name="内容占位符 2"/>
+          <p:cNvSpPr>
+            <a:spLocks noGrp="1"/>
+          </p:cNvSpPr>
+          <p:nvPr>
+            <p:ph idx="1"/>
+          </p:nvPr>
+        </p:nvSpPr>
+        <p:spPr/>
+        <p:txBody>
+          <a:bodyPr/>
+          <a:p>
+            <a:r>
+              <a:rPr lang="en-US" altLang="zh-CN"/>
+              <a:t>Steps</a:t>
+            </a:r>
+            <a:endParaRPr lang="en-US" altLang="zh-CN"/>
+          </a:p>
+          <a:p>
+            <a:pPr lvl="1"/>
+            <a:r>
+              <a:rPr lang="en-US" altLang="zh-CN"/>
+              <a:t>sudo apt install redis-server</a:t>
+            </a:r>
+            <a:endParaRPr lang="en-US" altLang="zh-CN"/>
+          </a:p>
+          <a:p>
+            <a:pPr lvl="1"/>
+            <a:r>
+              <a:rPr lang="en-US" altLang="zh-CN"/>
+              <a:t>sudo service redis-server start</a:t>
+            </a:r>
+            <a:endParaRPr lang="en-US" altLang="zh-CN"/>
+          </a:p>
+          <a:p>
+            <a:pPr lvl="2"/>
+            <a:r>
+              <a:rPr lang="en-US" altLang="zh-CN" sz="1800"/>
+              <a:t>port 6379</a:t>
+            </a:r>
+            <a:endParaRPr lang="en-US" altLang="zh-CN"/>
+          </a:p>
+          <a:p>
+            <a:pPr lvl="1"/>
+            <a:r>
+              <a:rPr lang="en-US" altLang="zh-CN"/>
+              <a:t>sudo service redis-server status</a:t>
+            </a:r>
+            <a:endParaRPr lang="en-US" altLang="zh-CN"/>
+          </a:p>
+        </p:txBody>
+      </p:sp>
+    </p:spTree>
+    <p:custDataLst>
+      <p:tags r:id="rId1"/>
+    </p:custDataLst>
+  </p:cSld>
+  <p:clrMapOvr>
+    <a:masterClrMapping/>
+  </p:clrMapOvr>
+</p:sld>
+</file>
+
+<file path=ppt/slides/slide31.xml><?xml version="1.0" encoding="utf-8"?>
 <p:sld xmlns:a="http://schemas.openxmlformats.org/drawingml/2006/main" xmlns:r="http://schemas.openxmlformats.org/officeDocument/2006/relationships" xmlns:p="http://schemas.openxmlformats.org/presentationml/2006/main">
   <p:cSld>
     <p:spTree>
@@ -11079,68 +11374,7 @@
 </p:sld>
 </file>
 
-<file path=ppt/slides/slide3.xml><?xml version="1.0" encoding="utf-8"?>
-<p:sld xmlns:a="http://schemas.openxmlformats.org/drawingml/2006/main" xmlns:r="http://schemas.openxmlformats.org/officeDocument/2006/relationships" xmlns:p="http://schemas.openxmlformats.org/presentationml/2006/main">
-  <p:cSld>
-    <p:spTree>
-      <p:nvGrpSpPr>
-        <p:cNvPr id="1" name=""/>
-        <p:cNvGrpSpPr/>
-        <p:nvPr/>
-      </p:nvGrpSpPr>
-      <p:grpSpPr/>
-      <p:sp>
-        <p:nvSpPr>
-          <p:cNvPr id="4" name="标题 3"/>
-          <p:cNvSpPr>
-            <a:spLocks noGrp="1"/>
-          </p:cNvSpPr>
-          <p:nvPr>
-            <p:ph type="title"/>
-          </p:nvPr>
-        </p:nvSpPr>
-        <p:spPr/>
-        <p:txBody>
-          <a:bodyPr/>
-          <a:p>
-            <a:r>
-              <a:rPr lang="en-US" altLang="zh-CN"/>
-              <a:t>General</a:t>
-            </a:r>
-            <a:endParaRPr lang="en-US" altLang="zh-CN"/>
-          </a:p>
-        </p:txBody>
-      </p:sp>
-      <p:sp>
-        <p:nvSpPr>
-          <p:cNvPr id="5" name="文本占位符 4"/>
-          <p:cNvSpPr>
-            <a:spLocks noGrp="1"/>
-          </p:cNvSpPr>
-          <p:nvPr>
-            <p:ph type="body" idx="1"/>
-          </p:nvPr>
-        </p:nvSpPr>
-        <p:spPr/>
-        <p:txBody>
-          <a:bodyPr/>
-          <a:p>
-            <a:endParaRPr lang="zh-CN" altLang="en-US"/>
-          </a:p>
-        </p:txBody>
-      </p:sp>
-    </p:spTree>
-    <p:custDataLst>
-      <p:tags r:id="rId1"/>
-    </p:custDataLst>
-  </p:cSld>
-  <p:clrMapOvr>
-    <a:masterClrMapping/>
-  </p:clrMapOvr>
-</p:sld>
-</file>
-
-<file path=ppt/slides/slide30.xml><?xml version="1.0" encoding="utf-8"?>
+<file path=ppt/slides/slide32.xml><?xml version="1.0" encoding="utf-8"?>
 <p:sld xmlns:a="http://schemas.openxmlformats.org/drawingml/2006/main" xmlns:r="http://schemas.openxmlformats.org/officeDocument/2006/relationships" xmlns:p="http://schemas.openxmlformats.org/presentationml/2006/main">
   <p:cSld>
     <p:spTree>
@@ -11320,7 +11554,1013 @@
 </p:sld>
 </file>
 
-<file path=ppt/slides/slide31.xml><?xml version="1.0" encoding="utf-8"?>
+<file path=ppt/slides/slide33.xml><?xml version="1.0" encoding="utf-8"?>
+<p:sld xmlns:a="http://schemas.openxmlformats.org/drawingml/2006/main" xmlns:r="http://schemas.openxmlformats.org/officeDocument/2006/relationships" xmlns:p="http://schemas.openxmlformats.org/presentationml/2006/main">
+  <p:cSld>
+    <p:spTree>
+      <p:nvGrpSpPr>
+        <p:cNvPr id="1" name=""/>
+        <p:cNvGrpSpPr/>
+        <p:nvPr/>
+      </p:nvGrpSpPr>
+      <p:grpSpPr/>
+      <p:sp>
+        <p:nvSpPr>
+          <p:cNvPr id="2" name="标题 1"/>
+          <p:cNvSpPr>
+            <a:spLocks noGrp="1"/>
+          </p:cNvSpPr>
+          <p:nvPr>
+            <p:ph type="title"/>
+          </p:nvPr>
+        </p:nvSpPr>
+        <p:spPr/>
+        <p:txBody>
+          <a:bodyPr/>
+          <a:p>
+            <a:r>
+              <a:rPr lang="en-US" altLang="zh-CN"/>
+              <a:t>FTP Concept</a:t>
+            </a:r>
+            <a:endParaRPr lang="en-US" altLang="zh-CN"/>
+          </a:p>
+        </p:txBody>
+      </p:sp>
+      <p:sp>
+        <p:nvSpPr>
+          <p:cNvPr id="3" name="内容占位符 2"/>
+          <p:cNvSpPr>
+            <a:spLocks noGrp="1"/>
+          </p:cNvSpPr>
+          <p:nvPr>
+            <p:ph idx="1"/>
+          </p:nvPr>
+        </p:nvSpPr>
+        <p:spPr/>
+        <p:txBody>
+          <a:bodyPr/>
+          <a:p>
+            <a:r>
+              <a:rPr lang="en-US" altLang="zh-CN"/>
+              <a:t>Mode</a:t>
+            </a:r>
+            <a:endParaRPr lang="en-US" altLang="zh-CN"/>
+          </a:p>
+          <a:p>
+            <a:pPr lvl="1"/>
+            <a:r>
+              <a:rPr lang="en-US" altLang="zh-CN"/>
+              <a:t>Active</a:t>
+            </a:r>
+            <a:endParaRPr lang="en-US" altLang="zh-CN"/>
+          </a:p>
+          <a:p>
+            <a:pPr lvl="2"/>
+            <a:r>
+              <a:rPr lang="en-US" altLang="zh-CN"/>
+              <a:t>PORT（主动）方式的连接过程是：客户端向服务器的FTP端口（默认是21）发送连接请求，服务器接受连接，建立一条命令链路。当需要传送数据时，客户端在命令链路上用PORT命令告诉服务器：“我打开了XXXX端口，你过来连接我”。于是服务器从20端口向客户端的XXXX端口发送连接请求，建立一条数据链路来传送数据。</a:t>
+            </a:r>
+            <a:endParaRPr lang="en-US" altLang="zh-CN"/>
+          </a:p>
+          <a:p>
+            <a:pPr lvl="1"/>
+            <a:r>
+              <a:rPr lang="en-US" altLang="zh-CN"/>
+              <a:t>Passive</a:t>
+            </a:r>
+            <a:endParaRPr lang="en-US" altLang="zh-CN"/>
+          </a:p>
+          <a:p>
+            <a:pPr lvl="2"/>
+            <a:r>
+              <a:rPr lang="en-US" altLang="zh-CN"/>
+              <a:t>PASV（被动）方式的连接过程是：客户端向服务器的FTP端口（默认是21）发送连接请求，服务器接受连接，建立一条命令链路。当需要传送数据时，服务器在命令链路上用PASV命令告诉客户端：“我打开了XXXX端口，你过来连接我”。于是客户端向服务器的XXXX端口发送连接请求，建立一条数据链路来传送数据。</a:t>
+            </a:r>
+            <a:endParaRPr lang="en-US" altLang="zh-CN"/>
+          </a:p>
+        </p:txBody>
+      </p:sp>
+    </p:spTree>
+    <p:custDataLst>
+      <p:tags r:id="rId1"/>
+    </p:custDataLst>
+  </p:cSld>
+  <p:clrMapOvr>
+    <a:masterClrMapping/>
+  </p:clrMapOvr>
+</p:sld>
+</file>
+
+<file path=ppt/slides/slide34.xml><?xml version="1.0" encoding="utf-8"?>
+<p:sld xmlns:a="http://schemas.openxmlformats.org/drawingml/2006/main" xmlns:r="http://schemas.openxmlformats.org/officeDocument/2006/relationships" xmlns:p="http://schemas.openxmlformats.org/presentationml/2006/main">
+  <p:cSld>
+    <p:spTree>
+      <p:nvGrpSpPr>
+        <p:cNvPr id="1" name=""/>
+        <p:cNvGrpSpPr/>
+        <p:nvPr/>
+      </p:nvGrpSpPr>
+      <p:grpSpPr/>
+      <p:sp>
+        <p:nvSpPr>
+          <p:cNvPr id="2" name="标题 1"/>
+          <p:cNvSpPr>
+            <a:spLocks noGrp="1"/>
+          </p:cNvSpPr>
+          <p:nvPr>
+            <p:ph type="title"/>
+          </p:nvPr>
+        </p:nvSpPr>
+        <p:spPr/>
+        <p:txBody>
+          <a:bodyPr/>
+          <a:p>
+            <a:r>
+              <a:rPr lang="en-US" altLang="zh-CN"/>
+              <a:t>FTP Server</a:t>
+            </a:r>
+            <a:endParaRPr lang="en-US" altLang="zh-CN"/>
+          </a:p>
+        </p:txBody>
+      </p:sp>
+      <p:sp>
+        <p:nvSpPr>
+          <p:cNvPr id="3" name="内容占位符 2"/>
+          <p:cNvSpPr>
+            <a:spLocks noGrp="1"/>
+          </p:cNvSpPr>
+          <p:nvPr>
+            <p:ph idx="1"/>
+          </p:nvPr>
+        </p:nvSpPr>
+        <p:spPr>
+          <a:xfrm>
+            <a:off x="838200" y="1211580"/>
+            <a:ext cx="5445760" cy="4933950"/>
+          </a:xfrm>
+        </p:spPr>
+        <p:txBody>
+          <a:bodyPr>
+            <a:noAutofit/>
+          </a:bodyPr>
+          <a:p>
+            <a:r>
+              <a:rPr lang="en-US" altLang="zh-CN" sz="1600"/>
+              <a:t>References</a:t>
+            </a:r>
+            <a:endParaRPr lang="en-US" altLang="zh-CN" sz="1600"/>
+          </a:p>
+          <a:p>
+            <a:pPr lvl="1"/>
+            <a:r>
+              <a:rPr lang="en-US" altLang="zh-CN" sz="1200"/>
+              <a:t>https://www.linuxidc.com/Linux/2018-08/153491.htm</a:t>
+            </a:r>
+            <a:endParaRPr lang="en-US" altLang="zh-CN" sz="1200"/>
+          </a:p>
+          <a:p>
+            <a:r>
+              <a:rPr lang="en-US" altLang="zh-CN" sz="1600"/>
+              <a:t>Linux</a:t>
+            </a:r>
+            <a:endParaRPr lang="en-US" altLang="zh-CN" sz="1600"/>
+          </a:p>
+          <a:p>
+            <a:pPr lvl="1"/>
+            <a:r>
+              <a:rPr lang="en-US" altLang="zh-CN" sz="1200"/>
+              <a:t>Install server</a:t>
+            </a:r>
+            <a:endParaRPr lang="en-US" altLang="zh-CN" sz="1200"/>
+          </a:p>
+          <a:p>
+            <a:pPr lvl="2"/>
+            <a:r>
+              <a:rPr lang="en-US" altLang="zh-CN" sz="1000"/>
+              <a:t>sudo apt install vsftpd</a:t>
+            </a:r>
+            <a:endParaRPr lang="en-US" altLang="zh-CN" sz="1000"/>
+          </a:p>
+          <a:p>
+            <a:pPr lvl="2"/>
+            <a:r>
+              <a:rPr lang="en-US" altLang="zh-CN" sz="1000"/>
+              <a:t>sudo systemctl status vsftpd</a:t>
+            </a:r>
+            <a:endParaRPr lang="en-US" altLang="zh-CN" sz="1000"/>
+          </a:p>
+          <a:p>
+            <a:pPr lvl="2"/>
+            <a:r>
+              <a:rPr lang="en-US" altLang="zh-CN" sz="1000"/>
+              <a:t>sudo systemctl enable --now vsftpd</a:t>
+            </a:r>
+            <a:endParaRPr lang="en-US" altLang="zh-CN" sz="1000"/>
+          </a:p>
+          <a:p>
+            <a:pPr lvl="1"/>
+            <a:r>
+              <a:rPr lang="en-US" altLang="zh-CN" sz="1200"/>
+              <a:t>Configure firewall</a:t>
+            </a:r>
+            <a:endParaRPr lang="en-US" altLang="zh-CN" sz="1200"/>
+          </a:p>
+          <a:p>
+            <a:pPr lvl="1"/>
+            <a:r>
+              <a:rPr lang="en-US" altLang="zh-CN" sz="1200"/>
+              <a:t>Configure users</a:t>
+            </a:r>
+            <a:endParaRPr lang="en-US" altLang="zh-CN" sz="1200"/>
+          </a:p>
+          <a:p>
+            <a:pPr lvl="2"/>
+            <a:r>
+              <a:rPr lang="en-US" altLang="zh-CN" sz="1000"/>
+              <a:t>sudo adduser ftpuser</a:t>
+            </a:r>
+            <a:endParaRPr lang="en-US" altLang="zh-CN" sz="1000"/>
+          </a:p>
+          <a:p>
+            <a:pPr lvl="2"/>
+            <a:r>
+              <a:rPr lang="en-US" altLang="zh-CN" sz="1000"/>
+              <a:t>sudo vim /etc/ssh/sshd_config</a:t>
+            </a:r>
+            <a:endParaRPr lang="en-US" altLang="zh-CN" sz="1000"/>
+          </a:p>
+          <a:p>
+            <a:pPr lvl="3"/>
+            <a:r>
+              <a:rPr lang="en-US" altLang="zh-CN" sz="1000"/>
+              <a:t>DenyUsers ftpuser</a:t>
+            </a:r>
+            <a:endParaRPr lang="en-US" altLang="zh-CN" sz="1000"/>
+          </a:p>
+          <a:p>
+            <a:pPr lvl="2"/>
+            <a:r>
+              <a:rPr lang="en-US" altLang="zh-CN" sz="1000"/>
+              <a:t>sudo systemctl restart sshd</a:t>
+            </a:r>
+            <a:endParaRPr lang="en-US" altLang="zh-CN" sz="1000"/>
+          </a:p>
+          <a:p>
+            <a:pPr lvl="1"/>
+            <a:r>
+              <a:rPr lang="en-US" altLang="zh-CN" sz="1200"/>
+              <a:t>Create the FTP folder and set permissions</a:t>
+            </a:r>
+            <a:endParaRPr lang="en-US" altLang="zh-CN" sz="1200"/>
+          </a:p>
+        </p:txBody>
+      </p:sp>
+      <p:sp>
+        <p:nvSpPr>
+          <p:cNvPr id="4" name="内容占位符 2"/>
+          <p:cNvSpPr>
+            <a:spLocks noGrp="1"/>
+          </p:cNvSpPr>
+          <p:nvPr/>
+        </p:nvSpPr>
+        <p:spPr>
+          <a:xfrm>
+            <a:off x="6379210" y="1203325"/>
+            <a:ext cx="5445760" cy="5129530"/>
+          </a:xfrm>
+          <a:prstGeom prst="rect">
+            <a:avLst/>
+          </a:prstGeom>
+        </p:spPr>
+        <p:txBody>
+          <a:bodyPr vert="horz" lIns="91440" tIns="45720" rIns="91440" bIns="45720" rtlCol="0"/>
+          <a:lstStyle>
+            <a:lvl1pPr marL="342900" indent="-342900" algn="l" defTabSz="914400" rtl="0" eaLnBrk="1" latinLnBrk="0" hangingPunct="1">
+              <a:lnSpc>
+                <a:spcPct val="90000"/>
+              </a:lnSpc>
+              <a:spcBef>
+                <a:spcPts val="1000"/>
+              </a:spcBef>
+              <a:buFont typeface="黑体" panose="02010609060101010101" charset="-122"/>
+              <a:buChar char="〉"/>
+              <a:defRPr sz="2400" kern="1200">
+                <a:solidFill>
+                  <a:schemeClr val="tx1"/>
+                </a:solidFill>
+                <a:latin typeface="+mn-lt"/>
+                <a:ea typeface="+mn-ea"/>
+                <a:cs typeface="+mn-cs"/>
+              </a:defRPr>
+            </a:lvl1pPr>
+            <a:lvl2pPr marL="800100" indent="-342900" algn="l" defTabSz="914400" rtl="0" eaLnBrk="1" latinLnBrk="0" hangingPunct="1">
+              <a:lnSpc>
+                <a:spcPct val="90000"/>
+              </a:lnSpc>
+              <a:spcBef>
+                <a:spcPts val="500"/>
+              </a:spcBef>
+              <a:buFont typeface="Arial" panose="020B0604020202020204" pitchFamily="34" charset="0"/>
+              <a:buChar char="•"/>
+              <a:defRPr sz="2000" kern="1200">
+                <a:solidFill>
+                  <a:schemeClr val="tx1"/>
+                </a:solidFill>
+                <a:latin typeface="+mn-lt"/>
+                <a:ea typeface="+mn-ea"/>
+                <a:cs typeface="+mn-cs"/>
+              </a:defRPr>
+            </a:lvl2pPr>
+            <a:lvl3pPr marL="1257300" indent="-342900" algn="l" defTabSz="914400" rtl="0" eaLnBrk="1" latinLnBrk="0" hangingPunct="1">
+              <a:lnSpc>
+                <a:spcPct val="90000"/>
+              </a:lnSpc>
+              <a:spcBef>
+                <a:spcPts val="500"/>
+              </a:spcBef>
+              <a:buFont typeface="Arial" panose="020B0604020202020204" pitchFamily="34" charset="0"/>
+              <a:buChar char="•"/>
+              <a:defRPr sz="1800" kern="1200">
+                <a:solidFill>
+                  <a:schemeClr val="tx1"/>
+                </a:solidFill>
+                <a:latin typeface="+mn-lt"/>
+                <a:ea typeface="+mn-ea"/>
+                <a:cs typeface="+mn-cs"/>
+              </a:defRPr>
+            </a:lvl3pPr>
+            <a:lvl4pPr marL="1657350" indent="-285750" algn="l" defTabSz="914400" rtl="0" eaLnBrk="1" latinLnBrk="0" hangingPunct="1">
+              <a:lnSpc>
+                <a:spcPct val="90000"/>
+              </a:lnSpc>
+              <a:spcBef>
+                <a:spcPts val="500"/>
+              </a:spcBef>
+              <a:buFont typeface="Arial" panose="020B0604020202020204" pitchFamily="34" charset="0"/>
+              <a:buChar char="•"/>
+              <a:defRPr sz="1800" kern="1200">
+                <a:solidFill>
+                  <a:schemeClr val="tx1"/>
+                </a:solidFill>
+                <a:latin typeface="+mn-lt"/>
+                <a:ea typeface="+mn-ea"/>
+                <a:cs typeface="+mn-cs"/>
+              </a:defRPr>
+            </a:lvl4pPr>
+            <a:lvl5pPr marL="2114550" indent="-285750" algn="l" defTabSz="914400" rtl="0" eaLnBrk="1" latinLnBrk="0" hangingPunct="1">
+              <a:lnSpc>
+                <a:spcPct val="90000"/>
+              </a:lnSpc>
+              <a:spcBef>
+                <a:spcPts val="500"/>
+              </a:spcBef>
+              <a:buFont typeface="Arial" panose="020B0604020202020204" pitchFamily="34" charset="0"/>
+              <a:buChar char="•"/>
+              <a:defRPr sz="1800" kern="1200">
+                <a:solidFill>
+                  <a:schemeClr val="tx1"/>
+                </a:solidFill>
+                <a:latin typeface="+mn-lt"/>
+                <a:ea typeface="+mn-ea"/>
+                <a:cs typeface="+mn-cs"/>
+              </a:defRPr>
+            </a:lvl5pPr>
+            <a:lvl6pPr marL="2514600" indent="-228600" algn="l" defTabSz="914400" rtl="0" eaLnBrk="1" latinLnBrk="0" hangingPunct="1">
+              <a:lnSpc>
+                <a:spcPct val="90000"/>
+              </a:lnSpc>
+              <a:spcBef>
+                <a:spcPts val="500"/>
+              </a:spcBef>
+              <a:buFont typeface="Arial" panose="020B0604020202020204" pitchFamily="34" charset="0"/>
+              <a:buChar char="•"/>
+              <a:defRPr sz="1800" kern="1200">
+                <a:solidFill>
+                  <a:schemeClr val="tx1"/>
+                </a:solidFill>
+                <a:latin typeface="+mn-lt"/>
+                <a:ea typeface="+mn-ea"/>
+                <a:cs typeface="+mn-cs"/>
+              </a:defRPr>
+            </a:lvl6pPr>
+            <a:lvl7pPr marL="2971800" indent="-228600" algn="l" defTabSz="914400" rtl="0" eaLnBrk="1" latinLnBrk="0" hangingPunct="1">
+              <a:lnSpc>
+                <a:spcPct val="90000"/>
+              </a:lnSpc>
+              <a:spcBef>
+                <a:spcPts val="500"/>
+              </a:spcBef>
+              <a:buFont typeface="Arial" panose="020B0604020202020204" pitchFamily="34" charset="0"/>
+              <a:buChar char="•"/>
+              <a:defRPr sz="1800" kern="1200">
+                <a:solidFill>
+                  <a:schemeClr val="tx1"/>
+                </a:solidFill>
+                <a:latin typeface="+mn-lt"/>
+                <a:ea typeface="+mn-ea"/>
+                <a:cs typeface="+mn-cs"/>
+              </a:defRPr>
+            </a:lvl7pPr>
+            <a:lvl8pPr marL="3429000" indent="-228600" algn="l" defTabSz="914400" rtl="0" eaLnBrk="1" latinLnBrk="0" hangingPunct="1">
+              <a:lnSpc>
+                <a:spcPct val="90000"/>
+              </a:lnSpc>
+              <a:spcBef>
+                <a:spcPts val="500"/>
+              </a:spcBef>
+              <a:buFont typeface="Arial" panose="020B0604020202020204" pitchFamily="34" charset="0"/>
+              <a:buChar char="•"/>
+              <a:defRPr sz="1800" kern="1200">
+                <a:solidFill>
+                  <a:schemeClr val="tx1"/>
+                </a:solidFill>
+                <a:latin typeface="+mn-lt"/>
+                <a:ea typeface="+mn-ea"/>
+                <a:cs typeface="+mn-cs"/>
+              </a:defRPr>
+            </a:lvl8pPr>
+            <a:lvl9pPr marL="3886200" indent="-228600" algn="l" defTabSz="914400" rtl="0" eaLnBrk="1" latinLnBrk="0" hangingPunct="1">
+              <a:lnSpc>
+                <a:spcPct val="90000"/>
+              </a:lnSpc>
+              <a:spcBef>
+                <a:spcPts val="500"/>
+              </a:spcBef>
+              <a:buFont typeface="Arial" panose="020B0604020202020204" pitchFamily="34" charset="0"/>
+              <a:buChar char="•"/>
+              <a:defRPr sz="1800" kern="1200">
+                <a:solidFill>
+                  <a:schemeClr val="tx1"/>
+                </a:solidFill>
+                <a:latin typeface="+mn-lt"/>
+                <a:ea typeface="+mn-ea"/>
+                <a:cs typeface="+mn-cs"/>
+              </a:defRPr>
+            </a:lvl9pPr>
+          </a:lstStyle>
+          <a:p>
+            <a:pPr lvl="1"/>
+            <a:r>
+              <a:rPr lang="en-US" altLang="zh-CN" sz="1400"/>
+              <a:t>Configure and secure vsftpd</a:t>
+            </a:r>
+            <a:endParaRPr lang="en-US" altLang="zh-CN" sz="1400"/>
+          </a:p>
+          <a:p>
+            <a:pPr lvl="2"/>
+            <a:r>
+              <a:rPr lang="en-US" altLang="zh-CN" sz="1200">
+                <a:sym typeface="+mn-ea"/>
+              </a:rPr>
+              <a:t>vim /etc/vsftpd.conf</a:t>
+            </a:r>
+            <a:endParaRPr lang="en-US" altLang="zh-CN" sz="1200"/>
+          </a:p>
+          <a:p>
+            <a:pPr lvl="3"/>
+            <a:r>
+              <a:rPr lang="en-US" altLang="zh-CN" sz="1200"/>
+              <a:t>anonymous_enable=NO</a:t>
+            </a:r>
+            <a:endParaRPr lang="en-US" altLang="zh-CN" sz="1200"/>
+          </a:p>
+          <a:p>
+            <a:pPr lvl="3"/>
+            <a:r>
+              <a:rPr lang="en-US" altLang="zh-CN" sz="1200"/>
+              <a:t>local_enable=YES</a:t>
+            </a:r>
+            <a:endParaRPr lang="en-US" altLang="zh-CN" sz="1200"/>
+          </a:p>
+          <a:p>
+            <a:pPr lvl="3"/>
+            <a:r>
+              <a:rPr lang="en-US" altLang="zh-CN" sz="1200"/>
+              <a:t>write_enable=YES</a:t>
+            </a:r>
+            <a:endParaRPr lang="en-US" altLang="zh-CN" sz="1200"/>
+          </a:p>
+          <a:p>
+            <a:pPr lvl="3"/>
+            <a:r>
+              <a:rPr lang="en-US" altLang="zh-CN" sz="1200"/>
+              <a:t>pasv_min_port=30000	// passive mode min port</a:t>
+            </a:r>
+            <a:endParaRPr lang="en-US" altLang="zh-CN" sz="1200"/>
+          </a:p>
+          <a:p>
+            <a:pPr lvl="3"/>
+            <a:r>
+              <a:rPr lang="en-US" altLang="zh-CN" sz="1200"/>
+              <a:t>pasv_max_port=31000	// passive mode max port</a:t>
+            </a:r>
+            <a:endParaRPr lang="en-US" altLang="zh-CN" sz="1200"/>
+          </a:p>
+          <a:p>
+            <a:pPr lvl="3"/>
+            <a:r>
+              <a:rPr lang="en-US" altLang="zh-CN" sz="1200"/>
+              <a:t>chroot_local_user=YES</a:t>
+            </a:r>
+            <a:endParaRPr lang="en-US" altLang="zh-CN" sz="1200"/>
+          </a:p>
+          <a:p>
+            <a:pPr lvl="3"/>
+            <a:r>
+              <a:rPr lang="en-US" altLang="zh-CN" sz="1200"/>
+              <a:t>local_umask=022</a:t>
+            </a:r>
+            <a:endParaRPr lang="en-US" altLang="zh-CN" sz="900"/>
+          </a:p>
+        </p:txBody>
+      </p:sp>
+    </p:spTree>
+    <p:custDataLst>
+      <p:tags r:id="rId1"/>
+    </p:custDataLst>
+  </p:cSld>
+  <p:clrMapOvr>
+    <a:masterClrMapping/>
+  </p:clrMapOvr>
+</p:sld>
+</file>
+
+<file path=ppt/slides/slide35.xml><?xml version="1.0" encoding="utf-8"?>
+<p:sld xmlns:a="http://schemas.openxmlformats.org/drawingml/2006/main" xmlns:r="http://schemas.openxmlformats.org/officeDocument/2006/relationships" xmlns:p="http://schemas.openxmlformats.org/presentationml/2006/main">
+  <p:cSld>
+    <p:spTree>
+      <p:nvGrpSpPr>
+        <p:cNvPr id="1" name=""/>
+        <p:cNvGrpSpPr/>
+        <p:nvPr/>
+      </p:nvGrpSpPr>
+      <p:grpSpPr/>
+      <p:sp>
+        <p:nvSpPr>
+          <p:cNvPr id="2" name="标题 1"/>
+          <p:cNvSpPr>
+            <a:spLocks noGrp="1"/>
+          </p:cNvSpPr>
+          <p:nvPr>
+            <p:ph type="title"/>
+          </p:nvPr>
+        </p:nvSpPr>
+        <p:spPr/>
+        <p:txBody>
+          <a:bodyPr/>
+          <a:p>
+            <a:r>
+              <a:rPr lang="en-US" altLang="zh-CN"/>
+              <a:t>FTP Server 2</a:t>
+            </a:r>
+            <a:endParaRPr lang="en-US" altLang="zh-CN"/>
+          </a:p>
+        </p:txBody>
+      </p:sp>
+      <p:sp>
+        <p:nvSpPr>
+          <p:cNvPr id="3" name="内容占位符 2"/>
+          <p:cNvSpPr>
+            <a:spLocks noGrp="1"/>
+          </p:cNvSpPr>
+          <p:nvPr>
+            <p:ph idx="1"/>
+          </p:nvPr>
+        </p:nvSpPr>
+        <p:spPr>
+          <a:xfrm>
+            <a:off x="838200" y="1211580"/>
+            <a:ext cx="5154930" cy="5343525"/>
+          </a:xfrm>
+        </p:spPr>
+        <p:txBody>
+          <a:bodyPr>
+            <a:normAutofit fontScale="70000"/>
+          </a:bodyPr>
+          <a:p>
+            <a:pPr lvl="1"/>
+            <a:r>
+              <a:rPr lang="en-US" altLang="zh-CN" sz="1600">
+                <a:sym typeface="+mn-ea"/>
+              </a:rPr>
+              <a:t>Securing vsftpd with SSL/TLS</a:t>
+            </a:r>
+            <a:endParaRPr lang="en-US" altLang="zh-CN" sz="1600"/>
+          </a:p>
+          <a:p>
+            <a:pPr lvl="2"/>
+            <a:r>
+              <a:rPr lang="en-US" altLang="zh-CN" sz="1600">
+                <a:sym typeface="+mn-ea"/>
+              </a:rPr>
+              <a:t>sudo openssl req -x509 -nodes -days 365 -newkey rsa:2048 -keyout /etc/ssl/private/vsftpd.pem -out /etc/ssl/private/vsftpd.pem</a:t>
+            </a:r>
+            <a:endParaRPr lang="en-US" altLang="zh-CN" sz="1600"/>
+          </a:p>
+          <a:p>
+            <a:pPr lvl="2"/>
+            <a:r>
+              <a:rPr lang="en-US" altLang="zh-CN" sz="1600">
+                <a:sym typeface="+mn-ea"/>
+              </a:rPr>
+              <a:t>sudo nano /etc/vsftpd.conf</a:t>
+            </a:r>
+            <a:endParaRPr lang="en-US" altLang="zh-CN" sz="1600"/>
+          </a:p>
+          <a:p>
+            <a:pPr lvl="3"/>
+            <a:r>
+              <a:rPr lang="en-US" altLang="zh-CN" sz="1600">
+                <a:sym typeface="+mn-ea"/>
+              </a:rPr>
+              <a:t>Remove lines</a:t>
+            </a:r>
+            <a:endParaRPr lang="en-US" altLang="zh-CN" sz="1600"/>
+          </a:p>
+          <a:p>
+            <a:pPr lvl="4"/>
+            <a:r>
+              <a:rPr lang="en-US" altLang="zh-CN" sz="1600">
+                <a:sym typeface="+mn-ea"/>
+              </a:rPr>
+              <a:t>rsa_cert_file=/etc/ssl/certs/ssl-cert-snakeoil.pem</a:t>
+            </a:r>
+            <a:endParaRPr lang="en-US" altLang="zh-CN" sz="1600"/>
+          </a:p>
+          <a:p>
+            <a:pPr lvl="4"/>
+            <a:r>
+              <a:rPr lang="en-US" altLang="zh-CN" sz="1600">
+                <a:sym typeface="+mn-ea"/>
+              </a:rPr>
+              <a:t>rsa_private_key_file=/etc/ssl/private/ssl-cert-snakeoil.key</a:t>
+            </a:r>
+            <a:endParaRPr lang="en-US" altLang="zh-CN" sz="1600"/>
+          </a:p>
+          <a:p>
+            <a:pPr lvl="4"/>
+            <a:r>
+              <a:rPr lang="en-US" altLang="zh-CN" sz="1600">
+                <a:sym typeface="+mn-ea"/>
+              </a:rPr>
+              <a:t>ssl_enable=NO</a:t>
+            </a:r>
+            <a:endParaRPr lang="en-US" altLang="zh-CN" sz="1600">
+              <a:sym typeface="+mn-ea"/>
+            </a:endParaRPr>
+          </a:p>
+          <a:p>
+            <a:pPr lvl="3"/>
+            <a:r>
+              <a:rPr lang="en-US" altLang="zh-CN" sz="1600">
+                <a:sym typeface="+mn-ea"/>
+              </a:rPr>
+              <a:t>Add lines</a:t>
+            </a:r>
+            <a:endParaRPr lang="en-US" altLang="zh-CN" sz="1600">
+              <a:sym typeface="+mn-ea"/>
+            </a:endParaRPr>
+          </a:p>
+          <a:p>
+            <a:pPr lvl="4"/>
+            <a:r>
+              <a:rPr lang="en-US" altLang="zh-CN" sz="1600"/>
+              <a:t>rsa_cert_file=/etc/ssl/private/vsftpd.pem</a:t>
+            </a:r>
+            <a:endParaRPr lang="en-US" altLang="zh-CN" sz="1600"/>
+          </a:p>
+          <a:p>
+            <a:pPr lvl="4"/>
+            <a:r>
+              <a:rPr lang="en-US" altLang="zh-CN" sz="1600"/>
+              <a:t>rsa_private_key_file=/etc/ssl/private/vsftpd.pem</a:t>
+            </a:r>
+            <a:endParaRPr lang="en-US" altLang="zh-CN" sz="1600"/>
+          </a:p>
+          <a:p>
+            <a:pPr lvl="4"/>
+            <a:r>
+              <a:rPr lang="en-US" altLang="zh-CN" sz="1600"/>
+              <a:t>ssl_enable=YES</a:t>
+            </a:r>
+            <a:endParaRPr lang="en-US" altLang="zh-CN" sz="1600"/>
+          </a:p>
+          <a:p>
+            <a:pPr lvl="4"/>
+            <a:r>
+              <a:rPr lang="en-US" altLang="zh-CN" sz="1600"/>
+              <a:t>allow_anon_ssl=NO</a:t>
+            </a:r>
+            <a:endParaRPr lang="en-US" altLang="zh-CN" sz="1600"/>
+          </a:p>
+          <a:p>
+            <a:pPr lvl="4"/>
+            <a:r>
+              <a:rPr lang="en-US" altLang="zh-CN" sz="1600"/>
+              <a:t>force_local_data_ssl=YES</a:t>
+            </a:r>
+            <a:endParaRPr lang="en-US" altLang="zh-CN" sz="1600"/>
+          </a:p>
+          <a:p>
+            <a:pPr lvl="4"/>
+            <a:r>
+              <a:rPr lang="en-US" altLang="zh-CN" sz="1600"/>
+              <a:t>force_local_logins_ssl=YES</a:t>
+            </a:r>
+            <a:endParaRPr lang="en-US" altLang="zh-CN" sz="1600"/>
+          </a:p>
+          <a:p>
+            <a:pPr lvl="4"/>
+            <a:r>
+              <a:rPr lang="en-US" altLang="zh-CN" sz="1600"/>
+              <a:t>ssl_tlsv1=YES</a:t>
+            </a:r>
+            <a:endParaRPr lang="en-US" altLang="zh-CN" sz="1600"/>
+          </a:p>
+          <a:p>
+            <a:pPr lvl="4"/>
+            <a:r>
+              <a:rPr lang="en-US" altLang="zh-CN" sz="1600"/>
+              <a:t>ssl_sslv2=NO</a:t>
+            </a:r>
+            <a:endParaRPr lang="en-US" altLang="zh-CN" sz="1600"/>
+          </a:p>
+          <a:p>
+            <a:pPr lvl="4"/>
+            <a:r>
+              <a:rPr lang="en-US" altLang="zh-CN" sz="1600"/>
+              <a:t>ssl_sslv3=NO</a:t>
+            </a:r>
+            <a:endParaRPr lang="en-US" altLang="zh-CN" sz="1600"/>
+          </a:p>
+          <a:p>
+            <a:pPr lvl="4"/>
+            <a:r>
+              <a:rPr lang="en-US" altLang="zh-CN" sz="1600"/>
+              <a:t>require_ssl_reuse=NO</a:t>
+            </a:r>
+            <a:endParaRPr lang="en-US" altLang="zh-CN" sz="1600"/>
+          </a:p>
+          <a:p>
+            <a:pPr lvl="4"/>
+            <a:r>
+              <a:rPr lang="en-US" altLang="zh-CN" sz="1600"/>
+              <a:t>ssl_ciphers=HIGH</a:t>
+            </a:r>
+            <a:endParaRPr lang="en-US" altLang="zh-CN" sz="1600"/>
+          </a:p>
+          <a:p>
+            <a:pPr lvl="2"/>
+            <a:r>
+              <a:rPr lang="en-US" altLang="zh-CN" sz="1600"/>
+              <a:t>sudo systemctl restart --now vsftpd</a:t>
+            </a:r>
+            <a:endParaRPr lang="en-US" altLang="zh-CN" sz="1600"/>
+          </a:p>
+        </p:txBody>
+      </p:sp>
+      <p:sp>
+        <p:nvSpPr>
+          <p:cNvPr id="4" name="内容占位符 2"/>
+          <p:cNvSpPr>
+            <a:spLocks noGrp="1"/>
+          </p:cNvSpPr>
+          <p:nvPr/>
+        </p:nvSpPr>
+        <p:spPr>
+          <a:xfrm>
+            <a:off x="6805930" y="1211580"/>
+            <a:ext cx="5121275" cy="5343525"/>
+          </a:xfrm>
+          <a:prstGeom prst="rect">
+            <a:avLst/>
+          </a:prstGeom>
+        </p:spPr>
+        <p:txBody>
+          <a:bodyPr vert="horz" lIns="91440" tIns="45720" rIns="91440" bIns="45720" rtlCol="0">
+            <a:normAutofit/>
+          </a:bodyPr>
+          <a:lstStyle>
+            <a:lvl1pPr marL="342900" indent="-342900" algn="l" defTabSz="914400" rtl="0" eaLnBrk="1" latinLnBrk="0" hangingPunct="1">
+              <a:lnSpc>
+                <a:spcPct val="90000"/>
+              </a:lnSpc>
+              <a:spcBef>
+                <a:spcPts val="1000"/>
+              </a:spcBef>
+              <a:buFont typeface="黑体" panose="02010609060101010101" charset="-122"/>
+              <a:buChar char="〉"/>
+              <a:defRPr sz="2400" kern="1200">
+                <a:solidFill>
+                  <a:schemeClr val="tx1"/>
+                </a:solidFill>
+                <a:latin typeface="+mn-lt"/>
+                <a:ea typeface="+mn-ea"/>
+                <a:cs typeface="+mn-cs"/>
+              </a:defRPr>
+            </a:lvl1pPr>
+            <a:lvl2pPr marL="800100" indent="-342900" algn="l" defTabSz="914400" rtl="0" eaLnBrk="1" latinLnBrk="0" hangingPunct="1">
+              <a:lnSpc>
+                <a:spcPct val="90000"/>
+              </a:lnSpc>
+              <a:spcBef>
+                <a:spcPts val="500"/>
+              </a:spcBef>
+              <a:buFont typeface="Arial" panose="020B0604020202020204" pitchFamily="34" charset="0"/>
+              <a:buChar char="•"/>
+              <a:defRPr sz="2000" kern="1200">
+                <a:solidFill>
+                  <a:schemeClr val="tx1"/>
+                </a:solidFill>
+                <a:latin typeface="+mn-lt"/>
+                <a:ea typeface="+mn-ea"/>
+                <a:cs typeface="+mn-cs"/>
+              </a:defRPr>
+            </a:lvl2pPr>
+            <a:lvl3pPr marL="1257300" indent="-342900" algn="l" defTabSz="914400" rtl="0" eaLnBrk="1" latinLnBrk="0" hangingPunct="1">
+              <a:lnSpc>
+                <a:spcPct val="90000"/>
+              </a:lnSpc>
+              <a:spcBef>
+                <a:spcPts val="500"/>
+              </a:spcBef>
+              <a:buFont typeface="Arial" panose="020B0604020202020204" pitchFamily="34" charset="0"/>
+              <a:buChar char="•"/>
+              <a:defRPr sz="1800" kern="1200">
+                <a:solidFill>
+                  <a:schemeClr val="tx1"/>
+                </a:solidFill>
+                <a:latin typeface="+mn-lt"/>
+                <a:ea typeface="+mn-ea"/>
+                <a:cs typeface="+mn-cs"/>
+              </a:defRPr>
+            </a:lvl3pPr>
+            <a:lvl4pPr marL="1657350" indent="-285750" algn="l" defTabSz="914400" rtl="0" eaLnBrk="1" latinLnBrk="0" hangingPunct="1">
+              <a:lnSpc>
+                <a:spcPct val="90000"/>
+              </a:lnSpc>
+              <a:spcBef>
+                <a:spcPts val="500"/>
+              </a:spcBef>
+              <a:buFont typeface="Arial" panose="020B0604020202020204" pitchFamily="34" charset="0"/>
+              <a:buChar char="•"/>
+              <a:defRPr sz="1800" kern="1200">
+                <a:solidFill>
+                  <a:schemeClr val="tx1"/>
+                </a:solidFill>
+                <a:latin typeface="+mn-lt"/>
+                <a:ea typeface="+mn-ea"/>
+                <a:cs typeface="+mn-cs"/>
+              </a:defRPr>
+            </a:lvl4pPr>
+            <a:lvl5pPr marL="2114550" indent="-285750" algn="l" defTabSz="914400" rtl="0" eaLnBrk="1" latinLnBrk="0" hangingPunct="1">
+              <a:lnSpc>
+                <a:spcPct val="90000"/>
+              </a:lnSpc>
+              <a:spcBef>
+                <a:spcPts val="500"/>
+              </a:spcBef>
+              <a:buFont typeface="Arial" panose="020B0604020202020204" pitchFamily="34" charset="0"/>
+              <a:buChar char="•"/>
+              <a:defRPr sz="1800" kern="1200">
+                <a:solidFill>
+                  <a:schemeClr val="tx1"/>
+                </a:solidFill>
+                <a:latin typeface="+mn-lt"/>
+                <a:ea typeface="+mn-ea"/>
+                <a:cs typeface="+mn-cs"/>
+              </a:defRPr>
+            </a:lvl5pPr>
+            <a:lvl6pPr marL="2514600" indent="-228600" algn="l" defTabSz="914400" rtl="0" eaLnBrk="1" latinLnBrk="0" hangingPunct="1">
+              <a:lnSpc>
+                <a:spcPct val="90000"/>
+              </a:lnSpc>
+              <a:spcBef>
+                <a:spcPts val="500"/>
+              </a:spcBef>
+              <a:buFont typeface="Arial" panose="020B0604020202020204" pitchFamily="34" charset="0"/>
+              <a:buChar char="•"/>
+              <a:defRPr sz="1800" kern="1200">
+                <a:solidFill>
+                  <a:schemeClr val="tx1"/>
+                </a:solidFill>
+                <a:latin typeface="+mn-lt"/>
+                <a:ea typeface="+mn-ea"/>
+                <a:cs typeface="+mn-cs"/>
+              </a:defRPr>
+            </a:lvl6pPr>
+            <a:lvl7pPr marL="2971800" indent="-228600" algn="l" defTabSz="914400" rtl="0" eaLnBrk="1" latinLnBrk="0" hangingPunct="1">
+              <a:lnSpc>
+                <a:spcPct val="90000"/>
+              </a:lnSpc>
+              <a:spcBef>
+                <a:spcPts val="500"/>
+              </a:spcBef>
+              <a:buFont typeface="Arial" panose="020B0604020202020204" pitchFamily="34" charset="0"/>
+              <a:buChar char="•"/>
+              <a:defRPr sz="1800" kern="1200">
+                <a:solidFill>
+                  <a:schemeClr val="tx1"/>
+                </a:solidFill>
+                <a:latin typeface="+mn-lt"/>
+                <a:ea typeface="+mn-ea"/>
+                <a:cs typeface="+mn-cs"/>
+              </a:defRPr>
+            </a:lvl7pPr>
+            <a:lvl8pPr marL="3429000" indent="-228600" algn="l" defTabSz="914400" rtl="0" eaLnBrk="1" latinLnBrk="0" hangingPunct="1">
+              <a:lnSpc>
+                <a:spcPct val="90000"/>
+              </a:lnSpc>
+              <a:spcBef>
+                <a:spcPts val="500"/>
+              </a:spcBef>
+              <a:buFont typeface="Arial" panose="020B0604020202020204" pitchFamily="34" charset="0"/>
+              <a:buChar char="•"/>
+              <a:defRPr sz="1800" kern="1200">
+                <a:solidFill>
+                  <a:schemeClr val="tx1"/>
+                </a:solidFill>
+                <a:latin typeface="+mn-lt"/>
+                <a:ea typeface="+mn-ea"/>
+                <a:cs typeface="+mn-cs"/>
+              </a:defRPr>
+            </a:lvl8pPr>
+            <a:lvl9pPr marL="3886200" indent="-228600" algn="l" defTabSz="914400" rtl="0" eaLnBrk="1" latinLnBrk="0" hangingPunct="1">
+              <a:lnSpc>
+                <a:spcPct val="90000"/>
+              </a:lnSpc>
+              <a:spcBef>
+                <a:spcPts val="500"/>
+              </a:spcBef>
+              <a:buFont typeface="Arial" panose="020B0604020202020204" pitchFamily="34" charset="0"/>
+              <a:buChar char="•"/>
+              <a:defRPr sz="1800" kern="1200">
+                <a:solidFill>
+                  <a:schemeClr val="tx1"/>
+                </a:solidFill>
+                <a:latin typeface="+mn-lt"/>
+                <a:ea typeface="+mn-ea"/>
+                <a:cs typeface="+mn-cs"/>
+              </a:defRPr>
+            </a:lvl9pPr>
+          </a:lstStyle>
+          <a:p>
+            <a:pPr lvl="1"/>
+            <a:r>
+              <a:rPr lang="en-US" altLang="zh-CN" sz="1775"/>
+              <a:t>Disable shell access</a:t>
+            </a:r>
+            <a:endParaRPr lang="en-US" altLang="zh-CN" sz="1775"/>
+          </a:p>
+          <a:p>
+            <a:pPr lvl="2"/>
+            <a:r>
+              <a:rPr lang="en-US" altLang="zh-CN" sz="1595"/>
+              <a:t>echo -e '#!/bin/sh\necho "This account is limited to FTP access only."' | sudo tee -a  /bin/ftponly</a:t>
+            </a:r>
+            <a:endParaRPr lang="en-US" altLang="zh-CN" sz="1595"/>
+          </a:p>
+          <a:p>
+            <a:pPr lvl="2"/>
+            <a:r>
+              <a:rPr lang="en-US" altLang="zh-CN" sz="1595"/>
+              <a:t>sudo chmod a+x /bin/ftponly</a:t>
+            </a:r>
+            <a:endParaRPr lang="en-US" altLang="zh-CN" sz="1595"/>
+          </a:p>
+          <a:p>
+            <a:pPr lvl="2"/>
+            <a:r>
+              <a:rPr lang="en-US" altLang="zh-CN" sz="1595"/>
+              <a:t>echo "/bin/ftponly" | sudo tee -a /etc/shells</a:t>
+            </a:r>
+            <a:endParaRPr lang="en-US" altLang="zh-CN" sz="1595"/>
+          </a:p>
+          <a:p>
+            <a:pPr lvl="2"/>
+            <a:r>
+              <a:rPr lang="en-US" altLang="zh-CN" sz="1595"/>
+              <a:t>sudo usermod ftpuser -s /bin/ftponly</a:t>
+            </a:r>
+            <a:endParaRPr lang="en-US" altLang="zh-CN" sz="1595"/>
+          </a:p>
+          <a:p>
+            <a:endParaRPr lang="en-US" altLang="zh-CN" sz="1600"/>
+          </a:p>
+        </p:txBody>
+      </p:sp>
+    </p:spTree>
+    <p:custDataLst>
+      <p:tags r:id="rId1"/>
+    </p:custDataLst>
+  </p:cSld>
+  <p:clrMapOvr>
+    <a:masterClrMapping/>
+  </p:clrMapOvr>
+</p:sld>
+</file>
+
+<file path=ppt/slides/slide36.xml><?xml version="1.0" encoding="utf-8"?>
 <p:sld xmlns:a="http://schemas.openxmlformats.org/drawingml/2006/main" xmlns:r="http://schemas.openxmlformats.org/officeDocument/2006/relationships" xmlns:p="http://schemas.openxmlformats.org/presentationml/2006/main">
   <p:cSld>
     <p:spTree>
@@ -11530,7 +12770,7 @@
 </p:sld>
 </file>
 
-<file path=ppt/slides/slide32.xml><?xml version="1.0" encoding="utf-8"?>
+<file path=ppt/slides/slide37.xml><?xml version="1.0" encoding="utf-8"?>
 <p:sld xmlns:a="http://schemas.openxmlformats.org/drawingml/2006/main" xmlns:r="http://schemas.openxmlformats.org/officeDocument/2006/relationships" xmlns:p="http://schemas.openxmlformats.org/presentationml/2006/main">
   <p:cSld>
     <p:spTree>
@@ -11591,7 +12831,7 @@
 </p:sld>
 </file>
 
-<file path=ppt/slides/slide33.xml><?xml version="1.0" encoding="utf-8"?>
+<file path=ppt/slides/slide38.xml><?xml version="1.0" encoding="utf-8"?>
 <p:sld xmlns:a="http://schemas.openxmlformats.org/drawingml/2006/main" xmlns:r="http://schemas.openxmlformats.org/officeDocument/2006/relationships" xmlns:p="http://schemas.openxmlformats.org/presentationml/2006/main">
   <p:cSld>
     <p:spTree>
@@ -11809,7 +13049,7 @@
 </p:sld>
 </file>
 
-<file path=ppt/slides/slide34.xml><?xml version="1.0" encoding="utf-8"?>
+<file path=ppt/slides/slide39.xml><?xml version="1.0" encoding="utf-8"?>
 <p:sld xmlns:a="http://schemas.openxmlformats.org/drawingml/2006/main" xmlns:r="http://schemas.openxmlformats.org/officeDocument/2006/relationships" xmlns:p="http://schemas.openxmlformats.org/presentationml/2006/main">
   <p:cSld>
     <p:spTree>
@@ -11894,7 +13134,319 @@
 </p:sld>
 </file>
 
-<file path=ppt/slides/slide35.xml><?xml version="1.0" encoding="utf-8"?>
+<file path=ppt/slides/slide4.xml><?xml version="1.0" encoding="utf-8"?>
+<p:sld xmlns:a="http://schemas.openxmlformats.org/drawingml/2006/main" xmlns:r="http://schemas.openxmlformats.org/officeDocument/2006/relationships" xmlns:p="http://schemas.openxmlformats.org/presentationml/2006/main">
+  <p:cSld>
+    <p:spTree>
+      <p:nvGrpSpPr>
+        <p:cNvPr id="1" name=""/>
+        <p:cNvGrpSpPr/>
+        <p:nvPr/>
+      </p:nvGrpSpPr>
+      <p:grpSpPr/>
+      <p:sp>
+        <p:nvSpPr>
+          <p:cNvPr id="24578" name="标题 2"/>
+          <p:cNvSpPr>
+            <a:spLocks noGrp="1"/>
+          </p:cNvSpPr>
+          <p:nvPr>
+            <p:ph type="title"/>
+            <p:custDataLst>
+              <p:tags r:id="rId1"/>
+            </p:custDataLst>
+          </p:nvPr>
+        </p:nvSpPr>
+        <p:spPr/>
+        <p:txBody>
+          <a:bodyPr anchor="b">
+            <a:normAutofit/>
+          </a:bodyPr>
+          <a:p>
+            <a:r>
+              <a:rPr lang="en-US" altLang="zh-CN" smtClean="0"/>
+              <a:t>CentOS</a:t>
+            </a:r>
+            <a:endParaRPr lang="en-US" altLang="zh-CN" smtClean="0"/>
+          </a:p>
+        </p:txBody>
+      </p:sp>
+      <p:sp>
+        <p:nvSpPr>
+          <p:cNvPr id="4" name="内容占位符 3"/>
+          <p:cNvSpPr>
+            <a:spLocks noGrp="1"/>
+          </p:cNvSpPr>
+          <p:nvPr>
+            <p:ph idx="1"/>
+            <p:custDataLst>
+              <p:tags r:id="rId2"/>
+            </p:custDataLst>
+          </p:nvPr>
+        </p:nvSpPr>
+        <p:spPr/>
+        <p:txBody>
+          <a:bodyPr>
+            <a:normAutofit fontScale="50000"/>
+          </a:bodyPr>
+          <a:p>
+            <a:pPr marL="357505" indent="-357505" algn="l">
+              <a:lnSpc>
+                <a:spcPct val="200000"/>
+              </a:lnSpc>
+              <a:buClr>
+                <a:schemeClr val="accent1"/>
+              </a:buClr>
+              <a:buSzTx/>
+              <a:buFont typeface="Wingdings" panose="05000000000000000000" pitchFamily="2" charset="2"/>
+              <a:buChar char=""/>
+            </a:pPr>
+            <a:r>
+              <a:rPr lang="en-US" altLang="zh-CN" smtClean="0"/>
+              <a:t>Determine CentOS version</a:t>
+            </a:r>
+            <a:endParaRPr lang="en-US" altLang="zh-CN" smtClean="0"/>
+          </a:p>
+          <a:p>
+            <a:pPr marL="814705" lvl="1" indent="-357505" algn="l">
+              <a:lnSpc>
+                <a:spcPct val="200000"/>
+              </a:lnSpc>
+              <a:buClr>
+                <a:schemeClr val="accent1"/>
+              </a:buClr>
+              <a:buSzTx/>
+              <a:buFont typeface="Wingdings" panose="05000000000000000000" pitchFamily="2" charset="2"/>
+              <a:buChar char=""/>
+            </a:pPr>
+            <a:r>
+              <a:rPr lang="en-US" altLang="zh-CN" sz="2000" smtClean="0"/>
+              <a:t>vim /etc/centos-release</a:t>
+            </a:r>
+            <a:endParaRPr lang="en-US" altLang="zh-CN" sz="2000" smtClean="0"/>
+          </a:p>
+          <a:p>
+            <a:pPr marL="357505" lvl="0" indent="-357505" algn="l">
+              <a:lnSpc>
+                <a:spcPct val="200000"/>
+              </a:lnSpc>
+              <a:buClr>
+                <a:schemeClr val="accent1"/>
+              </a:buClr>
+              <a:buSzTx/>
+              <a:buFont typeface="Wingdings" panose="05000000000000000000" pitchFamily="2" charset="2"/>
+              <a:buChar char=""/>
+            </a:pPr>
+            <a:r>
+              <a:rPr lang="en-US" altLang="zh-CN" sz="2400" smtClean="0"/>
+              <a:t>Set up the system</a:t>
+            </a:r>
+            <a:endParaRPr lang="en-US" altLang="zh-CN" sz="2400" smtClean="0"/>
+          </a:p>
+          <a:p>
+            <a:pPr marL="814705" lvl="1" indent="-357505" algn="l">
+              <a:lnSpc>
+                <a:spcPct val="200000"/>
+              </a:lnSpc>
+              <a:buClr>
+                <a:schemeClr val="accent1"/>
+              </a:buClr>
+              <a:buSzTx/>
+              <a:buFont typeface="Wingdings" panose="05000000000000000000" pitchFamily="2" charset="2"/>
+              <a:buChar char=""/>
+            </a:pPr>
+            <a:r>
+              <a:rPr lang="en-US" altLang="zh-CN" sz="2000" smtClean="0"/>
+              <a:t>sudo yum -y update</a:t>
+            </a:r>
+            <a:endParaRPr lang="en-US" altLang="zh-CN" sz="2000" smtClean="0"/>
+          </a:p>
+          <a:p>
+            <a:pPr marL="814705" lvl="1" indent="-357505" algn="l">
+              <a:lnSpc>
+                <a:spcPct val="200000"/>
+              </a:lnSpc>
+              <a:buClr>
+                <a:schemeClr val="accent1"/>
+              </a:buClr>
+              <a:buSzTx/>
+              <a:buFont typeface="Wingdings" panose="05000000000000000000" pitchFamily="2" charset="2"/>
+              <a:buChar char=""/>
+            </a:pPr>
+            <a:r>
+              <a:rPr lang="en-US" altLang="zh-CN" sz="2000" smtClean="0"/>
+              <a:t>sudo yum groupinstall -y development</a:t>
+            </a:r>
+            <a:endParaRPr lang="en-US" altLang="zh-CN" sz="2000" smtClean="0"/>
+          </a:p>
+          <a:p>
+            <a:pPr marL="814705" lvl="1" indent="-357505" algn="l">
+              <a:lnSpc>
+                <a:spcPct val="200000"/>
+              </a:lnSpc>
+              <a:buClr>
+                <a:schemeClr val="accent1"/>
+              </a:buClr>
+              <a:buSzTx/>
+              <a:buFont typeface="Wingdings" panose="05000000000000000000" pitchFamily="2" charset="2"/>
+              <a:buChar char=""/>
+            </a:pPr>
+            <a:r>
+              <a:rPr lang="en-US" altLang="zh-CN" smtClean="0"/>
+              <a:t>Install Python</a:t>
+            </a:r>
+            <a:endParaRPr lang="en-US" altLang="zh-CN" smtClean="0"/>
+          </a:p>
+          <a:p>
+            <a:pPr marL="1271905" lvl="2" indent="-357505" algn="l">
+              <a:lnSpc>
+                <a:spcPct val="200000"/>
+              </a:lnSpc>
+              <a:buClr>
+                <a:schemeClr val="accent1"/>
+              </a:buClr>
+              <a:buSzTx/>
+              <a:buFont typeface="Wingdings" panose="05000000000000000000" pitchFamily="2" charset="2"/>
+              <a:buChar char=""/>
+            </a:pPr>
+            <a:r>
+              <a:rPr lang="en-US" altLang="zh-CN" smtClean="0"/>
+              <a:t>wget http://www.python.org/ftp/python/2.7.15/Python-2.7.15.tar.xz</a:t>
+            </a:r>
+            <a:endParaRPr lang="en-US" altLang="zh-CN" smtClean="0"/>
+          </a:p>
+          <a:p>
+            <a:pPr marL="1271905" lvl="2" indent="-357505" algn="l">
+              <a:lnSpc>
+                <a:spcPct val="200000"/>
+              </a:lnSpc>
+              <a:buClr>
+                <a:schemeClr val="accent1"/>
+              </a:buClr>
+              <a:buSzTx/>
+              <a:buFont typeface="Wingdings" panose="05000000000000000000" pitchFamily="2" charset="2"/>
+              <a:buChar char=""/>
+            </a:pPr>
+            <a:r>
+              <a:rPr lang="en-US" altLang="zh-CN" smtClean="0"/>
+              <a:t>xz -d Python-2.7.15.tar.xz</a:t>
+            </a:r>
+            <a:endParaRPr lang="en-US" altLang="zh-CN" smtClean="0"/>
+          </a:p>
+          <a:p>
+            <a:pPr marL="1271905" lvl="2" indent="-357505" algn="l">
+              <a:lnSpc>
+                <a:spcPct val="200000"/>
+              </a:lnSpc>
+              <a:buClr>
+                <a:schemeClr val="accent1"/>
+              </a:buClr>
+              <a:buSzTx/>
+              <a:buFont typeface="Wingdings" panose="05000000000000000000" pitchFamily="2" charset="2"/>
+              <a:buChar char=""/>
+            </a:pPr>
+            <a:r>
+              <a:rPr lang="en-US" altLang="zh-CN" smtClean="0"/>
+              <a:t>tar xvf Python-2.7.15.tar</a:t>
+            </a:r>
+            <a:endParaRPr lang="en-US" altLang="zh-CN" smtClean="0"/>
+          </a:p>
+          <a:p>
+            <a:pPr marL="1271905" lvl="2" indent="-357505" algn="l">
+              <a:lnSpc>
+                <a:spcPct val="200000"/>
+              </a:lnSpc>
+              <a:buClr>
+                <a:schemeClr val="accent1"/>
+              </a:buClr>
+              <a:buSzTx/>
+              <a:buFont typeface="Wingdings" panose="05000000000000000000" pitchFamily="2" charset="2"/>
+              <a:buChar char=""/>
+            </a:pPr>
+            <a:r>
+              <a:rPr lang="en-US" altLang="zh-CN" smtClean="0"/>
+              <a:t>cd Python-2.7.15 &amp;&amp; ./configure --prefix=/usr/local &amp;&amp; make &amp;&amp; make install</a:t>
+            </a:r>
+            <a:endParaRPr lang="en-US" altLang="zh-CN" smtClean="0"/>
+          </a:p>
+          <a:p>
+            <a:pPr marL="814705" lvl="1" indent="-357505" algn="l">
+              <a:lnSpc>
+                <a:spcPct val="200000"/>
+              </a:lnSpc>
+              <a:buClr>
+                <a:schemeClr val="accent1"/>
+              </a:buClr>
+              <a:buSzTx/>
+              <a:buFont typeface="Wingdings" panose="05000000000000000000" pitchFamily="2" charset="2"/>
+              <a:buChar char=""/>
+            </a:pPr>
+            <a:r>
+              <a:rPr lang="en-US" altLang="zh-CN" sz="2000" smtClean="0"/>
+              <a:t>sudo yum install python-pip</a:t>
+            </a:r>
+            <a:endParaRPr lang="en-US" altLang="zh-CN" sz="2000" smtClean="0"/>
+          </a:p>
+          <a:p>
+            <a:pPr marL="814705" lvl="1" indent="-357505" algn="l">
+              <a:lnSpc>
+                <a:spcPct val="200000"/>
+              </a:lnSpc>
+              <a:buClr>
+                <a:schemeClr val="accent1"/>
+              </a:buClr>
+              <a:buSzTx/>
+              <a:buFont typeface="Wingdings" panose="05000000000000000000" pitchFamily="2" charset="2"/>
+              <a:buChar char=""/>
+            </a:pPr>
+            <a:r>
+              <a:rPr lang="en-US" altLang="zh-CN" sz="2000" smtClean="0"/>
+              <a:t>sudo python -m pip install “django&lt;2”</a:t>
+            </a:r>
+            <a:endParaRPr lang="en-US" altLang="zh-CN" smtClean="0"/>
+          </a:p>
+          <a:p>
+            <a:pPr marL="814705" lvl="1" indent="-357505" algn="l">
+              <a:lnSpc>
+                <a:spcPct val="200000"/>
+              </a:lnSpc>
+              <a:buClr>
+                <a:schemeClr val="accent1"/>
+              </a:buClr>
+              <a:buSzTx/>
+              <a:buFont typeface="Wingdings" panose="05000000000000000000" pitchFamily="2" charset="2"/>
+              <a:buChar char=""/>
+            </a:pPr>
+            <a:endParaRPr lang="en-US" altLang="zh-CN" smtClean="0"/>
+          </a:p>
+          <a:p>
+            <a:pPr marL="357505" lvl="1" indent="-357505" algn="l">
+              <a:lnSpc>
+                <a:spcPct val="200000"/>
+              </a:lnSpc>
+              <a:buClr>
+                <a:schemeClr val="accent1"/>
+              </a:buClr>
+              <a:buSzTx/>
+              <a:buFont typeface="Wingdings" panose="05000000000000000000" pitchFamily="2" charset="2"/>
+              <a:buChar char=""/>
+            </a:pPr>
+            <a:endParaRPr lang="en-US" altLang="zh-CN" smtClean="0"/>
+          </a:p>
+        </p:txBody>
+      </p:sp>
+    </p:spTree>
+    <p:custDataLst>
+      <p:tags r:id="rId3"/>
+    </p:custDataLst>
+  </p:cSld>
+  <p:clrMapOvr>
+    <a:masterClrMapping/>
+  </p:clrMapOvr>
+</p:sld>
+</file>
+
+<file path=ppt/slides/slide40.xml><?xml version="1.0" encoding="utf-8"?>
 <p:sld xmlns:a="http://schemas.openxmlformats.org/drawingml/2006/main" xmlns:r="http://schemas.openxmlformats.org/officeDocument/2006/relationships" xmlns:p="http://schemas.openxmlformats.org/presentationml/2006/main">
   <p:cSld>
     <p:spTree>
@@ -11955,7 +13507,7 @@
 </p:sld>
 </file>
 
-<file path=ppt/slides/slide36.xml><?xml version="1.0" encoding="utf-8"?>
+<file path=ppt/slides/slide41.xml><?xml version="1.0" encoding="utf-8"?>
 <p:sld xmlns:a="http://schemas.openxmlformats.org/drawingml/2006/main" xmlns:r="http://schemas.openxmlformats.org/officeDocument/2006/relationships" xmlns:p="http://schemas.openxmlformats.org/presentationml/2006/main">
   <p:cSld>
     <p:spTree>
@@ -12161,7 +13713,7 @@
 </p:sld>
 </file>
 
-<file path=ppt/slides/slide37.xml><?xml version="1.0" encoding="utf-8"?>
+<file path=ppt/slides/slide42.xml><?xml version="1.0" encoding="utf-8"?>
 <p:sld xmlns:a="http://schemas.openxmlformats.org/drawingml/2006/main" xmlns:r="http://schemas.openxmlformats.org/officeDocument/2006/relationships" xmlns:p="http://schemas.openxmlformats.org/presentationml/2006/main">
   <p:cSld>
     <p:spTree>
@@ -12226,7 +13778,7 @@
 </p:sld>
 </file>
 
-<file path=ppt/slides/slide38.xml><?xml version="1.0" encoding="utf-8"?>
+<file path=ppt/slides/slide43.xml><?xml version="1.0" encoding="utf-8"?>
 <p:sld xmlns:a="http://schemas.openxmlformats.org/drawingml/2006/main" xmlns:r="http://schemas.openxmlformats.org/officeDocument/2006/relationships" xmlns:p="http://schemas.openxmlformats.org/presentationml/2006/main">
   <p:cSld>
     <p:spTree>
@@ -12303,7 +13855,7 @@
 </p:sld>
 </file>
 
-<file path=ppt/slides/slide39.xml><?xml version="1.0" encoding="utf-8"?>
+<file path=ppt/slides/slide44.xml><?xml version="1.0" encoding="utf-8"?>
 <p:sld xmlns:a="http://schemas.openxmlformats.org/drawingml/2006/main" xmlns:r="http://schemas.openxmlformats.org/officeDocument/2006/relationships" xmlns:p="http://schemas.openxmlformats.org/presentationml/2006/main">
   <p:cSld>
     <p:spTree>
@@ -12625,7 +14177,7 @@
 </p:sld>
 </file>
 
-<file path=ppt/slides/slide4.xml><?xml version="1.0" encoding="utf-8"?>
+<file path=ppt/slides/slide45.xml><?xml version="1.0" encoding="utf-8"?>
 <p:sld xmlns:a="http://schemas.openxmlformats.org/drawingml/2006/main" xmlns:r="http://schemas.openxmlformats.org/officeDocument/2006/relationships" xmlns:p="http://schemas.openxmlformats.org/presentationml/2006/main">
   <p:cSld>
     <p:spTree>
@@ -12637,298 +14189,565 @@
       <p:grpSpPr/>
       <p:sp>
         <p:nvSpPr>
-          <p:cNvPr id="24578" name="标题 2"/>
+          <p:cNvPr id="4" name="标题 3"/>
           <p:cNvSpPr>
             <a:spLocks noGrp="1"/>
           </p:cNvSpPr>
           <p:nvPr>
             <p:ph type="title"/>
+          </p:nvPr>
+        </p:nvSpPr>
+        <p:spPr/>
+        <p:txBody>
+          <a:bodyPr/>
+          <a:p>
+            <a:r>
+              <a:rPr lang="en-US" altLang="zh-CN"/>
+              <a:t>API Testing</a:t>
+            </a:r>
+            <a:endParaRPr lang="en-US" altLang="zh-CN"/>
+          </a:p>
+        </p:txBody>
+      </p:sp>
+      <p:sp>
+        <p:nvSpPr>
+          <p:cNvPr id="5" name="文本占位符 4"/>
+          <p:cNvSpPr>
+            <a:spLocks noGrp="1"/>
+          </p:cNvSpPr>
+          <p:nvPr>
+            <p:ph type="body" idx="1"/>
+          </p:nvPr>
+        </p:nvSpPr>
+        <p:spPr/>
+        <p:txBody>
+          <a:bodyPr/>
+          <a:p>
+            <a:endParaRPr lang="zh-CN" altLang="en-US"/>
+          </a:p>
+        </p:txBody>
+      </p:sp>
+    </p:spTree>
+    <p:custDataLst>
+      <p:tags r:id="rId1"/>
+    </p:custDataLst>
+  </p:cSld>
+  <p:clrMapOvr>
+    <a:masterClrMapping/>
+  </p:clrMapOvr>
+</p:sld>
+</file>
+
+<file path=ppt/slides/slide46.xml><?xml version="1.0" encoding="utf-8"?>
+<p:sld xmlns:a="http://schemas.openxmlformats.org/drawingml/2006/main" xmlns:r="http://schemas.openxmlformats.org/officeDocument/2006/relationships" xmlns:p="http://schemas.openxmlformats.org/presentationml/2006/main">
+  <p:cSld>
+    <p:spTree>
+      <p:nvGrpSpPr>
+        <p:cNvPr id="1" name=""/>
+        <p:cNvGrpSpPr/>
+        <p:nvPr/>
+      </p:nvGrpSpPr>
+      <p:grpSpPr/>
+      <p:sp>
+        <p:nvSpPr>
+          <p:cNvPr id="4" name="标题 3"/>
+          <p:cNvSpPr>
+            <a:spLocks noGrp="1"/>
+          </p:cNvSpPr>
+          <p:nvPr>
+            <p:ph type="title"/>
+          </p:nvPr>
+        </p:nvSpPr>
+        <p:spPr/>
+        <p:txBody>
+          <a:bodyPr/>
+          <a:p>
+            <a:r>
+              <a:rPr lang="en-US" altLang="zh-CN"/>
+              <a:t>Intro</a:t>
+            </a:r>
+            <a:endParaRPr lang="en-US" altLang="zh-CN"/>
+          </a:p>
+        </p:txBody>
+      </p:sp>
+      <p:pic>
+        <p:nvPicPr>
+          <p:cNvPr id="6" name="图片 5"/>
+          <p:cNvPicPr>
+            <a:picLocks noChangeAspect="1"/>
+          </p:cNvPicPr>
+          <p:nvPr>
             <p:custDataLst>
               <p:tags r:id="rId1"/>
             </p:custDataLst>
           </p:nvPr>
+        </p:nvPicPr>
+        <p:blipFill>
+          <a:blip r:embed="rId2"/>
+          <a:stretch>
+            <a:fillRect/>
+          </a:stretch>
+        </p:blipFill>
+        <p:spPr>
+          <a:xfrm>
+            <a:off x="2855595" y="1233805"/>
+            <a:ext cx="7214235" cy="4766310"/>
+          </a:xfrm>
+          <a:prstGeom prst="rect">
+            <a:avLst/>
+          </a:prstGeom>
+        </p:spPr>
+      </p:pic>
+    </p:spTree>
+    <p:custDataLst>
+      <p:tags r:id="rId3"/>
+    </p:custDataLst>
+  </p:cSld>
+  <p:clrMapOvr>
+    <a:masterClrMapping/>
+  </p:clrMapOvr>
+</p:sld>
+</file>
+
+<file path=ppt/slides/slide47.xml><?xml version="1.0" encoding="utf-8"?>
+<p:sld xmlns:a="http://schemas.openxmlformats.org/drawingml/2006/main" xmlns:r="http://schemas.openxmlformats.org/officeDocument/2006/relationships" xmlns:p="http://schemas.openxmlformats.org/presentationml/2006/main">
+  <p:cSld>
+    <p:spTree>
+      <p:nvGrpSpPr>
+        <p:cNvPr id="1" name=""/>
+        <p:cNvGrpSpPr/>
+        <p:nvPr/>
+      </p:nvGrpSpPr>
+      <p:grpSpPr/>
+      <p:sp>
+        <p:nvSpPr>
+          <p:cNvPr id="2" name="标题 1"/>
+          <p:cNvSpPr>
+            <a:spLocks noGrp="1"/>
+          </p:cNvSpPr>
+          <p:nvPr>
+            <p:ph type="title"/>
+          </p:nvPr>
         </p:nvSpPr>
         <p:spPr/>
         <p:txBody>
-          <a:bodyPr anchor="b">
-            <a:normAutofit/>
-          </a:bodyPr>
-          <a:p>
-            <a:r>
-              <a:rPr lang="en-US" altLang="zh-CN" smtClean="0"/>
-              <a:t>CentOS</a:t>
-            </a:r>
-            <a:endParaRPr lang="en-US" altLang="zh-CN" smtClean="0"/>
-          </a:p>
-        </p:txBody>
-      </p:sp>
-      <p:sp>
-        <p:nvSpPr>
-          <p:cNvPr id="4" name="内容占位符 3"/>
+          <a:bodyPr/>
+          <a:p>
+            <a:r>
+              <a:rPr lang="en-US" altLang="zh-CN"/>
+              <a:t>Locust</a:t>
+            </a:r>
+            <a:endParaRPr lang="en-US" altLang="zh-CN"/>
+          </a:p>
+        </p:txBody>
+      </p:sp>
+      <p:sp>
+        <p:nvSpPr>
+          <p:cNvPr id="3" name="内容占位符 2"/>
           <p:cNvSpPr>
             <a:spLocks noGrp="1"/>
           </p:cNvSpPr>
           <p:nvPr>
             <p:ph idx="1"/>
-            <p:custDataLst>
-              <p:tags r:id="rId2"/>
-            </p:custDataLst>
           </p:nvPr>
         </p:nvSpPr>
-        <p:spPr/>
+        <p:spPr>
+          <a:xfrm>
+            <a:off x="838200" y="1211580"/>
+            <a:ext cx="7231380" cy="5045710"/>
+          </a:xfrm>
+        </p:spPr>
         <p:txBody>
           <a:bodyPr>
-            <a:normAutofit fontScale="50000"/>
+            <a:normAutofit fontScale="70000"/>
           </a:bodyPr>
           <a:p>
-            <a:pPr marL="357505" indent="-357505" algn="l">
-              <a:lnSpc>
-                <a:spcPct val="200000"/>
-              </a:lnSpc>
-              <a:buClr>
-                <a:schemeClr val="accent1"/>
-              </a:buClr>
-              <a:buSzTx/>
-              <a:buFont typeface="Wingdings" panose="05000000000000000000" pitchFamily="2" charset="2"/>
-              <a:buChar char=""/>
-            </a:pPr>
-            <a:r>
-              <a:rPr lang="en-US" altLang="zh-CN" smtClean="0"/>
-              <a:t>Determine CentOS version</a:t>
-            </a:r>
-            <a:endParaRPr lang="en-US" altLang="zh-CN" smtClean="0"/>
-          </a:p>
-          <a:p>
-            <a:pPr marL="814705" lvl="1" indent="-357505" algn="l">
-              <a:lnSpc>
-                <a:spcPct val="200000"/>
-              </a:lnSpc>
-              <a:buClr>
-                <a:schemeClr val="accent1"/>
-              </a:buClr>
-              <a:buSzTx/>
-              <a:buFont typeface="Wingdings" panose="05000000000000000000" pitchFamily="2" charset="2"/>
-              <a:buChar char=""/>
-            </a:pPr>
-            <a:r>
-              <a:rPr lang="en-US" altLang="zh-CN" sz="2000" smtClean="0"/>
-              <a:t>vim /etc/centos-release</a:t>
-            </a:r>
-            <a:endParaRPr lang="en-US" altLang="zh-CN" sz="2000" smtClean="0"/>
-          </a:p>
-          <a:p>
-            <a:pPr marL="357505" lvl="0" indent="-357505" algn="l">
-              <a:lnSpc>
-                <a:spcPct val="200000"/>
-              </a:lnSpc>
-              <a:buClr>
-                <a:schemeClr val="accent1"/>
-              </a:buClr>
-              <a:buSzTx/>
-              <a:buFont typeface="Wingdings" panose="05000000000000000000" pitchFamily="2" charset="2"/>
-              <a:buChar char=""/>
-            </a:pPr>
-            <a:r>
-              <a:rPr lang="en-US" altLang="zh-CN" sz="2400" smtClean="0"/>
-              <a:t>Set up the system</a:t>
-            </a:r>
-            <a:endParaRPr lang="en-US" altLang="zh-CN" sz="2400" smtClean="0"/>
-          </a:p>
-          <a:p>
-            <a:pPr marL="814705" lvl="1" indent="-357505" algn="l">
-              <a:lnSpc>
-                <a:spcPct val="200000"/>
-              </a:lnSpc>
-              <a:buClr>
-                <a:schemeClr val="accent1"/>
-              </a:buClr>
-              <a:buSzTx/>
-              <a:buFont typeface="Wingdings" panose="05000000000000000000" pitchFamily="2" charset="2"/>
-              <a:buChar char=""/>
-            </a:pPr>
-            <a:r>
-              <a:rPr lang="en-US" altLang="zh-CN" sz="2000" smtClean="0"/>
-              <a:t>sudo yum -y update</a:t>
-            </a:r>
-            <a:endParaRPr lang="en-US" altLang="zh-CN" sz="2000" smtClean="0"/>
-          </a:p>
-          <a:p>
-            <a:pPr marL="814705" lvl="1" indent="-357505" algn="l">
-              <a:lnSpc>
-                <a:spcPct val="200000"/>
-              </a:lnSpc>
-              <a:buClr>
-                <a:schemeClr val="accent1"/>
-              </a:buClr>
-              <a:buSzTx/>
-              <a:buFont typeface="Wingdings" panose="05000000000000000000" pitchFamily="2" charset="2"/>
-              <a:buChar char=""/>
-            </a:pPr>
-            <a:r>
-              <a:rPr lang="en-US" altLang="zh-CN" sz="2000" smtClean="0"/>
-              <a:t>sudo yum groupinstall -y development</a:t>
-            </a:r>
-            <a:endParaRPr lang="en-US" altLang="zh-CN" sz="2000" smtClean="0"/>
-          </a:p>
-          <a:p>
-            <a:pPr marL="814705" lvl="1" indent="-357505" algn="l">
-              <a:lnSpc>
-                <a:spcPct val="200000"/>
-              </a:lnSpc>
-              <a:buClr>
-                <a:schemeClr val="accent1"/>
-              </a:buClr>
-              <a:buSzTx/>
-              <a:buFont typeface="Wingdings" panose="05000000000000000000" pitchFamily="2" charset="2"/>
-              <a:buChar char=""/>
-            </a:pPr>
-            <a:r>
-              <a:rPr lang="en-US" altLang="zh-CN" smtClean="0"/>
-              <a:t>Install Python</a:t>
-            </a:r>
-            <a:endParaRPr lang="en-US" altLang="zh-CN" smtClean="0"/>
-          </a:p>
-          <a:p>
-            <a:pPr marL="1271905" lvl="2" indent="-357505" algn="l">
-              <a:lnSpc>
-                <a:spcPct val="200000"/>
-              </a:lnSpc>
-              <a:buClr>
-                <a:schemeClr val="accent1"/>
-              </a:buClr>
-              <a:buSzTx/>
-              <a:buFont typeface="Wingdings" panose="05000000000000000000" pitchFamily="2" charset="2"/>
-              <a:buChar char=""/>
-            </a:pPr>
-            <a:r>
-              <a:rPr lang="en-US" altLang="zh-CN" smtClean="0"/>
-              <a:t>wget http://www.python.org/ftp/python/2.7.15/Python-2.7.15.tar.xz</a:t>
-            </a:r>
-            <a:endParaRPr lang="en-US" altLang="zh-CN" smtClean="0"/>
-          </a:p>
-          <a:p>
-            <a:pPr marL="1271905" lvl="2" indent="-357505" algn="l">
-              <a:lnSpc>
-                <a:spcPct val="200000"/>
-              </a:lnSpc>
-              <a:buClr>
-                <a:schemeClr val="accent1"/>
-              </a:buClr>
-              <a:buSzTx/>
-              <a:buFont typeface="Wingdings" panose="05000000000000000000" pitchFamily="2" charset="2"/>
-              <a:buChar char=""/>
-            </a:pPr>
-            <a:r>
-              <a:rPr lang="en-US" altLang="zh-CN" smtClean="0"/>
-              <a:t>xz -d Python-2.7.15.tar.xz</a:t>
-            </a:r>
-            <a:endParaRPr lang="en-US" altLang="zh-CN" smtClean="0"/>
-          </a:p>
-          <a:p>
-            <a:pPr marL="1271905" lvl="2" indent="-357505" algn="l">
-              <a:lnSpc>
-                <a:spcPct val="200000"/>
-              </a:lnSpc>
-              <a:buClr>
-                <a:schemeClr val="accent1"/>
-              </a:buClr>
-              <a:buSzTx/>
-              <a:buFont typeface="Wingdings" panose="05000000000000000000" pitchFamily="2" charset="2"/>
-              <a:buChar char=""/>
-            </a:pPr>
-            <a:r>
-              <a:rPr lang="en-US" altLang="zh-CN" smtClean="0"/>
-              <a:t>tar xvf Python-2.7.15.tar</a:t>
-            </a:r>
-            <a:endParaRPr lang="en-US" altLang="zh-CN" smtClean="0"/>
-          </a:p>
-          <a:p>
-            <a:pPr marL="1271905" lvl="2" indent="-357505" algn="l">
-              <a:lnSpc>
-                <a:spcPct val="200000"/>
-              </a:lnSpc>
-              <a:buClr>
-                <a:schemeClr val="accent1"/>
-              </a:buClr>
-              <a:buSzTx/>
-              <a:buFont typeface="Wingdings" panose="05000000000000000000" pitchFamily="2" charset="2"/>
-              <a:buChar char=""/>
-            </a:pPr>
-            <a:r>
-              <a:rPr lang="en-US" altLang="zh-CN" smtClean="0"/>
-              <a:t>cd Python-2.7.15 &amp;&amp; ./configure --prefix=/usr/local &amp;&amp; make &amp;&amp; make install</a:t>
-            </a:r>
-            <a:endParaRPr lang="en-US" altLang="zh-CN" smtClean="0"/>
-          </a:p>
-          <a:p>
-            <a:pPr marL="814705" lvl="1" indent="-357505" algn="l">
-              <a:lnSpc>
-                <a:spcPct val="200000"/>
-              </a:lnSpc>
-              <a:buClr>
-                <a:schemeClr val="accent1"/>
-              </a:buClr>
-              <a:buSzTx/>
-              <a:buFont typeface="Wingdings" panose="05000000000000000000" pitchFamily="2" charset="2"/>
-              <a:buChar char=""/>
-            </a:pPr>
-            <a:r>
-              <a:rPr lang="en-US" altLang="zh-CN" sz="2000" smtClean="0"/>
-              <a:t>sudo yum install python-pip</a:t>
-            </a:r>
-            <a:endParaRPr lang="en-US" altLang="zh-CN" sz="2000" smtClean="0"/>
-          </a:p>
-          <a:p>
-            <a:pPr marL="814705" lvl="1" indent="-357505" algn="l">
-              <a:lnSpc>
-                <a:spcPct val="200000"/>
-              </a:lnSpc>
-              <a:buClr>
-                <a:schemeClr val="accent1"/>
-              </a:buClr>
-              <a:buSzTx/>
-              <a:buFont typeface="Wingdings" panose="05000000000000000000" pitchFamily="2" charset="2"/>
-              <a:buChar char=""/>
-            </a:pPr>
-            <a:r>
-              <a:rPr lang="en-US" altLang="zh-CN" sz="2000" smtClean="0"/>
-              <a:t>sudo python -m pip install “django&lt;2”</a:t>
-            </a:r>
-            <a:endParaRPr lang="en-US" altLang="zh-CN" smtClean="0"/>
-          </a:p>
-          <a:p>
-            <a:pPr marL="814705" lvl="1" indent="-357505" algn="l">
-              <a:lnSpc>
-                <a:spcPct val="200000"/>
-              </a:lnSpc>
-              <a:buClr>
-                <a:schemeClr val="accent1"/>
-              </a:buClr>
-              <a:buSzTx/>
-              <a:buFont typeface="Wingdings" panose="05000000000000000000" pitchFamily="2" charset="2"/>
-              <a:buChar char=""/>
-            </a:pPr>
-            <a:endParaRPr lang="en-US" altLang="zh-CN" smtClean="0"/>
-          </a:p>
-          <a:p>
-            <a:pPr marL="357505" lvl="1" indent="-357505" algn="l">
-              <a:lnSpc>
-                <a:spcPct val="200000"/>
-              </a:lnSpc>
-              <a:buClr>
-                <a:schemeClr val="accent1"/>
-              </a:buClr>
-              <a:buSzTx/>
-              <a:buFont typeface="Wingdings" panose="05000000000000000000" pitchFamily="2" charset="2"/>
-              <a:buChar char=""/>
-            </a:pPr>
-            <a:endParaRPr lang="en-US" altLang="zh-CN" smtClean="0"/>
+            <a:r>
+              <a:rPr lang="en-US" altLang="zh-CN"/>
+              <a:t>References</a:t>
+            </a:r>
+            <a:endParaRPr lang="en-US" altLang="zh-CN"/>
+          </a:p>
+          <a:p>
+            <a:pPr lvl="1"/>
+            <a:r>
+              <a:rPr lang="en-US" altLang="zh-CN"/>
+              <a:t>https://docs.locust.io/en/stable/index.html</a:t>
+            </a:r>
+            <a:endParaRPr lang="en-US" altLang="zh-CN"/>
+          </a:p>
+          <a:p>
+            <a:pPr lvl="1"/>
+            <a:r>
+              <a:rPr lang="en-US" altLang="zh-CN"/>
+              <a:t>https://locust.io/</a:t>
+            </a:r>
+            <a:endParaRPr lang="en-US" altLang="zh-CN"/>
+          </a:p>
+          <a:p>
+            <a:r>
+              <a:rPr lang="en-US" altLang="zh-CN"/>
+              <a:t>Usage</a:t>
+            </a:r>
+            <a:endParaRPr lang="en-US" altLang="zh-CN"/>
+          </a:p>
+          <a:p>
+            <a:pPr lvl="1"/>
+            <a:r>
+              <a:rPr lang="en-US" altLang="zh-CN"/>
+              <a:t>pip install gevent==20.9.0</a:t>
+            </a:r>
+            <a:endParaRPr lang="en-US" altLang="zh-CN"/>
+          </a:p>
+          <a:p>
+            <a:pPr lvl="1"/>
+            <a:r>
+              <a:rPr lang="en-US" altLang="zh-CN"/>
+              <a:t>pip install locust==2.8.6</a:t>
+            </a:r>
+            <a:endParaRPr lang="en-US" altLang="zh-CN"/>
+          </a:p>
+          <a:p>
+            <a:pPr lvl="1"/>
+            <a:r>
+              <a:rPr lang="en-US" altLang="zh-CN"/>
+              <a:t>locust -V</a:t>
+            </a:r>
+            <a:endParaRPr lang="en-US" altLang="zh-CN"/>
+          </a:p>
+          <a:p>
+            <a:pPr lvl="1"/>
+            <a:r>
+              <a:rPr lang="en-US" altLang="zh-CN"/>
+              <a:t>locust --headless --users 10 --spawn-rate 1 -H http://your-server.com</a:t>
+            </a:r>
+            <a:endParaRPr lang="en-US" altLang="zh-CN"/>
+          </a:p>
+          <a:p>
+            <a:pPr lvl="2"/>
+            <a:r>
+              <a:rPr lang="en-US" altLang="zh-CN" sz="1800"/>
+              <a:t>-c: </a:t>
+            </a:r>
+            <a:r>
+              <a:rPr lang="zh-CN" altLang="en-US" sz="1800"/>
+              <a:t>并发用户数</a:t>
+            </a:r>
+            <a:endParaRPr lang="zh-CN" altLang="en-US" sz="1800"/>
+          </a:p>
+          <a:p>
+            <a:pPr lvl="2"/>
+            <a:r>
+              <a:rPr lang="en-US" altLang="zh-CN" sz="1800"/>
+              <a:t>-r: </a:t>
+            </a:r>
+            <a:r>
+              <a:rPr lang="zh-CN" altLang="en-US" sz="1800"/>
+              <a:t>启动虚拟用户的速率</a:t>
+            </a:r>
+            <a:endParaRPr lang="en-US" altLang="zh-CN"/>
+          </a:p>
+          <a:p>
+            <a:pPr lvl="0"/>
+            <a:r>
+              <a:rPr lang="en-US" altLang="zh-CN"/>
+              <a:t>Result</a:t>
+            </a:r>
+            <a:endParaRPr lang="en-US" altLang="zh-CN"/>
+          </a:p>
+          <a:p>
+            <a:pPr lvl="1"/>
+            <a:r>
+              <a:rPr lang="en-US" altLang="zh-CN"/>
+              <a:t>rps	// requests per second</a:t>
+            </a:r>
+            <a:endParaRPr lang="en-US" altLang="zh-CN"/>
+          </a:p>
+          <a:p>
+            <a:pPr lvl="1"/>
+            <a:r>
+              <a:rPr lang="en-US" altLang="zh-CN"/>
+              <a:t>fails	// percentage of failed requests</a:t>
+            </a:r>
+            <a:endParaRPr lang="en-US" altLang="zh-CN"/>
+          </a:p>
+          <a:p>
+            <a:pPr lvl="0"/>
+            <a:r>
+              <a:rPr lang="en-US" altLang="zh-CN"/>
+              <a:t>locustfile</a:t>
+            </a:r>
+            <a:endParaRPr lang="en-US" altLang="zh-CN"/>
+          </a:p>
+          <a:p>
+            <a:pPr lvl="1"/>
+            <a:r>
+              <a:rPr lang="en-US" altLang="zh-CN"/>
+              <a:t>locust -f locustfile</a:t>
+            </a:r>
+            <a:endParaRPr lang="en-US" altLang="zh-CN"/>
+          </a:p>
+          <a:p>
+            <a:pPr lvl="1"/>
+            <a:r>
+              <a:rPr lang="en-US" altLang="zh-CN"/>
+              <a:t>HttpUser class</a:t>
+            </a:r>
+            <a:endParaRPr lang="en-US" altLang="zh-CN"/>
+          </a:p>
+          <a:p>
+            <a:pPr lvl="2"/>
+            <a:r>
+              <a:rPr lang="en-US" altLang="zh-CN"/>
+              <a:t>client</a:t>
+            </a:r>
+            <a:endParaRPr lang="en-US" altLang="zh-CN"/>
+          </a:p>
+        </p:txBody>
+      </p:sp>
+      <p:pic>
+        <p:nvPicPr>
+          <p:cNvPr id="4" name="图片 3"/>
+          <p:cNvPicPr>
+            <a:picLocks noChangeAspect="1"/>
+          </p:cNvPicPr>
+          <p:nvPr/>
+        </p:nvPicPr>
+        <p:blipFill>
+          <a:blip r:embed="rId1"/>
+          <a:stretch>
+            <a:fillRect/>
+          </a:stretch>
+        </p:blipFill>
+        <p:spPr>
+          <a:xfrm>
+            <a:off x="8778240" y="182880"/>
+            <a:ext cx="2552065" cy="3035935"/>
+          </a:xfrm>
+          <a:prstGeom prst="rect">
+            <a:avLst/>
+          </a:prstGeom>
+        </p:spPr>
+      </p:pic>
+      <p:sp>
+        <p:nvSpPr>
+          <p:cNvPr id="6" name="文本框 5"/>
+          <p:cNvSpPr txBox="1"/>
+          <p:nvPr/>
+        </p:nvSpPr>
+        <p:spPr>
+          <a:xfrm>
+            <a:off x="8390890" y="3218815"/>
+            <a:ext cx="3326765" cy="3415030"/>
+          </a:xfrm>
+          <a:prstGeom prst="rect">
+            <a:avLst/>
+          </a:prstGeom>
+          <a:noFill/>
+          <a:ln>
+            <a:solidFill>
+              <a:srgbClr val="C00000"/>
+            </a:solidFill>
+          </a:ln>
+        </p:spPr>
+        <p:txBody>
+          <a:bodyPr wrap="square" rtlCol="0">
+            <a:spAutoFit/>
+          </a:bodyPr>
+          <a:p>
+            <a:r>
+              <a:rPr lang="zh-CN" altLang="en-US" sz="1200"/>
+              <a:t>from locust import HttpUser, between, task</a:t>
+            </a:r>
+            <a:endParaRPr lang="zh-CN" altLang="en-US" sz="1200"/>
+          </a:p>
+          <a:p>
+            <a:endParaRPr lang="zh-CN" altLang="en-US" sz="1200"/>
+          </a:p>
+          <a:p>
+            <a:r>
+              <a:rPr lang="zh-CN" altLang="en-US" sz="1200"/>
+              <a:t>class WebsiteUser(HttpUser):</a:t>
+            </a:r>
+            <a:endParaRPr lang="zh-CN" altLang="en-US" sz="1200"/>
+          </a:p>
+          <a:p>
+            <a:r>
+              <a:rPr lang="zh-CN" altLang="en-US" sz="1200"/>
+              <a:t>    wait_time = between(5, 15)</a:t>
+            </a:r>
+            <a:endParaRPr lang="zh-CN" altLang="en-US" sz="1200"/>
+          </a:p>
+          <a:p>
+            <a:r>
+              <a:rPr lang="zh-CN" altLang="en-US" sz="1200"/>
+              <a:t>    def on_start(self):</a:t>
+            </a:r>
+            <a:endParaRPr lang="zh-CN" altLang="en-US" sz="1200"/>
+          </a:p>
+          <a:p>
+            <a:r>
+              <a:rPr lang="zh-CN" altLang="en-US" sz="1200"/>
+              <a:t>        self.client.post("/login", {</a:t>
+            </a:r>
+            <a:endParaRPr lang="zh-CN" altLang="en-US" sz="1200"/>
+          </a:p>
+          <a:p>
+            <a:r>
+              <a:rPr lang="zh-CN" altLang="en-US" sz="1200"/>
+              <a:t>            "username": "test_user",</a:t>
+            </a:r>
+            <a:endParaRPr lang="zh-CN" altLang="en-US" sz="1200"/>
+          </a:p>
+          <a:p>
+            <a:r>
+              <a:rPr lang="zh-CN" altLang="en-US" sz="1200"/>
+              <a:t>            "password": ""</a:t>
+            </a:r>
+            <a:endParaRPr lang="zh-CN" altLang="en-US" sz="1200"/>
+          </a:p>
+          <a:p>
+            <a:r>
+              <a:rPr lang="zh-CN" altLang="en-US" sz="1200"/>
+              <a:t>        })</a:t>
+            </a:r>
+            <a:endParaRPr lang="zh-CN" altLang="en-US" sz="1200"/>
+          </a:p>
+          <a:p>
+            <a:r>
+              <a:rPr lang="zh-CN" altLang="en-US" sz="1200"/>
+              <a:t>    </a:t>
+            </a:r>
+            <a:endParaRPr lang="zh-CN" altLang="en-US" sz="1200"/>
+          </a:p>
+          <a:p>
+            <a:r>
+              <a:rPr lang="zh-CN" altLang="en-US" sz="1200"/>
+              <a:t>    @task</a:t>
+            </a:r>
+            <a:endParaRPr lang="zh-CN" altLang="en-US" sz="1200"/>
+          </a:p>
+          <a:p>
+            <a:r>
+              <a:rPr lang="zh-CN" altLang="en-US" sz="1200"/>
+              <a:t>    def index(self):</a:t>
+            </a:r>
+            <a:endParaRPr lang="zh-CN" altLang="en-US" sz="1200"/>
+          </a:p>
+          <a:p>
+            <a:r>
+              <a:rPr lang="zh-CN" altLang="en-US" sz="1200"/>
+              <a:t>        self.client.get("/")</a:t>
+            </a:r>
+            <a:endParaRPr lang="zh-CN" altLang="en-US" sz="1200"/>
+          </a:p>
+          <a:p>
+            <a:r>
+              <a:rPr lang="zh-CN" altLang="en-US" sz="1200"/>
+              <a:t>        self.client.get("/static/assets.js")</a:t>
+            </a:r>
+            <a:endParaRPr lang="zh-CN" altLang="en-US" sz="1200"/>
+          </a:p>
+          <a:p>
+            <a:r>
+              <a:rPr lang="zh-CN" altLang="en-US" sz="1200"/>
+              <a:t>        </a:t>
+            </a:r>
+            <a:endParaRPr lang="zh-CN" altLang="en-US" sz="1200"/>
+          </a:p>
+          <a:p>
+            <a:r>
+              <a:rPr lang="zh-CN" altLang="en-US" sz="1200"/>
+              <a:t>    @task</a:t>
+            </a:r>
+            <a:endParaRPr lang="zh-CN" altLang="en-US" sz="1200"/>
+          </a:p>
+          <a:p>
+            <a:r>
+              <a:rPr lang="zh-CN" altLang="en-US" sz="1200"/>
+              <a:t>    def about(self):</a:t>
+            </a:r>
+            <a:endParaRPr lang="zh-CN" altLang="en-US" sz="1200"/>
+          </a:p>
+          <a:p>
+            <a:r>
+              <a:rPr lang="zh-CN" altLang="en-US" sz="1200"/>
+              <a:t>        self.client.get("/about/")</a:t>
+            </a:r>
+            <a:endParaRPr lang="zh-CN" altLang="en-US" sz="1200"/>
           </a:p>
         </p:txBody>
       </p:sp>
     </p:spTree>
     <p:custDataLst>
-      <p:tags r:id="rId3"/>
+      <p:tags r:id="rId2"/>
+    </p:custDataLst>
+  </p:cSld>
+  <p:clrMapOvr>
+    <a:masterClrMapping/>
+  </p:clrMapOvr>
+</p:sld>
+</file>
+
+<file path=ppt/slides/slide48.xml><?xml version="1.0" encoding="utf-8"?>
+<p:sld xmlns:a="http://schemas.openxmlformats.org/drawingml/2006/main" xmlns:r="http://schemas.openxmlformats.org/officeDocument/2006/relationships" xmlns:p="http://schemas.openxmlformats.org/presentationml/2006/main">
+  <p:cSld>
+    <p:spTree>
+      <p:nvGrpSpPr>
+        <p:cNvPr id="1" name=""/>
+        <p:cNvGrpSpPr/>
+        <p:nvPr/>
+      </p:nvGrpSpPr>
+      <p:grpSpPr/>
+      <p:sp>
+        <p:nvSpPr>
+          <p:cNvPr id="2" name="标题 1"/>
+          <p:cNvSpPr>
+            <a:spLocks noGrp="1"/>
+          </p:cNvSpPr>
+          <p:nvPr>
+            <p:ph type="title"/>
+          </p:nvPr>
+        </p:nvSpPr>
+        <p:spPr/>
+        <p:txBody>
+          <a:bodyPr/>
+          <a:p>
+            <a:r>
+              <a:rPr lang="en-US" altLang="zh-CN"/>
+              <a:t>Locust - 2</a:t>
+            </a:r>
+            <a:endParaRPr lang="en-US" altLang="zh-CN"/>
+          </a:p>
+        </p:txBody>
+      </p:sp>
+      <p:pic>
+        <p:nvPicPr>
+          <p:cNvPr id="5" name="图片 4"/>
+          <p:cNvPicPr>
+            <a:picLocks noChangeAspect="1"/>
+          </p:cNvPicPr>
+          <p:nvPr/>
+        </p:nvPicPr>
+        <p:blipFill>
+          <a:blip r:embed="rId1"/>
+          <a:stretch>
+            <a:fillRect/>
+          </a:stretch>
+        </p:blipFill>
+        <p:spPr>
+          <a:xfrm>
+            <a:off x="948055" y="1036955"/>
+            <a:ext cx="10295890" cy="5315585"/>
+          </a:xfrm>
+          <a:prstGeom prst="rect">
+            <a:avLst/>
+          </a:prstGeom>
+        </p:spPr>
+      </p:pic>
+    </p:spTree>
+    <p:custDataLst>
+      <p:tags r:id="rId2"/>
     </p:custDataLst>
   </p:cSld>
   <p:clrMapOvr>
@@ -14395,7 +16214,10 @@
 
 <file path=ppt/tags/tag40.xml><?xml version="1.0" encoding="utf-8"?>
 <p:tagLst xmlns:p="http://schemas.openxmlformats.org/presentationml/2006/main">
-  <p:tag name="KSO_WM_UNIT_PLACING_PICTURE_USER_VIEWPORT" val="{&quot;height&quot;:6720,&quot;width&quot;:8292}"/>
+  <p:tag name="KSO_WM_BEAUTIFY_FLAG" val="#wm#"/>
+  <p:tag name="KSO_WM_TEMPLATE_CATEGORY" val="custom"/>
+  <p:tag name="KSO_WM_TEMPLATE_INDEX" val="160402"/>
+  <p:tag name="KSO_WM_SPECIAL_SOURCE" val="bdnull"/>
 </p:tagLst>
 </file>
 
@@ -14410,10 +16232,7 @@
 
 <file path=ppt/tags/tag42.xml><?xml version="1.0" encoding="utf-8"?>
 <p:tagLst xmlns:p="http://schemas.openxmlformats.org/presentationml/2006/main">
-  <p:tag name="KSO_WM_BEAUTIFY_FLAG" val="#wm#"/>
-  <p:tag name="KSO_WM_TEMPLATE_CATEGORY" val="custom"/>
-  <p:tag name="KSO_WM_TEMPLATE_INDEX" val="160402"/>
-  <p:tag name="KSO_WM_SPECIAL_SOURCE" val="bdnull"/>
+  <p:tag name="KSO_WM_UNIT_PLACING_PICTURE_USER_VIEWPORT" val="{&quot;height&quot;:6720,&quot;width&quot;:8292}"/>
 </p:tagLst>
 </file>
 
@@ -14520,8 +16339,70 @@
 
 <file path=ppt/tags/tag52.xml><?xml version="1.0" encoding="utf-8"?>
 <p:tagLst xmlns:p="http://schemas.openxmlformats.org/presentationml/2006/main">
-  <p:tag name="KSO_DOCER_TEMPLATE_OPEN_ONCE_MARK" val="1"/>
-  <p:tag name="COMMONDATA" val="eyJoZGlkIjoiODcwZjc5M2RmYzUwOWE5MjVkODVjZGMyZDUwOTRjYmEifQ=="/>
+  <p:tag name="KSO_WM_BEAUTIFY_FLAG" val="#wm#"/>
+  <p:tag name="KSO_WM_TEMPLATE_CATEGORY" val="custom"/>
+  <p:tag name="KSO_WM_TEMPLATE_INDEX" val="160402"/>
+  <p:tag name="KSO_WM_SPECIAL_SOURCE" val="bdnull"/>
+</p:tagLst>
+</file>
+
+<file path=ppt/tags/tag53.xml><?xml version="1.0" encoding="utf-8"?>
+<p:tagLst xmlns:p="http://schemas.openxmlformats.org/presentationml/2006/main">
+  <p:tag name="KSO_WM_BEAUTIFY_FLAG" val="#wm#"/>
+  <p:tag name="KSO_WM_TEMPLATE_CATEGORY" val="custom"/>
+  <p:tag name="KSO_WM_TEMPLATE_INDEX" val="160402"/>
+  <p:tag name="KSO_WM_SPECIAL_SOURCE" val="bdnull"/>
+</p:tagLst>
+</file>
+
+<file path=ppt/tags/tag54.xml><?xml version="1.0" encoding="utf-8"?>
+<p:tagLst xmlns:p="http://schemas.openxmlformats.org/presentationml/2006/main">
+  <p:tag name="KSO_WM_BEAUTIFY_FLAG" val="#wm#"/>
+  <p:tag name="KSO_WM_TEMPLATE_CATEGORY" val="custom"/>
+  <p:tag name="KSO_WM_TEMPLATE_INDEX" val="160402"/>
+  <p:tag name="KSO_WM_SPECIAL_SOURCE" val="bdnull"/>
+</p:tagLst>
+</file>
+
+<file path=ppt/tags/tag55.xml><?xml version="1.0" encoding="utf-8"?>
+<p:tagLst xmlns:p="http://schemas.openxmlformats.org/presentationml/2006/main">
+  <p:tag name="KSO_WM_BEAUTIFY_FLAG" val="#wm#"/>
+  <p:tag name="KSO_WM_TEMPLATE_CATEGORY" val="custom"/>
+  <p:tag name="KSO_WM_TEMPLATE_INDEX" val="160402"/>
+  <p:tag name="KSO_WM_SPECIAL_SOURCE" val="bdnull"/>
+</p:tagLst>
+</file>
+
+<file path=ppt/tags/tag56.xml><?xml version="1.0" encoding="utf-8"?>
+<p:tagLst xmlns:p="http://schemas.openxmlformats.org/presentationml/2006/main">
+  <p:tag name="KSO_WM_BEAUTIFY_FLAG" val="#wm#"/>
+  <p:tag name="KSO_WM_TEMPLATE_CATEGORY" val="custom"/>
+  <p:tag name="KSO_WM_TEMPLATE_INDEX" val="160402"/>
+  <p:tag name="KSO_WM_SPECIAL_SOURCE" val="bdnull"/>
+</p:tagLst>
+</file>
+
+<file path=ppt/tags/tag57.xml><?xml version="1.0" encoding="utf-8"?>
+<p:tagLst xmlns:p="http://schemas.openxmlformats.org/presentationml/2006/main">
+  <p:tag name="KSO_WM_BEAUTIFY_FLAG" val="#wm#"/>
+  <p:tag name="KSO_WM_TEMPLATE_CATEGORY" val="custom"/>
+  <p:tag name="KSO_WM_TEMPLATE_INDEX" val="160402"/>
+  <p:tag name="KSO_WM_SPECIAL_SOURCE" val="bdnull"/>
+</p:tagLst>
+</file>
+
+<file path=ppt/tags/tag58.xml><?xml version="1.0" encoding="utf-8"?>
+<p:tagLst xmlns:p="http://schemas.openxmlformats.org/presentationml/2006/main">
+  <p:tag name="KSO_WM_UNIT_PLACING_PICTURE_USER_VIEWPORT" val="{&quot;height&quot;:6120,&quot;width&quot;:9264}"/>
+</p:tagLst>
+</file>
+
+<file path=ppt/tags/tag59.xml><?xml version="1.0" encoding="utf-8"?>
+<p:tagLst xmlns:p="http://schemas.openxmlformats.org/presentationml/2006/main">
+  <p:tag name="KSO_WM_BEAUTIFY_FLAG" val="#wm#"/>
+  <p:tag name="KSO_WM_TEMPLATE_CATEGORY" val="custom"/>
+  <p:tag name="KSO_WM_TEMPLATE_INDEX" val="160402"/>
+  <p:tag name="KSO_WM_SPECIAL_SOURCE" val="bdnull"/>
 </p:tagLst>
 </file>
 
@@ -14539,6 +16420,32 @@
   <p:tag name="KSO_WM_TEMPLATE_THUMBS_INDEX" val="1、9、12、16、19、20、24、27、28"/>
   <p:tag name="KSO_WM_BEAUTIFY_FLAG" val="#wm#"/>
   <p:tag name="KSO_WM_SPECIAL_SOURCE" val="bdnull"/>
+</p:tagLst>
+</file>
+
+<file path=ppt/tags/tag60.xml><?xml version="1.0" encoding="utf-8"?>
+<p:tagLst xmlns:p="http://schemas.openxmlformats.org/presentationml/2006/main">
+  <p:tag name="KSO_WM_BEAUTIFY_FLAG" val="#wm#"/>
+  <p:tag name="KSO_WM_TEMPLATE_CATEGORY" val="custom"/>
+  <p:tag name="KSO_WM_TEMPLATE_INDEX" val="160402"/>
+  <p:tag name="KSO_WM_SPECIAL_SOURCE" val="bdnull"/>
+</p:tagLst>
+</file>
+
+<file path=ppt/tags/tag61.xml><?xml version="1.0" encoding="utf-8"?>
+<p:tagLst xmlns:p="http://schemas.openxmlformats.org/presentationml/2006/main">
+  <p:tag name="KSO_WM_BEAUTIFY_FLAG" val="#wm#"/>
+  <p:tag name="KSO_WM_TEMPLATE_CATEGORY" val="custom"/>
+  <p:tag name="KSO_WM_TEMPLATE_INDEX" val="160402"/>
+  <p:tag name="KSO_WM_SPECIAL_SOURCE" val="bdnull"/>
+</p:tagLst>
+</file>
+
+<file path=ppt/tags/tag62.xml><?xml version="1.0" encoding="utf-8"?>
+<p:tagLst xmlns:p="http://schemas.openxmlformats.org/presentationml/2006/main">
+  <p:tag name="KSO_DOCER_TEMPLATE_OPEN_ONCE_MARK" val="1"/>
+  <p:tag name="COMMONDATA" val="eyJoZGlkIjoiODcwZjc5M2RmYzUwOWE5MjVkODVjZGMyZDUwOTRjYmEifQ=="/>
+  <p:tag name="KSO_WPP_MARK_KEY" val="409d257b-de08-4ad9-871a-703355bca735"/>
 </p:tagLst>
 </file>
 

--- a/Web/Server-Notes.pptx
+++ b/Web/Server-Notes.pptx
@@ -8,7 +8,7 @@
     <p:notesMasterId r:id="rId17"/>
   </p:notesMasterIdLst>
   <p:handoutMasterIdLst>
-    <p:handoutMasterId r:id="rId52"/>
+    <p:handoutMasterId r:id="rId60"/>
   </p:handoutMasterIdLst>
   <p:sldIdLst>
     <p:sldId id="256" r:id="rId3"/>
@@ -26,44 +26,52 @@
     <p:sldId id="329" r:id="rId15"/>
     <p:sldId id="277" r:id="rId16"/>
     <p:sldId id="333" r:id="rId18"/>
-    <p:sldId id="337" r:id="rId19"/>
-    <p:sldId id="334" r:id="rId20"/>
-    <p:sldId id="341" r:id="rId21"/>
-    <p:sldId id="354" r:id="rId22"/>
-    <p:sldId id="390" r:id="rId23"/>
-    <p:sldId id="389" r:id="rId24"/>
-    <p:sldId id="358" r:id="rId25"/>
-    <p:sldId id="528" r:id="rId26"/>
-    <p:sldId id="529" r:id="rId27"/>
-    <p:sldId id="359" r:id="rId28"/>
-    <p:sldId id="401" r:id="rId29"/>
-    <p:sldId id="362" r:id="rId30"/>
-    <p:sldId id="356" r:id="rId31"/>
-    <p:sldId id="363" r:id="rId32"/>
-    <p:sldId id="429" r:id="rId33"/>
-    <p:sldId id="483" r:id="rId34"/>
-    <p:sldId id="515" r:id="rId35"/>
-    <p:sldId id="558" r:id="rId36"/>
-    <p:sldId id="547" r:id="rId37"/>
-    <p:sldId id="548" r:id="rId38"/>
-    <p:sldId id="331" r:id="rId39"/>
-    <p:sldId id="516" r:id="rId40"/>
-    <p:sldId id="517" r:id="rId41"/>
-    <p:sldId id="518" r:id="rId42"/>
-    <p:sldId id="523" r:id="rId43"/>
-    <p:sldId id="524" r:id="rId44"/>
-    <p:sldId id="367" r:id="rId45"/>
-    <p:sldId id="368" r:id="rId46"/>
-    <p:sldId id="369" r:id="rId47"/>
-    <p:sldId id="570" r:id="rId48"/>
-    <p:sldId id="571" r:id="rId49"/>
-    <p:sldId id="572" r:id="rId50"/>
-    <p:sldId id="573" r:id="rId51"/>
+    <p:sldId id="633" r:id="rId19"/>
+    <p:sldId id="337" r:id="rId20"/>
+    <p:sldId id="334" r:id="rId21"/>
+    <p:sldId id="341" r:id="rId22"/>
+    <p:sldId id="354" r:id="rId23"/>
+    <p:sldId id="574" r:id="rId24"/>
+    <p:sldId id="390" r:id="rId25"/>
+    <p:sldId id="389" r:id="rId26"/>
+    <p:sldId id="671" r:id="rId27"/>
+    <p:sldId id="673" r:id="rId28"/>
+    <p:sldId id="672" r:id="rId29"/>
+    <p:sldId id="358" r:id="rId30"/>
+    <p:sldId id="528" r:id="rId31"/>
+    <p:sldId id="529" r:id="rId32"/>
+    <p:sldId id="359" r:id="rId33"/>
+    <p:sldId id="401" r:id="rId34"/>
+    <p:sldId id="362" r:id="rId35"/>
+    <p:sldId id="356" r:id="rId36"/>
+    <p:sldId id="363" r:id="rId37"/>
+    <p:sldId id="429" r:id="rId38"/>
+    <p:sldId id="483" r:id="rId39"/>
+    <p:sldId id="515" r:id="rId40"/>
+    <p:sldId id="558" r:id="rId41"/>
+    <p:sldId id="547" r:id="rId42"/>
+    <p:sldId id="548" r:id="rId43"/>
+    <p:sldId id="604" r:id="rId44"/>
+    <p:sldId id="605" r:id="rId45"/>
+    <p:sldId id="619" r:id="rId46"/>
+    <p:sldId id="331" r:id="rId47"/>
+    <p:sldId id="516" r:id="rId48"/>
+    <p:sldId id="517" r:id="rId49"/>
+    <p:sldId id="518" r:id="rId50"/>
+    <p:sldId id="523" r:id="rId51"/>
+    <p:sldId id="524" r:id="rId52"/>
+    <p:sldId id="367" r:id="rId53"/>
+    <p:sldId id="368" r:id="rId54"/>
+    <p:sldId id="369" r:id="rId55"/>
+    <p:sldId id="570" r:id="rId56"/>
+    <p:sldId id="571" r:id="rId57"/>
+    <p:sldId id="572" r:id="rId58"/>
+    <p:sldId id="573" r:id="rId59"/>
   </p:sldIdLst>
   <p:sldSz cx="12192000" cy="6858000"/>
   <p:notesSz cx="6858000" cy="9144000"/>
   <p:custDataLst>
-    <p:tags r:id="rId56"/>
+    <p:tags r:id="rId64"/>
   </p:custDataLst>
   <p:defaultTextStyle>
     <a:defPPr>
@@ -5816,7 +5824,7 @@
           <a:p>
             <a:r>
               <a:rPr lang="en-US" altLang="zh-CN"/>
-              <a:t>SAR</a:t>
+              <a:t>Operation &amp; Maintenance Tools</a:t>
             </a:r>
             <a:endParaRPr lang="en-US" altLang="zh-CN"/>
           </a:p>
@@ -5835,295 +5843,73 @@
         <p:spPr>
           <a:xfrm>
             <a:off x="838200" y="1211580"/>
-            <a:ext cx="10515600" cy="5447665"/>
+            <a:ext cx="4587240" cy="4549140"/>
           </a:xfrm>
         </p:spPr>
         <p:txBody>
-          <a:bodyPr>
-            <a:normAutofit fontScale="70000"/>
-          </a:bodyPr>
-          <a:p>
-            <a:r>
-              <a:rPr lang="en-US" altLang="zh-CN"/>
-              <a:t>sudo apt install sysstat</a:t>
-            </a:r>
-            <a:endParaRPr lang="en-US" altLang="zh-CN"/>
-          </a:p>
-          <a:p>
-            <a:r>
-              <a:rPr lang="en-US" altLang="zh-CN"/>
-              <a:t>Enable sysstat</a:t>
-            </a:r>
-            <a:endParaRPr lang="en-US" altLang="zh-CN"/>
-          </a:p>
-          <a:p>
-            <a:pPr lvl="1"/>
-            <a:r>
-              <a:rPr lang="en-US" altLang="zh-CN"/>
-              <a:t>/etc/default/sysstat false-&gt;true</a:t>
-            </a:r>
-            <a:endParaRPr lang="en-US" altLang="zh-CN"/>
-          </a:p>
-          <a:p>
-            <a:pPr lvl="0"/>
-            <a:r>
-              <a:rPr lang="en-US" altLang="zh-CN" sz="2400"/>
-              <a:t>Configure sysstat</a:t>
-            </a:r>
-            <a:endParaRPr lang="en-US" altLang="zh-CN"/>
-          </a:p>
-          <a:p>
-            <a:pPr lvl="1"/>
-            <a:r>
-              <a:rPr lang="en-US" altLang="zh-CN"/>
-              <a:t>/etc/cron.d/sysstat 5-55/10-&gt;*/2</a:t>
-            </a:r>
-            <a:endParaRPr lang="en-US" altLang="zh-CN"/>
-          </a:p>
-          <a:p>
-            <a:pPr lvl="1"/>
-            <a:r>
-              <a:rPr lang="en-US" altLang="zh-CN"/>
-              <a:t>/etc/sysstat/sysstat</a:t>
+          <a:bodyPr/>
+          <a:p>
+            <a:r>
+              <a:rPr lang="en-US" altLang="zh-CN"/>
+              <a:t>1Panel</a:t>
+            </a:r>
+            <a:endParaRPr lang="en-US" altLang="zh-CN"/>
+          </a:p>
+          <a:p>
+            <a:pPr lvl="1"/>
+            <a:r>
+              <a:rPr lang="en-US" altLang="zh-CN"/>
+              <a:t>https://github.com/1Panel-dev/1Panel</a:t>
+            </a:r>
+            <a:endParaRPr lang="en-US" altLang="zh-CN"/>
+          </a:p>
+          <a:p>
+            <a:pPr lvl="1"/>
+            <a:r>
+              <a:rPr lang="en-US" altLang="zh-CN"/>
+              <a:t>Install</a:t>
             </a:r>
             <a:endParaRPr lang="en-US" altLang="zh-CN"/>
           </a:p>
           <a:p>
             <a:pPr lvl="2"/>
             <a:r>
-              <a:rPr lang="en-US" altLang="zh-CN" sz="1800"/>
-              <a:t>HISTORY: 7-&gt;30</a:t>
-            </a:r>
-            <a:endParaRPr lang="en-US" altLang="zh-CN"/>
-          </a:p>
-          <a:p>
-            <a:pPr lvl="0"/>
-            <a:r>
-              <a:rPr lang="en-US" altLang="zh-CN"/>
-              <a:t>Start sysstat</a:t>
-            </a:r>
-            <a:endParaRPr lang="en-US" altLang="zh-CN"/>
-          </a:p>
-          <a:p>
-            <a:pPr lvl="1"/>
-            <a:r>
-              <a:rPr lang="en-US" altLang="zh-CN"/>
-              <a:t>sudo service sysstat restart</a:t>
-            </a:r>
-            <a:endParaRPr lang="en-US" altLang="zh-CN"/>
-          </a:p>
-          <a:p>
-            <a:pPr lvl="1"/>
-            <a:r>
-              <a:rPr lang="en-US" altLang="zh-CN"/>
-              <a:t>sudo service --status-all</a:t>
-            </a:r>
-            <a:endParaRPr lang="en-US" altLang="zh-CN"/>
-          </a:p>
-          <a:p>
-            <a:pPr lvl="1"/>
-            <a:r>
-              <a:rPr lang="en-US" altLang="zh-CN"/>
-              <a:t>log file: /var/log/sysstat/sa*</a:t>
-            </a:r>
-            <a:endParaRPr lang="en-US" altLang="zh-CN"/>
-          </a:p>
-          <a:p>
-            <a:pPr lvl="0"/>
-            <a:r>
-              <a:rPr lang="en-US" altLang="zh-CN"/>
-              <a:t>ksar</a:t>
-            </a:r>
-            <a:endParaRPr lang="en-US" altLang="zh-CN"/>
-          </a:p>
-          <a:p>
-            <a:pPr lvl="1"/>
-            <a:r>
-              <a:rPr lang="en-US" altLang="zh-CN"/>
-              <a:t>sudo apt install openjdk-8-jre</a:t>
-            </a:r>
-            <a:endParaRPr lang="en-US" altLang="zh-CN"/>
-          </a:p>
-          <a:p>
-            <a:pPr lvl="1"/>
-            <a:r>
-              <a:rPr lang="en-US" altLang="zh-CN"/>
-              <a:t>wget https://excellmedia.dl.sourceforge.net/project/ksar/ksar/5.0.6/kSar-5.0.6.zip</a:t>
-            </a:r>
-            <a:endParaRPr lang="en-US" altLang="zh-CN"/>
-          </a:p>
-          <a:p>
-            <a:pPr lvl="1"/>
-            <a:r>
-              <a:rPr lang="en-US" altLang="zh-CN"/>
-              <a:t>LC_ALL=C sar -A -f sa22 &gt;sa22.parse</a:t>
-            </a:r>
-            <a:endParaRPr lang="en-US" altLang="zh-CN"/>
-          </a:p>
-          <a:p>
-            <a:pPr lvl="1"/>
-            <a:r>
-              <a:rPr lang="en-US" altLang="zh-CN"/>
-              <a:t>run.sh &amp;</a:t>
-            </a:r>
-            <a:endParaRPr lang="en-US" altLang="zh-CN"/>
-          </a:p>
-          <a:p>
-            <a:pPr lvl="1"/>
-            <a:r>
-              <a:rPr lang="en-US" altLang="zh-CN"/>
-              <a:t>Select “load from text file...”</a:t>
-            </a:r>
-            <a:endParaRPr lang="en-US" altLang="zh-CN"/>
-          </a:p>
-          <a:p>
-            <a:pPr lvl="0"/>
-            <a:r>
-              <a:rPr lang="en-US" altLang="zh-CN"/>
-              <a:t>References</a:t>
-            </a:r>
-            <a:endParaRPr lang="en-US" altLang="zh-CN"/>
-          </a:p>
-          <a:p>
-            <a:pPr lvl="1"/>
-            <a:r>
-              <a:rPr lang="en-US" altLang="zh-CN"/>
-              <a:t>https://www.howtoforge.com/install-and-configure-sar-and-ksar-for-daily-monitoring-on-linux-and-generate-pdf-reports/</a:t>
-            </a:r>
-            <a:endParaRPr lang="en-US" altLang="zh-CN"/>
-          </a:p>
-        </p:txBody>
-      </p:sp>
-      <p:sp>
-        <p:nvSpPr>
-          <p:cNvPr id="4" name="文本框 3"/>
-          <p:cNvSpPr txBox="1"/>
+              <a:rPr lang="en-US" altLang="zh-CN"/>
+              <a:t>curl -sSL https://resource.fit2cloud.com/1panel/package/quick_start.sh -o quick_start.sh &amp;&amp; sudo bash quick_start.sh</a:t>
+            </a:r>
+            <a:endParaRPr lang="en-US" altLang="zh-CN"/>
+          </a:p>
+        </p:txBody>
+      </p:sp>
+      <p:pic>
+        <p:nvPicPr>
+          <p:cNvPr id="100" name="图片 99"/>
+          <p:cNvPicPr/>
           <p:nvPr/>
-        </p:nvSpPr>
+        </p:nvPicPr>
+        <p:blipFill>
+          <a:blip r:embed="rId1"/>
+          <a:stretch>
+            <a:fillRect/>
+          </a:stretch>
+        </p:blipFill>
         <p:spPr>
           <a:xfrm>
-            <a:off x="6075680" y="1211580"/>
-            <a:ext cx="5632450" cy="3415030"/>
+            <a:off x="5531485" y="1278890"/>
+            <a:ext cx="6270625" cy="3018155"/>
           </a:xfrm>
           <a:prstGeom prst="rect">
             <a:avLst/>
           </a:prstGeom>
           <a:noFill/>
-          <a:ln>
-            <a:solidFill>
-              <a:srgbClr val="FFC000"/>
-            </a:solidFill>
+          <a:ln w="9525">
+            <a:noFill/>
           </a:ln>
         </p:spPr>
-        <p:txBody>
-          <a:bodyPr wrap="square" rtlCol="0">
-            <a:spAutoFit/>
-          </a:bodyPr>
-          <a:p>
-            <a:r>
-              <a:rPr lang="zh-CN" altLang="en-US"/>
-              <a:t>#!/bin/bash</a:t>
-            </a:r>
-            <a:endParaRPr lang="zh-CN" altLang="en-US"/>
-          </a:p>
-          <a:p>
-            <a:r>
-              <a:rPr lang="zh-CN" altLang="en-US"/>
-              <a:t>idx=`date --date="1 days ago" +%</a:t>
-            </a:r>
-            <a:r>
-              <a:rPr lang="en-US" altLang="zh-CN"/>
-              <a:t>Y%m%</a:t>
-            </a:r>
-            <a:r>
-              <a:rPr lang="zh-CN" altLang="en-US"/>
-              <a:t>d`</a:t>
-            </a:r>
-            <a:endParaRPr lang="zh-CN" altLang="en-US"/>
-          </a:p>
-          <a:p>
-            <a:endParaRPr lang="zh-CN" altLang="en-US"/>
-          </a:p>
-          <a:p>
-            <a:r>
-              <a:rPr lang="zh-CN" altLang="en-US"/>
-              <a:t>work_dir="/home/lgm/SarReports/"</a:t>
-            </a:r>
-            <a:endParaRPr lang="zh-CN" altLang="en-US"/>
-          </a:p>
-          <a:p>
-            <a:r>
-              <a:rPr lang="zh-CN" altLang="en-US"/>
-              <a:t>sar_file="$work_dir/sa$idx"</a:t>
-            </a:r>
-            <a:endParaRPr lang="zh-CN" altLang="en-US"/>
-          </a:p>
-          <a:p>
-            <a:r>
-              <a:rPr lang="zh-CN" altLang="en-US"/>
-              <a:t>pdf_file="$work_dir/sa$idx.pdf'</a:t>
-            </a:r>
-            <a:endParaRPr lang="zh-CN" altLang="en-US"/>
-          </a:p>
-          <a:p>
-            <a:r>
-              <a:rPr lang="en-US" altLang="zh-CN"/>
-              <a:t>ksar_dir=”</a:t>
-            </a:r>
-            <a:r>
-              <a:rPr lang="zh-CN" altLang="en-US">
-                <a:sym typeface="+mn-ea"/>
-              </a:rPr>
-              <a:t>/home/lgm/Programs/kSar-5.0.6/</a:t>
-            </a:r>
-            <a:r>
-              <a:rPr lang="en-US" altLang="zh-CN">
-                <a:sym typeface="+mn-ea"/>
-              </a:rPr>
-              <a:t>”</a:t>
-            </a:r>
-            <a:endParaRPr lang="zh-CN" altLang="en-US"/>
-          </a:p>
-          <a:p>
-            <a:endParaRPr lang="zh-CN" altLang="en-US"/>
-          </a:p>
-          <a:p>
-            <a:r>
-              <a:rPr lang="zh-CN" altLang="en-US"/>
-              <a:t>LC_ALL=C sar -A -f /var/log/sysstat/sa$idx &gt; $sar_file</a:t>
-            </a:r>
-            <a:endParaRPr lang="zh-CN" altLang="en-US"/>
-          </a:p>
-          <a:p>
-            <a:r>
-              <a:rPr lang="zh-CN" altLang="en-US"/>
-              <a:t>cd </a:t>
-            </a:r>
-            <a:r>
-              <a:rPr lang="en-US" altLang="zh-CN"/>
-              <a:t>$ksar_dir</a:t>
-            </a:r>
-            <a:endParaRPr lang="en-US" altLang="zh-CN"/>
-          </a:p>
-          <a:p>
-            <a:r>
-              <a:rPr lang="zh-CN" altLang="en-US"/>
-              <a:t>java -jar kSar.jar -input $sar_file -outputPDF $pdf_file</a:t>
-            </a:r>
-            <a:endParaRPr lang="zh-CN" altLang="en-US"/>
-          </a:p>
-          <a:p>
-            <a:r>
-              <a:rPr lang="zh-CN" altLang="en-US"/>
-              <a:t>echo "Ksar graph successfully generated"</a:t>
-            </a:r>
-            <a:endParaRPr lang="zh-CN" altLang="en-US"/>
-          </a:p>
-        </p:txBody>
-      </p:sp>
+      </p:pic>
     </p:spTree>
     <p:custDataLst>
-      <p:tags r:id="rId1"/>
+      <p:tags r:id="rId2"/>
     </p:custDataLst>
   </p:cSld>
   <p:clrMapOvr>
@@ -6157,18 +5943,10 @@
           <a:bodyPr/>
           <a:p>
             <a:r>
-              <a:rPr lang="zh-CN" altLang="en-US"/>
-              <a:t>阿里云域名</a:t>
-            </a:r>
-            <a:r>
-              <a:rPr lang="en-US" altLang="zh-CN"/>
-              <a:t>+</a:t>
-            </a:r>
-            <a:r>
-              <a:rPr lang="zh-CN" altLang="en-US"/>
-              <a:t>腾讯云服务器</a:t>
-            </a:r>
-            <a:endParaRPr lang="zh-CN" altLang="en-US"/>
+              <a:rPr lang="en-US" altLang="zh-CN"/>
+              <a:t>SAR</a:t>
+            </a:r>
+            <a:endParaRPr lang="en-US" altLang="zh-CN"/>
           </a:p>
         </p:txBody>
       </p:sp>
@@ -6182,10 +5960,152 @@
             <p:ph idx="1"/>
           </p:nvPr>
         </p:nvSpPr>
-        <p:spPr/>
-        <p:txBody>
-          <a:bodyPr/>
-          <a:p>
+        <p:spPr>
+          <a:xfrm>
+            <a:off x="838200" y="1211580"/>
+            <a:ext cx="10515600" cy="5447665"/>
+          </a:xfrm>
+        </p:spPr>
+        <p:txBody>
+          <a:bodyPr>
+            <a:normAutofit fontScale="70000"/>
+          </a:bodyPr>
+          <a:p>
+            <a:r>
+              <a:rPr lang="en-US" altLang="zh-CN"/>
+              <a:t>sudo apt install sysstat</a:t>
+            </a:r>
+            <a:endParaRPr lang="en-US" altLang="zh-CN"/>
+          </a:p>
+          <a:p>
+            <a:r>
+              <a:rPr lang="en-US" altLang="zh-CN"/>
+              <a:t>Enable sysstat</a:t>
+            </a:r>
+            <a:endParaRPr lang="en-US" altLang="zh-CN"/>
+          </a:p>
+          <a:p>
+            <a:pPr lvl="1"/>
+            <a:r>
+              <a:rPr lang="en-US" altLang="zh-CN"/>
+              <a:t>/etc/default/sysstat false-&gt;true</a:t>
+            </a:r>
+            <a:endParaRPr lang="en-US" altLang="zh-CN"/>
+          </a:p>
+          <a:p>
+            <a:pPr lvl="0"/>
+            <a:r>
+              <a:rPr lang="en-US" altLang="zh-CN" sz="2400"/>
+              <a:t>Configure sysstat</a:t>
+            </a:r>
+            <a:endParaRPr lang="en-US" altLang="zh-CN"/>
+          </a:p>
+          <a:p>
+            <a:pPr lvl="1"/>
+            <a:r>
+              <a:rPr lang="en-US" altLang="zh-CN"/>
+              <a:t>/etc/cron.d/sysstat 5-55/10-&gt;*/2</a:t>
+            </a:r>
+            <a:endParaRPr lang="en-US" altLang="zh-CN"/>
+          </a:p>
+          <a:p>
+            <a:pPr lvl="1"/>
+            <a:r>
+              <a:rPr lang="en-US" altLang="zh-CN"/>
+              <a:t>/etc/sysstat/sysstat</a:t>
+            </a:r>
+            <a:endParaRPr lang="en-US" altLang="zh-CN"/>
+          </a:p>
+          <a:p>
+            <a:pPr lvl="2"/>
+            <a:r>
+              <a:rPr lang="en-US" altLang="zh-CN" sz="1800"/>
+              <a:t>HISTORY: 7-&gt;30</a:t>
+            </a:r>
+            <a:endParaRPr lang="en-US" altLang="zh-CN"/>
+          </a:p>
+          <a:p>
+            <a:pPr lvl="0"/>
+            <a:r>
+              <a:rPr lang="en-US" altLang="zh-CN"/>
+              <a:t>Start sysstat</a:t>
+            </a:r>
+            <a:endParaRPr lang="en-US" altLang="zh-CN"/>
+          </a:p>
+          <a:p>
+            <a:pPr lvl="1"/>
+            <a:r>
+              <a:rPr lang="en-US" altLang="zh-CN"/>
+              <a:t>sudo service sysstat restart</a:t>
+            </a:r>
+            <a:endParaRPr lang="en-US" altLang="zh-CN"/>
+          </a:p>
+          <a:p>
+            <a:pPr lvl="1"/>
+            <a:r>
+              <a:rPr lang="en-US" altLang="zh-CN"/>
+              <a:t>sudo service --status-all</a:t>
+            </a:r>
+            <a:endParaRPr lang="en-US" altLang="zh-CN"/>
+          </a:p>
+          <a:p>
+            <a:pPr lvl="1"/>
+            <a:r>
+              <a:rPr lang="en-US" altLang="zh-CN"/>
+              <a:t>log file: /var/log/sysstat/sa*</a:t>
+            </a:r>
+            <a:endParaRPr lang="en-US" altLang="zh-CN"/>
+          </a:p>
+          <a:p>
+            <a:pPr lvl="0"/>
+            <a:r>
+              <a:rPr lang="en-US" altLang="zh-CN"/>
+              <a:t>ksar</a:t>
+            </a:r>
+            <a:endParaRPr lang="en-US" altLang="zh-CN"/>
+          </a:p>
+          <a:p>
+            <a:pPr lvl="1"/>
+            <a:r>
+              <a:rPr lang="en-US" altLang="zh-CN"/>
+              <a:t>sudo apt install openjdk-8-jre</a:t>
+            </a:r>
+            <a:endParaRPr lang="en-US" altLang="zh-CN"/>
+          </a:p>
+          <a:p>
+            <a:pPr lvl="1"/>
+            <a:r>
+              <a:rPr lang="en-US" altLang="zh-CN"/>
+              <a:t>wget https://excellmedia.dl.sourceforge.net/project/ksar/ksar/5.0.6/kSar-5.0.6.zip</a:t>
+            </a:r>
+            <a:endParaRPr lang="en-US" altLang="zh-CN"/>
+          </a:p>
+          <a:p>
+            <a:pPr lvl="1"/>
+            <a:r>
+              <a:rPr lang="en-US" altLang="zh-CN"/>
+              <a:t>LC_ALL=C sar -A -f sa22 &gt;sa22.parse</a:t>
+            </a:r>
+            <a:endParaRPr lang="en-US" altLang="zh-CN"/>
+          </a:p>
+          <a:p>
+            <a:pPr lvl="1"/>
+            <a:r>
+              <a:rPr lang="en-US" altLang="zh-CN"/>
+              <a:t>run.sh &amp;</a:t>
+            </a:r>
+            <a:endParaRPr lang="en-US" altLang="zh-CN"/>
+          </a:p>
+          <a:p>
+            <a:pPr lvl="1"/>
+            <a:r>
+              <a:rPr lang="en-US" altLang="zh-CN"/>
+              <a:t>Select “load from text file...”</a:t>
+            </a:r>
+            <a:endParaRPr lang="en-US" altLang="zh-CN"/>
+          </a:p>
+          <a:p>
+            <a:pPr lvl="0"/>
             <a:r>
               <a:rPr lang="en-US" altLang="zh-CN"/>
               <a:t>References</a:t>
@@ -6196,73 +6116,136 @@
             <a:pPr lvl="1"/>
             <a:r>
               <a:rPr lang="en-US" altLang="zh-CN"/>
-              <a:t>https://blog.csdn.net/daotiao0199/article/details/81945865</a:t>
-            </a:r>
-            <a:endParaRPr lang="en-US" altLang="zh-CN"/>
-          </a:p>
-          <a:p>
-            <a:pPr lvl="0"/>
-            <a:r>
-              <a:rPr lang="en-US" altLang="zh-CN" sz="2400"/>
-              <a:t>Steps</a:t>
-            </a:r>
-            <a:endParaRPr lang="en-US" altLang="zh-CN" sz="2400"/>
-          </a:p>
-          <a:p>
-            <a:pPr lvl="1"/>
-            <a:r>
-              <a:rPr lang="en-US" altLang="zh-CN"/>
-              <a:t>阿里云-&gt;控制台-&gt;域名-&gt;域名列表-&gt;管理</a:t>
-            </a:r>
-            <a:endParaRPr lang="en-US" altLang="zh-CN" sz="2000"/>
-          </a:p>
-          <a:p>
-            <a:pPr lvl="1"/>
-            <a:r>
-              <a:rPr lang="en-US" altLang="zh-CN"/>
-              <a:t>修改域名的DNS服务器</a:t>
-            </a:r>
+              <a:t>https://www.howtoforge.com/install-and-configure-sar-and-ksar-for-daily-monitoring-on-linux-and-generate-pdf-reports/</a:t>
+            </a:r>
+            <a:endParaRPr lang="en-US" altLang="zh-CN"/>
+          </a:p>
+        </p:txBody>
+      </p:sp>
+      <p:sp>
+        <p:nvSpPr>
+          <p:cNvPr id="4" name="文本框 3"/>
+          <p:cNvSpPr txBox="1"/>
+          <p:nvPr/>
+        </p:nvSpPr>
+        <p:spPr>
+          <a:xfrm>
+            <a:off x="6075680" y="1211580"/>
+            <a:ext cx="5632450" cy="3415030"/>
+          </a:xfrm>
+          <a:prstGeom prst="rect">
+            <a:avLst/>
+          </a:prstGeom>
+          <a:noFill/>
+          <a:ln>
+            <a:solidFill>
+              <a:srgbClr val="FFC000"/>
+            </a:solidFill>
+          </a:ln>
+        </p:spPr>
+        <p:txBody>
+          <a:bodyPr wrap="square" rtlCol="0">
+            <a:spAutoFit/>
+          </a:bodyPr>
+          <a:p>
             <a:r>
               <a:rPr lang="zh-CN" altLang="en-US"/>
-              <a:t>为</a:t>
-            </a:r>
-            <a:r>
-              <a:rPr lang="en-US" altLang="zh-CN"/>
-              <a:t>s1g1ns1.dnspod.net</a:t>
-            </a:r>
+              <a:t>#!/bin/bash</a:t>
+            </a:r>
+            <a:endParaRPr lang="zh-CN" altLang="en-US"/>
+          </a:p>
+          <a:p>
             <a:r>
               <a:rPr lang="zh-CN" altLang="en-US"/>
-              <a:t>和</a:t>
+              <a:t>idx=`date --date="1 days ago" +%</a:t>
+            </a:r>
+            <a:r>
+              <a:rPr lang="en-US" altLang="zh-CN"/>
+              <a:t>Y%m%</a:t>
+            </a:r>
+            <a:r>
+              <a:rPr lang="zh-CN" altLang="en-US"/>
+              <a:t>d`</a:t>
+            </a:r>
+            <a:endParaRPr lang="zh-CN" altLang="en-US"/>
+          </a:p>
+          <a:p>
+            <a:endParaRPr lang="zh-CN" altLang="en-US"/>
+          </a:p>
+          <a:p>
+            <a:r>
+              <a:rPr lang="zh-CN" altLang="en-US"/>
+              <a:t>work_dir="/home/lgm/SarReports/"</a:t>
+            </a:r>
+            <a:endParaRPr lang="zh-CN" altLang="en-US"/>
+          </a:p>
+          <a:p>
+            <a:r>
+              <a:rPr lang="zh-CN" altLang="en-US"/>
+              <a:t>sar_file="$work_dir/sa$idx"</a:t>
+            </a:r>
+            <a:endParaRPr lang="zh-CN" altLang="en-US"/>
+          </a:p>
+          <a:p>
+            <a:r>
+              <a:rPr lang="zh-CN" altLang="en-US"/>
+              <a:t>pdf_file="$work_dir/sa$idx.pdf'</a:t>
+            </a:r>
+            <a:endParaRPr lang="zh-CN" altLang="en-US"/>
+          </a:p>
+          <a:p>
+            <a:r>
+              <a:rPr lang="en-US" altLang="zh-CN"/>
+              <a:t>ksar_dir=”</a:t>
+            </a:r>
+            <a:r>
+              <a:rPr lang="zh-CN" altLang="en-US">
+                <a:sym typeface="+mn-ea"/>
+              </a:rPr>
+              <a:t>/home/lgm/Programs/kSar-5.0.6/</a:t>
             </a:r>
             <a:r>
               <a:rPr lang="en-US" altLang="zh-CN">
                 <a:sym typeface="+mn-ea"/>
               </a:rPr>
-              <a:t>s1g1ns2.dnspod.net</a:t>
-            </a:r>
-            <a:endParaRPr lang="en-US" altLang="zh-CN">
-              <a:sym typeface="+mn-ea"/>
-            </a:endParaRPr>
-          </a:p>
-          <a:p>
-            <a:pPr lvl="1"/>
-            <a:r>
-              <a:rPr lang="en-US" altLang="zh-CN"/>
-              <a:t>腾讯云-&gt;控制台-&gt;域名服务-&gt;我的域名-&gt;添加解析</a:t>
-            </a:r>
-            <a:endParaRPr lang="en-US" altLang="zh-CN"/>
-          </a:p>
-          <a:p>
-            <a:pPr lvl="1"/>
+              <a:t>”</a:t>
+            </a:r>
+            <a:endParaRPr lang="zh-CN" altLang="en-US"/>
+          </a:p>
+          <a:p>
+            <a:endParaRPr lang="zh-CN" altLang="en-US"/>
+          </a:p>
+          <a:p>
             <a:r>
               <a:rPr lang="zh-CN" altLang="en-US"/>
-              <a:t>腾讯云域名诊断工具 </a:t>
-            </a:r>
-            <a:r>
-              <a:rPr lang="en-US" altLang="zh-CN"/>
-              <a:t>https://domaintool.cloud.tencent.com</a:t>
-            </a:r>
-            <a:endParaRPr lang="en-US" altLang="zh-CN"/>
+              <a:t>LC_ALL=C sar -A -f /var/log/sysstat/sa$idx &gt; $sar_file</a:t>
+            </a:r>
+            <a:endParaRPr lang="zh-CN" altLang="en-US"/>
+          </a:p>
+          <a:p>
+            <a:r>
+              <a:rPr lang="zh-CN" altLang="en-US"/>
+              <a:t>cd </a:t>
+            </a:r>
+            <a:r>
+              <a:rPr lang="en-US" altLang="zh-CN"/>
+              <a:t>$ksar_dir</a:t>
+            </a:r>
+            <a:endParaRPr lang="en-US" altLang="zh-CN"/>
+          </a:p>
+          <a:p>
+            <a:r>
+              <a:rPr lang="zh-CN" altLang="en-US"/>
+              <a:t>java -jar kSar.jar -input $sar_file -outputPDF $pdf_file</a:t>
+            </a:r>
+            <a:endParaRPr lang="zh-CN" altLang="en-US"/>
+          </a:p>
+          <a:p>
+            <a:r>
+              <a:rPr lang="zh-CN" altLang="en-US"/>
+              <a:t>echo "Ksar graph successfully generated"</a:t>
+            </a:r>
+            <a:endParaRPr lang="zh-CN" altLang="en-US"/>
           </a:p>
         </p:txBody>
       </p:sp>
@@ -6278,6 +6261,151 @@
 </file>
 
 <file path=ppt/slides/slide18.xml><?xml version="1.0" encoding="utf-8"?>
+<p:sld xmlns:a="http://schemas.openxmlformats.org/drawingml/2006/main" xmlns:r="http://schemas.openxmlformats.org/officeDocument/2006/relationships" xmlns:p="http://schemas.openxmlformats.org/presentationml/2006/main">
+  <p:cSld>
+    <p:spTree>
+      <p:nvGrpSpPr>
+        <p:cNvPr id="1" name=""/>
+        <p:cNvGrpSpPr/>
+        <p:nvPr/>
+      </p:nvGrpSpPr>
+      <p:grpSpPr/>
+      <p:sp>
+        <p:nvSpPr>
+          <p:cNvPr id="2" name="标题 1"/>
+          <p:cNvSpPr>
+            <a:spLocks noGrp="1"/>
+          </p:cNvSpPr>
+          <p:nvPr>
+            <p:ph type="title"/>
+          </p:nvPr>
+        </p:nvSpPr>
+        <p:spPr/>
+        <p:txBody>
+          <a:bodyPr/>
+          <a:p>
+            <a:r>
+              <a:rPr lang="zh-CN" altLang="en-US"/>
+              <a:t>阿里云域名</a:t>
+            </a:r>
+            <a:r>
+              <a:rPr lang="en-US" altLang="zh-CN"/>
+              <a:t>+</a:t>
+            </a:r>
+            <a:r>
+              <a:rPr lang="zh-CN" altLang="en-US"/>
+              <a:t>腾讯云服务器</a:t>
+            </a:r>
+            <a:endParaRPr lang="zh-CN" altLang="en-US"/>
+          </a:p>
+        </p:txBody>
+      </p:sp>
+      <p:sp>
+        <p:nvSpPr>
+          <p:cNvPr id="3" name="内容占位符 2"/>
+          <p:cNvSpPr>
+            <a:spLocks noGrp="1"/>
+          </p:cNvSpPr>
+          <p:nvPr>
+            <p:ph idx="1"/>
+          </p:nvPr>
+        </p:nvSpPr>
+        <p:spPr/>
+        <p:txBody>
+          <a:bodyPr/>
+          <a:p>
+            <a:r>
+              <a:rPr lang="en-US" altLang="zh-CN"/>
+              <a:t>References</a:t>
+            </a:r>
+            <a:endParaRPr lang="en-US" altLang="zh-CN"/>
+          </a:p>
+          <a:p>
+            <a:pPr lvl="1"/>
+            <a:r>
+              <a:rPr lang="en-US" altLang="zh-CN"/>
+              <a:t>https://blog.csdn.net/daotiao0199/article/details/81945865</a:t>
+            </a:r>
+            <a:endParaRPr lang="en-US" altLang="zh-CN"/>
+          </a:p>
+          <a:p>
+            <a:pPr lvl="0"/>
+            <a:r>
+              <a:rPr lang="en-US" altLang="zh-CN" sz="2400"/>
+              <a:t>Steps</a:t>
+            </a:r>
+            <a:endParaRPr lang="en-US" altLang="zh-CN" sz="2400"/>
+          </a:p>
+          <a:p>
+            <a:pPr lvl="1"/>
+            <a:r>
+              <a:rPr lang="en-US" altLang="zh-CN"/>
+              <a:t>阿里云-&gt;控制台-&gt;域名-&gt;域名列表-&gt;管理</a:t>
+            </a:r>
+            <a:endParaRPr lang="en-US" altLang="zh-CN" sz="2000"/>
+          </a:p>
+          <a:p>
+            <a:pPr lvl="1"/>
+            <a:r>
+              <a:rPr lang="en-US" altLang="zh-CN"/>
+              <a:t>修改域名的DNS服务器</a:t>
+            </a:r>
+            <a:r>
+              <a:rPr lang="zh-CN" altLang="en-US"/>
+              <a:t>为</a:t>
+            </a:r>
+            <a:r>
+              <a:rPr lang="en-US" altLang="zh-CN"/>
+              <a:t>s1g1ns1.dnspod.net</a:t>
+            </a:r>
+            <a:r>
+              <a:rPr lang="zh-CN" altLang="en-US"/>
+              <a:t>和</a:t>
+            </a:r>
+            <a:r>
+              <a:rPr lang="en-US" altLang="zh-CN">
+                <a:sym typeface="+mn-ea"/>
+              </a:rPr>
+              <a:t>s1g1ns2.dnspod.net</a:t>
+            </a:r>
+            <a:endParaRPr lang="en-US" altLang="zh-CN">
+              <a:sym typeface="+mn-ea"/>
+            </a:endParaRPr>
+          </a:p>
+          <a:p>
+            <a:pPr lvl="1"/>
+            <a:r>
+              <a:rPr lang="en-US" altLang="zh-CN"/>
+              <a:t>腾讯云-&gt;控制台-&gt;域名服务-&gt;我的域名-&gt;添加解析</a:t>
+            </a:r>
+            <a:endParaRPr lang="en-US" altLang="zh-CN"/>
+          </a:p>
+          <a:p>
+            <a:pPr lvl="1"/>
+            <a:r>
+              <a:rPr lang="zh-CN" altLang="en-US"/>
+              <a:t>腾讯云域名诊断工具 </a:t>
+            </a:r>
+            <a:r>
+              <a:rPr lang="en-US" altLang="zh-CN"/>
+              <a:t>https://domaintool.cloud.tencent.com</a:t>
+            </a:r>
+            <a:endParaRPr lang="en-US" altLang="zh-CN"/>
+          </a:p>
+        </p:txBody>
+      </p:sp>
+    </p:spTree>
+    <p:custDataLst>
+      <p:tags r:id="rId1"/>
+    </p:custDataLst>
+  </p:cSld>
+  <p:clrMapOvr>
+    <a:masterClrMapping/>
+  </p:clrMapOvr>
+</p:sld>
+</file>
+
+<file path=ppt/slides/slide19.xml><?xml version="1.0" encoding="utf-8"?>
 <p:sld xmlns:a="http://schemas.openxmlformats.org/drawingml/2006/main" xmlns:r="http://schemas.openxmlformats.org/officeDocument/2006/relationships" xmlns:p="http://schemas.openxmlformats.org/presentationml/2006/main">
   <p:cSld>
     <p:spTree>
@@ -6410,7 +6538,7 @@
 </p:sld>
 </file>
 
-<file path=ppt/slides/slide19.xml><?xml version="1.0" encoding="utf-8"?>
+<file path=ppt/slides/slide2.xml><?xml version="1.0" encoding="utf-8"?>
 <p:sld xmlns:a="http://schemas.openxmlformats.org/drawingml/2006/main" xmlns:r="http://schemas.openxmlformats.org/officeDocument/2006/relationships" xmlns:p="http://schemas.openxmlformats.org/presentationml/2006/main">
   <p:cSld>
     <p:spTree>
@@ -6436,7 +6564,7 @@
           <a:p>
             <a:r>
               <a:rPr lang="en-US" altLang="zh-CN"/>
-              <a:t>Set Up VPN</a:t>
+              <a:t>Change History</a:t>
             </a:r>
             <a:endParaRPr lang="en-US" altLang="zh-CN"/>
           </a:p>
@@ -6452,6 +6580,95 @@
             <p:ph idx="1"/>
           </p:nvPr>
         </p:nvSpPr>
+        <p:spPr/>
+        <p:txBody>
+          <a:bodyPr/>
+          <a:p>
+            <a:r>
+              <a:rPr lang="en-US" altLang="zh-CN"/>
+              <a:t>11/24/2021</a:t>
+            </a:r>
+            <a:endParaRPr lang="en-US" altLang="zh-CN"/>
+          </a:p>
+          <a:p>
+            <a:pPr lvl="1"/>
+            <a:r>
+              <a:rPr lang="en-US" altLang="zh-CN"/>
+              <a:t>Added “Lets’ Encrypt for Docker” slide</a:t>
+            </a:r>
+            <a:endParaRPr lang="en-US" altLang="zh-CN"/>
+          </a:p>
+          <a:p>
+            <a:pPr lvl="0"/>
+            <a:r>
+              <a:rPr lang="en-US" altLang="zh-CN"/>
+              <a:t>3/7/2022</a:t>
+            </a:r>
+            <a:endParaRPr lang="en-US" altLang="zh-CN"/>
+          </a:p>
+          <a:p>
+            <a:pPr lvl="1"/>
+            <a:r>
+              <a:rPr lang="en-US" altLang="zh-CN"/>
+              <a:t>Added ssh slide</a:t>
+            </a:r>
+            <a:endParaRPr lang="en-US" altLang="zh-CN"/>
+          </a:p>
+        </p:txBody>
+      </p:sp>
+    </p:spTree>
+    <p:custDataLst>
+      <p:tags r:id="rId1"/>
+    </p:custDataLst>
+  </p:cSld>
+  <p:clrMapOvr>
+    <a:masterClrMapping/>
+  </p:clrMapOvr>
+</p:sld>
+</file>
+
+<file path=ppt/slides/slide20.xml><?xml version="1.0" encoding="utf-8"?>
+<p:sld xmlns:a="http://schemas.openxmlformats.org/drawingml/2006/main" xmlns:r="http://schemas.openxmlformats.org/officeDocument/2006/relationships" xmlns:p="http://schemas.openxmlformats.org/presentationml/2006/main">
+  <p:cSld>
+    <p:spTree>
+      <p:nvGrpSpPr>
+        <p:cNvPr id="1" name=""/>
+        <p:cNvGrpSpPr/>
+        <p:nvPr/>
+      </p:nvGrpSpPr>
+      <p:grpSpPr/>
+      <p:sp>
+        <p:nvSpPr>
+          <p:cNvPr id="2" name="标题 1"/>
+          <p:cNvSpPr>
+            <a:spLocks noGrp="1"/>
+          </p:cNvSpPr>
+          <p:nvPr>
+            <p:ph type="title"/>
+          </p:nvPr>
+        </p:nvSpPr>
+        <p:spPr/>
+        <p:txBody>
+          <a:bodyPr/>
+          <a:p>
+            <a:r>
+              <a:rPr lang="en-US" altLang="zh-CN"/>
+              <a:t>Set Up VPN</a:t>
+            </a:r>
+            <a:endParaRPr lang="en-US" altLang="zh-CN"/>
+          </a:p>
+        </p:txBody>
+      </p:sp>
+      <p:sp>
+        <p:nvSpPr>
+          <p:cNvPr id="3" name="内容占位符 2"/>
+          <p:cNvSpPr>
+            <a:spLocks noGrp="1"/>
+          </p:cNvSpPr>
+          <p:nvPr>
+            <p:ph idx="1"/>
+          </p:nvPr>
+        </p:nvSpPr>
         <p:spPr>
           <a:xfrm>
             <a:off x="838200" y="1211580"/>
@@ -6460,7 +6677,7 @@
         </p:spPr>
         <p:txBody>
           <a:bodyPr>
-            <a:normAutofit fontScale="80000"/>
+            <a:normAutofit fontScale="70000"/>
           </a:bodyPr>
           <a:p>
             <a:r>
@@ -6536,7 +6753,7 @@
             <a:pPr lvl="3"/>
             <a:r>
               <a:rPr lang="en-US" altLang="zh-CN"/>
-              <a:t>localip 192.168.0.1</a:t>
+              <a:t>localip {server-ip}</a:t>
             </a:r>
             <a:endParaRPr lang="en-US" altLang="zh-CN"/>
           </a:p>
@@ -6560,7 +6777,15 @@
             <a:pPr lvl="3"/>
             <a:r>
               <a:rPr lang="en-US" altLang="zh-CN"/>
-              <a:t>ms-dns: 8.8.8.8 8.8.4.4</a:t>
+              <a:t>ms-dns 8.8.8.8</a:t>
+            </a:r>
+            <a:endParaRPr lang="en-US" altLang="zh-CN"/>
+          </a:p>
+          <a:p>
+            <a:pPr lvl="3"/>
+            <a:r>
+              <a:rPr lang="en-US" altLang="zh-CN"/>
+              <a:t>ms-dns 8.8.4.4</a:t>
             </a:r>
             <a:endParaRPr lang="en-US" altLang="zh-CN"/>
           </a:p>
@@ -6768,340 +6993,148 @@
           <a:p>
             <a:pPr lvl="2"/>
             <a:r>
+              <a:rPr lang="en-US" altLang="zh-CN" sz="1200"/>
+              <a:t>/etc/init.d/pptpd restart</a:t>
+            </a:r>
+            <a:endParaRPr lang="en-US" altLang="zh-CN" sz="1200"/>
+          </a:p>
+          <a:p>
+            <a:pPr lvl="2"/>
+            <a:r>
+              <a:rPr lang="en-US" altLang="zh-CN" sz="1200"/>
+              <a:t>iptables -I INPUT -p tcp --dport 1723 -j ACCEPT</a:t>
+            </a:r>
+            <a:endParaRPr lang="en-US" altLang="zh-CN" sz="1200"/>
+          </a:p>
+          <a:p>
+            <a:pPr lvl="2"/>
+            <a:r>
+              <a:rPr lang="en-US" altLang="zh-CN" sz="1200"/>
+              <a:t>Edit /etc/sysctl.conf</a:t>
+            </a:r>
+            <a:endParaRPr lang="en-US" altLang="zh-CN" sz="1200"/>
+          </a:p>
+          <a:p>
+            <a:pPr lvl="3"/>
+            <a:r>
+              <a:rPr lang="en-US" altLang="zh-CN" sz="1200"/>
+              <a:t>	net.ipv4.ip_forward = 1</a:t>
+            </a:r>
+            <a:endParaRPr lang="en-US" altLang="zh-CN" sz="1200"/>
+          </a:p>
+          <a:p>
+            <a:pPr lvl="2"/>
+            <a:r>
+              <a:rPr lang="en-US" altLang="zh-CN" sz="1200"/>
+              <a:t>sysctl -p</a:t>
+            </a:r>
+            <a:endParaRPr lang="en-US" altLang="zh-CN" sz="1200"/>
+          </a:p>
+          <a:p>
+            <a:pPr lvl="3"/>
+            <a:r>
+              <a:rPr lang="en-US" altLang="zh-CN" sz="1200">
+                <a:sym typeface="+mn-ea"/>
+              </a:rPr>
+              <a:t>cat /proc/sys/net/ipv4/ip_forward: 1</a:t>
+            </a:r>
+            <a:endParaRPr lang="en-US" altLang="zh-CN" sz="1200"/>
+          </a:p>
+          <a:p>
+            <a:pPr lvl="2"/>
+            <a:r>
+              <a:rPr lang="en-US" altLang="zh-CN" sz="1200"/>
+              <a:t>/etc/init.d/procps restart</a:t>
+            </a:r>
+            <a:endParaRPr lang="en-US" altLang="zh-CN" sz="1200"/>
+          </a:p>
+          <a:p>
+            <a:pPr lvl="2"/>
+            <a:r>
+              <a:rPr lang="en-US" altLang="zh-CN" sz="1200"/>
+              <a:t>apt-get install iptables</a:t>
+            </a:r>
+            <a:endParaRPr lang="en-US" altLang="zh-CN" sz="1200"/>
+          </a:p>
+          <a:p>
+            <a:pPr lvl="2"/>
+            <a:r>
+              <a:rPr lang="en-US" altLang="zh-CN" sz="1200"/>
+              <a:t>sudo ifconfig</a:t>
+            </a:r>
+            <a:endParaRPr lang="en-US" altLang="zh-CN" sz="1200"/>
+          </a:p>
+          <a:p>
+            <a:pPr lvl="3"/>
+            <a:r>
+              <a:rPr lang="en-US" altLang="zh-CN" sz="1200"/>
+              <a:t>get eth0 name: e.g. enp1s0</a:t>
+            </a:r>
+            <a:endParaRPr lang="en-US" altLang="zh-CN" sz="1200"/>
+          </a:p>
+          <a:p>
+            <a:pPr lvl="2"/>
+            <a:r>
+              <a:rPr lang="en-US" altLang="zh-CN" sz="1200"/>
+              <a:t>iptables --table nat --append POSTROUTING --out-interface {eth0} --jump MASQUERADE</a:t>
+            </a:r>
+            <a:endParaRPr lang="en-US" altLang="zh-CN" sz="1200"/>
+          </a:p>
+          <a:p>
+            <a:pPr lvl="2"/>
+            <a:r>
+              <a:rPr lang="en-US" altLang="zh-CN" sz="1200"/>
+              <a:t>Edit /etc/rc.local:</a:t>
+            </a:r>
+            <a:endParaRPr lang="en-US" altLang="zh-CN" sz="1200"/>
+          </a:p>
+          <a:p>
+            <a:pPr lvl="3"/>
+            <a:r>
+              <a:rPr lang="en-US" altLang="zh-CN" sz="1200"/>
+              <a:t>iptables --table nat --append POSTROUTING --out-interface eth0 --jump MASQUERADE</a:t>
+            </a:r>
+            <a:endParaRPr lang="en-US" altLang="zh-CN" sz="1200"/>
+          </a:p>
+          <a:p>
+            <a:pPr lvl="2"/>
+            <a:r>
+              <a:rPr lang="en-US" altLang="zh-CN" sz="1200"/>
+              <a:t>sudo iptables-save</a:t>
+            </a:r>
+            <a:endParaRPr lang="en-US" altLang="zh-CN" sz="1200"/>
+          </a:p>
+          <a:p>
+            <a:pPr lvl="2"/>
+            <a:r>
+              <a:rPr lang="en-US" altLang="zh-CN" sz="1200"/>
+              <a:t>sudo systemctl enable pptpd</a:t>
+            </a:r>
+            <a:endParaRPr lang="en-US" altLang="zh-CN" sz="1200"/>
+          </a:p>
+          <a:p>
+            <a:pPr lvl="2"/>
+            <a:r>
+              <a:rPr lang="en-US" altLang="zh-CN" sz="1200"/>
+              <a:t>sudo apt-get install -y iptables-persistent</a:t>
+            </a:r>
+            <a:endParaRPr lang="en-US" altLang="zh-CN" sz="1200"/>
+          </a:p>
+          <a:p>
+            <a:pPr lvl="0"/>
+            <a:r>
               <a:rPr lang="en-US" altLang="zh-CN" sz="1600"/>
-              <a:t>/etc/init.d/pptpd restart</a:t>
+              <a:t>Set up client</a:t>
             </a:r>
             <a:endParaRPr lang="en-US" altLang="zh-CN" sz="1600"/>
           </a:p>
           <a:p>
-            <a:pPr lvl="2"/>
-            <a:r>
-              <a:rPr lang="en-US" altLang="zh-CN" sz="1600"/>
-              <a:t>iptables -I INPUT -p tcp --dport 1723 -j ACCEPT</a:t>
-            </a:r>
-            <a:endParaRPr lang="en-US" altLang="zh-CN" sz="1600"/>
-          </a:p>
-          <a:p>
-            <a:pPr lvl="2"/>
-            <a:r>
-              <a:rPr lang="en-US" altLang="zh-CN" sz="1600"/>
-              <a:t>/proc/sys/net/ipv4/ip_forward: 1</a:t>
-            </a:r>
-            <a:endParaRPr lang="en-US" altLang="zh-CN" sz="1600"/>
-          </a:p>
-          <a:p>
-            <a:pPr lvl="2"/>
-            <a:r>
-              <a:rPr lang="en-US" altLang="zh-CN" sz="1600"/>
-              <a:t>Edit /etc/sysctl.con</a:t>
-            </a:r>
-            <a:endParaRPr lang="en-US" altLang="zh-CN" sz="1600"/>
-          </a:p>
-          <a:p>
-            <a:pPr lvl="3"/>
-            <a:r>
-              <a:rPr lang="en-US" altLang="zh-CN" sz="1600"/>
-              <a:t>	net.ipv4.ip_forward = 1</a:t>
-            </a:r>
-            <a:endParaRPr lang="en-US" altLang="zh-CN" sz="1600"/>
-          </a:p>
-          <a:p>
-            <a:pPr lvl="2"/>
-            <a:r>
-              <a:rPr lang="en-US" altLang="zh-CN" sz="1600"/>
-              <a:t>sysctl -p</a:t>
-            </a:r>
-            <a:endParaRPr lang="en-US" altLang="zh-CN" sz="1600"/>
-          </a:p>
-          <a:p>
-            <a:pPr lvl="2"/>
-            <a:r>
-              <a:rPr lang="en-US" altLang="zh-CN" sz="1600"/>
-              <a:t>/etc/init.d/procps restart</a:t>
-            </a:r>
-            <a:endParaRPr lang="en-US" altLang="zh-CN" sz="1600"/>
-          </a:p>
-          <a:p>
-            <a:pPr lvl="2"/>
-            <a:r>
-              <a:rPr lang="en-US" altLang="zh-CN" sz="1600"/>
-              <a:t>apt-get intall iptables</a:t>
-            </a:r>
-            <a:endParaRPr lang="en-US" altLang="zh-CN" sz="1600"/>
-          </a:p>
-          <a:p>
-            <a:pPr lvl="2"/>
-            <a:r>
-              <a:rPr lang="en-US" altLang="zh-CN" sz="1600"/>
-              <a:t>iptables --table nat --append POSTROUTING --out-interface {eth0} --jump MASQUERADE</a:t>
-            </a:r>
-            <a:endParaRPr lang="en-US" altLang="zh-CN" sz="1600"/>
-          </a:p>
-          <a:p>
-            <a:pPr lvl="2"/>
-            <a:r>
-              <a:rPr lang="en-US" altLang="zh-CN" sz="1600"/>
-              <a:t>Edit /etc/rc.local:</a:t>
-            </a:r>
-            <a:endParaRPr lang="en-US" altLang="zh-CN" sz="1600"/>
-          </a:p>
-          <a:p>
-            <a:pPr lvl="3"/>
-            <a:r>
-              <a:rPr lang="en-US" altLang="zh-CN" sz="1600"/>
-              <a:t>iptables --table nat --append POSTROUTING --out-interface eth0 --jump MASQUERADE</a:t>
-            </a:r>
-            <a:endParaRPr lang="en-US" altLang="zh-CN" sz="1600"/>
-          </a:p>
-          <a:p>
-            <a:pPr lvl="0"/>
-            <a:r>
-              <a:rPr lang="en-US" altLang="zh-CN" sz="2000"/>
-              <a:t>Set up client</a:t>
-            </a:r>
-            <a:endParaRPr lang="en-US" altLang="zh-CN" sz="2000"/>
-          </a:p>
-          <a:p>
-            <a:pPr lvl="1"/>
-            <a:r>
-              <a:rPr lang="en-US" altLang="zh-CN" sz="1800"/>
+            <a:pPr lvl="1"/>
+            <a:r>
+              <a:rPr lang="en-US" altLang="zh-CN" sz="1400"/>
               <a:t>Search vpn in start menu</a:t>
             </a:r>
-            <a:endParaRPr lang="en-US" altLang="zh-CN" sz="1800"/>
-          </a:p>
-        </p:txBody>
-      </p:sp>
-    </p:spTree>
-    <p:custDataLst>
-      <p:tags r:id="rId1"/>
-    </p:custDataLst>
-  </p:cSld>
-  <p:clrMapOvr>
-    <a:masterClrMapping/>
-  </p:clrMapOvr>
-</p:sld>
-</file>
-
-<file path=ppt/slides/slide2.xml><?xml version="1.0" encoding="utf-8"?>
-<p:sld xmlns:a="http://schemas.openxmlformats.org/drawingml/2006/main" xmlns:r="http://schemas.openxmlformats.org/officeDocument/2006/relationships" xmlns:p="http://schemas.openxmlformats.org/presentationml/2006/main">
-  <p:cSld>
-    <p:spTree>
-      <p:nvGrpSpPr>
-        <p:cNvPr id="1" name=""/>
-        <p:cNvGrpSpPr/>
-        <p:nvPr/>
-      </p:nvGrpSpPr>
-      <p:grpSpPr/>
-      <p:sp>
-        <p:nvSpPr>
-          <p:cNvPr id="2" name="标题 1"/>
-          <p:cNvSpPr>
-            <a:spLocks noGrp="1"/>
-          </p:cNvSpPr>
-          <p:nvPr>
-            <p:ph type="title"/>
-          </p:nvPr>
-        </p:nvSpPr>
-        <p:spPr/>
-        <p:txBody>
-          <a:bodyPr/>
-          <a:p>
-            <a:r>
-              <a:rPr lang="en-US" altLang="zh-CN"/>
-              <a:t>Change History</a:t>
-            </a:r>
-            <a:endParaRPr lang="en-US" altLang="zh-CN"/>
-          </a:p>
-        </p:txBody>
-      </p:sp>
-      <p:sp>
-        <p:nvSpPr>
-          <p:cNvPr id="3" name="内容占位符 2"/>
-          <p:cNvSpPr>
-            <a:spLocks noGrp="1"/>
-          </p:cNvSpPr>
-          <p:nvPr>
-            <p:ph idx="1"/>
-          </p:nvPr>
-        </p:nvSpPr>
-        <p:spPr/>
-        <p:txBody>
-          <a:bodyPr/>
-          <a:p>
-            <a:r>
-              <a:rPr lang="en-US" altLang="zh-CN"/>
-              <a:t>11/24/2021</a:t>
-            </a:r>
-            <a:endParaRPr lang="en-US" altLang="zh-CN"/>
-          </a:p>
-          <a:p>
-            <a:pPr lvl="1"/>
-            <a:r>
-              <a:rPr lang="en-US" altLang="zh-CN"/>
-              <a:t>Added “Lets’ Encrypt for Docker” slide</a:t>
-            </a:r>
-            <a:endParaRPr lang="en-US" altLang="zh-CN"/>
-          </a:p>
-          <a:p>
-            <a:pPr lvl="0"/>
-            <a:r>
-              <a:rPr lang="en-US" altLang="zh-CN"/>
-              <a:t>3/7/2022</a:t>
-            </a:r>
-            <a:endParaRPr lang="en-US" altLang="zh-CN"/>
-          </a:p>
-          <a:p>
-            <a:pPr lvl="1"/>
-            <a:r>
-              <a:rPr lang="en-US" altLang="zh-CN"/>
-              <a:t>Added ssh slide</a:t>
-            </a:r>
-            <a:endParaRPr lang="en-US" altLang="zh-CN"/>
-          </a:p>
-        </p:txBody>
-      </p:sp>
-    </p:spTree>
-    <p:custDataLst>
-      <p:tags r:id="rId1"/>
-    </p:custDataLst>
-  </p:cSld>
-  <p:clrMapOvr>
-    <a:masterClrMapping/>
-  </p:clrMapOvr>
-</p:sld>
-</file>
-
-<file path=ppt/slides/slide20.xml><?xml version="1.0" encoding="utf-8"?>
-<p:sld xmlns:a="http://schemas.openxmlformats.org/drawingml/2006/main" xmlns:r="http://schemas.openxmlformats.org/officeDocument/2006/relationships" xmlns:p="http://schemas.openxmlformats.org/presentationml/2006/main">
-  <p:cSld>
-    <p:spTree>
-      <p:nvGrpSpPr>
-        <p:cNvPr id="1" name=""/>
-        <p:cNvGrpSpPr/>
-        <p:nvPr/>
-      </p:nvGrpSpPr>
-      <p:grpSpPr/>
-      <p:sp>
-        <p:nvSpPr>
-          <p:cNvPr id="2" name="标题 1"/>
-          <p:cNvSpPr>
-            <a:spLocks noGrp="1"/>
-          </p:cNvSpPr>
-          <p:nvPr>
-            <p:ph type="title"/>
-          </p:nvPr>
-        </p:nvSpPr>
-        <p:spPr/>
-        <p:txBody>
-          <a:bodyPr/>
-          <a:p>
-            <a:r>
-              <a:rPr lang="en-US" altLang="zh-CN"/>
-              <a:t>Firewall</a:t>
-            </a:r>
-            <a:endParaRPr lang="en-US" altLang="zh-CN"/>
-          </a:p>
-        </p:txBody>
-      </p:sp>
-      <p:sp>
-        <p:nvSpPr>
-          <p:cNvPr id="3" name="内容占位符 2"/>
-          <p:cNvSpPr>
-            <a:spLocks noGrp="1"/>
-          </p:cNvSpPr>
-          <p:nvPr>
-            <p:ph idx="1"/>
-          </p:nvPr>
-        </p:nvSpPr>
-        <p:spPr/>
-        <p:txBody>
-          <a:bodyPr/>
-          <a:p>
-            <a:r>
-              <a:rPr lang="en-US" altLang="zh-CN"/>
-              <a:t>Ubuntu</a:t>
-            </a:r>
-            <a:endParaRPr lang="en-US" altLang="zh-CN"/>
-          </a:p>
-          <a:p>
-            <a:pPr lvl="1"/>
-            <a:r>
-              <a:rPr lang="en-US" altLang="zh-CN"/>
-              <a:t>sudo ufw status verbose</a:t>
-            </a:r>
-            <a:endParaRPr lang="en-US" altLang="zh-CN"/>
-          </a:p>
-          <a:p>
-            <a:pPr lvl="1"/>
-            <a:r>
-              <a:rPr lang="en-US" altLang="zh-CN"/>
-              <a:t>sudo ufw allow 80</a:t>
-            </a:r>
-            <a:endParaRPr lang="en-US" altLang="zh-CN"/>
-          </a:p>
-          <a:p>
-            <a:pPr lvl="1"/>
-            <a:r>
-              <a:rPr lang="en-US" altLang="zh-CN"/>
-              <a:t>sudo ufw delete allow 80</a:t>
-            </a:r>
-            <a:endParaRPr lang="en-US" altLang="zh-CN"/>
-          </a:p>
-          <a:p>
-            <a:pPr lvl="0"/>
-            <a:r>
-              <a:rPr lang="en-US" altLang="zh-CN"/>
-              <a:t>CentOS</a:t>
-            </a:r>
-            <a:endParaRPr lang="en-US" altLang="zh-CN"/>
-          </a:p>
-          <a:p>
-            <a:pPr lvl="1"/>
-            <a:r>
-              <a:rPr lang="en-US" altLang="zh-CN"/>
-              <a:t>firewall-cmd --zone=public --list-ports</a:t>
-            </a:r>
-            <a:endParaRPr lang="en-US" altLang="zh-CN"/>
-          </a:p>
-          <a:p>
-            <a:pPr lvl="1"/>
-            <a:r>
-              <a:rPr lang="en-US" altLang="zh-CN"/>
-              <a:t>firewall-cmd --zone=public --add-port=80/tcp --permanent</a:t>
-            </a:r>
-            <a:endParaRPr lang="en-US" altLang="zh-CN"/>
-          </a:p>
-          <a:p>
-            <a:pPr lvl="1"/>
-            <a:r>
-              <a:rPr lang="en-US" altLang="zh-CN"/>
-              <a:t>firewall-cmd --zone=public --add-port=443/tcp --permanent</a:t>
-            </a:r>
-            <a:endParaRPr lang="en-US" altLang="zh-CN"/>
-          </a:p>
-          <a:p>
-            <a:pPr lvl="1"/>
-            <a:r>
-              <a:rPr lang="en-US" altLang="zh-CN"/>
-              <a:t>firewall-cmd --zone=public --remove-port=80/tcp --permanent</a:t>
-            </a:r>
-            <a:endParaRPr lang="en-US" altLang="zh-CN"/>
-          </a:p>
-          <a:p>
-            <a:pPr lvl="1"/>
-            <a:r>
-              <a:rPr lang="en-US" altLang="zh-CN"/>
-              <a:t>firewall-cmd --reload</a:t>
-            </a:r>
-            <a:endParaRPr lang="en-US" altLang="zh-CN"/>
-          </a:p>
-          <a:p>
-            <a:pPr lvl="1"/>
-            <a:r>
-              <a:rPr lang="en-US" altLang="zh-CN"/>
-              <a:t>firewall-cmd --zone=public --query-port=80/tcp</a:t>
-            </a:r>
-            <a:endParaRPr lang="en-US" altLang="zh-CN"/>
+            <a:endParaRPr lang="en-US" altLang="zh-CN" sz="1400"/>
           </a:p>
         </p:txBody>
       </p:sp>
@@ -7117,6 +7150,247 @@
 </file>
 
 <file path=ppt/slides/slide21.xml><?xml version="1.0" encoding="utf-8"?>
+<p:sld xmlns:a="http://schemas.openxmlformats.org/drawingml/2006/main" xmlns:r="http://schemas.openxmlformats.org/officeDocument/2006/relationships" xmlns:p="http://schemas.openxmlformats.org/presentationml/2006/main">
+  <p:cSld>
+    <p:spTree>
+      <p:nvGrpSpPr>
+        <p:cNvPr id="1" name=""/>
+        <p:cNvGrpSpPr/>
+        <p:nvPr/>
+      </p:nvGrpSpPr>
+      <p:grpSpPr/>
+      <p:sp>
+        <p:nvSpPr>
+          <p:cNvPr id="2" name="标题 1"/>
+          <p:cNvSpPr>
+            <a:spLocks noGrp="1"/>
+          </p:cNvSpPr>
+          <p:nvPr>
+            <p:ph type="title"/>
+          </p:nvPr>
+        </p:nvSpPr>
+        <p:spPr/>
+        <p:txBody>
+          <a:bodyPr>
+            <a:normAutofit/>
+          </a:bodyPr>
+          <a:p>
+            <a:r>
+              <a:rPr lang="en-US" altLang="zh-CN"/>
+              <a:t>Set Up VPN 2</a:t>
+            </a:r>
+            <a:endParaRPr lang="en-US" altLang="zh-CN"/>
+          </a:p>
+        </p:txBody>
+      </p:sp>
+      <p:sp>
+        <p:nvSpPr>
+          <p:cNvPr id="3" name="内容占位符 2"/>
+          <p:cNvSpPr>
+            <a:spLocks noGrp="1"/>
+          </p:cNvSpPr>
+          <p:nvPr>
+            <p:ph idx="1"/>
+          </p:nvPr>
+        </p:nvSpPr>
+        <p:spPr>
+          <a:xfrm>
+            <a:off x="838200" y="1211580"/>
+            <a:ext cx="4230370" cy="4549140"/>
+          </a:xfrm>
+        </p:spPr>
+        <p:txBody>
+          <a:bodyPr/>
+          <a:p>
+            <a:r>
+              <a:rPr lang="en-US" altLang="zh-CN"/>
+              <a:t>Client</a:t>
+            </a:r>
+            <a:endParaRPr lang="en-US" altLang="zh-CN"/>
+          </a:p>
+        </p:txBody>
+      </p:sp>
+      <p:pic>
+        <p:nvPicPr>
+          <p:cNvPr id="4" name="图片 3"/>
+          <p:cNvPicPr>
+            <a:picLocks noChangeAspect="1"/>
+          </p:cNvPicPr>
+          <p:nvPr/>
+        </p:nvPicPr>
+        <p:blipFill>
+          <a:blip r:embed="rId1"/>
+          <a:stretch>
+            <a:fillRect/>
+          </a:stretch>
+        </p:blipFill>
+        <p:spPr>
+          <a:xfrm>
+            <a:off x="5705475" y="1327150"/>
+            <a:ext cx="5771515" cy="4563110"/>
+          </a:xfrm>
+          <a:prstGeom prst="rect">
+            <a:avLst/>
+          </a:prstGeom>
+        </p:spPr>
+      </p:pic>
+    </p:spTree>
+    <p:custDataLst>
+      <p:tags r:id="rId2"/>
+    </p:custDataLst>
+  </p:cSld>
+  <p:clrMapOvr>
+    <a:masterClrMapping/>
+  </p:clrMapOvr>
+</p:sld>
+</file>
+
+<file path=ppt/slides/slide22.xml><?xml version="1.0" encoding="utf-8"?>
+<p:sld xmlns:a="http://schemas.openxmlformats.org/drawingml/2006/main" xmlns:r="http://schemas.openxmlformats.org/officeDocument/2006/relationships" xmlns:p="http://schemas.openxmlformats.org/presentationml/2006/main">
+  <p:cSld>
+    <p:spTree>
+      <p:nvGrpSpPr>
+        <p:cNvPr id="1" name=""/>
+        <p:cNvGrpSpPr/>
+        <p:nvPr/>
+      </p:nvGrpSpPr>
+      <p:grpSpPr/>
+      <p:sp>
+        <p:nvSpPr>
+          <p:cNvPr id="2" name="标题 1"/>
+          <p:cNvSpPr>
+            <a:spLocks noGrp="1"/>
+          </p:cNvSpPr>
+          <p:nvPr>
+            <p:ph type="title"/>
+          </p:nvPr>
+        </p:nvSpPr>
+        <p:spPr/>
+        <p:txBody>
+          <a:bodyPr/>
+          <a:p>
+            <a:r>
+              <a:rPr lang="en-US" altLang="zh-CN"/>
+              <a:t>Firewall</a:t>
+            </a:r>
+            <a:endParaRPr lang="en-US" altLang="zh-CN"/>
+          </a:p>
+        </p:txBody>
+      </p:sp>
+      <p:sp>
+        <p:nvSpPr>
+          <p:cNvPr id="3" name="内容占位符 2"/>
+          <p:cNvSpPr>
+            <a:spLocks noGrp="1"/>
+          </p:cNvSpPr>
+          <p:nvPr>
+            <p:ph idx="1"/>
+          </p:nvPr>
+        </p:nvSpPr>
+        <p:spPr/>
+        <p:txBody>
+          <a:bodyPr/>
+          <a:p>
+            <a:r>
+              <a:rPr lang="en-US" altLang="zh-CN"/>
+              <a:t>Ubuntu</a:t>
+            </a:r>
+            <a:endParaRPr lang="en-US" altLang="zh-CN"/>
+          </a:p>
+          <a:p>
+            <a:pPr lvl="1"/>
+            <a:r>
+              <a:rPr lang="en-US" altLang="zh-CN"/>
+              <a:t>sudo ufw status verbose</a:t>
+            </a:r>
+            <a:endParaRPr lang="en-US" altLang="zh-CN"/>
+          </a:p>
+          <a:p>
+            <a:pPr lvl="1"/>
+            <a:r>
+              <a:rPr lang="en-US" altLang="zh-CN"/>
+              <a:t>sudo ufw allow 80</a:t>
+            </a:r>
+            <a:endParaRPr lang="en-US" altLang="zh-CN"/>
+          </a:p>
+          <a:p>
+            <a:pPr lvl="1"/>
+            <a:r>
+              <a:rPr lang="en-US" altLang="zh-CN"/>
+              <a:t>sudo ufw delete allow 80</a:t>
+            </a:r>
+            <a:endParaRPr lang="en-US" altLang="zh-CN"/>
+          </a:p>
+          <a:p>
+            <a:pPr lvl="0"/>
+            <a:r>
+              <a:rPr lang="en-US" altLang="zh-CN"/>
+              <a:t>CentOS</a:t>
+            </a:r>
+            <a:endParaRPr lang="en-US" altLang="zh-CN"/>
+          </a:p>
+          <a:p>
+            <a:pPr lvl="1"/>
+            <a:r>
+              <a:rPr lang="en-US" altLang="zh-CN"/>
+              <a:t>firewall-cmd --zone=public --list-ports</a:t>
+            </a:r>
+            <a:endParaRPr lang="en-US" altLang="zh-CN"/>
+          </a:p>
+          <a:p>
+            <a:pPr lvl="1"/>
+            <a:r>
+              <a:rPr lang="en-US" altLang="zh-CN"/>
+              <a:t>firewall-cmd --zone=public --add-port=80/tcp --permanent</a:t>
+            </a:r>
+            <a:endParaRPr lang="en-US" altLang="zh-CN"/>
+          </a:p>
+          <a:p>
+            <a:pPr lvl="1"/>
+            <a:r>
+              <a:rPr lang="en-US" altLang="zh-CN"/>
+              <a:t>firewall-cmd --zone=public --add-port=443/tcp --permanent</a:t>
+            </a:r>
+            <a:endParaRPr lang="en-US" altLang="zh-CN"/>
+          </a:p>
+          <a:p>
+            <a:pPr lvl="1"/>
+            <a:r>
+              <a:rPr lang="en-US" altLang="zh-CN"/>
+              <a:t>firewall-cmd --zone=public --remove-port=80/tcp --permanent</a:t>
+            </a:r>
+            <a:endParaRPr lang="en-US" altLang="zh-CN"/>
+          </a:p>
+          <a:p>
+            <a:pPr lvl="1"/>
+            <a:r>
+              <a:rPr lang="en-US" altLang="zh-CN"/>
+              <a:t>firewall-cmd --reload</a:t>
+            </a:r>
+            <a:endParaRPr lang="en-US" altLang="zh-CN"/>
+          </a:p>
+          <a:p>
+            <a:pPr lvl="1"/>
+            <a:r>
+              <a:rPr lang="en-US" altLang="zh-CN"/>
+              <a:t>firewall-cmd --zone=public --query-port=80/tcp</a:t>
+            </a:r>
+            <a:endParaRPr lang="en-US" altLang="zh-CN"/>
+          </a:p>
+        </p:txBody>
+      </p:sp>
+    </p:spTree>
+    <p:custDataLst>
+      <p:tags r:id="rId1"/>
+    </p:custDataLst>
+  </p:cSld>
+  <p:clrMapOvr>
+    <a:masterClrMapping/>
+  </p:clrMapOvr>
+</p:sld>
+</file>
+
+<file path=ppt/slides/slide23.xml><?xml version="1.0" encoding="utf-8"?>
 <p:sld xmlns:a="http://schemas.openxmlformats.org/drawingml/2006/main" xmlns:r="http://schemas.openxmlformats.org/officeDocument/2006/relationships" xmlns:p="http://schemas.openxmlformats.org/presentationml/2006/main">
   <p:cSld>
     <p:spTree>
@@ -7636,7 +7910,487 @@
 </p:sld>
 </file>
 
-<file path=ppt/slides/slide22.xml><?xml version="1.0" encoding="utf-8"?>
+<file path=ppt/slides/slide24.xml><?xml version="1.0" encoding="utf-8"?>
+<p:sld xmlns:a="http://schemas.openxmlformats.org/drawingml/2006/main" xmlns:r="http://schemas.openxmlformats.org/officeDocument/2006/relationships" xmlns:p="http://schemas.openxmlformats.org/presentationml/2006/main">
+  <p:cSld>
+    <p:spTree>
+      <p:nvGrpSpPr>
+        <p:cNvPr id="1" name=""/>
+        <p:cNvGrpSpPr/>
+        <p:nvPr/>
+      </p:nvGrpSpPr>
+      <p:grpSpPr/>
+      <p:sp>
+        <p:nvSpPr>
+          <p:cNvPr id="2" name="标题 1"/>
+          <p:cNvSpPr>
+            <a:spLocks noGrp="1"/>
+          </p:cNvSpPr>
+          <p:nvPr>
+            <p:ph type="title"/>
+          </p:nvPr>
+        </p:nvSpPr>
+        <p:spPr/>
+        <p:txBody>
+          <a:bodyPr/>
+          <a:p>
+            <a:r>
+              <a:rPr lang="en-US" altLang="zh-CN"/>
+              <a:t>Certificate</a:t>
+            </a:r>
+            <a:endParaRPr lang="en-US" altLang="zh-CN"/>
+          </a:p>
+        </p:txBody>
+      </p:sp>
+      <p:sp>
+        <p:nvSpPr>
+          <p:cNvPr id="3" name="内容占位符 2"/>
+          <p:cNvSpPr>
+            <a:spLocks noGrp="1"/>
+          </p:cNvSpPr>
+          <p:nvPr>
+            <p:ph idx="1"/>
+          </p:nvPr>
+        </p:nvSpPr>
+        <p:spPr>
+          <a:xfrm>
+            <a:off x="838200" y="1211580"/>
+            <a:ext cx="5045710" cy="4549140"/>
+          </a:xfrm>
+        </p:spPr>
+        <p:txBody>
+          <a:bodyPr>
+            <a:normAutofit fontScale="90000" lnSpcReduction="20000"/>
+          </a:bodyPr>
+          <a:p>
+            <a:r>
+              <a:rPr lang="en-US" altLang="zh-CN"/>
+              <a:t>Check website certificate</a:t>
+            </a:r>
+            <a:endParaRPr lang="en-US" altLang="zh-CN"/>
+          </a:p>
+          <a:p>
+            <a:r>
+              <a:rPr lang="en-US" altLang="zh-CN"/>
+              <a:t>Format</a:t>
+            </a:r>
+            <a:endParaRPr lang="en-US" altLang="zh-CN"/>
+          </a:p>
+          <a:p>
+            <a:pPr lvl="1"/>
+            <a:r>
+              <a:rPr lang="en-US" altLang="zh-CN"/>
+              <a:t>.pfx</a:t>
+            </a:r>
+            <a:endParaRPr lang="en-US" altLang="zh-CN"/>
+          </a:p>
+          <a:p>
+            <a:pPr lvl="2"/>
+            <a:r>
+              <a:rPr lang="en-US" altLang="zh-CN"/>
+              <a:t>Tomcat</a:t>
+            </a:r>
+            <a:endParaRPr lang="en-US" altLang="zh-CN"/>
+          </a:p>
+          <a:p>
+            <a:pPr lvl="1"/>
+            <a:r>
+              <a:rPr lang="en-US" altLang="zh-CN"/>
+              <a:t>.crt .pem</a:t>
+            </a:r>
+            <a:endParaRPr lang="en-US" altLang="zh-CN"/>
+          </a:p>
+          <a:p>
+            <a:pPr lvl="2"/>
+            <a:r>
+              <a:rPr lang="en-US" altLang="zh-CN"/>
+              <a:t>Nginx</a:t>
+            </a:r>
+            <a:endParaRPr lang="en-US" altLang="zh-CN"/>
+          </a:p>
+          <a:p>
+            <a:pPr lvl="1"/>
+            <a:r>
+              <a:rPr lang="en-US" altLang="zh-CN"/>
+              <a:t>conversion</a:t>
+            </a:r>
+            <a:endParaRPr lang="en-US" altLang="zh-CN"/>
+          </a:p>
+          <a:p>
+            <a:pPr lvl="2"/>
+            <a:r>
+              <a:rPr lang="en-US" altLang="zh-CN" sz="1800"/>
+              <a:t>references</a:t>
+            </a:r>
+            <a:endParaRPr lang="en-US" altLang="zh-CN" sz="1800"/>
+          </a:p>
+          <a:p>
+            <a:pPr lvl="3"/>
+            <a:r>
+              <a:rPr lang="en-US" altLang="zh-CN"/>
+              <a:t>https://www.howtouselinux.com/post/converting-cer-crt-der-pem-pfx-certificate</a:t>
+            </a:r>
+            <a:endParaRPr lang="en-US" altLang="zh-CN"/>
+          </a:p>
+          <a:p>
+            <a:pPr lvl="2"/>
+            <a:r>
+              <a:rPr lang="en-US" altLang="zh-CN"/>
+              <a:t>convert .crt to .pfx</a:t>
+            </a:r>
+            <a:endParaRPr lang="en-US" altLang="zh-CN"/>
+          </a:p>
+          <a:p>
+            <a:pPr lvl="3"/>
+            <a:r>
+              <a:rPr lang="en-US" altLang="zh-CN"/>
+              <a:t>openssl pkcs12 -export -out domain.name.pfx -inkey domain.name.key -in domain.name.crt</a:t>
+            </a:r>
+            <a:endParaRPr lang="en-US" altLang="zh-CN"/>
+          </a:p>
+          <a:p>
+            <a:pPr lvl="0"/>
+            <a:r>
+              <a:rPr lang="en-US" altLang="zh-CN"/>
+              <a:t>Keytool</a:t>
+            </a:r>
+            <a:endParaRPr lang="en-US" altLang="zh-CN"/>
+          </a:p>
+          <a:p>
+            <a:pPr lvl="1"/>
+            <a:r>
+              <a:rPr lang="en-US" altLang="zh-CN"/>
+              <a:t>default password: “changeit”</a:t>
+            </a:r>
+            <a:endParaRPr lang="en-US" altLang="zh-CN"/>
+          </a:p>
+        </p:txBody>
+      </p:sp>
+      <p:pic>
+        <p:nvPicPr>
+          <p:cNvPr id="101" name="图片 100"/>
+          <p:cNvPicPr/>
+          <p:nvPr/>
+        </p:nvPicPr>
+        <p:blipFill>
+          <a:blip r:embed="rId1"/>
+          <a:stretch>
+            <a:fillRect/>
+          </a:stretch>
+        </p:blipFill>
+        <p:spPr>
+          <a:xfrm>
+            <a:off x="6096000" y="1211580"/>
+            <a:ext cx="5893435" cy="2833370"/>
+          </a:xfrm>
+          <a:prstGeom prst="rect">
+            <a:avLst/>
+          </a:prstGeom>
+          <a:noFill/>
+          <a:ln w="9525">
+            <a:noFill/>
+          </a:ln>
+        </p:spPr>
+      </p:pic>
+    </p:spTree>
+    <p:custDataLst>
+      <p:tags r:id="rId2"/>
+    </p:custDataLst>
+  </p:cSld>
+  <p:clrMapOvr>
+    <a:masterClrMapping/>
+  </p:clrMapOvr>
+</p:sld>
+</file>
+
+<file path=ppt/slides/slide25.xml><?xml version="1.0" encoding="utf-8"?>
+<p:sld xmlns:a="http://schemas.openxmlformats.org/drawingml/2006/main" xmlns:r="http://schemas.openxmlformats.org/officeDocument/2006/relationships" xmlns:p="http://schemas.openxmlformats.org/presentationml/2006/main">
+  <p:cSld>
+    <p:spTree>
+      <p:nvGrpSpPr>
+        <p:cNvPr id="1" name=""/>
+        <p:cNvGrpSpPr/>
+        <p:nvPr/>
+      </p:nvGrpSpPr>
+      <p:grpSpPr/>
+      <p:sp>
+        <p:nvSpPr>
+          <p:cNvPr id="2" name="标题 1"/>
+          <p:cNvSpPr>
+            <a:spLocks noGrp="1"/>
+          </p:cNvSpPr>
+          <p:nvPr>
+            <p:ph type="title"/>
+          </p:nvPr>
+        </p:nvSpPr>
+        <p:spPr/>
+        <p:txBody>
+          <a:bodyPr/>
+          <a:p>
+            <a:r>
+              <a:rPr lang="en-US" altLang="zh-CN"/>
+              <a:t>Certificate 2</a:t>
+            </a:r>
+            <a:endParaRPr lang="en-US" altLang="zh-CN"/>
+          </a:p>
+        </p:txBody>
+      </p:sp>
+      <p:sp>
+        <p:nvSpPr>
+          <p:cNvPr id="3" name="内容占位符 2"/>
+          <p:cNvSpPr>
+            <a:spLocks noGrp="1"/>
+          </p:cNvSpPr>
+          <p:nvPr>
+            <p:ph idx="1"/>
+          </p:nvPr>
+        </p:nvSpPr>
+        <p:spPr/>
+        <p:txBody>
+          <a:bodyPr/>
+          <a:p>
+            <a:r>
+              <a:rPr lang="en-US" altLang="zh-CN"/>
+              <a:t>References</a:t>
+            </a:r>
+            <a:endParaRPr lang="en-US" altLang="zh-CN"/>
+          </a:p>
+          <a:p>
+            <a:pPr lvl="1"/>
+            <a:r>
+              <a:rPr lang="en-US" altLang="zh-CN"/>
+              <a:t>https://www.baeldung.com/jvm-certificate-store-errors</a:t>
+            </a:r>
+            <a:endParaRPr lang="en-US" altLang="zh-CN"/>
+          </a:p>
+          <a:p>
+            <a:r>
+              <a:rPr lang="en-US" altLang="zh-CN"/>
+              <a:t>List certificates</a:t>
+            </a:r>
+            <a:endParaRPr lang="en-US" altLang="zh-CN"/>
+          </a:p>
+          <a:p>
+            <a:pPr lvl="1"/>
+            <a:r>
+              <a:rPr lang="en-US" altLang="zh-CN"/>
+              <a:t>keytool -list -keystore </a:t>
+            </a:r>
+            <a:r>
+              <a:rPr lang="zh-CN" altLang="en-US">
+                <a:sym typeface="+mn-ea"/>
+              </a:rPr>
+              <a:t>$JAVA_HOME\jre\lib\security</a:t>
+            </a:r>
+            <a:r>
+              <a:rPr lang="en-US" altLang="zh-CN">
+                <a:sym typeface="+mn-ea"/>
+              </a:rPr>
+              <a:t>\</a:t>
+            </a:r>
+            <a:r>
+              <a:rPr lang="en-US" altLang="zh-CN"/>
+              <a:t>cacerts</a:t>
+            </a:r>
+            <a:endParaRPr lang="en-US" altLang="zh-CN"/>
+          </a:p>
+          <a:p>
+            <a:pPr lvl="1"/>
+            <a:r>
+              <a:rPr lang="en-US" altLang="zh-CN"/>
+              <a:t>// get a list of all the certificates registered in the JVM’s certificate store</a:t>
+            </a:r>
+            <a:endParaRPr lang="en-US" altLang="zh-CN"/>
+          </a:p>
+          <a:p>
+            <a:pPr lvl="0"/>
+            <a:r>
+              <a:rPr lang="en-US" altLang="zh-CN"/>
+              <a:t>Add certificate to JVM’s certificate store</a:t>
+            </a:r>
+            <a:endParaRPr lang="en-US" altLang="zh-CN"/>
+          </a:p>
+          <a:p>
+            <a:pPr lvl="1"/>
+            <a:r>
+              <a:rPr lang="en-US" altLang="zh-CN"/>
+              <a:t>$JAVA_HOME/bin/keytool -import -trustcacerts -file booking.crt -keystore $JAVA_HOME/jre/lib/security/cacerts</a:t>
+            </a:r>
+            <a:endParaRPr lang="en-US" altLang="zh-CN"/>
+          </a:p>
+        </p:txBody>
+      </p:sp>
+    </p:spTree>
+    <p:custDataLst>
+      <p:tags r:id="rId1"/>
+    </p:custDataLst>
+  </p:cSld>
+  <p:clrMapOvr>
+    <a:masterClrMapping/>
+  </p:clrMapOvr>
+</p:sld>
+</file>
+
+<file path=ppt/slides/slide26.xml><?xml version="1.0" encoding="utf-8"?>
+<p:sld xmlns:a="http://schemas.openxmlformats.org/drawingml/2006/main" xmlns:r="http://schemas.openxmlformats.org/officeDocument/2006/relationships" xmlns:p="http://schemas.openxmlformats.org/presentationml/2006/main">
+  <p:cSld>
+    <p:spTree>
+      <p:nvGrpSpPr>
+        <p:cNvPr id="1" name=""/>
+        <p:cNvGrpSpPr/>
+        <p:nvPr/>
+      </p:nvGrpSpPr>
+      <p:grpSpPr/>
+      <p:sp>
+        <p:nvSpPr>
+          <p:cNvPr id="2" name="标题 1"/>
+          <p:cNvSpPr>
+            <a:spLocks noGrp="1"/>
+          </p:cNvSpPr>
+          <p:nvPr>
+            <p:ph type="title"/>
+          </p:nvPr>
+        </p:nvSpPr>
+        <p:spPr/>
+        <p:txBody>
+          <a:bodyPr/>
+          <a:p>
+            <a:r>
+              <a:rPr lang="en-US" altLang="zh-CN"/>
+              <a:t>Certificate FAQ</a:t>
+            </a:r>
+            <a:endParaRPr lang="en-US" altLang="zh-CN"/>
+          </a:p>
+        </p:txBody>
+      </p:sp>
+      <p:sp>
+        <p:nvSpPr>
+          <p:cNvPr id="3" name="内容占位符 2"/>
+          <p:cNvSpPr>
+            <a:spLocks noGrp="1"/>
+          </p:cNvSpPr>
+          <p:nvPr>
+            <p:ph idx="1"/>
+          </p:nvPr>
+        </p:nvSpPr>
+        <p:spPr/>
+        <p:txBody>
+          <a:bodyPr>
+            <a:normAutofit lnSpcReduction="10000"/>
+          </a:bodyPr>
+          <a:p>
+            <a:r>
+              <a:rPr lang="zh-CN" altLang="en-US"/>
+              <a:t>SunCertPathBuilderException: unable to find valid certification path to requested target</a:t>
+            </a:r>
+            <a:endParaRPr lang="zh-CN" altLang="en-US"/>
+          </a:p>
+          <a:p>
+            <a:pPr lvl="1"/>
+            <a:r>
+              <a:rPr lang="en-US" altLang="zh-CN"/>
+              <a:t>Cause</a:t>
+            </a:r>
+            <a:endParaRPr lang="en-US" altLang="zh-CN"/>
+          </a:p>
+          <a:p>
+            <a:pPr lvl="2"/>
+            <a:r>
+              <a:rPr lang="zh-CN" altLang="en-US"/>
+              <a:t>the certificate offered by the endpoint is not considered valid to your JDK's default trust store</a:t>
+            </a:r>
+            <a:endParaRPr lang="zh-CN" altLang="en-US"/>
+          </a:p>
+          <a:p>
+            <a:pPr lvl="1"/>
+            <a:r>
+              <a:rPr lang="en-US" altLang="zh-CN" sz="2000"/>
+              <a:t>Solution</a:t>
+            </a:r>
+            <a:endParaRPr lang="en-US" altLang="zh-CN" sz="2000"/>
+          </a:p>
+          <a:p>
+            <a:pPr lvl="2"/>
+            <a:r>
+              <a:rPr lang="en-US" altLang="zh-CN" sz="1800"/>
+              <a:t>get InstallCert.java from https://github.com/escline/InstallCert</a:t>
+            </a:r>
+            <a:endParaRPr lang="en-US" altLang="zh-CN" sz="1800"/>
+          </a:p>
+          <a:p>
+            <a:pPr lvl="2"/>
+            <a:r>
+              <a:rPr lang="en-US" altLang="zh-CN" sz="1800"/>
+              <a:t>run “javac InstallCert.java”</a:t>
+            </a:r>
+            <a:endParaRPr lang="en-US" altLang="zh-CN" sz="1800"/>
+          </a:p>
+          <a:p>
+            <a:pPr lvl="2"/>
+            <a:r>
+              <a:rPr lang="en-US" altLang="zh-CN" sz="1800"/>
+              <a:t>run “java InstallCert localhost:8443”</a:t>
+            </a:r>
+            <a:endParaRPr lang="en-US" altLang="zh-CN" sz="1800"/>
+          </a:p>
+          <a:p>
+            <a:pPr lvl="3"/>
+            <a:r>
+              <a:rPr lang="en-US" altLang="zh-CN" sz="1800"/>
+              <a:t>add your localhost as a trusted keystore, and generates a file “jssecacerts”</a:t>
+            </a:r>
+            <a:endParaRPr lang="en-US" altLang="zh-CN" sz="1800"/>
+          </a:p>
+          <a:p>
+            <a:pPr lvl="2"/>
+            <a:r>
+              <a:rPr lang="en-US" altLang="zh-CN"/>
+              <a:t>c</a:t>
+            </a:r>
+            <a:r>
+              <a:rPr lang="zh-CN" altLang="en-US"/>
+              <a:t>opy the generated jssecacerts file to your $JAVA_HOME\jre\lib\security folder.</a:t>
+            </a:r>
+            <a:endParaRPr lang="zh-CN" altLang="en-US"/>
+          </a:p>
+          <a:p>
+            <a:pPr lvl="2"/>
+            <a:r>
+              <a:rPr lang="en-US" altLang="zh-CN"/>
+              <a:t>restart web service</a:t>
+            </a:r>
+            <a:endParaRPr lang="en-US" altLang="zh-CN"/>
+          </a:p>
+          <a:p>
+            <a:pPr lvl="1"/>
+            <a:r>
+              <a:rPr lang="en-US" altLang="zh-CN"/>
+              <a:t>References</a:t>
+            </a:r>
+            <a:endParaRPr lang="en-US" altLang="zh-CN"/>
+          </a:p>
+          <a:p>
+            <a:pPr lvl="2"/>
+            <a:r>
+              <a:rPr lang="en-US" altLang="zh-CN"/>
+              <a:t>https://mkyong.com/webservices/jax-ws/suncertpathbuilderexception-unable-to-find-valid-certification-path-to-requested-target/</a:t>
+            </a:r>
+            <a:endParaRPr lang="en-US" altLang="zh-CN"/>
+          </a:p>
+        </p:txBody>
+      </p:sp>
+    </p:spTree>
+    <p:custDataLst>
+      <p:tags r:id="rId1"/>
+    </p:custDataLst>
+  </p:cSld>
+  <p:clrMapOvr>
+    <a:masterClrMapping/>
+  </p:clrMapOvr>
+</p:sld>
+</file>
+
+<file path=ppt/slides/slide27.xml><?xml version="1.0" encoding="utf-8"?>
 <p:sld xmlns:a="http://schemas.openxmlformats.org/drawingml/2006/main" xmlns:r="http://schemas.openxmlformats.org/officeDocument/2006/relationships" xmlns:p="http://schemas.openxmlformats.org/presentationml/2006/main">
   <p:cSld>
     <p:spTree>
@@ -8137,7 +8891,7 @@
 </p:sld>
 </file>
 
-<file path=ppt/slides/slide23.xml><?xml version="1.0" encoding="utf-8"?>
+<file path=ppt/slides/slide28.xml><?xml version="1.0" encoding="utf-8"?>
 <p:sld xmlns:a="http://schemas.openxmlformats.org/drawingml/2006/main" xmlns:r="http://schemas.openxmlformats.org/officeDocument/2006/relationships" xmlns:p="http://schemas.openxmlformats.org/presentationml/2006/main">
   <p:cSld>
     <p:spTree>
@@ -8297,7 +9051,7 @@
 </p:sld>
 </file>
 
-<file path=ppt/slides/slide24.xml><?xml version="1.0" encoding="utf-8"?>
+<file path=ppt/slides/slide29.xml><?xml version="1.0" encoding="utf-8"?>
 <p:sld xmlns:a="http://schemas.openxmlformats.org/drawingml/2006/main" xmlns:r="http://schemas.openxmlformats.org/officeDocument/2006/relationships" xmlns:p="http://schemas.openxmlformats.org/presentationml/2006/main">
   <p:cSld>
     <p:spTree>
@@ -8370,7 +9124,68 @@
 </p:sld>
 </file>
 
-<file path=ppt/slides/slide25.xml><?xml version="1.0" encoding="utf-8"?>
+<file path=ppt/slides/slide3.xml><?xml version="1.0" encoding="utf-8"?>
+<p:sld xmlns:a="http://schemas.openxmlformats.org/drawingml/2006/main" xmlns:r="http://schemas.openxmlformats.org/officeDocument/2006/relationships" xmlns:p="http://schemas.openxmlformats.org/presentationml/2006/main">
+  <p:cSld>
+    <p:spTree>
+      <p:nvGrpSpPr>
+        <p:cNvPr id="1" name=""/>
+        <p:cNvGrpSpPr/>
+        <p:nvPr/>
+      </p:nvGrpSpPr>
+      <p:grpSpPr/>
+      <p:sp>
+        <p:nvSpPr>
+          <p:cNvPr id="4" name="标题 3"/>
+          <p:cNvSpPr>
+            <a:spLocks noGrp="1"/>
+          </p:cNvSpPr>
+          <p:nvPr>
+            <p:ph type="title"/>
+          </p:nvPr>
+        </p:nvSpPr>
+        <p:spPr/>
+        <p:txBody>
+          <a:bodyPr/>
+          <a:p>
+            <a:r>
+              <a:rPr lang="en-US" altLang="zh-CN"/>
+              <a:t>General</a:t>
+            </a:r>
+            <a:endParaRPr lang="en-US" altLang="zh-CN"/>
+          </a:p>
+        </p:txBody>
+      </p:sp>
+      <p:sp>
+        <p:nvSpPr>
+          <p:cNvPr id="5" name="文本占位符 4"/>
+          <p:cNvSpPr>
+            <a:spLocks noGrp="1"/>
+          </p:cNvSpPr>
+          <p:nvPr>
+            <p:ph type="body" idx="1"/>
+          </p:nvPr>
+        </p:nvSpPr>
+        <p:spPr/>
+        <p:txBody>
+          <a:bodyPr/>
+          <a:p>
+            <a:endParaRPr lang="zh-CN" altLang="en-US"/>
+          </a:p>
+        </p:txBody>
+      </p:sp>
+    </p:spTree>
+    <p:custDataLst>
+      <p:tags r:id="rId1"/>
+    </p:custDataLst>
+  </p:cSld>
+  <p:clrMapOvr>
+    <a:masterClrMapping/>
+  </p:clrMapOvr>
+</p:sld>
+</file>
+
+<file path=ppt/slides/slide30.xml><?xml version="1.0" encoding="utf-8"?>
 <p:sld xmlns:a="http://schemas.openxmlformats.org/drawingml/2006/main" xmlns:r="http://schemas.openxmlformats.org/officeDocument/2006/relationships" xmlns:p="http://schemas.openxmlformats.org/presentationml/2006/main">
   <p:cSld>
     <p:spTree>
@@ -8857,7 +9672,7 @@
 </p:sld>
 </file>
 
-<file path=ppt/slides/slide26.xml><?xml version="1.0" encoding="utf-8"?>
+<file path=ppt/slides/slide31.xml><?xml version="1.0" encoding="utf-8"?>
 <p:sld xmlns:a="http://schemas.openxmlformats.org/drawingml/2006/main" xmlns:r="http://schemas.openxmlformats.org/officeDocument/2006/relationships" xmlns:p="http://schemas.openxmlformats.org/presentationml/2006/main">
   <p:cSld>
     <p:spTree>
@@ -9508,7 +10323,7 @@
 </p:sld>
 </file>
 
-<file path=ppt/slides/slide27.xml><?xml version="1.0" encoding="utf-8"?>
+<file path=ppt/slides/slide32.xml><?xml version="1.0" encoding="utf-8"?>
 <p:sld xmlns:a="http://schemas.openxmlformats.org/drawingml/2006/main" xmlns:r="http://schemas.openxmlformats.org/officeDocument/2006/relationships" xmlns:p="http://schemas.openxmlformats.org/presentationml/2006/main">
   <p:cSld>
     <p:spTree>
@@ -9918,7 +10733,7 @@
 </p:sld>
 </file>
 
-<file path=ppt/slides/slide28.xml><?xml version="1.0" encoding="utf-8"?>
+<file path=ppt/slides/slide33.xml><?xml version="1.0" encoding="utf-8"?>
 <p:sld xmlns:a="http://schemas.openxmlformats.org/drawingml/2006/main" xmlns:r="http://schemas.openxmlformats.org/officeDocument/2006/relationships" xmlns:p="http://schemas.openxmlformats.org/presentationml/2006/main">
   <p:cSld>
     <p:spTree>
@@ -10406,7 +11221,7 @@
 </p:sld>
 </file>
 
-<file path=ppt/slides/slide29.xml><?xml version="1.0" encoding="utf-8"?>
+<file path=ppt/slides/slide34.xml><?xml version="1.0" encoding="utf-8"?>
 <p:sld xmlns:a="http://schemas.openxmlformats.org/drawingml/2006/main" xmlns:r="http://schemas.openxmlformats.org/officeDocument/2006/relationships" xmlns:p="http://schemas.openxmlformats.org/presentationml/2006/main">
   <p:cSld>
     <p:spTree>
@@ -10948,7 +11763,7 @@
 </p:sld>
 </file>
 
-<file path=ppt/slides/slide3.xml><?xml version="1.0" encoding="utf-8"?>
+<file path=ppt/slides/slide35.xml><?xml version="1.0" encoding="utf-8"?>
 <p:sld xmlns:a="http://schemas.openxmlformats.org/drawingml/2006/main" xmlns:r="http://schemas.openxmlformats.org/officeDocument/2006/relationships" xmlns:p="http://schemas.openxmlformats.org/presentationml/2006/main">
   <p:cSld>
     <p:spTree>
@@ -10960,7 +11775,7 @@
       <p:grpSpPr/>
       <p:sp>
         <p:nvSpPr>
-          <p:cNvPr id="4" name="标题 3"/>
+          <p:cNvPr id="2" name="标题 1"/>
           <p:cNvSpPr>
             <a:spLocks noGrp="1"/>
           </p:cNvSpPr>
@@ -10974,27 +11789,63 @@
           <a:p>
             <a:r>
               <a:rPr lang="en-US" altLang="zh-CN"/>
-              <a:t>General</a:t>
-            </a:r>
-            <a:endParaRPr lang="en-US" altLang="zh-CN"/>
-          </a:p>
-        </p:txBody>
-      </p:sp>
-      <p:sp>
-        <p:nvSpPr>
-          <p:cNvPr id="5" name="文本占位符 4"/>
+              <a:t>Redis Server</a:t>
+            </a:r>
+            <a:endParaRPr lang="en-US" altLang="zh-CN"/>
+          </a:p>
+        </p:txBody>
+      </p:sp>
+      <p:sp>
+        <p:nvSpPr>
+          <p:cNvPr id="3" name="内容占位符 2"/>
           <p:cNvSpPr>
             <a:spLocks noGrp="1"/>
           </p:cNvSpPr>
           <p:nvPr>
-            <p:ph type="body" idx="1"/>
+            <p:ph idx="1"/>
           </p:nvPr>
         </p:nvSpPr>
         <p:spPr/>
         <p:txBody>
           <a:bodyPr/>
           <a:p>
-            <a:endParaRPr lang="zh-CN" altLang="en-US"/>
+            <a:r>
+              <a:rPr lang="en-US" altLang="zh-CN"/>
+              <a:t>Steps</a:t>
+            </a:r>
+            <a:endParaRPr lang="en-US" altLang="zh-CN"/>
+          </a:p>
+          <a:p>
+            <a:pPr lvl="1"/>
+            <a:r>
+              <a:rPr lang="en-US" altLang="zh-CN"/>
+              <a:t>sudo apt install redis-server</a:t>
+            </a:r>
+            <a:endParaRPr lang="en-US" altLang="zh-CN"/>
+          </a:p>
+          <a:p>
+            <a:pPr lvl="1"/>
+            <a:r>
+              <a:rPr lang="en-US" altLang="zh-CN"/>
+              <a:t>sudo service redis-server start</a:t>
+            </a:r>
+            <a:endParaRPr lang="en-US" altLang="zh-CN"/>
+          </a:p>
+          <a:p>
+            <a:pPr lvl="2"/>
+            <a:r>
+              <a:rPr lang="en-US" altLang="zh-CN" sz="1800"/>
+              <a:t>port 6379</a:t>
+            </a:r>
+            <a:endParaRPr lang="en-US" altLang="zh-CN"/>
+          </a:p>
+          <a:p>
+            <a:pPr lvl="1"/>
+            <a:r>
+              <a:rPr lang="en-US" altLang="zh-CN"/>
+              <a:t>sudo service redis-server status</a:t>
+            </a:r>
+            <a:endParaRPr lang="en-US" altLang="zh-CN"/>
           </a:p>
         </p:txBody>
       </p:sp>
@@ -11009,7 +11860,7 @@
 </p:sld>
 </file>
 
-<file path=ppt/slides/slide30.xml><?xml version="1.0" encoding="utf-8"?>
+<file path=ppt/slides/slide36.xml><?xml version="1.0" encoding="utf-8"?>
 <p:sld xmlns:a="http://schemas.openxmlformats.org/drawingml/2006/main" xmlns:r="http://schemas.openxmlformats.org/officeDocument/2006/relationships" xmlns:p="http://schemas.openxmlformats.org/presentationml/2006/main">
   <p:cSld>
     <p:spTree>
@@ -11035,7 +11886,7 @@
           <a:p>
             <a:r>
               <a:rPr lang="en-US" altLang="zh-CN"/>
-              <a:t>Redis Server</a:t>
+              <a:t>Replace Server</a:t>
             </a:r>
             <a:endParaRPr lang="en-US" altLang="zh-CN"/>
           </a:p>
@@ -11051,103 +11902,6 @@
             <p:ph idx="1"/>
           </p:nvPr>
         </p:nvSpPr>
-        <p:spPr/>
-        <p:txBody>
-          <a:bodyPr/>
-          <a:p>
-            <a:r>
-              <a:rPr lang="en-US" altLang="zh-CN"/>
-              <a:t>Steps</a:t>
-            </a:r>
-            <a:endParaRPr lang="en-US" altLang="zh-CN"/>
-          </a:p>
-          <a:p>
-            <a:pPr lvl="1"/>
-            <a:r>
-              <a:rPr lang="en-US" altLang="zh-CN"/>
-              <a:t>sudo apt install redis-server</a:t>
-            </a:r>
-            <a:endParaRPr lang="en-US" altLang="zh-CN"/>
-          </a:p>
-          <a:p>
-            <a:pPr lvl="1"/>
-            <a:r>
-              <a:rPr lang="en-US" altLang="zh-CN"/>
-              <a:t>sudo service redis-server start</a:t>
-            </a:r>
-            <a:endParaRPr lang="en-US" altLang="zh-CN"/>
-          </a:p>
-          <a:p>
-            <a:pPr lvl="2"/>
-            <a:r>
-              <a:rPr lang="en-US" altLang="zh-CN" sz="1800"/>
-              <a:t>port 6379</a:t>
-            </a:r>
-            <a:endParaRPr lang="en-US" altLang="zh-CN"/>
-          </a:p>
-          <a:p>
-            <a:pPr lvl="1"/>
-            <a:r>
-              <a:rPr lang="en-US" altLang="zh-CN"/>
-              <a:t>sudo service redis-server status</a:t>
-            </a:r>
-            <a:endParaRPr lang="en-US" altLang="zh-CN"/>
-          </a:p>
-        </p:txBody>
-      </p:sp>
-    </p:spTree>
-    <p:custDataLst>
-      <p:tags r:id="rId1"/>
-    </p:custDataLst>
-  </p:cSld>
-  <p:clrMapOvr>
-    <a:masterClrMapping/>
-  </p:clrMapOvr>
-</p:sld>
-</file>
-
-<file path=ppt/slides/slide31.xml><?xml version="1.0" encoding="utf-8"?>
-<p:sld xmlns:a="http://schemas.openxmlformats.org/drawingml/2006/main" xmlns:r="http://schemas.openxmlformats.org/officeDocument/2006/relationships" xmlns:p="http://schemas.openxmlformats.org/presentationml/2006/main">
-  <p:cSld>
-    <p:spTree>
-      <p:nvGrpSpPr>
-        <p:cNvPr id="1" name=""/>
-        <p:cNvGrpSpPr/>
-        <p:nvPr/>
-      </p:nvGrpSpPr>
-      <p:grpSpPr/>
-      <p:sp>
-        <p:nvSpPr>
-          <p:cNvPr id="2" name="标题 1"/>
-          <p:cNvSpPr>
-            <a:spLocks noGrp="1"/>
-          </p:cNvSpPr>
-          <p:nvPr>
-            <p:ph type="title"/>
-          </p:nvPr>
-        </p:nvSpPr>
-        <p:spPr/>
-        <p:txBody>
-          <a:bodyPr/>
-          <a:p>
-            <a:r>
-              <a:rPr lang="en-US" altLang="zh-CN"/>
-              <a:t>Replace Server</a:t>
-            </a:r>
-            <a:endParaRPr lang="en-US" altLang="zh-CN"/>
-          </a:p>
-        </p:txBody>
-      </p:sp>
-      <p:sp>
-        <p:nvSpPr>
-          <p:cNvPr id="3" name="内容占位符 2"/>
-          <p:cNvSpPr>
-            <a:spLocks noGrp="1"/>
-          </p:cNvSpPr>
-          <p:nvPr>
-            <p:ph idx="1"/>
-          </p:nvPr>
-        </p:nvSpPr>
         <p:spPr>
           <a:xfrm>
             <a:off x="838200" y="1211580"/>
@@ -11160,178 +11914,202 @@
           </a:bodyPr>
           <a:p>
             <a:r>
-              <a:rPr lang="en-US" altLang="zh-CN" sz="1600"/>
+              <a:rPr lang="en-US" altLang="zh-CN" sz="1400"/>
               <a:t>Steps</a:t>
             </a:r>
-            <a:endParaRPr lang="en-US" altLang="zh-CN" sz="1600"/>
-          </a:p>
-          <a:p>
-            <a:pPr lvl="1"/>
-            <a:r>
-              <a:rPr lang="en-US" altLang="zh-CN" sz="1400"/>
+            <a:endParaRPr lang="en-US" altLang="zh-CN" sz="1400"/>
+          </a:p>
+          <a:p>
+            <a:pPr lvl="1"/>
+            <a:r>
+              <a:rPr lang="en-US" altLang="zh-CN" sz="1200"/>
               <a:t>old server</a:t>
             </a:r>
-            <a:endParaRPr lang="en-US" altLang="zh-CN" sz="1400"/>
+            <a:endParaRPr lang="en-US" altLang="zh-CN" sz="1200"/>
           </a:p>
           <a:p>
             <a:pPr lvl="2"/>
             <a:r>
+              <a:rPr lang="en-US" altLang="zh-CN" sz="1000"/>
+              <a:t>create snapshot</a:t>
+            </a:r>
+            <a:endParaRPr lang="en-US" altLang="zh-CN" sz="1000"/>
+          </a:p>
+          <a:p>
+            <a:pPr lvl="2"/>
+            <a:r>
+              <a:rPr lang="en-US" altLang="zh-CN" sz="1000"/>
+              <a:t>share snapshot by account id</a:t>
+            </a:r>
+            <a:endParaRPr lang="en-US" altLang="zh-CN" sz="1000"/>
+          </a:p>
+          <a:p>
+            <a:pPr lvl="2"/>
+            <a:r>
+              <a:rPr lang="en-US" altLang="zh-CN" sz="1000"/>
+              <a:t>dump postgresql db</a:t>
+            </a:r>
+            <a:endParaRPr lang="en-US" altLang="zh-CN" sz="1000"/>
+          </a:p>
+          <a:p>
+            <a:pPr lvl="3"/>
+            <a:r>
+              <a:rPr lang="en-US" altLang="zh-CN" sz="1000"/>
+              <a:t>sudo docker-compose -f docker-compose.yml start db</a:t>
+            </a:r>
+            <a:endParaRPr lang="en-US" altLang="zh-CN" sz="1000"/>
+          </a:p>
+          <a:p>
+            <a:pPr lvl="3"/>
+            <a:r>
+              <a:rPr lang="en-US" altLang="zh-CN" sz="1000"/>
+              <a:t>sudo docker exec -t fishpano_db_1 pg_dump -U fishpano fishpano_db &gt;/tmp/202112261900.pgdump</a:t>
+            </a:r>
+            <a:endParaRPr lang="en-US" altLang="zh-CN" sz="1000"/>
+          </a:p>
+          <a:p>
+            <a:pPr lvl="1"/>
+            <a:r>
               <a:rPr lang="en-US" altLang="zh-CN" sz="1200"/>
-              <a:t>create snapshot</a:t>
+              <a:t>new server</a:t>
             </a:r>
             <a:endParaRPr lang="en-US" altLang="zh-CN" sz="1200"/>
           </a:p>
           <a:p>
             <a:pPr lvl="2"/>
             <a:r>
-              <a:rPr lang="en-US" altLang="zh-CN" sz="1200"/>
-              <a:t>share snapshot by account id</a:t>
-            </a:r>
-            <a:endParaRPr lang="en-US" altLang="zh-CN" sz="1200"/>
+              <a:rPr lang="en-US" altLang="zh-CN" sz="1000"/>
+              <a:t>open necessary ports</a:t>
+            </a:r>
+            <a:endParaRPr lang="en-US" altLang="zh-CN" sz="1000"/>
           </a:p>
           <a:p>
             <a:pPr lvl="2"/>
             <a:r>
-              <a:rPr lang="en-US" altLang="zh-CN" sz="1200"/>
-              <a:t>dump postgresql db</a:t>
-            </a:r>
-            <a:endParaRPr lang="en-US" altLang="zh-CN" sz="1200"/>
+              <a:rPr lang="en-US" altLang="zh-CN" sz="1000"/>
+              <a:t>set swap</a:t>
+            </a:r>
+            <a:endParaRPr lang="en-US" altLang="zh-CN" sz="1000"/>
+          </a:p>
+          <a:p>
+            <a:pPr lvl="2"/>
+            <a:r>
+              <a:rPr lang="en-US" altLang="zh-CN" sz="1000"/>
+              <a:t>mount new disk</a:t>
+            </a:r>
+            <a:endParaRPr lang="en-US" altLang="zh-CN" sz="1000"/>
           </a:p>
           <a:p>
             <a:pPr lvl="3"/>
             <a:r>
-              <a:rPr lang="en-US" altLang="zh-CN" sz="1200"/>
-              <a:t>sudo docker-compose -f docker-compose.yml start db</a:t>
-            </a:r>
-            <a:endParaRPr lang="en-US" altLang="zh-CN" sz="1200"/>
+              <a:rPr lang="en-US" altLang="zh-CN" sz="1000" b="1"/>
+              <a:t>mkfs.ext4 /dev/vdb</a:t>
+            </a:r>
+            <a:endParaRPr lang="en-US" altLang="zh-CN" sz="1000"/>
           </a:p>
           <a:p>
             <a:pPr lvl="3"/>
             <a:r>
-              <a:rPr lang="en-US" altLang="zh-CN" sz="1200"/>
-              <a:t>sudo docker exec -t fishpano_db_1 pg_dump -U fishpano fishpano_db &gt;/tmp/202112261900.pgdump</a:t>
-            </a:r>
-            <a:endParaRPr lang="en-US" altLang="zh-CN" sz="1200"/>
-          </a:p>
-          <a:p>
-            <a:pPr lvl="1"/>
-            <a:r>
-              <a:rPr lang="en-US" altLang="zh-CN" sz="1400"/>
-              <a:t>new server</a:t>
-            </a:r>
-            <a:endParaRPr lang="en-US" altLang="zh-CN" sz="1400"/>
+              <a:rPr lang="en-US" altLang="zh-CN" sz="1000"/>
+              <a:t>sudo mount /dev/vdb /data</a:t>
+            </a:r>
+            <a:endParaRPr lang="en-US" altLang="zh-CN" sz="1000"/>
           </a:p>
           <a:p>
             <a:pPr lvl="2"/>
             <a:r>
-              <a:rPr lang="en-US" altLang="zh-CN" sz="1200"/>
-              <a:t>set swap</a:t>
-            </a:r>
-            <a:endParaRPr lang="en-US" altLang="zh-CN" sz="1200"/>
+              <a:rPr lang="en-US" altLang="zh-CN" sz="1000"/>
+              <a:t>create disk from shared snapshot</a:t>
+            </a:r>
+            <a:endParaRPr lang="en-US" altLang="zh-CN" sz="1000"/>
           </a:p>
           <a:p>
             <a:pPr lvl="2"/>
             <a:r>
-              <a:rPr lang="en-US" altLang="zh-CN" sz="1200"/>
-              <a:t>mount new disk</a:t>
-            </a:r>
-            <a:endParaRPr lang="en-US" altLang="zh-CN" sz="1200"/>
+              <a:rPr lang="en-US" altLang="zh-CN" sz="1000"/>
+              <a:t>mount created disk</a:t>
+            </a:r>
+            <a:endParaRPr lang="en-US" altLang="zh-CN" sz="1000"/>
+          </a:p>
+          <a:p>
+            <a:pPr lvl="2"/>
+            <a:r>
+              <a:rPr lang="en-US" altLang="zh-CN" sz="1000"/>
+              <a:t>mv files from created disk to new disk</a:t>
+            </a:r>
+            <a:endParaRPr lang="en-US" altLang="zh-CN" sz="1000"/>
+          </a:p>
+          <a:p>
+            <a:pPr lvl="2"/>
+            <a:r>
+              <a:rPr lang="en-US" altLang="zh-CN" sz="1000"/>
+              <a:t>restore DB</a:t>
+            </a:r>
+            <a:endParaRPr lang="en-US" altLang="zh-CN" sz="1000"/>
           </a:p>
           <a:p>
             <a:pPr lvl="3"/>
             <a:r>
-              <a:rPr lang="en-US" altLang="zh-CN" sz="1200"/>
-              <a:t>mkfs.ext4 /dev/vdb</a:t>
-            </a:r>
-            <a:endParaRPr lang="en-US" altLang="zh-CN" sz="1200"/>
+              <a:rPr lang="en-US" altLang="zh-CN" sz="1000"/>
+              <a:t>sudo docker compose up db &amp;</a:t>
+            </a:r>
+            <a:endParaRPr lang="en-US" altLang="zh-CN" sz="1000"/>
           </a:p>
           <a:p>
             <a:pPr lvl="3"/>
             <a:r>
-              <a:rPr lang="en-US" altLang="zh-CN" sz="1200"/>
-              <a:t>sudo mount /dev/vdb /data</a:t>
-            </a:r>
-            <a:endParaRPr lang="en-US" altLang="zh-CN" sz="1200"/>
+              <a:rPr lang="en-US" altLang="zh-CN" sz="1000"/>
+              <a:t>sudo docker exec -it expovr-db-1 /bin/bash</a:t>
+            </a:r>
+            <a:endParaRPr lang="en-US" altLang="zh-CN" sz="1000"/>
+          </a:p>
+          <a:p>
+            <a:pPr lvl="3"/>
+            <a:r>
+              <a:rPr lang="en-US" altLang="zh-CN" sz="1000"/>
+              <a:t>dropdb -U fishpano fishpano_db</a:t>
+            </a:r>
+            <a:endParaRPr lang="en-US" altLang="zh-CN" sz="1000"/>
+          </a:p>
+          <a:p>
+            <a:pPr lvl="3"/>
+            <a:r>
+              <a:rPr lang="en-US" altLang="zh-CN" sz="1000"/>
+              <a:t>createdb -U fishpano fishpano_db</a:t>
+            </a:r>
+            <a:endParaRPr lang="en-US" altLang="zh-CN" sz="1000"/>
+          </a:p>
+          <a:p>
+            <a:pPr lvl="3"/>
+            <a:r>
+              <a:rPr lang="en-US" altLang="zh-CN" sz="1000"/>
+              <a:t>psql -U fishpano fishpano_db &lt;/tmp/202112261900.pgdump</a:t>
+            </a:r>
+            <a:endParaRPr lang="en-US" altLang="zh-CN" sz="1000"/>
           </a:p>
           <a:p>
             <a:pPr lvl="2"/>
             <a:r>
-              <a:rPr lang="en-US" altLang="zh-CN" sz="1200"/>
-              <a:t>create disk from shared snapshot</a:t>
-            </a:r>
-            <a:endParaRPr lang="en-US" altLang="zh-CN" sz="1200"/>
+              <a:rPr lang="en-US" altLang="zh-CN" sz="1000"/>
+              <a:t>copy bashrc, cron scripts</a:t>
+            </a:r>
+            <a:endParaRPr lang="en-US" altLang="zh-CN" sz="1000"/>
           </a:p>
           <a:p>
             <a:pPr lvl="2"/>
             <a:r>
-              <a:rPr lang="en-US" altLang="zh-CN" sz="1200"/>
-              <a:t>mount created disk</a:t>
-            </a:r>
-            <a:endParaRPr lang="en-US" altLang="zh-CN" sz="1200"/>
-          </a:p>
-          <a:p>
-            <a:pPr lvl="2"/>
-            <a:r>
-              <a:rPr lang="en-US" altLang="zh-CN" sz="1200"/>
-              <a:t>mv files from created disk to new disk</a:t>
-            </a:r>
-            <a:endParaRPr lang="en-US" altLang="zh-CN" sz="1200"/>
-          </a:p>
-          <a:p>
-            <a:pPr lvl="2"/>
-            <a:r>
-              <a:rPr lang="en-US" altLang="zh-CN" sz="1200"/>
-              <a:t>restore DB</a:t>
-            </a:r>
-            <a:endParaRPr lang="en-US" altLang="zh-CN" sz="1200"/>
-          </a:p>
-          <a:p>
-            <a:pPr lvl="3"/>
-            <a:r>
-              <a:rPr lang="en-US" altLang="zh-CN" sz="1200"/>
-              <a:t>dropdb -U fishpano fishpano_db</a:t>
-            </a:r>
-            <a:endParaRPr lang="en-US" altLang="zh-CN" sz="1200"/>
-          </a:p>
-          <a:p>
-            <a:pPr lvl="3"/>
-            <a:r>
-              <a:rPr lang="en-US" altLang="zh-CN" sz="1200"/>
-              <a:t>createdb -U fishpano fishpano_db</a:t>
-            </a:r>
-            <a:endParaRPr lang="en-US" altLang="zh-CN" sz="1200"/>
-          </a:p>
-          <a:p>
-            <a:pPr lvl="3"/>
-            <a:r>
-              <a:rPr lang="en-US" altLang="zh-CN" sz="1200"/>
-              <a:t>psql -U fishpano fishpano_db &lt;/tmp/202112261900.pgdump</a:t>
-            </a:r>
-            <a:endParaRPr lang="en-US" altLang="zh-CN" sz="1200"/>
-          </a:p>
-          <a:p>
-            <a:pPr lvl="2"/>
-            <a:r>
-              <a:rPr lang="en-US" altLang="zh-CN" sz="1200"/>
-              <a:t>copy bashrc, cron scripts</a:t>
-            </a:r>
-            <a:endParaRPr lang="en-US" altLang="zh-CN" sz="1200"/>
-          </a:p>
-          <a:p>
-            <a:pPr lvl="2"/>
-            <a:r>
-              <a:rPr lang="en-US" altLang="zh-CN" sz="1200"/>
+              <a:rPr lang="en-US" altLang="zh-CN" sz="1000"/>
               <a:t>install docker environment</a:t>
             </a:r>
-            <a:endParaRPr lang="en-US" altLang="zh-CN" sz="1200"/>
-          </a:p>
-          <a:p>
-            <a:pPr lvl="1"/>
-            <a:r>
-              <a:rPr lang="en-US" altLang="zh-CN" sz="1200"/>
+            <a:endParaRPr lang="en-US" altLang="zh-CN" sz="1000"/>
+          </a:p>
+          <a:p>
+            <a:pPr lvl="1"/>
+            <a:r>
+              <a:rPr lang="en-US" altLang="zh-CN" sz="1000"/>
               <a:t>change DNS</a:t>
             </a:r>
-            <a:endParaRPr lang="en-US" altLang="zh-CN" sz="1200"/>
+            <a:endParaRPr lang="en-US" altLang="zh-CN" sz="1000"/>
           </a:p>
         </p:txBody>
       </p:sp>
@@ -11374,7 +12152,7 @@
 </p:sld>
 </file>
 
-<file path=ppt/slides/slide32.xml><?xml version="1.0" encoding="utf-8"?>
+<file path=ppt/slides/slide37.xml><?xml version="1.0" encoding="utf-8"?>
 <p:sld xmlns:a="http://schemas.openxmlformats.org/drawingml/2006/main" xmlns:r="http://schemas.openxmlformats.org/officeDocument/2006/relationships" xmlns:p="http://schemas.openxmlformats.org/presentationml/2006/main">
   <p:cSld>
     <p:spTree>
@@ -11554,7 +12332,7 @@
 </p:sld>
 </file>
 
-<file path=ppt/slides/slide33.xml><?xml version="1.0" encoding="utf-8"?>
+<file path=ppt/slides/slide38.xml><?xml version="1.0" encoding="utf-8"?>
 <p:sld xmlns:a="http://schemas.openxmlformats.org/drawingml/2006/main" xmlns:r="http://schemas.openxmlformats.org/officeDocument/2006/relationships" xmlns:p="http://schemas.openxmlformats.org/presentationml/2006/main">
   <p:cSld>
     <p:spTree>
@@ -11651,7 +12429,7 @@
 </p:sld>
 </file>
 
-<file path=ppt/slides/slide34.xml><?xml version="1.0" encoding="utf-8"?>
+<file path=ppt/slides/slide39.xml><?xml version="1.0" encoding="utf-8"?>
 <p:sld xmlns:a="http://schemas.openxmlformats.org/drawingml/2006/main" xmlns:r="http://schemas.openxmlformats.org/officeDocument/2006/relationships" xmlns:p="http://schemas.openxmlformats.org/presentationml/2006/main">
   <p:cSld>
     <p:spTree>
@@ -12085,7 +12863,319 @@
 </p:sld>
 </file>
 
-<file path=ppt/slides/slide35.xml><?xml version="1.0" encoding="utf-8"?>
+<file path=ppt/slides/slide4.xml><?xml version="1.0" encoding="utf-8"?>
+<p:sld xmlns:a="http://schemas.openxmlformats.org/drawingml/2006/main" xmlns:r="http://schemas.openxmlformats.org/officeDocument/2006/relationships" xmlns:p="http://schemas.openxmlformats.org/presentationml/2006/main">
+  <p:cSld>
+    <p:spTree>
+      <p:nvGrpSpPr>
+        <p:cNvPr id="1" name=""/>
+        <p:cNvGrpSpPr/>
+        <p:nvPr/>
+      </p:nvGrpSpPr>
+      <p:grpSpPr/>
+      <p:sp>
+        <p:nvSpPr>
+          <p:cNvPr id="24578" name="标题 2"/>
+          <p:cNvSpPr>
+            <a:spLocks noGrp="1"/>
+          </p:cNvSpPr>
+          <p:nvPr>
+            <p:ph type="title"/>
+            <p:custDataLst>
+              <p:tags r:id="rId1"/>
+            </p:custDataLst>
+          </p:nvPr>
+        </p:nvSpPr>
+        <p:spPr/>
+        <p:txBody>
+          <a:bodyPr anchor="b">
+            <a:normAutofit/>
+          </a:bodyPr>
+          <a:p>
+            <a:r>
+              <a:rPr lang="en-US" altLang="zh-CN" smtClean="0"/>
+              <a:t>CentOS</a:t>
+            </a:r>
+            <a:endParaRPr lang="en-US" altLang="zh-CN" smtClean="0"/>
+          </a:p>
+        </p:txBody>
+      </p:sp>
+      <p:sp>
+        <p:nvSpPr>
+          <p:cNvPr id="4" name="内容占位符 3"/>
+          <p:cNvSpPr>
+            <a:spLocks noGrp="1"/>
+          </p:cNvSpPr>
+          <p:nvPr>
+            <p:ph idx="1"/>
+            <p:custDataLst>
+              <p:tags r:id="rId2"/>
+            </p:custDataLst>
+          </p:nvPr>
+        </p:nvSpPr>
+        <p:spPr/>
+        <p:txBody>
+          <a:bodyPr>
+            <a:normAutofit fontScale="50000"/>
+          </a:bodyPr>
+          <a:p>
+            <a:pPr marL="357505" indent="-357505" algn="l">
+              <a:lnSpc>
+                <a:spcPct val="200000"/>
+              </a:lnSpc>
+              <a:buClr>
+                <a:schemeClr val="accent1"/>
+              </a:buClr>
+              <a:buSzTx/>
+              <a:buFont typeface="Wingdings" panose="05000000000000000000" pitchFamily="2" charset="2"/>
+              <a:buChar char=""/>
+            </a:pPr>
+            <a:r>
+              <a:rPr lang="en-US" altLang="zh-CN" smtClean="0"/>
+              <a:t>Determine CentOS version</a:t>
+            </a:r>
+            <a:endParaRPr lang="en-US" altLang="zh-CN" smtClean="0"/>
+          </a:p>
+          <a:p>
+            <a:pPr marL="814705" lvl="1" indent="-357505" algn="l">
+              <a:lnSpc>
+                <a:spcPct val="200000"/>
+              </a:lnSpc>
+              <a:buClr>
+                <a:schemeClr val="accent1"/>
+              </a:buClr>
+              <a:buSzTx/>
+              <a:buFont typeface="Wingdings" panose="05000000000000000000" pitchFamily="2" charset="2"/>
+              <a:buChar char=""/>
+            </a:pPr>
+            <a:r>
+              <a:rPr lang="en-US" altLang="zh-CN" sz="2000" smtClean="0"/>
+              <a:t>vim /etc/centos-release</a:t>
+            </a:r>
+            <a:endParaRPr lang="en-US" altLang="zh-CN" sz="2000" smtClean="0"/>
+          </a:p>
+          <a:p>
+            <a:pPr marL="357505" lvl="0" indent="-357505" algn="l">
+              <a:lnSpc>
+                <a:spcPct val="200000"/>
+              </a:lnSpc>
+              <a:buClr>
+                <a:schemeClr val="accent1"/>
+              </a:buClr>
+              <a:buSzTx/>
+              <a:buFont typeface="Wingdings" panose="05000000000000000000" pitchFamily="2" charset="2"/>
+              <a:buChar char=""/>
+            </a:pPr>
+            <a:r>
+              <a:rPr lang="en-US" altLang="zh-CN" sz="2400" smtClean="0"/>
+              <a:t>Set up the system</a:t>
+            </a:r>
+            <a:endParaRPr lang="en-US" altLang="zh-CN" sz="2400" smtClean="0"/>
+          </a:p>
+          <a:p>
+            <a:pPr marL="814705" lvl="1" indent="-357505" algn="l">
+              <a:lnSpc>
+                <a:spcPct val="200000"/>
+              </a:lnSpc>
+              <a:buClr>
+                <a:schemeClr val="accent1"/>
+              </a:buClr>
+              <a:buSzTx/>
+              <a:buFont typeface="Wingdings" panose="05000000000000000000" pitchFamily="2" charset="2"/>
+              <a:buChar char=""/>
+            </a:pPr>
+            <a:r>
+              <a:rPr lang="en-US" altLang="zh-CN" sz="2000" smtClean="0"/>
+              <a:t>sudo yum -y update</a:t>
+            </a:r>
+            <a:endParaRPr lang="en-US" altLang="zh-CN" sz="2000" smtClean="0"/>
+          </a:p>
+          <a:p>
+            <a:pPr marL="814705" lvl="1" indent="-357505" algn="l">
+              <a:lnSpc>
+                <a:spcPct val="200000"/>
+              </a:lnSpc>
+              <a:buClr>
+                <a:schemeClr val="accent1"/>
+              </a:buClr>
+              <a:buSzTx/>
+              <a:buFont typeface="Wingdings" panose="05000000000000000000" pitchFamily="2" charset="2"/>
+              <a:buChar char=""/>
+            </a:pPr>
+            <a:r>
+              <a:rPr lang="en-US" altLang="zh-CN" sz="2000" smtClean="0"/>
+              <a:t>sudo yum groupinstall -y development</a:t>
+            </a:r>
+            <a:endParaRPr lang="en-US" altLang="zh-CN" sz="2000" smtClean="0"/>
+          </a:p>
+          <a:p>
+            <a:pPr marL="814705" lvl="1" indent="-357505" algn="l">
+              <a:lnSpc>
+                <a:spcPct val="200000"/>
+              </a:lnSpc>
+              <a:buClr>
+                <a:schemeClr val="accent1"/>
+              </a:buClr>
+              <a:buSzTx/>
+              <a:buFont typeface="Wingdings" panose="05000000000000000000" pitchFamily="2" charset="2"/>
+              <a:buChar char=""/>
+            </a:pPr>
+            <a:r>
+              <a:rPr lang="en-US" altLang="zh-CN" smtClean="0"/>
+              <a:t>Install Python</a:t>
+            </a:r>
+            <a:endParaRPr lang="en-US" altLang="zh-CN" smtClean="0"/>
+          </a:p>
+          <a:p>
+            <a:pPr marL="1271905" lvl="2" indent="-357505" algn="l">
+              <a:lnSpc>
+                <a:spcPct val="200000"/>
+              </a:lnSpc>
+              <a:buClr>
+                <a:schemeClr val="accent1"/>
+              </a:buClr>
+              <a:buSzTx/>
+              <a:buFont typeface="Wingdings" panose="05000000000000000000" pitchFamily="2" charset="2"/>
+              <a:buChar char=""/>
+            </a:pPr>
+            <a:r>
+              <a:rPr lang="en-US" altLang="zh-CN" smtClean="0"/>
+              <a:t>wget http://www.python.org/ftp/python/2.7.15/Python-2.7.15.tar.xz</a:t>
+            </a:r>
+            <a:endParaRPr lang="en-US" altLang="zh-CN" smtClean="0"/>
+          </a:p>
+          <a:p>
+            <a:pPr marL="1271905" lvl="2" indent="-357505" algn="l">
+              <a:lnSpc>
+                <a:spcPct val="200000"/>
+              </a:lnSpc>
+              <a:buClr>
+                <a:schemeClr val="accent1"/>
+              </a:buClr>
+              <a:buSzTx/>
+              <a:buFont typeface="Wingdings" panose="05000000000000000000" pitchFamily="2" charset="2"/>
+              <a:buChar char=""/>
+            </a:pPr>
+            <a:r>
+              <a:rPr lang="en-US" altLang="zh-CN" smtClean="0"/>
+              <a:t>xz -d Python-2.7.15.tar.xz</a:t>
+            </a:r>
+            <a:endParaRPr lang="en-US" altLang="zh-CN" smtClean="0"/>
+          </a:p>
+          <a:p>
+            <a:pPr marL="1271905" lvl="2" indent="-357505" algn="l">
+              <a:lnSpc>
+                <a:spcPct val="200000"/>
+              </a:lnSpc>
+              <a:buClr>
+                <a:schemeClr val="accent1"/>
+              </a:buClr>
+              <a:buSzTx/>
+              <a:buFont typeface="Wingdings" panose="05000000000000000000" pitchFamily="2" charset="2"/>
+              <a:buChar char=""/>
+            </a:pPr>
+            <a:r>
+              <a:rPr lang="en-US" altLang="zh-CN" smtClean="0"/>
+              <a:t>tar xvf Python-2.7.15.tar</a:t>
+            </a:r>
+            <a:endParaRPr lang="en-US" altLang="zh-CN" smtClean="0"/>
+          </a:p>
+          <a:p>
+            <a:pPr marL="1271905" lvl="2" indent="-357505" algn="l">
+              <a:lnSpc>
+                <a:spcPct val="200000"/>
+              </a:lnSpc>
+              <a:buClr>
+                <a:schemeClr val="accent1"/>
+              </a:buClr>
+              <a:buSzTx/>
+              <a:buFont typeface="Wingdings" panose="05000000000000000000" pitchFamily="2" charset="2"/>
+              <a:buChar char=""/>
+            </a:pPr>
+            <a:r>
+              <a:rPr lang="en-US" altLang="zh-CN" smtClean="0"/>
+              <a:t>cd Python-2.7.15 &amp;&amp; ./configure --prefix=/usr/local &amp;&amp; make &amp;&amp; make install</a:t>
+            </a:r>
+            <a:endParaRPr lang="en-US" altLang="zh-CN" smtClean="0"/>
+          </a:p>
+          <a:p>
+            <a:pPr marL="814705" lvl="1" indent="-357505" algn="l">
+              <a:lnSpc>
+                <a:spcPct val="200000"/>
+              </a:lnSpc>
+              <a:buClr>
+                <a:schemeClr val="accent1"/>
+              </a:buClr>
+              <a:buSzTx/>
+              <a:buFont typeface="Wingdings" panose="05000000000000000000" pitchFamily="2" charset="2"/>
+              <a:buChar char=""/>
+            </a:pPr>
+            <a:r>
+              <a:rPr lang="en-US" altLang="zh-CN" sz="2000" smtClean="0"/>
+              <a:t>sudo yum install python-pip</a:t>
+            </a:r>
+            <a:endParaRPr lang="en-US" altLang="zh-CN" sz="2000" smtClean="0"/>
+          </a:p>
+          <a:p>
+            <a:pPr marL="814705" lvl="1" indent="-357505" algn="l">
+              <a:lnSpc>
+                <a:spcPct val="200000"/>
+              </a:lnSpc>
+              <a:buClr>
+                <a:schemeClr val="accent1"/>
+              </a:buClr>
+              <a:buSzTx/>
+              <a:buFont typeface="Wingdings" panose="05000000000000000000" pitchFamily="2" charset="2"/>
+              <a:buChar char=""/>
+            </a:pPr>
+            <a:r>
+              <a:rPr lang="en-US" altLang="zh-CN" sz="2000" smtClean="0"/>
+              <a:t>sudo python -m pip install “django&lt;2”</a:t>
+            </a:r>
+            <a:endParaRPr lang="en-US" altLang="zh-CN" smtClean="0"/>
+          </a:p>
+          <a:p>
+            <a:pPr marL="814705" lvl="1" indent="-357505" algn="l">
+              <a:lnSpc>
+                <a:spcPct val="200000"/>
+              </a:lnSpc>
+              <a:buClr>
+                <a:schemeClr val="accent1"/>
+              </a:buClr>
+              <a:buSzTx/>
+              <a:buFont typeface="Wingdings" panose="05000000000000000000" pitchFamily="2" charset="2"/>
+              <a:buChar char=""/>
+            </a:pPr>
+            <a:endParaRPr lang="en-US" altLang="zh-CN" smtClean="0"/>
+          </a:p>
+          <a:p>
+            <a:pPr marL="357505" lvl="1" indent="-357505" algn="l">
+              <a:lnSpc>
+                <a:spcPct val="200000"/>
+              </a:lnSpc>
+              <a:buClr>
+                <a:schemeClr val="accent1"/>
+              </a:buClr>
+              <a:buSzTx/>
+              <a:buFont typeface="Wingdings" panose="05000000000000000000" pitchFamily="2" charset="2"/>
+              <a:buChar char=""/>
+            </a:pPr>
+            <a:endParaRPr lang="en-US" altLang="zh-CN" smtClean="0"/>
+          </a:p>
+        </p:txBody>
+      </p:sp>
+    </p:spTree>
+    <p:custDataLst>
+      <p:tags r:id="rId3"/>
+    </p:custDataLst>
+  </p:cSld>
+  <p:clrMapOvr>
+    <a:masterClrMapping/>
+  </p:clrMapOvr>
+</p:sld>
+</file>
+
+<file path=ppt/slides/slide40.xml><?xml version="1.0" encoding="utf-8"?>
 <p:sld xmlns:a="http://schemas.openxmlformats.org/drawingml/2006/main" xmlns:r="http://schemas.openxmlformats.org/officeDocument/2006/relationships" xmlns:p="http://schemas.openxmlformats.org/presentationml/2006/main">
   <p:cSld>
     <p:spTree>
@@ -12560,7 +13650,449 @@
 </p:sld>
 </file>
 
-<file path=ppt/slides/slide36.xml><?xml version="1.0" encoding="utf-8"?>
+<file path=ppt/slides/slide41.xml><?xml version="1.0" encoding="utf-8"?>
+<p:sld xmlns:a="http://schemas.openxmlformats.org/drawingml/2006/main" xmlns:r="http://schemas.openxmlformats.org/officeDocument/2006/relationships" xmlns:p="http://schemas.openxmlformats.org/presentationml/2006/main">
+  <p:cSld>
+    <p:spTree>
+      <p:nvGrpSpPr>
+        <p:cNvPr id="1" name=""/>
+        <p:cNvGrpSpPr/>
+        <p:nvPr/>
+      </p:nvGrpSpPr>
+      <p:grpSpPr/>
+      <p:sp>
+        <p:nvSpPr>
+          <p:cNvPr id="2" name="标题 1"/>
+          <p:cNvSpPr>
+            <a:spLocks noGrp="1"/>
+          </p:cNvSpPr>
+          <p:nvPr>
+            <p:ph type="title"/>
+          </p:nvPr>
+        </p:nvSpPr>
+        <p:spPr/>
+        <p:txBody>
+          <a:bodyPr/>
+          <a:p>
+            <a:r>
+              <a:rPr lang="en-US" altLang="zh-CN"/>
+              <a:t>VNC</a:t>
+            </a:r>
+            <a:endParaRPr lang="en-US" altLang="zh-CN"/>
+          </a:p>
+        </p:txBody>
+      </p:sp>
+      <p:sp>
+        <p:nvSpPr>
+          <p:cNvPr id="3" name="内容占位符 2"/>
+          <p:cNvSpPr>
+            <a:spLocks noGrp="1"/>
+          </p:cNvSpPr>
+          <p:nvPr>
+            <p:ph idx="1"/>
+          </p:nvPr>
+        </p:nvSpPr>
+        <p:spPr>
+          <a:xfrm>
+            <a:off x="838200" y="1211580"/>
+            <a:ext cx="6114415" cy="4918075"/>
+          </a:xfrm>
+        </p:spPr>
+        <p:txBody>
+          <a:bodyPr>
+            <a:normAutofit fontScale="70000"/>
+          </a:bodyPr>
+          <a:p>
+            <a:r>
+              <a:rPr lang="en-US" altLang="zh-CN"/>
+              <a:t>References</a:t>
+            </a:r>
+            <a:endParaRPr lang="en-US" altLang="zh-CN"/>
+          </a:p>
+          <a:p>
+            <a:pPr lvl="1"/>
+            <a:r>
+              <a:rPr lang="en-US" altLang="zh-CN"/>
+              <a:t>https://www.digitalocean.com/community/tutorials/how-to-install-and-configure-vnc-on-ubuntu-20-04</a:t>
+            </a:r>
+            <a:endParaRPr lang="en-US" altLang="zh-CN"/>
+          </a:p>
+          <a:p>
+            <a:pPr lvl="0"/>
+            <a:r>
+              <a:rPr lang="en-US" altLang="zh-CN"/>
+              <a:t>Steps</a:t>
+            </a:r>
+            <a:endParaRPr lang="en-US" altLang="zh-CN"/>
+          </a:p>
+          <a:p>
+            <a:pPr lvl="1"/>
+            <a:r>
+              <a:rPr lang="en-US" altLang="zh-CN"/>
+              <a:t>sudo apt update</a:t>
+            </a:r>
+            <a:endParaRPr lang="en-US" altLang="zh-CN"/>
+          </a:p>
+          <a:p>
+            <a:pPr lvl="1"/>
+            <a:r>
+              <a:rPr lang="en-US" altLang="zh-CN"/>
+              <a:t>sudo apt install xfce4 xfce4-goodies</a:t>
+            </a:r>
+            <a:endParaRPr lang="en-US" altLang="zh-CN"/>
+          </a:p>
+          <a:p>
+            <a:pPr lvl="1"/>
+            <a:r>
+              <a:rPr lang="en-US" altLang="zh-CN"/>
+              <a:t>sudo apt install tightvncserver</a:t>
+            </a:r>
+            <a:endParaRPr lang="en-US" altLang="zh-CN"/>
+          </a:p>
+          <a:p>
+            <a:pPr lvl="1"/>
+            <a:r>
+              <a:rPr lang="en-US" altLang="zh-CN"/>
+              <a:t>vncserver</a:t>
+            </a:r>
+            <a:endParaRPr lang="en-US" altLang="zh-CN"/>
+          </a:p>
+          <a:p>
+            <a:pPr lvl="2"/>
+            <a:r>
+              <a:rPr lang="en-US" altLang="zh-CN"/>
+              <a:t> it launches a default server instance on port 5901</a:t>
+            </a:r>
+            <a:endParaRPr lang="en-US" altLang="zh-CN"/>
+          </a:p>
+          <a:p>
+            <a:pPr lvl="2"/>
+            <a:r>
+              <a:rPr lang="en-US" altLang="zh-CN"/>
+              <a:t>vncserver -kill :1	// kill the vnc server</a:t>
+            </a:r>
+            <a:endParaRPr lang="en-US" altLang="zh-CN"/>
+          </a:p>
+          <a:p>
+            <a:pPr lvl="1"/>
+            <a:r>
+              <a:rPr lang="en-US" altLang="zh-CN"/>
+              <a:t>vim  ~/.vnc/xstartup</a:t>
+            </a:r>
+            <a:endParaRPr lang="en-US" altLang="zh-CN"/>
+          </a:p>
+          <a:p>
+            <a:pPr lvl="2"/>
+            <a:r>
+              <a:rPr lang="en-US" altLang="zh-CN"/>
+              <a:t>#!/bin/bash</a:t>
+            </a:r>
+            <a:endParaRPr lang="en-US" altLang="zh-CN"/>
+          </a:p>
+          <a:p>
+            <a:pPr lvl="2"/>
+            <a:r>
+              <a:rPr lang="en-US" altLang="zh-CN"/>
+              <a:t>xrdb $HOME/.Xresources</a:t>
+            </a:r>
+            <a:endParaRPr lang="en-US" altLang="zh-CN"/>
+          </a:p>
+          <a:p>
+            <a:pPr lvl="2"/>
+            <a:r>
+              <a:rPr lang="en-US" altLang="zh-CN"/>
+              <a:t>startxfce4 &amp;</a:t>
+            </a:r>
+            <a:endParaRPr lang="en-US" altLang="zh-CN"/>
+          </a:p>
+          <a:p>
+            <a:pPr lvl="1"/>
+            <a:r>
+              <a:rPr lang="en-US" altLang="zh-CN"/>
+              <a:t>chmod +x ~/.vnc/xstartup</a:t>
+            </a:r>
+            <a:endParaRPr lang="en-US" altLang="zh-CN"/>
+          </a:p>
+          <a:p>
+            <a:pPr lvl="1"/>
+            <a:r>
+              <a:rPr lang="en-US" altLang="zh-CN">
+                <a:sym typeface="+mn-ea"/>
+              </a:rPr>
+              <a:t>vncserver -kill :1</a:t>
+            </a:r>
+            <a:endParaRPr lang="en-US" altLang="zh-CN">
+              <a:sym typeface="+mn-ea"/>
+            </a:endParaRPr>
+          </a:p>
+          <a:p>
+            <a:pPr lvl="1"/>
+            <a:r>
+              <a:rPr lang="en-US" altLang="zh-CN"/>
+              <a:t>vncserver</a:t>
+            </a:r>
+            <a:endParaRPr lang="en-US" altLang="zh-CN"/>
+          </a:p>
+          <a:p>
+            <a:pPr lvl="1"/>
+            <a:r>
+              <a:rPr lang="en-US" altLang="zh-CN"/>
+              <a:t>sudo ufw allow 5901/tcp</a:t>
+            </a:r>
+            <a:endParaRPr lang="en-US" altLang="zh-CN"/>
+          </a:p>
+        </p:txBody>
+      </p:sp>
+      <p:pic>
+        <p:nvPicPr>
+          <p:cNvPr id="4" name="图片 3"/>
+          <p:cNvPicPr>
+            <a:picLocks noChangeAspect="1"/>
+          </p:cNvPicPr>
+          <p:nvPr/>
+        </p:nvPicPr>
+        <p:blipFill>
+          <a:blip r:embed="rId1"/>
+          <a:stretch>
+            <a:fillRect/>
+          </a:stretch>
+        </p:blipFill>
+        <p:spPr>
+          <a:xfrm>
+            <a:off x="7260590" y="812800"/>
+            <a:ext cx="3888740" cy="5231765"/>
+          </a:xfrm>
+          <a:prstGeom prst="rect">
+            <a:avLst/>
+          </a:prstGeom>
+        </p:spPr>
+      </p:pic>
+    </p:spTree>
+    <p:custDataLst>
+      <p:tags r:id="rId2"/>
+    </p:custDataLst>
+  </p:cSld>
+  <p:clrMapOvr>
+    <a:masterClrMapping/>
+  </p:clrMapOvr>
+</p:sld>
+</file>
+
+<file path=ppt/slides/slide42.xml><?xml version="1.0" encoding="utf-8"?>
+<p:sld xmlns:a="http://schemas.openxmlformats.org/drawingml/2006/main" xmlns:r="http://schemas.openxmlformats.org/officeDocument/2006/relationships" xmlns:p="http://schemas.openxmlformats.org/presentationml/2006/main">
+  <p:cSld>
+    <p:spTree>
+      <p:nvGrpSpPr>
+        <p:cNvPr id="1" name=""/>
+        <p:cNvGrpSpPr/>
+        <p:nvPr/>
+      </p:nvGrpSpPr>
+      <p:grpSpPr/>
+      <p:sp>
+        <p:nvSpPr>
+          <p:cNvPr id="2" name="标题 1"/>
+          <p:cNvSpPr>
+            <a:spLocks noGrp="1"/>
+          </p:cNvSpPr>
+          <p:nvPr>
+            <p:ph type="title"/>
+          </p:nvPr>
+        </p:nvSpPr>
+        <p:spPr/>
+        <p:txBody>
+          <a:bodyPr/>
+          <a:p>
+            <a:r>
+              <a:rPr lang="en-US" altLang="zh-CN"/>
+              <a:t>Add New Disk</a:t>
+            </a:r>
+            <a:endParaRPr lang="en-US" altLang="zh-CN"/>
+          </a:p>
+        </p:txBody>
+      </p:sp>
+      <p:sp>
+        <p:nvSpPr>
+          <p:cNvPr id="3" name="内容占位符 2"/>
+          <p:cNvSpPr>
+            <a:spLocks noGrp="1"/>
+          </p:cNvSpPr>
+          <p:nvPr>
+            <p:ph idx="1"/>
+          </p:nvPr>
+        </p:nvSpPr>
+        <p:spPr/>
+        <p:txBody>
+          <a:bodyPr/>
+          <a:p>
+            <a:r>
+              <a:rPr lang="en-US" altLang="zh-CN"/>
+              <a:t>Steps (e.g. /dev/vdb)</a:t>
+            </a:r>
+            <a:endParaRPr lang="en-US" altLang="zh-CN"/>
+          </a:p>
+          <a:p>
+            <a:pPr lvl="1"/>
+            <a:r>
+              <a:rPr lang="en-US" altLang="zh-CN"/>
+              <a:t>Create new empty partitions:</a:t>
+            </a:r>
+            <a:endParaRPr lang="en-US" altLang="zh-CN"/>
+          </a:p>
+          <a:p>
+            <a:pPr lvl="2"/>
+            <a:r>
+              <a:rPr lang="en-US" altLang="zh-CN"/>
+              <a:t># parted -s /dev/vdb mklabel gpt</a:t>
+            </a:r>
+            <a:endParaRPr lang="en-US" altLang="zh-CN"/>
+          </a:p>
+          <a:p>
+            <a:pPr lvl="2"/>
+            <a:r>
+              <a:rPr lang="en-US" altLang="zh-CN"/>
+              <a:t># parted -s /dev/vdb unit mib mkpart primary 0% 100%</a:t>
+            </a:r>
+            <a:endParaRPr lang="en-US" altLang="zh-CN"/>
+          </a:p>
+          <a:p>
+            <a:pPr lvl="1"/>
+            <a:r>
+              <a:rPr lang="en-US" altLang="zh-CN"/>
+              <a:t>Create new empty filesystem:</a:t>
+            </a:r>
+            <a:endParaRPr lang="en-US" altLang="zh-CN"/>
+          </a:p>
+          <a:p>
+            <a:pPr lvl="2"/>
+            <a:r>
+              <a:rPr lang="en-US" altLang="zh-CN"/>
+              <a:t># mkfs.ext4 /dev/vdb1</a:t>
+            </a:r>
+            <a:endParaRPr lang="en-US" altLang="zh-CN"/>
+          </a:p>
+          <a:p>
+            <a:pPr lvl="1"/>
+            <a:r>
+              <a:rPr lang="en-US" altLang="zh-CN"/>
+              <a:t>Mount block storage:</a:t>
+            </a:r>
+            <a:endParaRPr lang="en-US" altLang="zh-CN"/>
+          </a:p>
+          <a:p>
+            <a:pPr lvl="2"/>
+            <a:r>
+              <a:rPr lang="en-US" altLang="zh-CN"/>
+              <a:t># mkdir /mnt/blockstorage</a:t>
+            </a:r>
+            <a:endParaRPr lang="en-US" altLang="zh-CN"/>
+          </a:p>
+          <a:p>
+            <a:pPr lvl="2"/>
+            <a:r>
+              <a:rPr lang="en-US" altLang="zh-CN"/>
+              <a:t># echo &gt;&gt; /etc/fstab</a:t>
+            </a:r>
+            <a:endParaRPr lang="en-US" altLang="zh-CN"/>
+          </a:p>
+          <a:p>
+            <a:pPr lvl="2"/>
+            <a:r>
+              <a:rPr lang="en-US" altLang="zh-CN"/>
+              <a:t># echo /dev/vdb1               /mnt/blockstorage       ext4    defaults,noatime,nofail 0 0 &gt;&gt; /etc/fstab</a:t>
+            </a:r>
+            <a:endParaRPr lang="en-US" altLang="zh-CN"/>
+          </a:p>
+          <a:p>
+            <a:pPr lvl="2"/>
+            <a:r>
+              <a:rPr lang="en-US" altLang="zh-CN"/>
+              <a:t># mount /mnt/blockstorage</a:t>
+            </a:r>
+            <a:endParaRPr lang="en-US" altLang="zh-CN"/>
+          </a:p>
+        </p:txBody>
+      </p:sp>
+    </p:spTree>
+    <p:custDataLst>
+      <p:tags r:id="rId1"/>
+    </p:custDataLst>
+  </p:cSld>
+  <p:clrMapOvr>
+    <a:masterClrMapping/>
+  </p:clrMapOvr>
+</p:sld>
+</file>
+
+<file path=ppt/slides/slide43.xml><?xml version="1.0" encoding="utf-8"?>
+<p:sld xmlns:a="http://schemas.openxmlformats.org/drawingml/2006/main" xmlns:r="http://schemas.openxmlformats.org/officeDocument/2006/relationships" xmlns:p="http://schemas.openxmlformats.org/presentationml/2006/main">
+  <p:cSld>
+    <p:spTree>
+      <p:nvGrpSpPr>
+        <p:cNvPr id="1" name=""/>
+        <p:cNvGrpSpPr/>
+        <p:nvPr/>
+      </p:nvGrpSpPr>
+      <p:grpSpPr/>
+      <p:sp>
+        <p:nvSpPr>
+          <p:cNvPr id="2" name="标题 1"/>
+          <p:cNvSpPr>
+            <a:spLocks noGrp="1"/>
+          </p:cNvSpPr>
+          <p:nvPr>
+            <p:ph type="title"/>
+          </p:nvPr>
+        </p:nvSpPr>
+        <p:spPr/>
+        <p:txBody>
+          <a:bodyPr/>
+          <a:p>
+            <a:r>
+              <a:rPr lang="en-US" altLang="zh-CN"/>
+              <a:t>GPU Server</a:t>
+            </a:r>
+            <a:endParaRPr lang="en-US" altLang="zh-CN"/>
+          </a:p>
+        </p:txBody>
+      </p:sp>
+      <p:pic>
+        <p:nvPicPr>
+          <p:cNvPr id="100" name="图片 99"/>
+          <p:cNvPicPr/>
+          <p:nvPr/>
+        </p:nvPicPr>
+        <p:blipFill>
+          <a:blip r:embed="rId1"/>
+          <a:stretch>
+            <a:fillRect/>
+          </a:stretch>
+        </p:blipFill>
+        <p:spPr>
+          <a:xfrm>
+            <a:off x="2425700" y="1170940"/>
+            <a:ext cx="7339965" cy="4986655"/>
+          </a:xfrm>
+          <a:prstGeom prst="rect">
+            <a:avLst/>
+          </a:prstGeom>
+          <a:noFill/>
+          <a:ln w="9525">
+            <a:noFill/>
+          </a:ln>
+        </p:spPr>
+      </p:pic>
+    </p:spTree>
+    <p:custDataLst>
+      <p:tags r:id="rId2"/>
+    </p:custDataLst>
+  </p:cSld>
+  <p:clrMapOvr>
+    <a:masterClrMapping/>
+  </p:clrMapOvr>
+</p:sld>
+</file>
+
+<file path=ppt/slides/slide44.xml><?xml version="1.0" encoding="utf-8"?>
 <p:sld xmlns:a="http://schemas.openxmlformats.org/drawingml/2006/main" xmlns:r="http://schemas.openxmlformats.org/officeDocument/2006/relationships" xmlns:p="http://schemas.openxmlformats.org/presentationml/2006/main">
   <p:cSld>
     <p:spTree>
@@ -12770,7 +14302,7 @@
 </p:sld>
 </file>
 
-<file path=ppt/slides/slide37.xml><?xml version="1.0" encoding="utf-8"?>
+<file path=ppt/slides/slide45.xml><?xml version="1.0" encoding="utf-8"?>
 <p:sld xmlns:a="http://schemas.openxmlformats.org/drawingml/2006/main" xmlns:r="http://schemas.openxmlformats.org/officeDocument/2006/relationships" xmlns:p="http://schemas.openxmlformats.org/presentationml/2006/main">
   <p:cSld>
     <p:spTree>
@@ -12831,7 +14363,7 @@
 </p:sld>
 </file>
 
-<file path=ppt/slides/slide38.xml><?xml version="1.0" encoding="utf-8"?>
+<file path=ppt/slides/slide46.xml><?xml version="1.0" encoding="utf-8"?>
 <p:sld xmlns:a="http://schemas.openxmlformats.org/drawingml/2006/main" xmlns:r="http://schemas.openxmlformats.org/officeDocument/2006/relationships" xmlns:p="http://schemas.openxmlformats.org/presentationml/2006/main">
   <p:cSld>
     <p:spTree>
@@ -13049,7 +14581,7 @@
 </p:sld>
 </file>
 
-<file path=ppt/slides/slide39.xml><?xml version="1.0" encoding="utf-8"?>
+<file path=ppt/slides/slide47.xml><?xml version="1.0" encoding="utf-8"?>
 <p:sld xmlns:a="http://schemas.openxmlformats.org/drawingml/2006/main" xmlns:r="http://schemas.openxmlformats.org/officeDocument/2006/relationships" xmlns:p="http://schemas.openxmlformats.org/presentationml/2006/main">
   <p:cSld>
     <p:spTree>
@@ -13134,319 +14666,7 @@
 </p:sld>
 </file>
 
-<file path=ppt/slides/slide4.xml><?xml version="1.0" encoding="utf-8"?>
-<p:sld xmlns:a="http://schemas.openxmlformats.org/drawingml/2006/main" xmlns:r="http://schemas.openxmlformats.org/officeDocument/2006/relationships" xmlns:p="http://schemas.openxmlformats.org/presentationml/2006/main">
-  <p:cSld>
-    <p:spTree>
-      <p:nvGrpSpPr>
-        <p:cNvPr id="1" name=""/>
-        <p:cNvGrpSpPr/>
-        <p:nvPr/>
-      </p:nvGrpSpPr>
-      <p:grpSpPr/>
-      <p:sp>
-        <p:nvSpPr>
-          <p:cNvPr id="24578" name="标题 2"/>
-          <p:cNvSpPr>
-            <a:spLocks noGrp="1"/>
-          </p:cNvSpPr>
-          <p:nvPr>
-            <p:ph type="title"/>
-            <p:custDataLst>
-              <p:tags r:id="rId1"/>
-            </p:custDataLst>
-          </p:nvPr>
-        </p:nvSpPr>
-        <p:spPr/>
-        <p:txBody>
-          <a:bodyPr anchor="b">
-            <a:normAutofit/>
-          </a:bodyPr>
-          <a:p>
-            <a:r>
-              <a:rPr lang="en-US" altLang="zh-CN" smtClean="0"/>
-              <a:t>CentOS</a:t>
-            </a:r>
-            <a:endParaRPr lang="en-US" altLang="zh-CN" smtClean="0"/>
-          </a:p>
-        </p:txBody>
-      </p:sp>
-      <p:sp>
-        <p:nvSpPr>
-          <p:cNvPr id="4" name="内容占位符 3"/>
-          <p:cNvSpPr>
-            <a:spLocks noGrp="1"/>
-          </p:cNvSpPr>
-          <p:nvPr>
-            <p:ph idx="1"/>
-            <p:custDataLst>
-              <p:tags r:id="rId2"/>
-            </p:custDataLst>
-          </p:nvPr>
-        </p:nvSpPr>
-        <p:spPr/>
-        <p:txBody>
-          <a:bodyPr>
-            <a:normAutofit fontScale="50000"/>
-          </a:bodyPr>
-          <a:p>
-            <a:pPr marL="357505" indent="-357505" algn="l">
-              <a:lnSpc>
-                <a:spcPct val="200000"/>
-              </a:lnSpc>
-              <a:buClr>
-                <a:schemeClr val="accent1"/>
-              </a:buClr>
-              <a:buSzTx/>
-              <a:buFont typeface="Wingdings" panose="05000000000000000000" pitchFamily="2" charset="2"/>
-              <a:buChar char=""/>
-            </a:pPr>
-            <a:r>
-              <a:rPr lang="en-US" altLang="zh-CN" smtClean="0"/>
-              <a:t>Determine CentOS version</a:t>
-            </a:r>
-            <a:endParaRPr lang="en-US" altLang="zh-CN" smtClean="0"/>
-          </a:p>
-          <a:p>
-            <a:pPr marL="814705" lvl="1" indent="-357505" algn="l">
-              <a:lnSpc>
-                <a:spcPct val="200000"/>
-              </a:lnSpc>
-              <a:buClr>
-                <a:schemeClr val="accent1"/>
-              </a:buClr>
-              <a:buSzTx/>
-              <a:buFont typeface="Wingdings" panose="05000000000000000000" pitchFamily="2" charset="2"/>
-              <a:buChar char=""/>
-            </a:pPr>
-            <a:r>
-              <a:rPr lang="en-US" altLang="zh-CN" sz="2000" smtClean="0"/>
-              <a:t>vim /etc/centos-release</a:t>
-            </a:r>
-            <a:endParaRPr lang="en-US" altLang="zh-CN" sz="2000" smtClean="0"/>
-          </a:p>
-          <a:p>
-            <a:pPr marL="357505" lvl="0" indent="-357505" algn="l">
-              <a:lnSpc>
-                <a:spcPct val="200000"/>
-              </a:lnSpc>
-              <a:buClr>
-                <a:schemeClr val="accent1"/>
-              </a:buClr>
-              <a:buSzTx/>
-              <a:buFont typeface="Wingdings" panose="05000000000000000000" pitchFamily="2" charset="2"/>
-              <a:buChar char=""/>
-            </a:pPr>
-            <a:r>
-              <a:rPr lang="en-US" altLang="zh-CN" sz="2400" smtClean="0"/>
-              <a:t>Set up the system</a:t>
-            </a:r>
-            <a:endParaRPr lang="en-US" altLang="zh-CN" sz="2400" smtClean="0"/>
-          </a:p>
-          <a:p>
-            <a:pPr marL="814705" lvl="1" indent="-357505" algn="l">
-              <a:lnSpc>
-                <a:spcPct val="200000"/>
-              </a:lnSpc>
-              <a:buClr>
-                <a:schemeClr val="accent1"/>
-              </a:buClr>
-              <a:buSzTx/>
-              <a:buFont typeface="Wingdings" panose="05000000000000000000" pitchFamily="2" charset="2"/>
-              <a:buChar char=""/>
-            </a:pPr>
-            <a:r>
-              <a:rPr lang="en-US" altLang="zh-CN" sz="2000" smtClean="0"/>
-              <a:t>sudo yum -y update</a:t>
-            </a:r>
-            <a:endParaRPr lang="en-US" altLang="zh-CN" sz="2000" smtClean="0"/>
-          </a:p>
-          <a:p>
-            <a:pPr marL="814705" lvl="1" indent="-357505" algn="l">
-              <a:lnSpc>
-                <a:spcPct val="200000"/>
-              </a:lnSpc>
-              <a:buClr>
-                <a:schemeClr val="accent1"/>
-              </a:buClr>
-              <a:buSzTx/>
-              <a:buFont typeface="Wingdings" panose="05000000000000000000" pitchFamily="2" charset="2"/>
-              <a:buChar char=""/>
-            </a:pPr>
-            <a:r>
-              <a:rPr lang="en-US" altLang="zh-CN" sz="2000" smtClean="0"/>
-              <a:t>sudo yum groupinstall -y development</a:t>
-            </a:r>
-            <a:endParaRPr lang="en-US" altLang="zh-CN" sz="2000" smtClean="0"/>
-          </a:p>
-          <a:p>
-            <a:pPr marL="814705" lvl="1" indent="-357505" algn="l">
-              <a:lnSpc>
-                <a:spcPct val="200000"/>
-              </a:lnSpc>
-              <a:buClr>
-                <a:schemeClr val="accent1"/>
-              </a:buClr>
-              <a:buSzTx/>
-              <a:buFont typeface="Wingdings" panose="05000000000000000000" pitchFamily="2" charset="2"/>
-              <a:buChar char=""/>
-            </a:pPr>
-            <a:r>
-              <a:rPr lang="en-US" altLang="zh-CN" smtClean="0"/>
-              <a:t>Install Python</a:t>
-            </a:r>
-            <a:endParaRPr lang="en-US" altLang="zh-CN" smtClean="0"/>
-          </a:p>
-          <a:p>
-            <a:pPr marL="1271905" lvl="2" indent="-357505" algn="l">
-              <a:lnSpc>
-                <a:spcPct val="200000"/>
-              </a:lnSpc>
-              <a:buClr>
-                <a:schemeClr val="accent1"/>
-              </a:buClr>
-              <a:buSzTx/>
-              <a:buFont typeface="Wingdings" panose="05000000000000000000" pitchFamily="2" charset="2"/>
-              <a:buChar char=""/>
-            </a:pPr>
-            <a:r>
-              <a:rPr lang="en-US" altLang="zh-CN" smtClean="0"/>
-              <a:t>wget http://www.python.org/ftp/python/2.7.15/Python-2.7.15.tar.xz</a:t>
-            </a:r>
-            <a:endParaRPr lang="en-US" altLang="zh-CN" smtClean="0"/>
-          </a:p>
-          <a:p>
-            <a:pPr marL="1271905" lvl="2" indent="-357505" algn="l">
-              <a:lnSpc>
-                <a:spcPct val="200000"/>
-              </a:lnSpc>
-              <a:buClr>
-                <a:schemeClr val="accent1"/>
-              </a:buClr>
-              <a:buSzTx/>
-              <a:buFont typeface="Wingdings" panose="05000000000000000000" pitchFamily="2" charset="2"/>
-              <a:buChar char=""/>
-            </a:pPr>
-            <a:r>
-              <a:rPr lang="en-US" altLang="zh-CN" smtClean="0"/>
-              <a:t>xz -d Python-2.7.15.tar.xz</a:t>
-            </a:r>
-            <a:endParaRPr lang="en-US" altLang="zh-CN" smtClean="0"/>
-          </a:p>
-          <a:p>
-            <a:pPr marL="1271905" lvl="2" indent="-357505" algn="l">
-              <a:lnSpc>
-                <a:spcPct val="200000"/>
-              </a:lnSpc>
-              <a:buClr>
-                <a:schemeClr val="accent1"/>
-              </a:buClr>
-              <a:buSzTx/>
-              <a:buFont typeface="Wingdings" panose="05000000000000000000" pitchFamily="2" charset="2"/>
-              <a:buChar char=""/>
-            </a:pPr>
-            <a:r>
-              <a:rPr lang="en-US" altLang="zh-CN" smtClean="0"/>
-              <a:t>tar xvf Python-2.7.15.tar</a:t>
-            </a:r>
-            <a:endParaRPr lang="en-US" altLang="zh-CN" smtClean="0"/>
-          </a:p>
-          <a:p>
-            <a:pPr marL="1271905" lvl="2" indent="-357505" algn="l">
-              <a:lnSpc>
-                <a:spcPct val="200000"/>
-              </a:lnSpc>
-              <a:buClr>
-                <a:schemeClr val="accent1"/>
-              </a:buClr>
-              <a:buSzTx/>
-              <a:buFont typeface="Wingdings" panose="05000000000000000000" pitchFamily="2" charset="2"/>
-              <a:buChar char=""/>
-            </a:pPr>
-            <a:r>
-              <a:rPr lang="en-US" altLang="zh-CN" smtClean="0"/>
-              <a:t>cd Python-2.7.15 &amp;&amp; ./configure --prefix=/usr/local &amp;&amp; make &amp;&amp; make install</a:t>
-            </a:r>
-            <a:endParaRPr lang="en-US" altLang="zh-CN" smtClean="0"/>
-          </a:p>
-          <a:p>
-            <a:pPr marL="814705" lvl="1" indent="-357505" algn="l">
-              <a:lnSpc>
-                <a:spcPct val="200000"/>
-              </a:lnSpc>
-              <a:buClr>
-                <a:schemeClr val="accent1"/>
-              </a:buClr>
-              <a:buSzTx/>
-              <a:buFont typeface="Wingdings" panose="05000000000000000000" pitchFamily="2" charset="2"/>
-              <a:buChar char=""/>
-            </a:pPr>
-            <a:r>
-              <a:rPr lang="en-US" altLang="zh-CN" sz="2000" smtClean="0"/>
-              <a:t>sudo yum install python-pip</a:t>
-            </a:r>
-            <a:endParaRPr lang="en-US" altLang="zh-CN" sz="2000" smtClean="0"/>
-          </a:p>
-          <a:p>
-            <a:pPr marL="814705" lvl="1" indent="-357505" algn="l">
-              <a:lnSpc>
-                <a:spcPct val="200000"/>
-              </a:lnSpc>
-              <a:buClr>
-                <a:schemeClr val="accent1"/>
-              </a:buClr>
-              <a:buSzTx/>
-              <a:buFont typeface="Wingdings" panose="05000000000000000000" pitchFamily="2" charset="2"/>
-              <a:buChar char=""/>
-            </a:pPr>
-            <a:r>
-              <a:rPr lang="en-US" altLang="zh-CN" sz="2000" smtClean="0"/>
-              <a:t>sudo python -m pip install “django&lt;2”</a:t>
-            </a:r>
-            <a:endParaRPr lang="en-US" altLang="zh-CN" smtClean="0"/>
-          </a:p>
-          <a:p>
-            <a:pPr marL="814705" lvl="1" indent="-357505" algn="l">
-              <a:lnSpc>
-                <a:spcPct val="200000"/>
-              </a:lnSpc>
-              <a:buClr>
-                <a:schemeClr val="accent1"/>
-              </a:buClr>
-              <a:buSzTx/>
-              <a:buFont typeface="Wingdings" panose="05000000000000000000" pitchFamily="2" charset="2"/>
-              <a:buChar char=""/>
-            </a:pPr>
-            <a:endParaRPr lang="en-US" altLang="zh-CN" smtClean="0"/>
-          </a:p>
-          <a:p>
-            <a:pPr marL="357505" lvl="1" indent="-357505" algn="l">
-              <a:lnSpc>
-                <a:spcPct val="200000"/>
-              </a:lnSpc>
-              <a:buClr>
-                <a:schemeClr val="accent1"/>
-              </a:buClr>
-              <a:buSzTx/>
-              <a:buFont typeface="Wingdings" panose="05000000000000000000" pitchFamily="2" charset="2"/>
-              <a:buChar char=""/>
-            </a:pPr>
-            <a:endParaRPr lang="en-US" altLang="zh-CN" smtClean="0"/>
-          </a:p>
-        </p:txBody>
-      </p:sp>
-    </p:spTree>
-    <p:custDataLst>
-      <p:tags r:id="rId3"/>
-    </p:custDataLst>
-  </p:cSld>
-  <p:clrMapOvr>
-    <a:masterClrMapping/>
-  </p:clrMapOvr>
-</p:sld>
-</file>
-
-<file path=ppt/slides/slide40.xml><?xml version="1.0" encoding="utf-8"?>
+<file path=ppt/slides/slide48.xml><?xml version="1.0" encoding="utf-8"?>
 <p:sld xmlns:a="http://schemas.openxmlformats.org/drawingml/2006/main" xmlns:r="http://schemas.openxmlformats.org/officeDocument/2006/relationships" xmlns:p="http://schemas.openxmlformats.org/presentationml/2006/main">
   <p:cSld>
     <p:spTree>
@@ -13507,7 +14727,7 @@
 </p:sld>
 </file>
 
-<file path=ppt/slides/slide41.xml><?xml version="1.0" encoding="utf-8"?>
+<file path=ppt/slides/slide49.xml><?xml version="1.0" encoding="utf-8"?>
 <p:sld xmlns:a="http://schemas.openxmlformats.org/drawingml/2006/main" xmlns:r="http://schemas.openxmlformats.org/officeDocument/2006/relationships" xmlns:p="http://schemas.openxmlformats.org/presentationml/2006/main">
   <p:cSld>
     <p:spTree>
@@ -13713,7 +14933,7 @@
 </p:sld>
 </file>
 
-<file path=ppt/slides/slide42.xml><?xml version="1.0" encoding="utf-8"?>
+<file path=ppt/slides/slide5.xml><?xml version="1.0" encoding="utf-8"?>
 <p:sld xmlns:a="http://schemas.openxmlformats.org/drawingml/2006/main" xmlns:r="http://schemas.openxmlformats.org/officeDocument/2006/relationships" xmlns:p="http://schemas.openxmlformats.org/presentationml/2006/main">
   <p:cSld>
     <p:spTree>
@@ -13725,7 +14945,7 @@
       <p:grpSpPr/>
       <p:sp>
         <p:nvSpPr>
-          <p:cNvPr id="4" name="标题 3"/>
+          <p:cNvPr id="2" name="标题 1"/>
           <p:cNvSpPr>
             <a:spLocks noGrp="1"/>
           </p:cNvSpPr>
@@ -13739,29 +14959,358 @@
           <a:p>
             <a:r>
               <a:rPr lang="en-US" altLang="zh-CN"/>
-              <a:t>BaaS</a:t>
-            </a:r>
-            <a:endParaRPr lang="en-US" altLang="zh-CN"/>
-          </a:p>
-        </p:txBody>
-      </p:sp>
-      <p:sp>
-        <p:nvSpPr>
-          <p:cNvPr id="5" name="文本占位符 4"/>
+              <a:t>Ubuntu</a:t>
+            </a:r>
+            <a:endParaRPr lang="en-US" altLang="zh-CN"/>
+          </a:p>
+        </p:txBody>
+      </p:sp>
+      <p:sp>
+        <p:nvSpPr>
+          <p:cNvPr id="3" name="内容占位符 2"/>
           <p:cNvSpPr>
             <a:spLocks noGrp="1"/>
           </p:cNvSpPr>
           <p:nvPr>
-            <p:ph type="body" idx="1"/>
+            <p:ph idx="1"/>
           </p:nvPr>
         </p:nvSpPr>
-        <p:spPr/>
-        <p:txBody>
-          <a:bodyPr/>
-          <a:p>
-            <a:r>
-              <a:rPr lang="en-US" altLang="zh-CN"/>
-              <a:t>Backend As A Service</a:t>
+        <p:spPr>
+          <a:xfrm>
+            <a:off x="838200" y="1211580"/>
+            <a:ext cx="5375910" cy="4549140"/>
+          </a:xfrm>
+        </p:spPr>
+        <p:txBody>
+          <a:bodyPr>
+            <a:normAutofit lnSpcReduction="20000"/>
+          </a:bodyPr>
+          <a:p>
+            <a:r>
+              <a:rPr lang="en-US" altLang="zh-CN"/>
+              <a:t>Swap</a:t>
+            </a:r>
+            <a:endParaRPr lang="en-US" altLang="zh-CN"/>
+          </a:p>
+          <a:p>
+            <a:pPr lvl="1"/>
+            <a:r>
+              <a:rPr lang="en-US" altLang="zh-CN"/>
+              <a:t>Configure Swap</a:t>
+            </a:r>
+            <a:endParaRPr lang="en-US" altLang="zh-CN"/>
+          </a:p>
+          <a:p>
+            <a:pPr lvl="2"/>
+            <a:r>
+              <a:rPr lang="en-US" altLang="zh-CN"/>
+              <a:t>sudo fallocate -l 1G /swapfile</a:t>
+            </a:r>
+            <a:endParaRPr lang="en-US" altLang="zh-CN"/>
+          </a:p>
+          <a:p>
+            <a:pPr lvl="2"/>
+            <a:r>
+              <a:rPr lang="en-US" altLang="zh-CN"/>
+              <a:t>ls -lh /swapfile</a:t>
+            </a:r>
+            <a:endParaRPr lang="en-US" altLang="zh-CN"/>
+          </a:p>
+          <a:p>
+            <a:pPr lvl="2"/>
+            <a:r>
+              <a:rPr lang="en-US" altLang="zh-CN"/>
+              <a:t>sudo chmod 600 /swapfile</a:t>
+            </a:r>
+            <a:endParaRPr lang="en-US" altLang="zh-CN"/>
+          </a:p>
+          <a:p>
+            <a:pPr lvl="2"/>
+            <a:r>
+              <a:rPr lang="en-US" altLang="zh-CN"/>
+              <a:t>sudo mkswap /swapfile</a:t>
+            </a:r>
+            <a:endParaRPr lang="en-US" altLang="zh-CN"/>
+          </a:p>
+          <a:p>
+            <a:pPr lvl="2"/>
+            <a:r>
+              <a:rPr lang="en-US" altLang="zh-CN"/>
+              <a:t>sudo swapon /swapfile</a:t>
+            </a:r>
+            <a:endParaRPr lang="en-US" altLang="zh-CN"/>
+          </a:p>
+          <a:p>
+            <a:pPr lvl="2"/>
+            <a:r>
+              <a:rPr lang="en-US" altLang="zh-CN"/>
+              <a:t>sudo swapon --show</a:t>
+            </a:r>
+            <a:endParaRPr lang="en-US" altLang="zh-CN"/>
+          </a:p>
+          <a:p>
+            <a:pPr lvl="2"/>
+            <a:r>
+              <a:rPr lang="en-US" altLang="zh-CN"/>
+              <a:t>free -h</a:t>
+            </a:r>
+            <a:endParaRPr lang="en-US" altLang="zh-CN"/>
+          </a:p>
+          <a:p>
+            <a:pPr lvl="2"/>
+            <a:r>
+              <a:rPr lang="en-US" altLang="zh-CN"/>
+              <a:t>echo '/swapfile none swap sw 0 0' | sudo tee -a /etc/fstab</a:t>
+            </a:r>
+            <a:endParaRPr lang="en-US" altLang="zh-CN"/>
+          </a:p>
+          <a:p>
+            <a:pPr lvl="1"/>
+            <a:r>
+              <a:rPr lang="en-US" altLang="zh-CN"/>
+              <a:t>Swappiness</a:t>
+            </a:r>
+            <a:endParaRPr lang="en-US" altLang="zh-CN"/>
+          </a:p>
+          <a:p>
+            <a:pPr lvl="2"/>
+            <a:r>
+              <a:rPr lang="en-US" altLang="zh-CN"/>
+              <a:t>cat /proc/sys/vm/swappiness</a:t>
+            </a:r>
+            <a:endParaRPr lang="en-US" altLang="zh-CN"/>
+          </a:p>
+          <a:p>
+            <a:pPr lvl="2"/>
+            <a:r>
+              <a:rPr lang="en-US" altLang="zh-CN"/>
+              <a:t>sudo nano /etc/sysctl.conf</a:t>
+            </a:r>
+            <a:endParaRPr lang="en-US" altLang="zh-CN"/>
+          </a:p>
+          <a:p>
+            <a:pPr lvl="2"/>
+            <a:r>
+              <a:rPr lang="en-US" altLang="zh-CN"/>
+              <a:t>vm.swappiness=10</a:t>
+            </a:r>
+            <a:endParaRPr lang="en-US" altLang="zh-CN"/>
+          </a:p>
+          <a:p>
+            <a:pPr lvl="2"/>
+            <a:r>
+              <a:rPr lang="en-US" altLang="zh-CN"/>
+              <a:t>vm.vfs_cache_pressure=50</a:t>
+            </a:r>
+            <a:endParaRPr lang="en-US" altLang="zh-CN"/>
+          </a:p>
+        </p:txBody>
+      </p:sp>
+      <p:sp>
+        <p:nvSpPr>
+          <p:cNvPr id="4" name="内容占位符 2"/>
+          <p:cNvSpPr>
+            <a:spLocks noGrp="1"/>
+          </p:cNvSpPr>
+          <p:nvPr/>
+        </p:nvSpPr>
+        <p:spPr>
+          <a:xfrm>
+            <a:off x="6841490" y="1211580"/>
+            <a:ext cx="4589145" cy="4549140"/>
+          </a:xfrm>
+          <a:prstGeom prst="rect">
+            <a:avLst/>
+          </a:prstGeom>
+        </p:spPr>
+        <p:txBody>
+          <a:bodyPr vert="horz" lIns="91440" tIns="45720" rIns="91440" bIns="45720" rtlCol="0">
+            <a:normAutofit/>
+          </a:bodyPr>
+          <a:lstStyle>
+            <a:lvl1pPr marL="342900" indent="-342900" algn="l" defTabSz="914400" rtl="0" eaLnBrk="1" latinLnBrk="0" hangingPunct="1">
+              <a:lnSpc>
+                <a:spcPct val="90000"/>
+              </a:lnSpc>
+              <a:spcBef>
+                <a:spcPts val="1000"/>
+              </a:spcBef>
+              <a:buFont typeface="黑体" panose="02010609060101010101" charset="-122"/>
+              <a:buChar char="〉"/>
+              <a:defRPr sz="2400" kern="1200">
+                <a:solidFill>
+                  <a:schemeClr val="tx1"/>
+                </a:solidFill>
+                <a:latin typeface="+mn-lt"/>
+                <a:ea typeface="+mn-ea"/>
+                <a:cs typeface="+mn-cs"/>
+              </a:defRPr>
+            </a:lvl1pPr>
+            <a:lvl2pPr marL="800100" indent="-342900" algn="l" defTabSz="914400" rtl="0" eaLnBrk="1" latinLnBrk="0" hangingPunct="1">
+              <a:lnSpc>
+                <a:spcPct val="90000"/>
+              </a:lnSpc>
+              <a:spcBef>
+                <a:spcPts val="500"/>
+              </a:spcBef>
+              <a:buFont typeface="Arial" panose="020B0604020202020204" pitchFamily="34" charset="0"/>
+              <a:buChar char="•"/>
+              <a:defRPr sz="2000" kern="1200">
+                <a:solidFill>
+                  <a:schemeClr val="tx1"/>
+                </a:solidFill>
+                <a:latin typeface="+mn-lt"/>
+                <a:ea typeface="+mn-ea"/>
+                <a:cs typeface="+mn-cs"/>
+              </a:defRPr>
+            </a:lvl2pPr>
+            <a:lvl3pPr marL="1257300" indent="-342900" algn="l" defTabSz="914400" rtl="0" eaLnBrk="1" latinLnBrk="0" hangingPunct="1">
+              <a:lnSpc>
+                <a:spcPct val="90000"/>
+              </a:lnSpc>
+              <a:spcBef>
+                <a:spcPts val="500"/>
+              </a:spcBef>
+              <a:buFont typeface="Arial" panose="020B0604020202020204" pitchFamily="34" charset="0"/>
+              <a:buChar char="•"/>
+              <a:defRPr sz="1800" kern="1200">
+                <a:solidFill>
+                  <a:schemeClr val="tx1"/>
+                </a:solidFill>
+                <a:latin typeface="+mn-lt"/>
+                <a:ea typeface="+mn-ea"/>
+                <a:cs typeface="+mn-cs"/>
+              </a:defRPr>
+            </a:lvl3pPr>
+            <a:lvl4pPr marL="1657350" indent="-285750" algn="l" defTabSz="914400" rtl="0" eaLnBrk="1" latinLnBrk="0" hangingPunct="1">
+              <a:lnSpc>
+                <a:spcPct val="90000"/>
+              </a:lnSpc>
+              <a:spcBef>
+                <a:spcPts val="500"/>
+              </a:spcBef>
+              <a:buFont typeface="Arial" panose="020B0604020202020204" pitchFamily="34" charset="0"/>
+              <a:buChar char="•"/>
+              <a:defRPr sz="1800" kern="1200">
+                <a:solidFill>
+                  <a:schemeClr val="tx1"/>
+                </a:solidFill>
+                <a:latin typeface="+mn-lt"/>
+                <a:ea typeface="+mn-ea"/>
+                <a:cs typeface="+mn-cs"/>
+              </a:defRPr>
+            </a:lvl4pPr>
+            <a:lvl5pPr marL="2114550" indent="-285750" algn="l" defTabSz="914400" rtl="0" eaLnBrk="1" latinLnBrk="0" hangingPunct="1">
+              <a:lnSpc>
+                <a:spcPct val="90000"/>
+              </a:lnSpc>
+              <a:spcBef>
+                <a:spcPts val="500"/>
+              </a:spcBef>
+              <a:buFont typeface="Arial" panose="020B0604020202020204" pitchFamily="34" charset="0"/>
+              <a:buChar char="•"/>
+              <a:defRPr sz="1800" kern="1200">
+                <a:solidFill>
+                  <a:schemeClr val="tx1"/>
+                </a:solidFill>
+                <a:latin typeface="+mn-lt"/>
+                <a:ea typeface="+mn-ea"/>
+                <a:cs typeface="+mn-cs"/>
+              </a:defRPr>
+            </a:lvl5pPr>
+            <a:lvl6pPr marL="2514600" indent="-228600" algn="l" defTabSz="914400" rtl="0" eaLnBrk="1" latinLnBrk="0" hangingPunct="1">
+              <a:lnSpc>
+                <a:spcPct val="90000"/>
+              </a:lnSpc>
+              <a:spcBef>
+                <a:spcPts val="500"/>
+              </a:spcBef>
+              <a:buFont typeface="Arial" panose="020B0604020202020204" pitchFamily="34" charset="0"/>
+              <a:buChar char="•"/>
+              <a:defRPr sz="1800" kern="1200">
+                <a:solidFill>
+                  <a:schemeClr val="tx1"/>
+                </a:solidFill>
+                <a:latin typeface="+mn-lt"/>
+                <a:ea typeface="+mn-ea"/>
+                <a:cs typeface="+mn-cs"/>
+              </a:defRPr>
+            </a:lvl6pPr>
+            <a:lvl7pPr marL="2971800" indent="-228600" algn="l" defTabSz="914400" rtl="0" eaLnBrk="1" latinLnBrk="0" hangingPunct="1">
+              <a:lnSpc>
+                <a:spcPct val="90000"/>
+              </a:lnSpc>
+              <a:spcBef>
+                <a:spcPts val="500"/>
+              </a:spcBef>
+              <a:buFont typeface="Arial" panose="020B0604020202020204" pitchFamily="34" charset="0"/>
+              <a:buChar char="•"/>
+              <a:defRPr sz="1800" kern="1200">
+                <a:solidFill>
+                  <a:schemeClr val="tx1"/>
+                </a:solidFill>
+                <a:latin typeface="+mn-lt"/>
+                <a:ea typeface="+mn-ea"/>
+                <a:cs typeface="+mn-cs"/>
+              </a:defRPr>
+            </a:lvl7pPr>
+            <a:lvl8pPr marL="3429000" indent="-228600" algn="l" defTabSz="914400" rtl="0" eaLnBrk="1" latinLnBrk="0" hangingPunct="1">
+              <a:lnSpc>
+                <a:spcPct val="90000"/>
+              </a:lnSpc>
+              <a:spcBef>
+                <a:spcPts val="500"/>
+              </a:spcBef>
+              <a:buFont typeface="Arial" panose="020B0604020202020204" pitchFamily="34" charset="0"/>
+              <a:buChar char="•"/>
+              <a:defRPr sz="1800" kern="1200">
+                <a:solidFill>
+                  <a:schemeClr val="tx1"/>
+                </a:solidFill>
+                <a:latin typeface="+mn-lt"/>
+                <a:ea typeface="+mn-ea"/>
+                <a:cs typeface="+mn-cs"/>
+              </a:defRPr>
+            </a:lvl8pPr>
+            <a:lvl9pPr marL="3886200" indent="-228600" algn="l" defTabSz="914400" rtl="0" eaLnBrk="1" latinLnBrk="0" hangingPunct="1">
+              <a:lnSpc>
+                <a:spcPct val="90000"/>
+              </a:lnSpc>
+              <a:spcBef>
+                <a:spcPts val="500"/>
+              </a:spcBef>
+              <a:buFont typeface="Arial" panose="020B0604020202020204" pitchFamily="34" charset="0"/>
+              <a:buChar char="•"/>
+              <a:defRPr sz="1800" kern="1200">
+                <a:solidFill>
+                  <a:schemeClr val="tx1"/>
+                </a:solidFill>
+                <a:latin typeface="+mn-lt"/>
+                <a:ea typeface="+mn-ea"/>
+                <a:cs typeface="+mn-cs"/>
+              </a:defRPr>
+            </a:lvl9pPr>
+          </a:lstStyle>
+          <a:p>
+            <a:r>
+              <a:rPr lang="en-US" altLang="zh-CN"/>
+              <a:t>Tools</a:t>
+            </a:r>
+            <a:endParaRPr lang="en-US" altLang="zh-CN"/>
+          </a:p>
+          <a:p>
+            <a:pPr lvl="2"/>
+            <a:r>
+              <a:rPr lang="en-US" altLang="zh-CN"/>
+              <a:t>check port status</a:t>
+            </a:r>
+            <a:endParaRPr lang="en-US" altLang="zh-CN"/>
+          </a:p>
+          <a:p>
+            <a:pPr lvl="3"/>
+            <a:r>
+              <a:rPr lang="en-US" altLang="zh-CN"/>
+              <a:t>sudo lsof -i -P -n | grep LISTEN</a:t>
             </a:r>
             <a:endParaRPr lang="en-US" altLang="zh-CN"/>
           </a:p>
@@ -13778,7 +15327,7 @@
 </p:sld>
 </file>
 
-<file path=ppt/slides/slide43.xml><?xml version="1.0" encoding="utf-8"?>
+<file path=ppt/slides/slide50.xml><?xml version="1.0" encoding="utf-8"?>
 <p:sld xmlns:a="http://schemas.openxmlformats.org/drawingml/2006/main" xmlns:r="http://schemas.openxmlformats.org/officeDocument/2006/relationships" xmlns:p="http://schemas.openxmlformats.org/presentationml/2006/main">
   <p:cSld>
     <p:spTree>
@@ -13804,20 +15353,20 @@
           <a:p>
             <a:r>
               <a:rPr lang="en-US" altLang="zh-CN"/>
-              <a:t>Introduction</a:t>
-            </a:r>
-            <a:endParaRPr lang="en-US" altLang="zh-CN"/>
-          </a:p>
-        </p:txBody>
-      </p:sp>
-      <p:sp>
-        <p:nvSpPr>
-          <p:cNvPr id="5" name="内容占位符 4"/>
+              <a:t>BaaS</a:t>
+            </a:r>
+            <a:endParaRPr lang="en-US" altLang="zh-CN"/>
+          </a:p>
+        </p:txBody>
+      </p:sp>
+      <p:sp>
+        <p:nvSpPr>
+          <p:cNvPr id="5" name="文本占位符 4"/>
           <p:cNvSpPr>
             <a:spLocks noGrp="1"/>
           </p:cNvSpPr>
           <p:nvPr>
-            <p:ph idx="1"/>
+            <p:ph type="body" idx="1"/>
           </p:nvPr>
         </p:nvSpPr>
         <p:spPr/>
@@ -13826,19 +15375,7 @@
           <a:p>
             <a:r>
               <a:rPr lang="en-US" altLang="zh-CN"/>
-              <a:t>References</a:t>
-            </a:r>
-            <a:endParaRPr lang="en-US" altLang="zh-CN"/>
-          </a:p>
-          <a:p>
-            <a:pPr lvl="1"/>
-            <a:endParaRPr lang="en-US" altLang="zh-CN"/>
-          </a:p>
-          <a:p>
-            <a:pPr lvl="0"/>
-            <a:r>
-              <a:rPr lang="en-US" altLang="zh-CN"/>
-              <a:t>Firebase</a:t>
+              <a:t>Backend As A Service</a:t>
             </a:r>
             <a:endParaRPr lang="en-US" altLang="zh-CN"/>
           </a:p>
@@ -13855,7 +15392,7 @@
 </p:sld>
 </file>
 
-<file path=ppt/slides/slide44.xml><?xml version="1.0" encoding="utf-8"?>
+<file path=ppt/slides/slide51.xml><?xml version="1.0" encoding="utf-8"?>
 <p:sld xmlns:a="http://schemas.openxmlformats.org/drawingml/2006/main" xmlns:r="http://schemas.openxmlformats.org/officeDocument/2006/relationships" xmlns:p="http://schemas.openxmlformats.org/presentationml/2006/main">
   <p:cSld>
     <p:spTree>
@@ -13867,7 +15404,7 @@
       <p:grpSpPr/>
       <p:sp>
         <p:nvSpPr>
-          <p:cNvPr id="2" name="标题 1"/>
+          <p:cNvPr id="4" name="标题 3"/>
           <p:cNvSpPr>
             <a:spLocks noGrp="1"/>
           </p:cNvSpPr>
@@ -13881,15 +15418,15 @@
           <a:p>
             <a:r>
               <a:rPr lang="en-US" altLang="zh-CN"/>
-              <a:t>Firebase</a:t>
-            </a:r>
-            <a:endParaRPr lang="en-US" altLang="zh-CN"/>
-          </a:p>
-        </p:txBody>
-      </p:sp>
-      <p:sp>
-        <p:nvSpPr>
-          <p:cNvPr id="3" name="内容占位符 2"/>
+              <a:t>Introduction</a:t>
+            </a:r>
+            <a:endParaRPr lang="en-US" altLang="zh-CN"/>
+          </a:p>
+        </p:txBody>
+      </p:sp>
+      <p:sp>
+        <p:nvSpPr>
+          <p:cNvPr id="5" name="内容占位符 4"/>
           <p:cNvSpPr>
             <a:spLocks noGrp="1"/>
           </p:cNvSpPr>
@@ -13897,16 +15434,9 @@
             <p:ph idx="1"/>
           </p:nvPr>
         </p:nvSpPr>
-        <p:spPr>
-          <a:xfrm>
-            <a:off x="838200" y="1211580"/>
-            <a:ext cx="5182235" cy="4975225"/>
-          </a:xfrm>
-        </p:spPr>
-        <p:txBody>
-          <a:bodyPr>
-            <a:normAutofit fontScale="60000"/>
-          </a:bodyPr>
+        <p:spPr/>
+        <p:txBody>
+          <a:bodyPr/>
           <a:p>
             <a:r>
               <a:rPr lang="en-US" altLang="zh-CN"/>
@@ -13916,252 +15446,14 @@
           </a:p>
           <a:p>
             <a:pPr lvl="1"/>
-            <a:r>
-              <a:rPr lang="en-US" altLang="zh-CN">
-                <a:sym typeface="+mn-ea"/>
-              </a:rPr>
-              <a:t>https://www.jianshu.com/p/b71f5d3b7c8c</a:t>
-            </a:r>
-            <a:endParaRPr lang="en-US" altLang="zh-CN">
-              <a:sym typeface="+mn-ea"/>
-            </a:endParaRPr>
+            <a:endParaRPr lang="en-US" altLang="zh-CN"/>
           </a:p>
           <a:p>
             <a:pPr lvl="0"/>
             <a:r>
-              <a:rPr lang="en-US" altLang="zh-CN" sz="2400">
-                <a:sym typeface="+mn-ea"/>
-              </a:rPr>
-              <a:t>Functions</a:t>
-            </a:r>
-            <a:endParaRPr lang="en-US" altLang="zh-CN" sz="2400">
-              <a:sym typeface="+mn-ea"/>
-            </a:endParaRPr>
-          </a:p>
-          <a:p>
-            <a:pPr lvl="1"/>
-            <a:r>
-              <a:rPr lang="en-US" altLang="zh-CN" sz="2000">
-                <a:sym typeface="+mn-ea"/>
-              </a:rPr>
-              <a:t>Analytics</a:t>
-            </a:r>
-            <a:endParaRPr lang="en-US" altLang="zh-CN" sz="2000">
-              <a:sym typeface="+mn-ea"/>
-            </a:endParaRPr>
-          </a:p>
-          <a:p>
-            <a:pPr lvl="1"/>
-            <a:r>
-              <a:rPr lang="en-US" altLang="zh-CN" sz="2000">
-                <a:sym typeface="+mn-ea"/>
-              </a:rPr>
-              <a:t>FCM (Firebase Cloud Messaging) </a:t>
-            </a:r>
-            <a:r>
-              <a:rPr lang="zh-CN" altLang="en-US" sz="2000">
-                <a:sym typeface="+mn-ea"/>
-              </a:rPr>
-              <a:t>跨平台消息服务</a:t>
-            </a:r>
-            <a:endParaRPr lang="zh-CN" altLang="en-US" sz="2000">
-              <a:sym typeface="+mn-ea"/>
-            </a:endParaRPr>
-          </a:p>
-          <a:p>
-            <a:pPr lvl="2"/>
-            <a:r>
-              <a:rPr lang="zh-CN" altLang="en-US" sz="1800">
-                <a:sym typeface="+mn-ea"/>
-              </a:rPr>
-              <a:t>https://www.jianshu.com/p/b50f5aee4403</a:t>
-            </a:r>
-            <a:endParaRPr lang="zh-CN" altLang="en-US" sz="1800">
-              <a:sym typeface="+mn-ea"/>
-            </a:endParaRPr>
-          </a:p>
-          <a:p>
-            <a:pPr lvl="1"/>
-            <a:r>
-              <a:rPr lang="en-US" altLang="zh-CN" sz="2000">
-                <a:sym typeface="+mn-ea"/>
-              </a:rPr>
-              <a:t>Authentication</a:t>
-            </a:r>
-            <a:endParaRPr lang="en-US" altLang="zh-CN" sz="2000">
-              <a:sym typeface="+mn-ea"/>
-            </a:endParaRPr>
-          </a:p>
-          <a:p>
-            <a:pPr lvl="2"/>
-            <a:r>
-              <a:rPr lang="zh-CN" altLang="en-US">
-                <a:sym typeface="+mn-ea"/>
-              </a:rPr>
-              <a:t>支持</a:t>
-            </a:r>
-            <a:r>
-              <a:rPr lang="en-US" altLang="zh-CN">
-                <a:sym typeface="+mn-ea"/>
-              </a:rPr>
-              <a:t>email, Facebook, Twitter, Github, Google sign-in</a:t>
-            </a:r>
-            <a:endParaRPr lang="en-US" altLang="zh-CN">
-              <a:sym typeface="+mn-ea"/>
-            </a:endParaRPr>
-          </a:p>
-          <a:p>
-            <a:pPr lvl="1"/>
-            <a:r>
-              <a:rPr lang="en-US" altLang="zh-CN" sz="2000">
-                <a:sym typeface="+mn-ea"/>
-              </a:rPr>
-              <a:t>Realtime DB</a:t>
-            </a:r>
-            <a:endParaRPr lang="en-US" altLang="zh-CN" sz="2000">
-              <a:sym typeface="+mn-ea"/>
-            </a:endParaRPr>
-          </a:p>
-          <a:p>
-            <a:pPr lvl="2"/>
-            <a:r>
-              <a:rPr lang="en-US" altLang="zh-CN" sz="1800">
-                <a:sym typeface="+mn-ea"/>
-              </a:rPr>
-              <a:t>NoSQL, json, offline usage</a:t>
-            </a:r>
-            <a:endParaRPr lang="en-US" altLang="zh-CN" sz="1800">
-              <a:sym typeface="+mn-ea"/>
-            </a:endParaRPr>
-          </a:p>
-          <a:p>
-            <a:pPr lvl="1"/>
-            <a:r>
-              <a:rPr lang="en-US" altLang="zh-CN" sz="2000">
-                <a:sym typeface="+mn-ea"/>
-              </a:rPr>
-              <a:t>Storage</a:t>
-            </a:r>
-            <a:endParaRPr lang="en-US" altLang="zh-CN" sz="2000">
-              <a:sym typeface="+mn-ea"/>
-            </a:endParaRPr>
-          </a:p>
-          <a:p>
-            <a:pPr lvl="1"/>
-            <a:r>
-              <a:rPr lang="en-US" altLang="zh-CN" sz="2000">
-                <a:sym typeface="+mn-ea"/>
-              </a:rPr>
-              <a:t>Hosting</a:t>
-            </a:r>
-            <a:endParaRPr lang="en-US" altLang="zh-CN" sz="2000">
-              <a:sym typeface="+mn-ea"/>
-            </a:endParaRPr>
-          </a:p>
-          <a:p>
-            <a:pPr lvl="1"/>
-            <a:r>
-              <a:rPr lang="en-US" altLang="zh-CN" sz="2000">
-                <a:sym typeface="+mn-ea"/>
-              </a:rPr>
-              <a:t>Remote Config</a:t>
-            </a:r>
-            <a:endParaRPr lang="en-US" altLang="zh-CN" sz="2000">
-              <a:sym typeface="+mn-ea"/>
-            </a:endParaRPr>
-          </a:p>
-          <a:p>
-            <a:pPr lvl="1"/>
-            <a:r>
-              <a:rPr lang="en-US" altLang="zh-CN">
-                <a:sym typeface="+mn-ea"/>
-              </a:rPr>
-              <a:t>Test Lab</a:t>
-            </a:r>
-            <a:endParaRPr lang="en-US" altLang="zh-CN">
-              <a:sym typeface="+mn-ea"/>
-            </a:endParaRPr>
-          </a:p>
-          <a:p>
-            <a:pPr lvl="1"/>
-            <a:r>
-              <a:rPr lang="en-US" altLang="zh-CN">
-                <a:sym typeface="+mn-ea"/>
-              </a:rPr>
-              <a:t>Crash Reporting</a:t>
-            </a:r>
-            <a:endParaRPr lang="en-US" altLang="zh-CN">
-              <a:sym typeface="+mn-ea"/>
-            </a:endParaRPr>
-          </a:p>
-          <a:p>
-            <a:pPr lvl="1"/>
-            <a:r>
-              <a:rPr lang="en-US" altLang="zh-CN" sz="2000">
-                <a:sym typeface="+mn-ea"/>
-              </a:rPr>
-              <a:t>Notifications</a:t>
-            </a:r>
-            <a:endParaRPr lang="en-US" altLang="zh-CN" sz="2000">
-              <a:sym typeface="+mn-ea"/>
-            </a:endParaRPr>
-          </a:p>
-          <a:p>
-            <a:pPr lvl="1"/>
-            <a:r>
-              <a:rPr lang="en-US" altLang="zh-CN" sz="2000">
-                <a:sym typeface="+mn-ea"/>
-              </a:rPr>
-              <a:t>App Indexing</a:t>
-            </a:r>
-            <a:endParaRPr lang="en-US" altLang="zh-CN" sz="2000">
-              <a:sym typeface="+mn-ea"/>
-            </a:endParaRPr>
-          </a:p>
-          <a:p>
-            <a:pPr lvl="1"/>
-            <a:r>
-              <a:rPr lang="en-US" altLang="zh-CN" sz="2000">
-                <a:sym typeface="+mn-ea"/>
-              </a:rPr>
-              <a:t>Dynamic Links</a:t>
-            </a:r>
-            <a:endParaRPr lang="en-US" altLang="zh-CN" sz="2000">
-              <a:sym typeface="+mn-ea"/>
-            </a:endParaRPr>
-          </a:p>
-          <a:p>
-            <a:pPr lvl="1"/>
-            <a:r>
-              <a:rPr lang="en-US" altLang="zh-CN" sz="2000">
-                <a:sym typeface="+mn-ea"/>
-              </a:rPr>
-              <a:t>Invites</a:t>
-            </a:r>
-            <a:endParaRPr lang="en-US" altLang="zh-CN" sz="2000">
-              <a:sym typeface="+mn-ea"/>
-            </a:endParaRPr>
-          </a:p>
-          <a:p>
-            <a:pPr lvl="1"/>
-            <a:r>
-              <a:rPr lang="en-US" altLang="zh-CN" sz="2000">
-                <a:sym typeface="+mn-ea"/>
-              </a:rPr>
-              <a:t>AdWords, AdMob</a:t>
-            </a:r>
-            <a:endParaRPr lang="en-US" altLang="zh-CN" sz="2000">
-              <a:sym typeface="+mn-ea"/>
-            </a:endParaRPr>
-          </a:p>
-          <a:p>
-            <a:pPr lvl="1"/>
-            <a:endParaRPr lang="en-US" altLang="zh-CN">
-              <a:sym typeface="+mn-ea"/>
-            </a:endParaRPr>
-          </a:p>
-          <a:p>
-            <a:pPr lvl="0"/>
+              <a:rPr lang="en-US" altLang="zh-CN"/>
+              <a:t>Firebase</a:t>
+            </a:r>
             <a:endParaRPr lang="en-US" altLang="zh-CN"/>
           </a:p>
         </p:txBody>
@@ -14177,7 +15469,7 @@
 </p:sld>
 </file>
 
-<file path=ppt/slides/slide45.xml><?xml version="1.0" encoding="utf-8"?>
+<file path=ppt/slides/slide52.xml><?xml version="1.0" encoding="utf-8"?>
 <p:sld xmlns:a="http://schemas.openxmlformats.org/drawingml/2006/main" xmlns:r="http://schemas.openxmlformats.org/officeDocument/2006/relationships" xmlns:p="http://schemas.openxmlformats.org/presentationml/2006/main">
   <p:cSld>
     <p:spTree>
@@ -14189,7 +15481,7 @@
       <p:grpSpPr/>
       <p:sp>
         <p:nvSpPr>
-          <p:cNvPr id="4" name="标题 3"/>
+          <p:cNvPr id="2" name="标题 1"/>
           <p:cNvSpPr>
             <a:spLocks noGrp="1"/>
           </p:cNvSpPr>
@@ -14203,27 +15495,288 @@
           <a:p>
             <a:r>
               <a:rPr lang="en-US" altLang="zh-CN"/>
-              <a:t>API Testing</a:t>
-            </a:r>
-            <a:endParaRPr lang="en-US" altLang="zh-CN"/>
-          </a:p>
-        </p:txBody>
-      </p:sp>
-      <p:sp>
-        <p:nvSpPr>
-          <p:cNvPr id="5" name="文本占位符 4"/>
+              <a:t>Firebase</a:t>
+            </a:r>
+            <a:endParaRPr lang="en-US" altLang="zh-CN"/>
+          </a:p>
+        </p:txBody>
+      </p:sp>
+      <p:sp>
+        <p:nvSpPr>
+          <p:cNvPr id="3" name="内容占位符 2"/>
           <p:cNvSpPr>
             <a:spLocks noGrp="1"/>
           </p:cNvSpPr>
           <p:nvPr>
-            <p:ph type="body" idx="1"/>
+            <p:ph idx="1"/>
           </p:nvPr>
         </p:nvSpPr>
-        <p:spPr/>
-        <p:txBody>
-          <a:bodyPr/>
-          <a:p>
-            <a:endParaRPr lang="zh-CN" altLang="en-US"/>
+        <p:spPr>
+          <a:xfrm>
+            <a:off x="838200" y="1211580"/>
+            <a:ext cx="5182235" cy="4975225"/>
+          </a:xfrm>
+        </p:spPr>
+        <p:txBody>
+          <a:bodyPr>
+            <a:normAutofit fontScale="60000"/>
+          </a:bodyPr>
+          <a:p>
+            <a:r>
+              <a:rPr lang="en-US" altLang="zh-CN"/>
+              <a:t>References</a:t>
+            </a:r>
+            <a:endParaRPr lang="en-US" altLang="zh-CN"/>
+          </a:p>
+          <a:p>
+            <a:pPr lvl="1"/>
+            <a:r>
+              <a:rPr lang="en-US" altLang="zh-CN">
+                <a:sym typeface="+mn-ea"/>
+              </a:rPr>
+              <a:t>https://www.jianshu.com/p/b71f5d3b7c8c</a:t>
+            </a:r>
+            <a:endParaRPr lang="en-US" altLang="zh-CN">
+              <a:sym typeface="+mn-ea"/>
+            </a:endParaRPr>
+          </a:p>
+          <a:p>
+            <a:pPr lvl="0"/>
+            <a:r>
+              <a:rPr lang="en-US" altLang="zh-CN" sz="2400">
+                <a:sym typeface="+mn-ea"/>
+              </a:rPr>
+              <a:t>Functions</a:t>
+            </a:r>
+            <a:endParaRPr lang="en-US" altLang="zh-CN" sz="2400">
+              <a:sym typeface="+mn-ea"/>
+            </a:endParaRPr>
+          </a:p>
+          <a:p>
+            <a:pPr lvl="1"/>
+            <a:r>
+              <a:rPr lang="en-US" altLang="zh-CN" sz="2000">
+                <a:sym typeface="+mn-ea"/>
+              </a:rPr>
+              <a:t>Analytics</a:t>
+            </a:r>
+            <a:endParaRPr lang="en-US" altLang="zh-CN" sz="2000">
+              <a:sym typeface="+mn-ea"/>
+            </a:endParaRPr>
+          </a:p>
+          <a:p>
+            <a:pPr lvl="1"/>
+            <a:r>
+              <a:rPr lang="en-US" altLang="zh-CN" sz="2000">
+                <a:sym typeface="+mn-ea"/>
+              </a:rPr>
+              <a:t>FCM (Firebase Cloud Messaging) </a:t>
+            </a:r>
+            <a:r>
+              <a:rPr lang="zh-CN" altLang="en-US" sz="2000">
+                <a:sym typeface="+mn-ea"/>
+              </a:rPr>
+              <a:t>跨平台消息服务</a:t>
+            </a:r>
+            <a:endParaRPr lang="zh-CN" altLang="en-US" sz="2000">
+              <a:sym typeface="+mn-ea"/>
+            </a:endParaRPr>
+          </a:p>
+          <a:p>
+            <a:pPr lvl="2"/>
+            <a:r>
+              <a:rPr lang="zh-CN" altLang="en-US" sz="1800">
+                <a:sym typeface="+mn-ea"/>
+              </a:rPr>
+              <a:t>https://www.jianshu.com/p/b50f5aee4403</a:t>
+            </a:r>
+            <a:endParaRPr lang="zh-CN" altLang="en-US" sz="1800">
+              <a:sym typeface="+mn-ea"/>
+            </a:endParaRPr>
+          </a:p>
+          <a:p>
+            <a:pPr lvl="1"/>
+            <a:r>
+              <a:rPr lang="en-US" altLang="zh-CN" sz="2000">
+                <a:sym typeface="+mn-ea"/>
+              </a:rPr>
+              <a:t>Authentication</a:t>
+            </a:r>
+            <a:endParaRPr lang="en-US" altLang="zh-CN" sz="2000">
+              <a:sym typeface="+mn-ea"/>
+            </a:endParaRPr>
+          </a:p>
+          <a:p>
+            <a:pPr lvl="2"/>
+            <a:r>
+              <a:rPr lang="zh-CN" altLang="en-US">
+                <a:sym typeface="+mn-ea"/>
+              </a:rPr>
+              <a:t>支持</a:t>
+            </a:r>
+            <a:r>
+              <a:rPr lang="en-US" altLang="zh-CN">
+                <a:sym typeface="+mn-ea"/>
+              </a:rPr>
+              <a:t>email, Facebook, Twitter, Github, Google sign-in</a:t>
+            </a:r>
+            <a:endParaRPr lang="en-US" altLang="zh-CN">
+              <a:sym typeface="+mn-ea"/>
+            </a:endParaRPr>
+          </a:p>
+          <a:p>
+            <a:pPr lvl="1"/>
+            <a:r>
+              <a:rPr lang="en-US" altLang="zh-CN" sz="2000">
+                <a:sym typeface="+mn-ea"/>
+              </a:rPr>
+              <a:t>Realtime DB</a:t>
+            </a:r>
+            <a:endParaRPr lang="en-US" altLang="zh-CN" sz="2000">
+              <a:sym typeface="+mn-ea"/>
+            </a:endParaRPr>
+          </a:p>
+          <a:p>
+            <a:pPr lvl="2"/>
+            <a:r>
+              <a:rPr lang="en-US" altLang="zh-CN" sz="1800">
+                <a:sym typeface="+mn-ea"/>
+              </a:rPr>
+              <a:t>NoSQL, json, offline usage</a:t>
+            </a:r>
+            <a:endParaRPr lang="en-US" altLang="zh-CN" sz="1800">
+              <a:sym typeface="+mn-ea"/>
+            </a:endParaRPr>
+          </a:p>
+          <a:p>
+            <a:pPr lvl="1"/>
+            <a:r>
+              <a:rPr lang="en-US" altLang="zh-CN" sz="2000">
+                <a:sym typeface="+mn-ea"/>
+              </a:rPr>
+              <a:t>Storage</a:t>
+            </a:r>
+            <a:endParaRPr lang="en-US" altLang="zh-CN" sz="2000">
+              <a:sym typeface="+mn-ea"/>
+            </a:endParaRPr>
+          </a:p>
+          <a:p>
+            <a:pPr lvl="1"/>
+            <a:r>
+              <a:rPr lang="en-US" altLang="zh-CN" sz="2000">
+                <a:sym typeface="+mn-ea"/>
+              </a:rPr>
+              <a:t>Hosting</a:t>
+            </a:r>
+            <a:endParaRPr lang="en-US" altLang="zh-CN" sz="2000">
+              <a:sym typeface="+mn-ea"/>
+            </a:endParaRPr>
+          </a:p>
+          <a:p>
+            <a:pPr lvl="1"/>
+            <a:r>
+              <a:rPr lang="en-US" altLang="zh-CN" sz="2000">
+                <a:sym typeface="+mn-ea"/>
+              </a:rPr>
+              <a:t>Remote Config</a:t>
+            </a:r>
+            <a:endParaRPr lang="en-US" altLang="zh-CN" sz="2000">
+              <a:sym typeface="+mn-ea"/>
+            </a:endParaRPr>
+          </a:p>
+          <a:p>
+            <a:pPr lvl="1"/>
+            <a:r>
+              <a:rPr lang="en-US" altLang="zh-CN">
+                <a:sym typeface="+mn-ea"/>
+              </a:rPr>
+              <a:t>Test Lab</a:t>
+            </a:r>
+            <a:endParaRPr lang="en-US" altLang="zh-CN">
+              <a:sym typeface="+mn-ea"/>
+            </a:endParaRPr>
+          </a:p>
+          <a:p>
+            <a:pPr lvl="1"/>
+            <a:r>
+              <a:rPr lang="en-US" altLang="zh-CN">
+                <a:sym typeface="+mn-ea"/>
+              </a:rPr>
+              <a:t>Crash Reporting</a:t>
+            </a:r>
+            <a:endParaRPr lang="en-US" altLang="zh-CN">
+              <a:sym typeface="+mn-ea"/>
+            </a:endParaRPr>
+          </a:p>
+          <a:p>
+            <a:pPr lvl="1"/>
+            <a:r>
+              <a:rPr lang="en-US" altLang="zh-CN" sz="2000">
+                <a:sym typeface="+mn-ea"/>
+              </a:rPr>
+              <a:t>Notifications</a:t>
+            </a:r>
+            <a:endParaRPr lang="en-US" altLang="zh-CN" sz="2000">
+              <a:sym typeface="+mn-ea"/>
+            </a:endParaRPr>
+          </a:p>
+          <a:p>
+            <a:pPr lvl="1"/>
+            <a:r>
+              <a:rPr lang="en-US" altLang="zh-CN" sz="2000">
+                <a:sym typeface="+mn-ea"/>
+              </a:rPr>
+              <a:t>App Indexing</a:t>
+            </a:r>
+            <a:endParaRPr lang="en-US" altLang="zh-CN" sz="2000">
+              <a:sym typeface="+mn-ea"/>
+            </a:endParaRPr>
+          </a:p>
+          <a:p>
+            <a:pPr lvl="1"/>
+            <a:r>
+              <a:rPr lang="en-US" altLang="zh-CN" sz="2000">
+                <a:sym typeface="+mn-ea"/>
+              </a:rPr>
+              <a:t>Dynamic Links</a:t>
+            </a:r>
+            <a:endParaRPr lang="en-US" altLang="zh-CN" sz="2000">
+              <a:sym typeface="+mn-ea"/>
+            </a:endParaRPr>
+          </a:p>
+          <a:p>
+            <a:pPr lvl="1"/>
+            <a:r>
+              <a:rPr lang="en-US" altLang="zh-CN" sz="2000">
+                <a:sym typeface="+mn-ea"/>
+              </a:rPr>
+              <a:t>Invites</a:t>
+            </a:r>
+            <a:endParaRPr lang="en-US" altLang="zh-CN" sz="2000">
+              <a:sym typeface="+mn-ea"/>
+            </a:endParaRPr>
+          </a:p>
+          <a:p>
+            <a:pPr lvl="1"/>
+            <a:r>
+              <a:rPr lang="en-US" altLang="zh-CN" sz="2000">
+                <a:sym typeface="+mn-ea"/>
+              </a:rPr>
+              <a:t>AdWords, AdMob</a:t>
+            </a:r>
+            <a:endParaRPr lang="en-US" altLang="zh-CN" sz="2000">
+              <a:sym typeface="+mn-ea"/>
+            </a:endParaRPr>
+          </a:p>
+          <a:p>
+            <a:pPr lvl="1"/>
+            <a:endParaRPr lang="en-US" altLang="zh-CN">
+              <a:sym typeface="+mn-ea"/>
+            </a:endParaRPr>
+          </a:p>
+          <a:p>
+            <a:pPr lvl="0"/>
+            <a:endParaRPr lang="en-US" altLang="zh-CN"/>
           </a:p>
         </p:txBody>
       </p:sp>
@@ -14238,7 +15791,68 @@
 </p:sld>
 </file>
 
-<file path=ppt/slides/slide46.xml><?xml version="1.0" encoding="utf-8"?>
+<file path=ppt/slides/slide53.xml><?xml version="1.0" encoding="utf-8"?>
+<p:sld xmlns:a="http://schemas.openxmlformats.org/drawingml/2006/main" xmlns:r="http://schemas.openxmlformats.org/officeDocument/2006/relationships" xmlns:p="http://schemas.openxmlformats.org/presentationml/2006/main">
+  <p:cSld>
+    <p:spTree>
+      <p:nvGrpSpPr>
+        <p:cNvPr id="1" name=""/>
+        <p:cNvGrpSpPr/>
+        <p:nvPr/>
+      </p:nvGrpSpPr>
+      <p:grpSpPr/>
+      <p:sp>
+        <p:nvSpPr>
+          <p:cNvPr id="4" name="标题 3"/>
+          <p:cNvSpPr>
+            <a:spLocks noGrp="1"/>
+          </p:cNvSpPr>
+          <p:nvPr>
+            <p:ph type="title"/>
+          </p:nvPr>
+        </p:nvSpPr>
+        <p:spPr/>
+        <p:txBody>
+          <a:bodyPr/>
+          <a:p>
+            <a:r>
+              <a:rPr lang="en-US" altLang="zh-CN"/>
+              <a:t>API Testing</a:t>
+            </a:r>
+            <a:endParaRPr lang="en-US" altLang="zh-CN"/>
+          </a:p>
+        </p:txBody>
+      </p:sp>
+      <p:sp>
+        <p:nvSpPr>
+          <p:cNvPr id="5" name="文本占位符 4"/>
+          <p:cNvSpPr>
+            <a:spLocks noGrp="1"/>
+          </p:cNvSpPr>
+          <p:nvPr>
+            <p:ph type="body" idx="1"/>
+          </p:nvPr>
+        </p:nvSpPr>
+        <p:spPr/>
+        <p:txBody>
+          <a:bodyPr/>
+          <a:p>
+            <a:endParaRPr lang="zh-CN" altLang="en-US"/>
+          </a:p>
+        </p:txBody>
+      </p:sp>
+    </p:spTree>
+    <p:custDataLst>
+      <p:tags r:id="rId1"/>
+    </p:custDataLst>
+  </p:cSld>
+  <p:clrMapOvr>
+    <a:masterClrMapping/>
+  </p:clrMapOvr>
+</p:sld>
+</file>
+
+<file path=ppt/slides/slide54.xml><?xml version="1.0" encoding="utf-8"?>
 <p:sld xmlns:a="http://schemas.openxmlformats.org/drawingml/2006/main" xmlns:r="http://schemas.openxmlformats.org/officeDocument/2006/relationships" xmlns:p="http://schemas.openxmlformats.org/presentationml/2006/main">
   <p:cSld>
     <p:spTree>
@@ -14309,7 +15923,7 @@
 </p:sld>
 </file>
 
-<file path=ppt/slides/slide47.xml><?xml version="1.0" encoding="utf-8"?>
+<file path=ppt/slides/slide55.xml><?xml version="1.0" encoding="utf-8"?>
 <p:sld xmlns:a="http://schemas.openxmlformats.org/drawingml/2006/main" xmlns:r="http://schemas.openxmlformats.org/officeDocument/2006/relationships" xmlns:p="http://schemas.openxmlformats.org/presentationml/2006/main">
   <p:cSld>
     <p:spTree>
@@ -14689,7 +16303,7 @@
 </p:sld>
 </file>
 
-<file path=ppt/slides/slide48.xml><?xml version="1.0" encoding="utf-8"?>
+<file path=ppt/slides/slide56.xml><?xml version="1.0" encoding="utf-8"?>
 <p:sld xmlns:a="http://schemas.openxmlformats.org/drawingml/2006/main" xmlns:r="http://schemas.openxmlformats.org/officeDocument/2006/relationships" xmlns:p="http://schemas.openxmlformats.org/presentationml/2006/main">
   <p:cSld>
     <p:spTree>
@@ -14748,185 +16362,6 @@
     </p:spTree>
     <p:custDataLst>
       <p:tags r:id="rId2"/>
-    </p:custDataLst>
-  </p:cSld>
-  <p:clrMapOvr>
-    <a:masterClrMapping/>
-  </p:clrMapOvr>
-</p:sld>
-</file>
-
-<file path=ppt/slides/slide5.xml><?xml version="1.0" encoding="utf-8"?>
-<p:sld xmlns:a="http://schemas.openxmlformats.org/drawingml/2006/main" xmlns:r="http://schemas.openxmlformats.org/officeDocument/2006/relationships" xmlns:p="http://schemas.openxmlformats.org/presentationml/2006/main">
-  <p:cSld>
-    <p:spTree>
-      <p:nvGrpSpPr>
-        <p:cNvPr id="1" name=""/>
-        <p:cNvGrpSpPr/>
-        <p:nvPr/>
-      </p:nvGrpSpPr>
-      <p:grpSpPr/>
-      <p:sp>
-        <p:nvSpPr>
-          <p:cNvPr id="2" name="标题 1"/>
-          <p:cNvSpPr>
-            <a:spLocks noGrp="1"/>
-          </p:cNvSpPr>
-          <p:nvPr>
-            <p:ph type="title"/>
-          </p:nvPr>
-        </p:nvSpPr>
-        <p:spPr/>
-        <p:txBody>
-          <a:bodyPr/>
-          <a:p>
-            <a:r>
-              <a:rPr lang="en-US" altLang="zh-CN"/>
-              <a:t>Ubuntu</a:t>
-            </a:r>
-            <a:endParaRPr lang="en-US" altLang="zh-CN"/>
-          </a:p>
-        </p:txBody>
-      </p:sp>
-      <p:sp>
-        <p:nvSpPr>
-          <p:cNvPr id="3" name="内容占位符 2"/>
-          <p:cNvSpPr>
-            <a:spLocks noGrp="1"/>
-          </p:cNvSpPr>
-          <p:nvPr>
-            <p:ph idx="1"/>
-          </p:nvPr>
-        </p:nvSpPr>
-        <p:spPr/>
-        <p:txBody>
-          <a:bodyPr>
-            <a:normAutofit lnSpcReduction="10000"/>
-          </a:bodyPr>
-          <a:p>
-            <a:r>
-              <a:rPr lang="en-US" altLang="zh-CN"/>
-              <a:t>Swap</a:t>
-            </a:r>
-            <a:endParaRPr lang="en-US" altLang="zh-CN"/>
-          </a:p>
-          <a:p>
-            <a:pPr lvl="1"/>
-            <a:r>
-              <a:rPr lang="en-US" altLang="zh-CN"/>
-              <a:t>Configure Swap</a:t>
-            </a:r>
-            <a:endParaRPr lang="en-US" altLang="zh-CN"/>
-          </a:p>
-          <a:p>
-            <a:pPr lvl="2"/>
-            <a:r>
-              <a:rPr lang="en-US" altLang="zh-CN"/>
-              <a:t>sudo fallocate -l 1G /swapfile</a:t>
-            </a:r>
-            <a:endParaRPr lang="en-US" altLang="zh-CN"/>
-          </a:p>
-          <a:p>
-            <a:pPr lvl="2"/>
-            <a:r>
-              <a:rPr lang="en-US" altLang="zh-CN"/>
-              <a:t>ls -lh /swapfile</a:t>
-            </a:r>
-            <a:endParaRPr lang="en-US" altLang="zh-CN"/>
-          </a:p>
-          <a:p>
-            <a:pPr lvl="2"/>
-            <a:r>
-              <a:rPr lang="en-US" altLang="zh-CN"/>
-              <a:t>sudo chmod 600 /swapfile</a:t>
-            </a:r>
-            <a:endParaRPr lang="en-US" altLang="zh-CN"/>
-          </a:p>
-          <a:p>
-            <a:pPr lvl="2"/>
-            <a:r>
-              <a:rPr lang="en-US" altLang="zh-CN"/>
-              <a:t>sudo mkswap /swapfile</a:t>
-            </a:r>
-            <a:endParaRPr lang="en-US" altLang="zh-CN"/>
-          </a:p>
-          <a:p>
-            <a:pPr lvl="2"/>
-            <a:r>
-              <a:rPr lang="en-US" altLang="zh-CN"/>
-              <a:t>sudo swapon /swapfile</a:t>
-            </a:r>
-            <a:endParaRPr lang="en-US" altLang="zh-CN"/>
-          </a:p>
-          <a:p>
-            <a:pPr lvl="2"/>
-            <a:r>
-              <a:rPr lang="en-US" altLang="zh-CN"/>
-              <a:t>sudo swapon --show</a:t>
-            </a:r>
-            <a:endParaRPr lang="en-US" altLang="zh-CN"/>
-          </a:p>
-          <a:p>
-            <a:pPr lvl="2"/>
-            <a:r>
-              <a:rPr lang="en-US" altLang="zh-CN"/>
-              <a:t>free -h</a:t>
-            </a:r>
-            <a:endParaRPr lang="en-US" altLang="zh-CN"/>
-          </a:p>
-          <a:p>
-            <a:pPr lvl="2"/>
-            <a:r>
-              <a:rPr lang="en-US" altLang="zh-CN"/>
-              <a:t>echo '/swapfile none swap sw 0 0' | sudo tee -a /etc/fstab</a:t>
-            </a:r>
-            <a:endParaRPr lang="en-US" altLang="zh-CN"/>
-          </a:p>
-          <a:p>
-            <a:pPr lvl="1"/>
-            <a:r>
-              <a:rPr lang="en-US" altLang="zh-CN"/>
-              <a:t>Swappiness</a:t>
-            </a:r>
-            <a:endParaRPr lang="en-US" altLang="zh-CN"/>
-          </a:p>
-          <a:p>
-            <a:pPr lvl="2"/>
-            <a:r>
-              <a:rPr lang="en-US" altLang="zh-CN"/>
-              <a:t>cat /proc/sys/vm/swappiness</a:t>
-            </a:r>
-            <a:endParaRPr lang="en-US" altLang="zh-CN"/>
-          </a:p>
-          <a:p>
-            <a:pPr lvl="2"/>
-            <a:r>
-              <a:rPr lang="en-US" altLang="zh-CN"/>
-              <a:t>sudo nano /etc/sysctl.conf</a:t>
-            </a:r>
-            <a:endParaRPr lang="en-US" altLang="zh-CN"/>
-          </a:p>
-          <a:p>
-            <a:pPr lvl="2"/>
-            <a:r>
-              <a:rPr lang="en-US" altLang="zh-CN"/>
-              <a:t>vm.swappiness=10</a:t>
-            </a:r>
-            <a:endParaRPr lang="en-US" altLang="zh-CN"/>
-          </a:p>
-          <a:p>
-            <a:pPr lvl="2"/>
-            <a:r>
-              <a:rPr lang="en-US" altLang="zh-CN"/>
-              <a:t>vm.vfs_cache_pressure=50</a:t>
-            </a:r>
-            <a:endParaRPr lang="en-US" altLang="zh-CN"/>
-          </a:p>
-        </p:txBody>
-      </p:sp>
-    </p:spTree>
-    <p:custDataLst>
-      <p:tags r:id="rId1"/>
     </p:custDataLst>
   </p:cSld>
   <p:clrMapOvr>
@@ -15682,7 +17117,9 @@
         </p:nvSpPr>
         <p:spPr/>
         <p:txBody>
-          <a:bodyPr/>
+          <a:bodyPr>
+            <a:normAutofit lnSpcReduction="10000"/>
+          </a:bodyPr>
           <a:p>
             <a:r>
               <a:rPr lang="zh-CN" altLang="en-US"/>
@@ -15709,8 +17146,80 @@
           <a:p>
             <a:pPr lvl="1"/>
             <a:r>
+              <a:rPr lang="en-US" altLang="zh-CN" sz="2000"/>
+              <a:t>Avoid ssh connection freeze</a:t>
+            </a:r>
+            <a:endParaRPr lang="en-US" altLang="zh-CN" sz="2000"/>
+          </a:p>
+          <a:p>
+            <a:pPr lvl="2"/>
+            <a:r>
+              <a:rPr lang="en-US" altLang="zh-CN" sz="1800"/>
+              <a:t>TCPKeepAlive yes</a:t>
+            </a:r>
+            <a:endParaRPr lang="en-US" altLang="zh-CN" sz="1800"/>
+          </a:p>
+          <a:p>
+            <a:pPr lvl="2"/>
+            <a:r>
+              <a:rPr lang="en-US" altLang="zh-CN" sz="1800"/>
+              <a:t>ClientAliveInterval 100</a:t>
+            </a:r>
+            <a:endParaRPr lang="en-US" altLang="zh-CN" sz="1800"/>
+          </a:p>
+          <a:p>
+            <a:pPr lvl="2"/>
+            <a:r>
+              <a:rPr lang="en-US" altLang="zh-CN" sz="1800"/>
+              <a:t>ClientAliveCountMax 3000</a:t>
+            </a:r>
+            <a:endParaRPr lang="en-US" altLang="zh-CN" sz="1800"/>
+          </a:p>
+          <a:p>
+            <a:pPr lvl="1"/>
+            <a:r>
               <a:rPr lang="en-US" altLang="zh-CN"/>
               <a:t>sudo service sshd restart</a:t>
+            </a:r>
+            <a:endParaRPr lang="en-US" altLang="zh-CN"/>
+          </a:p>
+          <a:p>
+            <a:pPr lvl="0"/>
+            <a:r>
+              <a:rPr lang="en-US" altLang="zh-CN"/>
+              <a:t>ssh client</a:t>
+            </a:r>
+            <a:endParaRPr lang="en-US" altLang="zh-CN"/>
+          </a:p>
+          <a:p>
+            <a:pPr lvl="1"/>
+            <a:r>
+              <a:rPr lang="en-US" altLang="zh-CN"/>
+              <a:t>avoid freeze</a:t>
+            </a:r>
+            <a:endParaRPr lang="en-US" altLang="zh-CN"/>
+          </a:p>
+          <a:p>
+            <a:pPr lvl="2"/>
+            <a:r>
+              <a:rPr lang="en-US" altLang="zh-CN"/>
+              <a:t>~/.ssh/config</a:t>
+            </a:r>
+            <a:endParaRPr lang="en-US" altLang="zh-CN"/>
+          </a:p>
+          <a:p>
+            <a:pPr lvl="3"/>
+            <a:r>
+              <a:rPr lang="en-US" altLang="zh-CN"/>
+              <a:t>ServerAliveInterval	// seconds that the client will wait before sending a null packet to the server (to keep the connection alive)</a:t>
+            </a:r>
+            <a:endParaRPr lang="en-US" altLang="zh-CN"/>
+          </a:p>
+          <a:p>
+            <a:pPr lvl="3"/>
+            <a:r>
+              <a:rPr lang="en-US" altLang="zh-CN"/>
+              <a:t>ClientAliveInterval	// number of seconds that the server will wait before sending a null packet to the client (to keep the connection alive).</a:t>
             </a:r>
             <a:endParaRPr lang="en-US" altLang="zh-CN"/>
           </a:p>
@@ -16070,7 +17579,6 @@
   <p:tag name="KSO_WM_BEAUTIFY_FLAG" val="#wm#"/>
   <p:tag name="KSO_WM_TEMPLATE_CATEGORY" val="custom"/>
   <p:tag name="KSO_WM_TEMPLATE_INDEX" val="160402"/>
-  <p:tag name="KSO_WM_SPECIAL_SOURCE" val="bdnull"/>
 </p:tagLst>
 </file>
 
@@ -16152,7 +17660,6 @@
   <p:tag name="KSO_WM_BEAUTIFY_FLAG" val="#wm#"/>
   <p:tag name="KSO_WM_TEMPLATE_CATEGORY" val="custom"/>
   <p:tag name="KSO_WM_TEMPLATE_INDEX" val="160402"/>
-  <p:tag name="KSO_WM_SPECIAL_SOURCE" val="bdnull"/>
 </p:tagLst>
 </file>
 
@@ -16161,7 +17668,6 @@
   <p:tag name="KSO_WM_BEAUTIFY_FLAG" val="#wm#"/>
   <p:tag name="KSO_WM_TEMPLATE_CATEGORY" val="custom"/>
   <p:tag name="KSO_WM_TEMPLATE_INDEX" val="160402"/>
-  <p:tag name="KSO_WM_SPECIAL_SOURCE" val="bdnull"/>
 </p:tagLst>
 </file>
 
@@ -16170,7 +17676,6 @@
   <p:tag name="KSO_WM_BEAUTIFY_FLAG" val="#wm#"/>
   <p:tag name="KSO_WM_TEMPLATE_CATEGORY" val="custom"/>
   <p:tag name="KSO_WM_TEMPLATE_INDEX" val="160402"/>
-  <p:tag name="KSO_WM_SPECIAL_SOURCE" val="bdnull"/>
 </p:tagLst>
 </file>
 
@@ -16232,7 +17737,10 @@
 
 <file path=ppt/tags/tag42.xml><?xml version="1.0" encoding="utf-8"?>
 <p:tagLst xmlns:p="http://schemas.openxmlformats.org/presentationml/2006/main">
-  <p:tag name="KSO_WM_UNIT_PLACING_PICTURE_USER_VIEWPORT" val="{&quot;height&quot;:6720,&quot;width&quot;:8292}"/>
+  <p:tag name="KSO_WM_BEAUTIFY_FLAG" val="#wm#"/>
+  <p:tag name="KSO_WM_TEMPLATE_CATEGORY" val="custom"/>
+  <p:tag name="KSO_WM_TEMPLATE_INDEX" val="160402"/>
+  <p:tag name="KSO_WM_SPECIAL_SOURCE" val="bdnull"/>
 </p:tagLst>
 </file>
 
@@ -16274,10 +17782,7 @@
 
 <file path=ppt/tags/tag47.xml><?xml version="1.0" encoding="utf-8"?>
 <p:tagLst xmlns:p="http://schemas.openxmlformats.org/presentationml/2006/main">
-  <p:tag name="KSO_WM_BEAUTIFY_FLAG" val="#wm#"/>
-  <p:tag name="KSO_WM_TEMPLATE_CATEGORY" val="custom"/>
-  <p:tag name="KSO_WM_TEMPLATE_INDEX" val="160402"/>
-  <p:tag name="KSO_WM_SPECIAL_SOURCE" val="bdnull"/>
+  <p:tag name="KSO_WM_UNIT_PLACING_PICTURE_USER_VIEWPORT" val="{&quot;height&quot;:6720,&quot;width&quot;:8292}"/>
 </p:tagLst>
 </file>
 
@@ -16393,7 +17898,10 @@
 
 <file path=ppt/tags/tag58.xml><?xml version="1.0" encoding="utf-8"?>
 <p:tagLst xmlns:p="http://schemas.openxmlformats.org/presentationml/2006/main">
-  <p:tag name="KSO_WM_UNIT_PLACING_PICTURE_USER_VIEWPORT" val="{&quot;height&quot;:6120,&quot;width&quot;:9264}"/>
+  <p:tag name="KSO_WM_BEAUTIFY_FLAG" val="#wm#"/>
+  <p:tag name="KSO_WM_TEMPLATE_CATEGORY" val="custom"/>
+  <p:tag name="KSO_WM_TEMPLATE_INDEX" val="160402"/>
+  <p:tag name="KSO_WM_SPECIAL_SOURCE" val="bdnull"/>
 </p:tagLst>
 </file>
 
@@ -16443,9 +17951,70 @@
 
 <file path=ppt/tags/tag62.xml><?xml version="1.0" encoding="utf-8"?>
 <p:tagLst xmlns:p="http://schemas.openxmlformats.org/presentationml/2006/main">
-  <p:tag name="KSO_DOCER_TEMPLATE_OPEN_ONCE_MARK" val="1"/>
-  <p:tag name="COMMONDATA" val="eyJoZGlkIjoiODcwZjc5M2RmYzUwOWE5MjVkODVjZGMyZDUwOTRjYmEifQ=="/>
-  <p:tag name="KSO_WPP_MARK_KEY" val="409d257b-de08-4ad9-871a-703355bca735"/>
+  <p:tag name="KSO_WM_BEAUTIFY_FLAG" val="#wm#"/>
+  <p:tag name="KSO_WM_TEMPLATE_CATEGORY" val="custom"/>
+  <p:tag name="KSO_WM_TEMPLATE_INDEX" val="160402"/>
+  <p:tag name="KSO_WM_SPECIAL_SOURCE" val="bdnull"/>
+</p:tagLst>
+</file>
+
+<file path=ppt/tags/tag63.xml><?xml version="1.0" encoding="utf-8"?>
+<p:tagLst xmlns:p="http://schemas.openxmlformats.org/presentationml/2006/main">
+  <p:tag name="KSO_WM_BEAUTIFY_FLAG" val="#wm#"/>
+  <p:tag name="KSO_WM_TEMPLATE_CATEGORY" val="custom"/>
+  <p:tag name="KSO_WM_TEMPLATE_INDEX" val="160402"/>
+  <p:tag name="KSO_WM_SPECIAL_SOURCE" val="bdnull"/>
+</p:tagLst>
+</file>
+
+<file path=ppt/tags/tag64.xml><?xml version="1.0" encoding="utf-8"?>
+<p:tagLst xmlns:p="http://schemas.openxmlformats.org/presentationml/2006/main">
+  <p:tag name="KSO_WM_BEAUTIFY_FLAG" val="#wm#"/>
+  <p:tag name="KSO_WM_TEMPLATE_CATEGORY" val="custom"/>
+  <p:tag name="KSO_WM_TEMPLATE_INDEX" val="160402"/>
+  <p:tag name="KSO_WM_SPECIAL_SOURCE" val="bdnull"/>
+</p:tagLst>
+</file>
+
+<file path=ppt/tags/tag65.xml><?xml version="1.0" encoding="utf-8"?>
+<p:tagLst xmlns:p="http://schemas.openxmlformats.org/presentationml/2006/main">
+  <p:tag name="KSO_WM_BEAUTIFY_FLAG" val="#wm#"/>
+  <p:tag name="KSO_WM_TEMPLATE_CATEGORY" val="custom"/>
+  <p:tag name="KSO_WM_TEMPLATE_INDEX" val="160402"/>
+  <p:tag name="KSO_WM_SPECIAL_SOURCE" val="bdnull"/>
+</p:tagLst>
+</file>
+
+<file path=ppt/tags/tag66.xml><?xml version="1.0" encoding="utf-8"?>
+<p:tagLst xmlns:p="http://schemas.openxmlformats.org/presentationml/2006/main">
+  <p:tag name="KSO_WM_UNIT_PLACING_PICTURE_USER_VIEWPORT" val="{&quot;height&quot;:6120,&quot;width&quot;:9264}"/>
+</p:tagLst>
+</file>
+
+<file path=ppt/tags/tag67.xml><?xml version="1.0" encoding="utf-8"?>
+<p:tagLst xmlns:p="http://schemas.openxmlformats.org/presentationml/2006/main">
+  <p:tag name="KSO_WM_BEAUTIFY_FLAG" val="#wm#"/>
+  <p:tag name="KSO_WM_TEMPLATE_CATEGORY" val="custom"/>
+  <p:tag name="KSO_WM_TEMPLATE_INDEX" val="160402"/>
+  <p:tag name="KSO_WM_SPECIAL_SOURCE" val="bdnull"/>
+</p:tagLst>
+</file>
+
+<file path=ppt/tags/tag68.xml><?xml version="1.0" encoding="utf-8"?>
+<p:tagLst xmlns:p="http://schemas.openxmlformats.org/presentationml/2006/main">
+  <p:tag name="KSO_WM_BEAUTIFY_FLAG" val="#wm#"/>
+  <p:tag name="KSO_WM_TEMPLATE_CATEGORY" val="custom"/>
+  <p:tag name="KSO_WM_TEMPLATE_INDEX" val="160402"/>
+  <p:tag name="KSO_WM_SPECIAL_SOURCE" val="bdnull"/>
+</p:tagLst>
+</file>
+
+<file path=ppt/tags/tag69.xml><?xml version="1.0" encoding="utf-8"?>
+<p:tagLst xmlns:p="http://schemas.openxmlformats.org/presentationml/2006/main">
+  <p:tag name="KSO_WM_BEAUTIFY_FLAG" val="#wm#"/>
+  <p:tag name="KSO_WM_TEMPLATE_CATEGORY" val="custom"/>
+  <p:tag name="KSO_WM_TEMPLATE_INDEX" val="160402"/>
+  <p:tag name="KSO_WM_SPECIAL_SOURCE" val="bdnull"/>
 </p:tagLst>
 </file>
 
@@ -16455,6 +18024,14 @@
   <p:tag name="KSO_WM_TEMPLATE_CATEGORY" val="custom"/>
   <p:tag name="KSO_WM_TEMPLATE_INDEX" val="160402"/>
   <p:tag name="KSO_WM_SPECIAL_SOURCE" val="bdnull"/>
+</p:tagLst>
+</file>
+
+<file path=ppt/tags/tag70.xml><?xml version="1.0" encoding="utf-8"?>
+<p:tagLst xmlns:p="http://schemas.openxmlformats.org/presentationml/2006/main">
+  <p:tag name="KSO_DOCER_TEMPLATE_OPEN_ONCE_MARK" val="1"/>
+  <p:tag name="COMMONDATA" val="eyJoZGlkIjoiYjRhZjQ5NWVmZmQxNmM3NmNkNDYxNWRmNzNmMjA1ZDAifQ=="/>
+  <p:tag name="KSO_WPP_MARK_KEY" val="409d257b-de08-4ad9-871a-703355bca735"/>
 </p:tagLst>
 </file>
 

--- a/Web/Server-Notes.pptx
+++ b/Web/Server-Notes.pptx
@@ -8,7 +8,7 @@
     <p:notesMasterId r:id="rId17"/>
   </p:notesMasterIdLst>
   <p:handoutMasterIdLst>
-    <p:handoutMasterId r:id="rId60"/>
+    <p:handoutMasterId r:id="rId62"/>
   </p:handoutMasterIdLst>
   <p:sldIdLst>
     <p:sldId id="256" r:id="rId3"/>
@@ -67,11 +67,13 @@
     <p:sldId id="571" r:id="rId57"/>
     <p:sldId id="572" r:id="rId58"/>
     <p:sldId id="573" r:id="rId59"/>
+    <p:sldId id="705" r:id="rId60"/>
+    <p:sldId id="706" r:id="rId61"/>
   </p:sldIdLst>
   <p:sldSz cx="12192000" cy="6858000"/>
   <p:notesSz cx="6858000" cy="9144000"/>
   <p:custDataLst>
-    <p:tags r:id="rId64"/>
+    <p:tags r:id="rId66"/>
   </p:custDataLst>
   <p:defaultTextStyle>
     <a:defPPr>
@@ -7461,9 +7463,13 @@
             <a:pPr lvl="0"/>
             <a:r>
               <a:rPr lang="en-US" altLang="zh-CN" sz="1200"/>
-              <a:t>Generate CSR</a:t>
-            </a:r>
-            <a:endParaRPr lang="en-US" altLang="zh-CN" sz="1200"/>
+              <a:t>Generate </a:t>
+            </a:r>
+            <a:r>
+              <a:rPr lang="en-US" altLang="zh-CN" sz="1200" b="1"/>
+              <a:t>CSR (Certificate Signing Requests)</a:t>
+            </a:r>
+            <a:endParaRPr lang="en-US" altLang="zh-CN" sz="1200" b="1"/>
           </a:p>
           <a:p>
             <a:pPr lvl="1"/>
@@ -7616,6 +7622,14 @@
               <a:t>echo -n | openssl s_client -connect fr.cib-biz.com:8097 | openssl x509 &gt; /tmp/cis.cert</a:t>
             </a:r>
             <a:endParaRPr lang="en-US" altLang="zh-CN" sz="925"/>
+          </a:p>
+          <a:p>
+            <a:pPr lvl="0"/>
+            <a:r>
+              <a:rPr lang="en-US" altLang="zh-CN" sz="1110" b="1"/>
+              <a:t>PKS (Public Key Cryptography Standards)</a:t>
+            </a:r>
+            <a:endParaRPr lang="zh-CN" altLang="en-US" sz="1110" b="1"/>
           </a:p>
         </p:txBody>
       </p:sp>
@@ -7955,114 +7969,170 @@
         <p:spPr>
           <a:xfrm>
             <a:off x="838200" y="1211580"/>
-            <a:ext cx="5045710" cy="4549140"/>
+            <a:ext cx="6202045" cy="5048250"/>
           </a:xfrm>
         </p:spPr>
         <p:txBody>
           <a:bodyPr>
-            <a:normAutofit fontScale="90000" lnSpcReduction="20000"/>
+            <a:noAutofit/>
           </a:bodyPr>
           <a:p>
             <a:r>
-              <a:rPr lang="en-US" altLang="zh-CN"/>
+              <a:rPr lang="en-US" altLang="zh-CN" sz="1400"/>
               <a:t>Check website certificate</a:t>
             </a:r>
-            <a:endParaRPr lang="en-US" altLang="zh-CN"/>
-          </a:p>
-          <a:p>
-            <a:r>
-              <a:rPr lang="en-US" altLang="zh-CN"/>
+            <a:endParaRPr lang="en-US" altLang="zh-CN" sz="1400"/>
+          </a:p>
+          <a:p>
+            <a:r>
+              <a:rPr lang="en-US" altLang="zh-CN" sz="1400"/>
               <a:t>Format</a:t>
             </a:r>
-            <a:endParaRPr lang="en-US" altLang="zh-CN"/>
-          </a:p>
-          <a:p>
-            <a:pPr lvl="1"/>
-            <a:r>
-              <a:rPr lang="en-US" altLang="zh-CN"/>
-              <a:t>.pfx</a:t>
-            </a:r>
-            <a:endParaRPr lang="en-US" altLang="zh-CN"/>
+            <a:endParaRPr lang="en-US" altLang="zh-CN" sz="1400"/>
+          </a:p>
+          <a:p>
+            <a:pPr lvl="1"/>
+            <a:r>
+              <a:rPr lang="en-US" altLang="zh-CN" sz="1200"/>
+              <a:t>Tomcat:.pfx</a:t>
+            </a:r>
+            <a:endParaRPr lang="en-US" altLang="zh-CN" sz="1200"/>
+          </a:p>
+          <a:p>
+            <a:pPr lvl="1"/>
+            <a:r>
+              <a:rPr lang="en-US" altLang="zh-CN" sz="1200"/>
+              <a:t>Nginx: .crt .pem</a:t>
+            </a:r>
+            <a:endParaRPr lang="en-US" altLang="zh-CN" sz="1000"/>
+          </a:p>
+          <a:p>
+            <a:pPr lvl="1"/>
+            <a:r>
+              <a:rPr lang="en-US" altLang="zh-CN" sz="1200"/>
+              <a:t>conversion</a:t>
+            </a:r>
+            <a:endParaRPr lang="en-US" altLang="zh-CN" sz="1200"/>
           </a:p>
           <a:p>
             <a:pPr lvl="2"/>
             <a:r>
-              <a:rPr lang="en-US" altLang="zh-CN"/>
-              <a:t>Tomcat</a:t>
-            </a:r>
-            <a:endParaRPr lang="en-US" altLang="zh-CN"/>
-          </a:p>
-          <a:p>
-            <a:pPr lvl="1"/>
-            <a:r>
-              <a:rPr lang="en-US" altLang="zh-CN"/>
-              <a:t>.crt .pem</a:t>
-            </a:r>
-            <a:endParaRPr lang="en-US" altLang="zh-CN"/>
+              <a:rPr lang="en-US" altLang="zh-CN" sz="1000"/>
+              <a:t>references</a:t>
+            </a:r>
+            <a:endParaRPr lang="en-US" altLang="zh-CN" sz="1000"/>
+          </a:p>
+          <a:p>
+            <a:pPr lvl="3"/>
+            <a:r>
+              <a:rPr lang="en-US" altLang="zh-CN" sz="1000"/>
+              <a:t>https://www.howtouselinux.com/post/converting-cer-crt-der-pem-pfx-certificate</a:t>
+            </a:r>
+            <a:endParaRPr lang="en-US" altLang="zh-CN" sz="1000"/>
+          </a:p>
+          <a:p>
+            <a:pPr lvl="3"/>
+            <a:r>
+              <a:rPr lang="en-US" altLang="zh-CN" sz="1000"/>
+              <a:t>https://www.sslshopper.com/ssl-converter.html</a:t>
+            </a:r>
+            <a:endParaRPr lang="en-US" altLang="zh-CN" sz="1000"/>
+          </a:p>
+          <a:p>
+            <a:pPr lvl="3"/>
+            <a:r>
+              <a:rPr lang="en-US" altLang="zh-CN" sz="1000"/>
+              <a:t>https://thesecmaster.com/what-are-the-different-types-of-certificate-formats/</a:t>
+            </a:r>
+            <a:endParaRPr lang="en-US" altLang="zh-CN" sz="1000"/>
           </a:p>
           <a:p>
             <a:pPr lvl="2"/>
             <a:r>
-              <a:rPr lang="en-US" altLang="zh-CN"/>
-              <a:t>Nginx</a:t>
-            </a:r>
-            <a:endParaRPr lang="en-US" altLang="zh-CN"/>
-          </a:p>
-          <a:p>
-            <a:pPr lvl="1"/>
-            <a:r>
-              <a:rPr lang="en-US" altLang="zh-CN"/>
-              <a:t>conversion</a:t>
-            </a:r>
-            <a:endParaRPr lang="en-US" altLang="zh-CN"/>
+              <a:rPr lang="en-US" altLang="zh-CN" sz="1000"/>
+              <a:t>convert .crt to .pfx</a:t>
+            </a:r>
+            <a:endParaRPr lang="en-US" altLang="zh-CN" sz="1000"/>
+          </a:p>
+          <a:p>
+            <a:pPr lvl="3"/>
+            <a:r>
+              <a:rPr lang="en-US" altLang="zh-CN" sz="1000"/>
+              <a:t>openssl pkcs12 -export -out domain.name.pfx -inkey domain.name.key -in domain.name.crt</a:t>
+            </a:r>
+            <a:endParaRPr lang="en-US" altLang="zh-CN" sz="1000"/>
           </a:p>
           <a:p>
             <a:pPr lvl="2"/>
             <a:r>
-              <a:rPr lang="en-US" altLang="zh-CN" sz="1800"/>
-              <a:t>references</a:t>
-            </a:r>
-            <a:endParaRPr lang="en-US" altLang="zh-CN" sz="1800"/>
+              <a:rPr lang="en-US" altLang="zh-CN" sz="1000"/>
+              <a:t>convert .p7b to .pfx</a:t>
+            </a:r>
+            <a:endParaRPr lang="en-US" altLang="zh-CN" sz="1000"/>
           </a:p>
           <a:p>
             <a:pPr lvl="3"/>
             <a:r>
-              <a:rPr lang="en-US" altLang="zh-CN"/>
-              <a:t>https://www.howtouselinux.com/post/converting-cer-crt-der-pem-pfx-certificate</a:t>
-            </a:r>
-            <a:endParaRPr lang="en-US" altLang="zh-CN"/>
+              <a:rPr lang="en-US" altLang="zh-CN" sz="1000"/>
+              <a:t>openssl pkcs7 -print_certs -in certificate.p7b -out certificate.cer</a:t>
+            </a:r>
+            <a:endParaRPr lang="en-US" altLang="zh-CN" sz="1000"/>
+          </a:p>
+          <a:p>
+            <a:pPr lvl="3"/>
+            <a:r>
+              <a:rPr lang="en-US" altLang="zh-CN" sz="1000"/>
+              <a:t>openssl pkcs12 -export -in certificate.cer -inkey privateKey.key -out certificate.pfx -certfile CACert.cer</a:t>
+            </a:r>
+            <a:endParaRPr lang="en-US" altLang="zh-CN" sz="1000"/>
           </a:p>
           <a:p>
             <a:pPr lvl="2"/>
             <a:r>
-              <a:rPr lang="en-US" altLang="zh-CN"/>
-              <a:t>convert .crt to .pfx</a:t>
-            </a:r>
-            <a:endParaRPr lang="en-US" altLang="zh-CN"/>
+              <a:rPr lang="en-US" altLang="zh-CN" sz="1000"/>
+              <a:t>covnert .pfx to PEM</a:t>
+            </a:r>
+            <a:endParaRPr lang="en-US" altLang="zh-CN" sz="1000"/>
           </a:p>
           <a:p>
             <a:pPr lvl="3"/>
             <a:r>
-              <a:rPr lang="en-US" altLang="zh-CN"/>
-              <a:t>openssl pkcs12 -export -out domain.name.pfx -inkey domain.name.key -in domain.name.crt</a:t>
-            </a:r>
-            <a:endParaRPr lang="en-US" altLang="zh-CN"/>
+              <a:rPr lang="en-US" altLang="zh-CN" sz="1000"/>
+              <a:t>openssl pkcs12 -in certificate.pfx -out certificate.cer -nodes</a:t>
+            </a:r>
+            <a:endParaRPr lang="en-US" altLang="zh-CN" sz="1000"/>
+          </a:p>
+          <a:p>
+            <a:pPr lvl="2"/>
+            <a:r>
+              <a:rPr lang="en-US" altLang="zh-CN" sz="1000"/>
+              <a:t>convert PEM to .p7b</a:t>
+            </a:r>
+            <a:endParaRPr lang="en-US" altLang="zh-CN" sz="1000"/>
+          </a:p>
+          <a:p>
+            <a:pPr lvl="3"/>
+            <a:r>
+              <a:rPr lang="en-US" altLang="zh-CN" sz="1000"/>
+              <a:t>openssl crl2pkcs7 -nocrl -certfile certificate.cer -out certificate.p7b -certfile CACert.cer</a:t>
+            </a:r>
+            <a:endParaRPr lang="en-US" altLang="zh-CN" sz="1000"/>
           </a:p>
           <a:p>
             <a:pPr lvl="0"/>
             <a:r>
-              <a:rPr lang="en-US" altLang="zh-CN"/>
+              <a:rPr lang="en-US" altLang="zh-CN" sz="1400"/>
               <a:t>Keytool</a:t>
             </a:r>
-            <a:endParaRPr lang="en-US" altLang="zh-CN"/>
-          </a:p>
-          <a:p>
-            <a:pPr lvl="1"/>
-            <a:r>
-              <a:rPr lang="en-US" altLang="zh-CN"/>
+            <a:endParaRPr lang="en-US" altLang="zh-CN" sz="1400"/>
+          </a:p>
+          <a:p>
+            <a:pPr lvl="1"/>
+            <a:r>
+              <a:rPr lang="en-US" altLang="zh-CN" sz="1200"/>
               <a:t>default password: “changeit”</a:t>
             </a:r>
-            <a:endParaRPr lang="en-US" altLang="zh-CN"/>
+            <a:endParaRPr lang="en-US" altLang="zh-CN" sz="1200"/>
           </a:p>
         </p:txBody>
       </p:sp>
@@ -8080,8 +8150,8 @@
         </p:blipFill>
         <p:spPr>
           <a:xfrm>
-            <a:off x="6096000" y="1211580"/>
-            <a:ext cx="5893435" cy="2833370"/>
+            <a:off x="7465695" y="694055"/>
+            <a:ext cx="3690620" cy="1774190"/>
           </a:xfrm>
           <a:prstGeom prst="rect">
             <a:avLst/>
@@ -8092,9 +8162,33 @@
           </a:ln>
         </p:spPr>
       </p:pic>
+      <p:pic>
+        <p:nvPicPr>
+          <p:cNvPr id="4" name="图片 3"/>
+          <p:cNvPicPr>
+            <a:picLocks noChangeAspect="1"/>
+          </p:cNvPicPr>
+          <p:nvPr/>
+        </p:nvPicPr>
+        <p:blipFill>
+          <a:blip r:embed="rId2"/>
+          <a:stretch>
+            <a:fillRect/>
+          </a:stretch>
+        </p:blipFill>
+        <p:spPr>
+          <a:xfrm>
+            <a:off x="6944995" y="3032760"/>
+            <a:ext cx="5137150" cy="2889885"/>
+          </a:xfrm>
+          <a:prstGeom prst="rect">
+            <a:avLst/>
+          </a:prstGeom>
+        </p:spPr>
+      </p:pic>
     </p:spTree>
     <p:custDataLst>
-      <p:tags r:id="rId2"/>
+      <p:tags r:id="rId3"/>
     </p:custDataLst>
   </p:cSld>
   <p:clrMapOvr>
@@ -8145,78 +8239,429 @@
             <p:ph idx="1"/>
           </p:nvPr>
         </p:nvSpPr>
-        <p:spPr/>
-        <p:txBody>
-          <a:bodyPr/>
-          <a:p>
-            <a:r>
-              <a:rPr lang="en-US" altLang="zh-CN"/>
+        <p:spPr>
+          <a:xfrm>
+            <a:off x="838200" y="1211580"/>
+            <a:ext cx="5411470" cy="5219065"/>
+          </a:xfrm>
+        </p:spPr>
+        <p:txBody>
+          <a:bodyPr>
+            <a:normAutofit fontScale="70000"/>
+          </a:bodyPr>
+          <a:p>
+            <a:r>
+              <a:rPr lang="en-US" altLang="zh-CN" sz="1800"/>
               <a:t>References</a:t>
             </a:r>
-            <a:endParaRPr lang="en-US" altLang="zh-CN"/>
-          </a:p>
-          <a:p>
-            <a:pPr lvl="1"/>
-            <a:r>
-              <a:rPr lang="en-US" altLang="zh-CN"/>
+            <a:endParaRPr lang="en-US" altLang="zh-CN" sz="1800"/>
+          </a:p>
+          <a:p>
+            <a:pPr lvl="1"/>
+            <a:r>
+              <a:rPr lang="en-US" altLang="zh-CN" sz="1600"/>
               <a:t>https://www.baeldung.com/jvm-certificate-store-errors</a:t>
             </a:r>
-            <a:endParaRPr lang="en-US" altLang="zh-CN"/>
-          </a:p>
-          <a:p>
-            <a:r>
-              <a:rPr lang="en-US" altLang="zh-CN"/>
+            <a:endParaRPr lang="en-US" altLang="zh-CN" sz="1600"/>
+          </a:p>
+          <a:p>
+            <a:r>
+              <a:rPr lang="en-US" altLang="zh-CN" sz="1800"/>
               <a:t>List certificates</a:t>
             </a:r>
-            <a:endParaRPr lang="en-US" altLang="zh-CN"/>
-          </a:p>
-          <a:p>
-            <a:pPr lvl="1"/>
-            <a:r>
-              <a:rPr lang="en-US" altLang="zh-CN"/>
+            <a:endParaRPr lang="en-US" altLang="zh-CN" sz="1800"/>
+          </a:p>
+          <a:p>
+            <a:pPr lvl="1"/>
+            <a:r>
+              <a:rPr lang="en-US" altLang="zh-CN" sz="1600"/>
               <a:t>keytool -list -keystore </a:t>
             </a:r>
             <a:r>
-              <a:rPr lang="zh-CN" altLang="en-US">
+              <a:rPr lang="zh-CN" altLang="en-US" sz="1600">
                 <a:sym typeface="+mn-ea"/>
               </a:rPr>
               <a:t>$JAVA_HOME\jre\lib\security</a:t>
             </a:r>
             <a:r>
-              <a:rPr lang="en-US" altLang="zh-CN">
+              <a:rPr lang="en-US" altLang="zh-CN" sz="1600">
                 <a:sym typeface="+mn-ea"/>
               </a:rPr>
               <a:t>\</a:t>
             </a:r>
             <a:r>
-              <a:rPr lang="en-US" altLang="zh-CN"/>
+              <a:rPr lang="en-US" altLang="zh-CN" sz="1600"/>
               <a:t>cacerts</a:t>
             </a:r>
-            <a:endParaRPr lang="en-US" altLang="zh-CN"/>
-          </a:p>
-          <a:p>
-            <a:pPr lvl="1"/>
-            <a:r>
-              <a:rPr lang="en-US" altLang="zh-CN"/>
+            <a:endParaRPr lang="en-US" altLang="zh-CN" sz="1600"/>
+          </a:p>
+          <a:p>
+            <a:pPr lvl="1"/>
+            <a:r>
+              <a:rPr lang="en-US" altLang="zh-CN" sz="1600"/>
               <a:t>// get a list of all the certificates registered in the JVM’s certificate store</a:t>
             </a:r>
-            <a:endParaRPr lang="en-US" altLang="zh-CN"/>
+            <a:endParaRPr lang="en-US" altLang="zh-CN" sz="1600"/>
           </a:p>
           <a:p>
             <a:pPr lvl="0"/>
             <a:r>
-              <a:rPr lang="en-US" altLang="zh-CN"/>
+              <a:rPr lang="en-US" altLang="zh-CN" sz="1800"/>
               <a:t>Add certificate to JVM’s certificate store</a:t>
             </a:r>
-            <a:endParaRPr lang="en-US" altLang="zh-CN"/>
-          </a:p>
-          <a:p>
-            <a:pPr lvl="1"/>
-            <a:r>
-              <a:rPr lang="en-US" altLang="zh-CN"/>
+            <a:endParaRPr lang="en-US" altLang="zh-CN" sz="1800"/>
+          </a:p>
+          <a:p>
+            <a:pPr lvl="1"/>
+            <a:r>
+              <a:rPr lang="en-US" altLang="zh-CN" sz="1600"/>
               <a:t>$JAVA_HOME/bin/keytool -import -trustcacerts -file booking.crt -keystore $JAVA_HOME/jre/lib/security/cacerts</a:t>
             </a:r>
-            <a:endParaRPr lang="en-US" altLang="zh-CN"/>
+            <a:endParaRPr lang="en-US" altLang="zh-CN" sz="1600"/>
+          </a:p>
+          <a:p>
+            <a:pPr lvl="0"/>
+            <a:r>
+              <a:rPr lang="en-US" altLang="zh-CN" sz="1800"/>
+              <a:t>Verify .p7b certificate</a:t>
+            </a:r>
+            <a:endParaRPr lang="en-US" altLang="zh-CN" sz="1800"/>
+          </a:p>
+          <a:p>
+            <a:pPr lvl="1"/>
+            <a:r>
+              <a:rPr lang="en-US" altLang="zh-CN" sz="1500"/>
+              <a:t>openssl pkcs7 -print_certs -inform der -in file.p7b</a:t>
+            </a:r>
+            <a:endParaRPr lang="en-US" altLang="zh-CN" sz="1500"/>
+          </a:p>
+          <a:p>
+            <a:pPr lvl="0"/>
+            <a:r>
+              <a:rPr lang="en-US" altLang="zh-CN" sz="1800"/>
+              <a:t>Use .p7b certificate in Tomcat</a:t>
+            </a:r>
+            <a:endParaRPr lang="en-US" altLang="zh-CN" sz="1800"/>
+          </a:p>
+          <a:p>
+            <a:pPr lvl="1"/>
+            <a:r>
+              <a:rPr lang="en-US" altLang="zh-CN" sz="1600"/>
+              <a:t>refereces</a:t>
+            </a:r>
+            <a:endParaRPr lang="en-US" altLang="zh-CN" sz="1600"/>
+          </a:p>
+          <a:p>
+            <a:pPr lvl="2"/>
+            <a:r>
+              <a:rPr lang="en-US" altLang="zh-CN" sz="1400"/>
+              <a:t>https://ssle.cn/help/tomcat-an-zhuang-ssl-zheng-shu/</a:t>
+            </a:r>
+            <a:endParaRPr lang="en-US" altLang="zh-CN" sz="1400"/>
+          </a:p>
+          <a:p>
+            <a:pPr lvl="1"/>
+            <a:r>
+              <a:rPr lang="en-US" altLang="zh-CN" sz="1600"/>
+              <a:t>create keystore</a:t>
+            </a:r>
+            <a:endParaRPr lang="en-US" altLang="zh-CN" sz="1600"/>
+          </a:p>
+          <a:p>
+            <a:pPr lvl="2"/>
+            <a:r>
+              <a:rPr lang="en-US" altLang="zh-CN" sz="1440"/>
+              <a:t>keytool -genkey -alias </a:t>
+            </a:r>
+            <a:r>
+              <a:rPr lang="en-US" altLang="zh-CN" sz="1440" b="1"/>
+              <a:t>server </a:t>
+            </a:r>
+            <a:r>
+              <a:rPr lang="en-US" altLang="zh-CN" sz="1440"/>
+              <a:t>-keyalg RSA -keysize 2048 -keystore your_site_name.jks</a:t>
+            </a:r>
+            <a:endParaRPr lang="en-US" altLang="zh-CN" sz="1440"/>
+          </a:p>
+          <a:p>
+            <a:pPr lvl="1"/>
+            <a:r>
+              <a:rPr lang="en-US" altLang="zh-CN" sz="1600"/>
+              <a:t>import p7b into keystore</a:t>
+            </a:r>
+            <a:endParaRPr lang="en-US" altLang="zh-CN" sz="1600"/>
+          </a:p>
+          <a:p>
+            <a:pPr lvl="2"/>
+            <a:r>
+              <a:rPr lang="en-US" altLang="zh-CN" sz="1400"/>
+              <a:t>keytool -import -trustcacerts -alias </a:t>
+            </a:r>
+            <a:r>
+              <a:rPr lang="en-US" altLang="zh-CN" sz="1400" b="1"/>
+              <a:t>server </a:t>
+            </a:r>
+            <a:r>
+              <a:rPr lang="en-US" altLang="zh-CN" sz="1400"/>
+              <a:t>-file domain.p7b -keystore ssle.jks</a:t>
+            </a:r>
+            <a:endParaRPr lang="en-US" altLang="zh-CN" sz="1400"/>
+          </a:p>
+          <a:p>
+            <a:pPr lvl="1"/>
+            <a:r>
+              <a:rPr lang="en-US" altLang="zh-CN" sz="1555"/>
+              <a:t>check keystore</a:t>
+            </a:r>
+            <a:endParaRPr lang="en-US" altLang="zh-CN" sz="1555"/>
+          </a:p>
+          <a:p>
+            <a:pPr lvl="1"/>
+            <a:r>
+              <a:rPr lang="en-US" altLang="zh-CN" sz="1550"/>
+              <a:t>Modify conf/server.xml</a:t>
+            </a:r>
+            <a:endParaRPr lang="en-US" altLang="zh-CN" sz="1550"/>
+          </a:p>
+          <a:p>
+            <a:pPr lvl="2"/>
+            <a:r>
+              <a:rPr lang="en-US" altLang="zh-CN" sz="1400"/>
+              <a:t>set jks to “keystoreFile”</a:t>
+            </a:r>
+            <a:endParaRPr lang="en-US" altLang="zh-CN" sz="1400"/>
+          </a:p>
+          <a:p>
+            <a:pPr lvl="2"/>
+            <a:r>
+              <a:rPr lang="en-US" altLang="zh-CN" sz="1400"/>
+              <a:t>set “keystorePass” </a:t>
+            </a:r>
+            <a:endParaRPr lang="en-US" altLang="zh-CN" sz="1400"/>
+          </a:p>
+        </p:txBody>
+      </p:sp>
+      <p:sp>
+        <p:nvSpPr>
+          <p:cNvPr id="4" name="内容占位符 2"/>
+          <p:cNvSpPr>
+            <a:spLocks noGrp="1"/>
+          </p:cNvSpPr>
+          <p:nvPr/>
+        </p:nvSpPr>
+        <p:spPr>
+          <a:xfrm>
+            <a:off x="6355080" y="1211580"/>
+            <a:ext cx="5411470" cy="5219065"/>
+          </a:xfrm>
+          <a:prstGeom prst="rect">
+            <a:avLst/>
+          </a:prstGeom>
+        </p:spPr>
+        <p:txBody>
+          <a:bodyPr vert="horz" lIns="91440" tIns="45720" rIns="91440" bIns="45720" rtlCol="0">
+            <a:normAutofit/>
+          </a:bodyPr>
+          <a:lstStyle>
+            <a:lvl1pPr marL="342900" indent="-342900" algn="l" defTabSz="914400" rtl="0" eaLnBrk="1" latinLnBrk="0" hangingPunct="1">
+              <a:lnSpc>
+                <a:spcPct val="90000"/>
+              </a:lnSpc>
+              <a:spcBef>
+                <a:spcPts val="1000"/>
+              </a:spcBef>
+              <a:buFont typeface="黑体" panose="02010609060101010101" charset="-122"/>
+              <a:buChar char="〉"/>
+              <a:defRPr sz="2400" kern="1200">
+                <a:solidFill>
+                  <a:schemeClr val="tx1"/>
+                </a:solidFill>
+                <a:latin typeface="+mn-lt"/>
+                <a:ea typeface="+mn-ea"/>
+                <a:cs typeface="+mn-cs"/>
+              </a:defRPr>
+            </a:lvl1pPr>
+            <a:lvl2pPr marL="800100" indent="-342900" algn="l" defTabSz="914400" rtl="0" eaLnBrk="1" latinLnBrk="0" hangingPunct="1">
+              <a:lnSpc>
+                <a:spcPct val="90000"/>
+              </a:lnSpc>
+              <a:spcBef>
+                <a:spcPts val="500"/>
+              </a:spcBef>
+              <a:buFont typeface="Arial" panose="020B0604020202020204" pitchFamily="34" charset="0"/>
+              <a:buChar char="•"/>
+              <a:defRPr sz="2000" kern="1200">
+                <a:solidFill>
+                  <a:schemeClr val="tx1"/>
+                </a:solidFill>
+                <a:latin typeface="+mn-lt"/>
+                <a:ea typeface="+mn-ea"/>
+                <a:cs typeface="+mn-cs"/>
+              </a:defRPr>
+            </a:lvl2pPr>
+            <a:lvl3pPr marL="1257300" indent="-342900" algn="l" defTabSz="914400" rtl="0" eaLnBrk="1" latinLnBrk="0" hangingPunct="1">
+              <a:lnSpc>
+                <a:spcPct val="90000"/>
+              </a:lnSpc>
+              <a:spcBef>
+                <a:spcPts val="500"/>
+              </a:spcBef>
+              <a:buFont typeface="Arial" panose="020B0604020202020204" pitchFamily="34" charset="0"/>
+              <a:buChar char="•"/>
+              <a:defRPr sz="1800" kern="1200">
+                <a:solidFill>
+                  <a:schemeClr val="tx1"/>
+                </a:solidFill>
+                <a:latin typeface="+mn-lt"/>
+                <a:ea typeface="+mn-ea"/>
+                <a:cs typeface="+mn-cs"/>
+              </a:defRPr>
+            </a:lvl3pPr>
+            <a:lvl4pPr marL="1657350" indent="-285750" algn="l" defTabSz="914400" rtl="0" eaLnBrk="1" latinLnBrk="0" hangingPunct="1">
+              <a:lnSpc>
+                <a:spcPct val="90000"/>
+              </a:lnSpc>
+              <a:spcBef>
+                <a:spcPts val="500"/>
+              </a:spcBef>
+              <a:buFont typeface="Arial" panose="020B0604020202020204" pitchFamily="34" charset="0"/>
+              <a:buChar char="•"/>
+              <a:defRPr sz="1800" kern="1200">
+                <a:solidFill>
+                  <a:schemeClr val="tx1"/>
+                </a:solidFill>
+                <a:latin typeface="+mn-lt"/>
+                <a:ea typeface="+mn-ea"/>
+                <a:cs typeface="+mn-cs"/>
+              </a:defRPr>
+            </a:lvl4pPr>
+            <a:lvl5pPr marL="2114550" indent="-285750" algn="l" defTabSz="914400" rtl="0" eaLnBrk="1" latinLnBrk="0" hangingPunct="1">
+              <a:lnSpc>
+                <a:spcPct val="90000"/>
+              </a:lnSpc>
+              <a:spcBef>
+                <a:spcPts val="500"/>
+              </a:spcBef>
+              <a:buFont typeface="Arial" panose="020B0604020202020204" pitchFamily="34" charset="0"/>
+              <a:buChar char="•"/>
+              <a:defRPr sz="1800" kern="1200">
+                <a:solidFill>
+                  <a:schemeClr val="tx1"/>
+                </a:solidFill>
+                <a:latin typeface="+mn-lt"/>
+                <a:ea typeface="+mn-ea"/>
+                <a:cs typeface="+mn-cs"/>
+              </a:defRPr>
+            </a:lvl5pPr>
+            <a:lvl6pPr marL="2514600" indent="-228600" algn="l" defTabSz="914400" rtl="0" eaLnBrk="1" latinLnBrk="0" hangingPunct="1">
+              <a:lnSpc>
+                <a:spcPct val="90000"/>
+              </a:lnSpc>
+              <a:spcBef>
+                <a:spcPts val="500"/>
+              </a:spcBef>
+              <a:buFont typeface="Arial" panose="020B0604020202020204" pitchFamily="34" charset="0"/>
+              <a:buChar char="•"/>
+              <a:defRPr sz="1800" kern="1200">
+                <a:solidFill>
+                  <a:schemeClr val="tx1"/>
+                </a:solidFill>
+                <a:latin typeface="+mn-lt"/>
+                <a:ea typeface="+mn-ea"/>
+                <a:cs typeface="+mn-cs"/>
+              </a:defRPr>
+            </a:lvl6pPr>
+            <a:lvl7pPr marL="2971800" indent="-228600" algn="l" defTabSz="914400" rtl="0" eaLnBrk="1" latinLnBrk="0" hangingPunct="1">
+              <a:lnSpc>
+                <a:spcPct val="90000"/>
+              </a:lnSpc>
+              <a:spcBef>
+                <a:spcPts val="500"/>
+              </a:spcBef>
+              <a:buFont typeface="Arial" panose="020B0604020202020204" pitchFamily="34" charset="0"/>
+              <a:buChar char="•"/>
+              <a:defRPr sz="1800" kern="1200">
+                <a:solidFill>
+                  <a:schemeClr val="tx1"/>
+                </a:solidFill>
+                <a:latin typeface="+mn-lt"/>
+                <a:ea typeface="+mn-ea"/>
+                <a:cs typeface="+mn-cs"/>
+              </a:defRPr>
+            </a:lvl7pPr>
+            <a:lvl8pPr marL="3429000" indent="-228600" algn="l" defTabSz="914400" rtl="0" eaLnBrk="1" latinLnBrk="0" hangingPunct="1">
+              <a:lnSpc>
+                <a:spcPct val="90000"/>
+              </a:lnSpc>
+              <a:spcBef>
+                <a:spcPts val="500"/>
+              </a:spcBef>
+              <a:buFont typeface="Arial" panose="020B0604020202020204" pitchFamily="34" charset="0"/>
+              <a:buChar char="•"/>
+              <a:defRPr sz="1800" kern="1200">
+                <a:solidFill>
+                  <a:schemeClr val="tx1"/>
+                </a:solidFill>
+                <a:latin typeface="+mn-lt"/>
+                <a:ea typeface="+mn-ea"/>
+                <a:cs typeface="+mn-cs"/>
+              </a:defRPr>
+            </a:lvl8pPr>
+            <a:lvl9pPr marL="3886200" indent="-228600" algn="l" defTabSz="914400" rtl="0" eaLnBrk="1" latinLnBrk="0" hangingPunct="1">
+              <a:lnSpc>
+                <a:spcPct val="90000"/>
+              </a:lnSpc>
+              <a:spcBef>
+                <a:spcPts val="500"/>
+              </a:spcBef>
+              <a:buFont typeface="Arial" panose="020B0604020202020204" pitchFamily="34" charset="0"/>
+              <a:buChar char="•"/>
+              <a:defRPr sz="1800" kern="1200">
+                <a:solidFill>
+                  <a:schemeClr val="tx1"/>
+                </a:solidFill>
+                <a:latin typeface="+mn-lt"/>
+                <a:ea typeface="+mn-ea"/>
+                <a:cs typeface="+mn-cs"/>
+              </a:defRPr>
+            </a:lvl9pPr>
+          </a:lstStyle>
+          <a:p>
+            <a:r>
+              <a:rPr lang="en-US" altLang="zh-CN" sz="1800"/>
+              <a:t>Java Certificate</a:t>
+            </a:r>
+            <a:endParaRPr lang="en-US" altLang="zh-CN" sz="1800"/>
+          </a:p>
+          <a:p>
+            <a:pPr lvl="1"/>
+            <a:r>
+              <a:rPr lang="en-US" altLang="zh-CN" sz="1400"/>
+              <a:t>jks (Java KeyStore): repository of security certificates</a:t>
+            </a:r>
+            <a:endParaRPr lang="en-US" altLang="zh-CN" sz="1400"/>
+          </a:p>
+          <a:p>
+            <a:pPr lvl="1"/>
+            <a:r>
+              <a:rPr lang="en-US" altLang="zh-CN" sz="1400"/>
+              <a:t>create keystore</a:t>
+            </a:r>
+            <a:endParaRPr lang="en-US" altLang="zh-CN" sz="1400"/>
+          </a:p>
+          <a:p>
+            <a:pPr lvl="2"/>
+            <a:r>
+              <a:rPr lang="en-US" altLang="zh-CN" sz="1200">
+                <a:sym typeface="+mn-ea"/>
+              </a:rPr>
+              <a:t>keytool -list -keystore ssle.jks -v</a:t>
+            </a:r>
+            <a:endParaRPr lang="en-US" altLang="zh-CN" sz="1200"/>
+          </a:p>
+          <a:p>
+            <a:pPr lvl="2"/>
+            <a:endParaRPr lang="en-US" altLang="zh-CN" sz="1200"/>
           </a:p>
         </p:txBody>
       </p:sp>
@@ -16362,6 +16807,235 @@
     </p:spTree>
     <p:custDataLst>
       <p:tags r:id="rId2"/>
+    </p:custDataLst>
+  </p:cSld>
+  <p:clrMapOvr>
+    <a:masterClrMapping/>
+  </p:clrMapOvr>
+</p:sld>
+</file>
+
+<file path=ppt/slides/slide57.xml><?xml version="1.0" encoding="utf-8"?>
+<p:sld xmlns:a="http://schemas.openxmlformats.org/drawingml/2006/main" xmlns:r="http://schemas.openxmlformats.org/officeDocument/2006/relationships" xmlns:p="http://schemas.openxmlformats.org/presentationml/2006/main">
+  <p:cSld>
+    <p:spTree>
+      <p:nvGrpSpPr>
+        <p:cNvPr id="1" name=""/>
+        <p:cNvGrpSpPr/>
+        <p:nvPr/>
+      </p:nvGrpSpPr>
+      <p:grpSpPr/>
+      <p:sp>
+        <p:nvSpPr>
+          <p:cNvPr id="4" name="标题 3"/>
+          <p:cNvSpPr>
+            <a:spLocks noGrp="1"/>
+          </p:cNvSpPr>
+          <p:nvPr>
+            <p:ph type="title"/>
+          </p:nvPr>
+        </p:nvSpPr>
+        <p:spPr/>
+        <p:txBody>
+          <a:bodyPr/>
+          <a:p>
+            <a:r>
+              <a:rPr lang="en-US" altLang="zh-CN"/>
+              <a:t>CMS</a:t>
+            </a:r>
+            <a:endParaRPr lang="en-US" altLang="zh-CN"/>
+          </a:p>
+        </p:txBody>
+      </p:sp>
+      <p:sp>
+        <p:nvSpPr>
+          <p:cNvPr id="5" name="文本占位符 4"/>
+          <p:cNvSpPr>
+            <a:spLocks noGrp="1"/>
+          </p:cNvSpPr>
+          <p:nvPr>
+            <p:ph type="body" idx="1"/>
+          </p:nvPr>
+        </p:nvSpPr>
+        <p:spPr/>
+        <p:txBody>
+          <a:bodyPr/>
+          <a:p>
+            <a:endParaRPr lang="zh-CN" altLang="en-US"/>
+          </a:p>
+        </p:txBody>
+      </p:sp>
+    </p:spTree>
+    <p:custDataLst>
+      <p:tags r:id="rId1"/>
+    </p:custDataLst>
+  </p:cSld>
+  <p:clrMapOvr>
+    <a:masterClrMapping/>
+  </p:clrMapOvr>
+</p:sld>
+</file>
+
+<file path=ppt/slides/slide58.xml><?xml version="1.0" encoding="utf-8"?>
+<p:sld xmlns:a="http://schemas.openxmlformats.org/drawingml/2006/main" xmlns:r="http://schemas.openxmlformats.org/officeDocument/2006/relationships" xmlns:p="http://schemas.openxmlformats.org/presentationml/2006/main">
+  <p:cSld>
+    <p:spTree>
+      <p:nvGrpSpPr>
+        <p:cNvPr id="1" name=""/>
+        <p:cNvGrpSpPr/>
+        <p:nvPr/>
+      </p:nvGrpSpPr>
+      <p:grpSpPr/>
+      <p:sp>
+        <p:nvSpPr>
+          <p:cNvPr id="4" name="标题 3"/>
+          <p:cNvSpPr>
+            <a:spLocks noGrp="1"/>
+          </p:cNvSpPr>
+          <p:nvPr>
+            <p:ph type="title"/>
+          </p:nvPr>
+        </p:nvSpPr>
+        <p:spPr/>
+        <p:txBody>
+          <a:bodyPr/>
+          <a:p>
+            <a:r>
+              <a:rPr lang="en-US" altLang="zh-CN"/>
+              <a:t>Lin CMS</a:t>
+            </a:r>
+            <a:endParaRPr lang="en-US" altLang="zh-CN"/>
+          </a:p>
+        </p:txBody>
+      </p:sp>
+      <p:sp>
+        <p:nvSpPr>
+          <p:cNvPr id="5" name="内容占位符 4"/>
+          <p:cNvSpPr>
+            <a:spLocks noGrp="1"/>
+          </p:cNvSpPr>
+          <p:nvPr>
+            <p:ph idx="1"/>
+          </p:nvPr>
+        </p:nvSpPr>
+        <p:spPr>
+          <a:xfrm>
+            <a:off x="838200" y="1211580"/>
+            <a:ext cx="5467985" cy="4549140"/>
+          </a:xfrm>
+        </p:spPr>
+        <p:txBody>
+          <a:bodyPr>
+            <a:normAutofit lnSpcReduction="10000"/>
+          </a:bodyPr>
+          <a:p>
+            <a:r>
+              <a:rPr lang="zh-CN" altLang="en-US"/>
+              <a:t>https://github.com/TaleLin/lin-cms-flask</a:t>
+            </a:r>
+            <a:endParaRPr lang="zh-CN" altLang="en-US"/>
+          </a:p>
+          <a:p>
+            <a:pPr lvl="1"/>
+            <a:r>
+              <a:rPr lang="en-US" altLang="zh-CN"/>
+              <a:t>MIT</a:t>
+            </a:r>
+            <a:endParaRPr lang="en-US" altLang="zh-CN"/>
+          </a:p>
+          <a:p>
+            <a:pPr lvl="1"/>
+            <a:r>
+              <a:rPr lang="zh-CN" altLang="en-US"/>
+              <a:t>前后端分离</a:t>
+            </a:r>
+            <a:endParaRPr lang="zh-CN" altLang="en-US"/>
+          </a:p>
+          <a:p>
+            <a:pPr lvl="1"/>
+            <a:r>
+              <a:rPr lang="zh-CN" altLang="en-US"/>
+              <a:t>功能</a:t>
+            </a:r>
+            <a:endParaRPr lang="zh-CN" altLang="en-US"/>
+          </a:p>
+          <a:p>
+            <a:pPr lvl="2"/>
+            <a:r>
+              <a:rPr lang="zh-CN" altLang="en-US"/>
+              <a:t>内置了 CMS 中最为常见的需求：用户管理、权限管理、日志系统等</a:t>
+            </a:r>
+            <a:endParaRPr lang="zh-CN" altLang="en-US"/>
+          </a:p>
+          <a:p>
+            <a:pPr lvl="1"/>
+            <a:r>
+              <a:rPr lang="zh-CN" altLang="en-US"/>
+              <a:t>实现</a:t>
+            </a:r>
+            <a:endParaRPr lang="zh-CN" altLang="en-US"/>
+          </a:p>
+          <a:p>
+            <a:pPr lvl="2"/>
+            <a:r>
+              <a:rPr lang="zh-CN" altLang="en-US"/>
+              <a:t>后端：</a:t>
+            </a:r>
+            <a:r>
+              <a:rPr lang="en-US" altLang="zh-CN"/>
+              <a:t>flask</a:t>
+            </a:r>
+            <a:endParaRPr lang="en-US" altLang="zh-CN"/>
+          </a:p>
+          <a:p>
+            <a:pPr lvl="2"/>
+            <a:r>
+              <a:rPr lang="zh-CN" altLang="en-US"/>
+              <a:t>前端：</a:t>
+            </a:r>
+            <a:r>
+              <a:rPr lang="en-US" altLang="zh-CN"/>
+              <a:t>vue3</a:t>
+            </a:r>
+            <a:r>
+              <a:rPr lang="zh-CN" altLang="en-US"/>
+              <a:t>，</a:t>
+            </a:r>
+            <a:r>
+              <a:rPr lang="en-US" altLang="zh-CN"/>
+              <a:t>element plus</a:t>
+            </a:r>
+            <a:endParaRPr lang="en-US" altLang="zh-CN"/>
+          </a:p>
+          <a:p>
+            <a:pPr lvl="0"/>
+            <a:r>
+              <a:rPr lang="zh-CN" altLang="en-US"/>
+              <a:t>后端</a:t>
+            </a:r>
+            <a:endParaRPr lang="zh-CN" altLang="en-US"/>
+          </a:p>
+          <a:p>
+            <a:pPr lvl="1"/>
+            <a:r>
+              <a:rPr lang="zh-CN" altLang="en-US"/>
+              <a:t>git clone https://github.com/TaleLin/lin-cms-flask.git starter</a:t>
+            </a:r>
+            <a:endParaRPr lang="zh-CN" altLang="en-US"/>
+          </a:p>
+          <a:p>
+            <a:pPr lvl="1"/>
+            <a:r>
+              <a:rPr lang="zh-CN" altLang="en-US"/>
+              <a:t>pip install -r requirements-dev.txt</a:t>
+            </a:r>
+            <a:endParaRPr lang="zh-CN" altLang="en-US"/>
+          </a:p>
+        </p:txBody>
+      </p:sp>
+    </p:spTree>
+    <p:custDataLst>
+      <p:tags r:id="rId1"/>
     </p:custDataLst>
   </p:cSld>
   <p:clrMapOvr>
@@ -18028,6 +18702,22 @@
 </file>
 
 <file path=ppt/tags/tag70.xml><?xml version="1.0" encoding="utf-8"?>
+<p:tagLst xmlns:p="http://schemas.openxmlformats.org/presentationml/2006/main">
+  <p:tag name="KSO_WM_BEAUTIFY_FLAG" val="#wm#"/>
+  <p:tag name="KSO_WM_TEMPLATE_CATEGORY" val="custom"/>
+  <p:tag name="KSO_WM_TEMPLATE_INDEX" val="160402"/>
+</p:tagLst>
+</file>
+
+<file path=ppt/tags/tag71.xml><?xml version="1.0" encoding="utf-8"?>
+<p:tagLst xmlns:p="http://schemas.openxmlformats.org/presentationml/2006/main">
+  <p:tag name="KSO_WM_BEAUTIFY_FLAG" val="#wm#"/>
+  <p:tag name="KSO_WM_TEMPLATE_CATEGORY" val="custom"/>
+  <p:tag name="KSO_WM_TEMPLATE_INDEX" val="160402"/>
+</p:tagLst>
+</file>
+
+<file path=ppt/tags/tag72.xml><?xml version="1.0" encoding="utf-8"?>
 <p:tagLst xmlns:p="http://schemas.openxmlformats.org/presentationml/2006/main">
   <p:tag name="KSO_DOCER_TEMPLATE_OPEN_ONCE_MARK" val="1"/>
   <p:tag name="COMMONDATA" val="eyJoZGlkIjoiYjRhZjQ5NWVmZmQxNmM3NmNkNDYxNWRmNzNmMjA1ZDAifQ=="/>

--- a/Web/Server-Notes.pptx
+++ b/Web/Server-Notes.pptx
@@ -8,7 +8,7 @@
     <p:notesMasterId r:id="rId17"/>
   </p:notesMasterIdLst>
   <p:handoutMasterIdLst>
-    <p:handoutMasterId r:id="rId62"/>
+    <p:handoutMasterId r:id="rId64"/>
   </p:handoutMasterIdLst>
   <p:sldIdLst>
     <p:sldId id="256" r:id="rId3"/>
@@ -69,11 +69,13 @@
     <p:sldId id="573" r:id="rId59"/>
     <p:sldId id="705" r:id="rId60"/>
     <p:sldId id="706" r:id="rId61"/>
+    <p:sldId id="707" r:id="rId62"/>
+    <p:sldId id="708" r:id="rId63"/>
   </p:sldIdLst>
   <p:sldSz cx="12192000" cy="6858000"/>
   <p:notesSz cx="6858000" cy="9144000"/>
   <p:custDataLst>
-    <p:tags r:id="rId66"/>
+    <p:tags r:id="rId68"/>
   </p:custDataLst>
   <p:defaultTextStyle>
     <a:defPPr>
@@ -4713,6 +4715,18 @@
               <a:rPr lang="en-US" altLang="zh-CN"/>
               <a:t>/etc/nginx/mime.types</a:t>
             </a:r>
+            <a:endParaRPr lang="en-US" altLang="zh-CN"/>
+          </a:p>
+          <a:p>
+            <a:pPr lvl="0"/>
+            <a:r>
+              <a:rPr lang="en-US" altLang="zh-CN"/>
+              <a:t>gzip</a:t>
+            </a:r>
+            <a:endParaRPr lang="en-US" altLang="zh-CN"/>
+          </a:p>
+          <a:p>
+            <a:pPr lvl="1"/>
             <a:endParaRPr lang="en-US" altLang="zh-CN"/>
           </a:p>
         </p:txBody>
@@ -7418,218 +7432,9 @@
           <a:p>
             <a:r>
               <a:rPr lang="en-US" altLang="zh-CN"/>
-              <a:t>SSL</a:t>
-            </a:r>
-            <a:endParaRPr lang="en-US" altLang="zh-CN"/>
-          </a:p>
-        </p:txBody>
-      </p:sp>
-      <p:sp>
-        <p:nvSpPr>
-          <p:cNvPr id="3" name="内容占位符 2"/>
-          <p:cNvSpPr>
-            <a:spLocks noGrp="1"/>
-          </p:cNvSpPr>
-          <p:nvPr>
-            <p:ph idx="1"/>
-          </p:nvPr>
-        </p:nvSpPr>
-        <p:spPr>
-          <a:xfrm>
-            <a:off x="838200" y="1211580"/>
-            <a:ext cx="5875655" cy="4815205"/>
-          </a:xfrm>
-        </p:spPr>
-        <p:txBody>
-          <a:bodyPr>
-            <a:noAutofit/>
-          </a:bodyPr>
-          <a:p>
-            <a:r>
-              <a:rPr lang="en-US" altLang="zh-CN" sz="1200"/>
-              <a:t>Generate private key</a:t>
-            </a:r>
-            <a:endParaRPr lang="en-US" altLang="zh-CN" sz="1200"/>
-          </a:p>
-          <a:p>
-            <a:pPr lvl="1"/>
-            <a:r>
-              <a:rPr lang="en-US" altLang="zh-CN" sz="1000"/>
-              <a:t>openssl genrsa -out privateKey.key 2048</a:t>
-            </a:r>
-            <a:endParaRPr lang="en-US" altLang="zh-CN" sz="1000"/>
-          </a:p>
-          <a:p>
-            <a:pPr lvl="0"/>
-            <a:r>
-              <a:rPr lang="en-US" altLang="zh-CN" sz="1200"/>
-              <a:t>Generate </a:t>
-            </a:r>
-            <a:r>
-              <a:rPr lang="en-US" altLang="zh-CN" sz="1200" b="1"/>
-              <a:t>CSR (Certificate Signing Requests)</a:t>
-            </a:r>
-            <a:endParaRPr lang="en-US" altLang="zh-CN" sz="1200" b="1"/>
-          </a:p>
-          <a:p>
-            <a:pPr lvl="1"/>
-            <a:r>
-              <a:rPr lang="en-US" altLang="zh-CN" sz="1000"/>
-              <a:t>openssl req -new -key privateKey.key -out CSR.csr</a:t>
-            </a:r>
-            <a:endParaRPr lang="en-US" altLang="zh-CN" sz="1000"/>
-          </a:p>
-          <a:p>
-            <a:pPr lvl="2"/>
-            <a:r>
-              <a:rPr lang="en-US" altLang="zh-CN" sz="900"/>
-              <a:t>input country name, state/province, city, organization name, organization unit, common name (full domain name)</a:t>
-            </a:r>
-            <a:endParaRPr lang="en-US" altLang="zh-CN" sz="900"/>
-          </a:p>
-          <a:p>
-            <a:pPr lvl="0"/>
-            <a:r>
-              <a:rPr lang="en-US" altLang="zh-CN" sz="1200"/>
-              <a:t>Generate private key and CSR</a:t>
-            </a:r>
-            <a:endParaRPr lang="en-US" altLang="zh-CN" sz="1200"/>
-          </a:p>
-          <a:p>
-            <a:pPr lvl="1"/>
-            <a:r>
-              <a:rPr lang="en-US" altLang="zh-CN" sz="1000"/>
-              <a:t>openssl req -out CSR.csr -new -newkey rsa:2048 -nodes -keyout privateKey.key -subj "/C=US/ST=Florida/L=Saint Petersburg/O=Your Company, Inc./OU=IT/CN=yourdomain.com"</a:t>
-            </a:r>
-            <a:endParaRPr lang="en-US" altLang="zh-CN" sz="1000"/>
-          </a:p>
-          <a:p>
-            <a:pPr lvl="0"/>
-            <a:r>
-              <a:rPr lang="en-US" altLang="zh-CN" sz="1200"/>
-              <a:t>Generate a self-signed certificate</a:t>
-            </a:r>
-            <a:endParaRPr lang="en-US" altLang="zh-CN" sz="1200"/>
-          </a:p>
-          <a:p>
-            <a:pPr lvl="1"/>
-            <a:r>
-              <a:rPr lang="en-US" altLang="zh-CN" sz="1000"/>
-              <a:t>openssl req -x509 -sha256 -nodes -days 365 -newkey rsa:2048 -keyout privateKey.key -out certificate.crt</a:t>
-            </a:r>
-            <a:endParaRPr lang="en-US" altLang="zh-CN" sz="1000"/>
-          </a:p>
-          <a:p>
-            <a:pPr lvl="0"/>
-            <a:r>
-              <a:rPr lang="en-US" altLang="zh-CN" sz="1200"/>
-              <a:t>Check private key info</a:t>
-            </a:r>
-            <a:endParaRPr lang="en-US" altLang="zh-CN" sz="1200"/>
-          </a:p>
-          <a:p>
-            <a:pPr lvl="1"/>
-            <a:r>
-              <a:rPr lang="en-US" altLang="zh-CN" sz="935"/>
-              <a:t>openssl rsa -text -in privateKey.key -noout</a:t>
-            </a:r>
-            <a:endParaRPr lang="en-US" altLang="zh-CN" sz="935"/>
-          </a:p>
-          <a:p>
-            <a:pPr lvl="0"/>
-            <a:r>
-              <a:rPr lang="en-US" altLang="zh-CN" sz="1200"/>
-              <a:t>Check CSR info</a:t>
-            </a:r>
-            <a:endParaRPr lang="en-US" altLang="zh-CN" sz="1200"/>
-          </a:p>
-          <a:p>
-            <a:pPr lvl="1"/>
-            <a:r>
-              <a:rPr lang="en-US" altLang="zh-CN" sz="930"/>
-              <a:t>openssl req -text -in CSR.csr -noout</a:t>
-            </a:r>
-            <a:endParaRPr lang="en-US" altLang="zh-CN" sz="930"/>
-          </a:p>
-          <a:p>
-            <a:pPr lvl="0"/>
-            <a:r>
-              <a:rPr lang="en-US" altLang="zh-CN" sz="1095"/>
-              <a:t>View certificate info</a:t>
-            </a:r>
-            <a:endParaRPr lang="en-US" altLang="zh-CN" sz="1095"/>
-          </a:p>
-          <a:p>
-            <a:pPr lvl="1"/>
-            <a:r>
-              <a:rPr lang="en-US" altLang="zh-CN" sz="930">
-                <a:solidFill>
-                  <a:srgbClr val="FF0000"/>
-                </a:solidFill>
-              </a:rPr>
-              <a:t>openssl x509 -text -in certificate.crt -noout</a:t>
-            </a:r>
-            <a:endParaRPr lang="en-US" altLang="zh-CN" sz="930">
-              <a:solidFill>
-                <a:srgbClr val="FF0000"/>
-              </a:solidFill>
-            </a:endParaRPr>
-          </a:p>
-          <a:p>
-            <a:pPr lvl="0"/>
-            <a:r>
-              <a:rPr lang="en-US" altLang="zh-CN" sz="1095" b="1">
-                <a:solidFill>
-                  <a:srgbClr val="FF0000"/>
-                </a:solidFill>
-              </a:rPr>
-              <a:t>Check certificate of website</a:t>
-            </a:r>
-            <a:endParaRPr lang="en-US" altLang="zh-CN" sz="1095" b="1">
-              <a:solidFill>
-                <a:srgbClr val="FF0000"/>
-              </a:solidFill>
-            </a:endParaRPr>
-          </a:p>
-          <a:p>
-            <a:pPr lvl="1"/>
-            <a:r>
-              <a:rPr lang="en-US" altLang="zh-CN" sz="925" b="1">
-                <a:solidFill>
-                  <a:srgbClr val="FF0000"/>
-                </a:solidFill>
-              </a:rPr>
-              <a:t>openssl s_client -showcerts -connect &lt;hostname&gt;:&lt;port&gt; -prexit</a:t>
-            </a:r>
-            <a:endParaRPr lang="en-US" altLang="zh-CN" sz="925" b="1">
-              <a:solidFill>
-                <a:srgbClr val="FF0000"/>
-              </a:solidFill>
-            </a:endParaRPr>
-          </a:p>
-          <a:p>
-            <a:pPr lvl="0"/>
-            <a:r>
-              <a:rPr lang="en-US" altLang="zh-CN" sz="1090"/>
-              <a:t>Download certificate from a website</a:t>
-            </a:r>
-            <a:endParaRPr lang="en-US" altLang="zh-CN" sz="1090"/>
-          </a:p>
-          <a:p>
-            <a:pPr lvl="1"/>
-            <a:r>
-              <a:rPr lang="en-US" altLang="zh-CN" sz="925"/>
-              <a:t>echo -n | openssl s_client -connect fr.cib-biz.com:8097 | openssl x509 &gt; /tmp/cis.cert</a:t>
-            </a:r>
-            <a:endParaRPr lang="en-US" altLang="zh-CN" sz="925"/>
-          </a:p>
-          <a:p>
-            <a:pPr lvl="0"/>
-            <a:r>
-              <a:rPr lang="en-US" altLang="zh-CN" sz="1110" b="1"/>
-              <a:t>PKS (Public Key Cryptography Standards)</a:t>
-            </a:r>
-            <a:endParaRPr lang="zh-CN" altLang="en-US" sz="1110" b="1"/>
+              <a:t>OpenSSL</a:t>
+            </a:r>
+            <a:endParaRPr lang="en-US" altLang="zh-CN"/>
           </a:p>
         </p:txBody>
       </p:sp>
@@ -7641,7 +7446,7 @@
         </p:nvSpPr>
         <p:spPr>
           <a:xfrm>
-            <a:off x="7179310" y="1581150"/>
+            <a:off x="8549005" y="1565910"/>
             <a:ext cx="3321050" cy="586740"/>
           </a:xfrm>
           <a:prstGeom prst="flowChartProcess">
@@ -7684,7 +7489,7 @@
         </p:nvSpPr>
         <p:spPr>
           <a:xfrm>
-            <a:off x="7178675" y="2426970"/>
+            <a:off x="8548370" y="2411730"/>
             <a:ext cx="3306445" cy="806450"/>
           </a:xfrm>
           <a:prstGeom prst="flowChartProcess">
@@ -7727,7 +7532,7 @@
         </p:nvSpPr>
         <p:spPr>
           <a:xfrm>
-            <a:off x="7179310" y="3539490"/>
+            <a:off x="8549005" y="3524250"/>
             <a:ext cx="3306445" cy="806450"/>
           </a:xfrm>
           <a:prstGeom prst="flowChartProcess">
@@ -7770,7 +7575,7 @@
         </p:nvSpPr>
         <p:spPr>
           <a:xfrm>
-            <a:off x="7178675" y="4667250"/>
+            <a:off x="8548370" y="4652010"/>
             <a:ext cx="3306445" cy="806450"/>
           </a:xfrm>
           <a:prstGeom prst="flowChartProcess">
@@ -7816,7 +7621,7 @@
         </p:nvCxnSpPr>
         <p:spPr>
           <a:xfrm flipH="1">
-            <a:off x="8832215" y="2167890"/>
+            <a:off x="10201910" y="2152650"/>
             <a:ext cx="7620" cy="259080"/>
           </a:xfrm>
           <a:prstGeom prst="straightConnector1">
@@ -7852,7 +7657,7 @@
         </p:nvCxnSpPr>
         <p:spPr>
           <a:xfrm>
-            <a:off x="8832215" y="3233420"/>
+            <a:off x="10201910" y="3218180"/>
             <a:ext cx="635" cy="306070"/>
           </a:xfrm>
           <a:prstGeom prst="straightConnector1">
@@ -7888,7 +7693,7 @@
         </p:nvCxnSpPr>
         <p:spPr>
           <a:xfrm flipH="1">
-            <a:off x="8832215" y="4345940"/>
+            <a:off x="10201910" y="4330700"/>
             <a:ext cx="635" cy="321310"/>
           </a:xfrm>
           <a:prstGeom prst="straightConnector1">
@@ -7913,9 +7718,615 @@
           </a:fontRef>
         </p:style>
       </p:cxnSp>
+      <p:graphicFrame>
+        <p:nvGraphicFramePr>
+          <p:cNvPr id="11" name="表格 10"/>
+          <p:cNvGraphicFramePr/>
+          <p:nvPr>
+            <p:custDataLst>
+              <p:tags r:id="rId1"/>
+            </p:custDataLst>
+          </p:nvPr>
+        </p:nvGraphicFramePr>
+        <p:xfrm>
+          <a:off x="350520" y="1214755"/>
+          <a:ext cx="8049895" cy="5220335"/>
+        </p:xfrm>
+        <a:graphic>
+          <a:graphicData uri="http://schemas.openxmlformats.org/drawingml/2006/table">
+            <a:tbl>
+              <a:tblPr firstRow="1" bandRow="1">
+                <a:tableStyleId>{5C22544A-7EE6-4342-B048-85BDC9FD1C3A}</a:tableStyleId>
+              </a:tblPr>
+              <a:tblGrid>
+                <a:gridCol w="3777615"/>
+                <a:gridCol w="2628265"/>
+                <a:gridCol w="1644015"/>
+              </a:tblGrid>
+              <a:tr h="304800">
+                <a:tc>
+                  <a:txBody>
+                    <a:bodyPr/>
+                    <a:p>
+                      <a:pPr algn="ctr">
+                        <a:buNone/>
+                      </a:pPr>
+                      <a:r>
+                        <a:rPr lang="en-US" altLang="zh-CN" sz="1400"/>
+                        <a:t>Command</a:t>
+                      </a:r>
+                      <a:endParaRPr lang="en-US" altLang="zh-CN" sz="1400"/>
+                    </a:p>
+                  </a:txBody>
+                  <a:tcPr anchor="ctr" anchorCtr="0"/>
+                </a:tc>
+                <a:tc>
+                  <a:txBody>
+                    <a:bodyPr/>
+                    <a:p>
+                      <a:pPr algn="ctr">
+                        <a:buNone/>
+                      </a:pPr>
+                      <a:r>
+                        <a:rPr lang="en-US" altLang="zh-CN" sz="1400"/>
+                        <a:t>Usage</a:t>
+                      </a:r>
+                      <a:endParaRPr lang="en-US" altLang="zh-CN" sz="1400"/>
+                    </a:p>
+                  </a:txBody>
+                  <a:tcPr anchor="ctr" anchorCtr="0"/>
+                </a:tc>
+                <a:tc>
+                  <a:txBody>
+                    <a:bodyPr/>
+                    <a:p>
+                      <a:pPr algn="ctr">
+                        <a:buNone/>
+                      </a:pPr>
+                      <a:r>
+                        <a:rPr lang="en-US" altLang="zh-CN" sz="1400"/>
+                        <a:t>Note</a:t>
+                      </a:r>
+                      <a:endParaRPr lang="en-US" altLang="zh-CN" sz="1400"/>
+                    </a:p>
+                  </a:txBody>
+                  <a:tcPr anchor="ctr" anchorCtr="0"/>
+                </a:tc>
+              </a:tr>
+              <a:tr h="323850">
+                <a:tc>
+                  <a:txBody>
+                    <a:bodyPr/>
+                    <a:p>
+                      <a:pPr>
+                        <a:buNone/>
+                      </a:pPr>
+                      <a:r>
+                        <a:rPr lang="en-US" altLang="zh-CN" sz="1400">
+                          <a:sym typeface="+mn-ea"/>
+                        </a:rPr>
+                        <a:t>openssl genrsa -out privateKey.key 2048</a:t>
+                      </a:r>
+                      <a:endParaRPr lang="en-US" altLang="zh-CN" sz="1400">
+                        <a:sym typeface="+mn-ea"/>
+                      </a:endParaRPr>
+                    </a:p>
+                  </a:txBody>
+                  <a:tcPr/>
+                </a:tc>
+                <a:tc>
+                  <a:txBody>
+                    <a:bodyPr/>
+                    <a:p>
+                      <a:pPr>
+                        <a:buNone/>
+                      </a:pPr>
+                      <a:r>
+                        <a:rPr lang="en-US" altLang="zh-CN" sz="1400">
+                          <a:sym typeface="+mn-ea"/>
+                        </a:rPr>
+                        <a:t>Generate private key</a:t>
+                      </a:r>
+                      <a:endParaRPr lang="en-US" altLang="zh-CN" sz="1400">
+                        <a:sym typeface="+mn-ea"/>
+                      </a:endParaRPr>
+                    </a:p>
+                  </a:txBody>
+                  <a:tcPr/>
+                </a:tc>
+                <a:tc>
+                  <a:txBody>
+                    <a:bodyPr/>
+                    <a:p>
+                      <a:pPr>
+                        <a:buNone/>
+                      </a:pPr>
+                      <a:endParaRPr lang="zh-CN" altLang="en-US" sz="1400"/>
+                    </a:p>
+                  </a:txBody>
+                  <a:tcPr/>
+                </a:tc>
+              </a:tr>
+              <a:tr h="518160">
+                <a:tc>
+                  <a:txBody>
+                    <a:bodyPr/>
+                    <a:p>
+                      <a:pPr>
+                        <a:buNone/>
+                      </a:pPr>
+                      <a:r>
+                        <a:rPr lang="en-US" altLang="zh-CN" sz="1400">
+                          <a:sym typeface="+mn-ea"/>
+                        </a:rPr>
+                        <a:t>openssl req -new -key privateKey.key -out CSR.csr</a:t>
+                      </a:r>
+                      <a:endParaRPr lang="en-US" altLang="zh-CN" sz="1400">
+                        <a:sym typeface="+mn-ea"/>
+                      </a:endParaRPr>
+                    </a:p>
+                  </a:txBody>
+                  <a:tcPr/>
+                </a:tc>
+                <a:tc>
+                  <a:txBody>
+                    <a:bodyPr/>
+                    <a:p>
+                      <a:pPr>
+                        <a:buNone/>
+                      </a:pPr>
+                      <a:r>
+                        <a:rPr lang="en-US" altLang="zh-CN" sz="1400">
+                          <a:sym typeface="+mn-ea"/>
+                        </a:rPr>
+                        <a:t>Generate </a:t>
+                      </a:r>
+                      <a:r>
+                        <a:rPr lang="en-US" altLang="zh-CN" sz="1400" b="1">
+                          <a:sym typeface="+mn-ea"/>
+                        </a:rPr>
+                        <a:t>CSR (Certificate Signing Requests)</a:t>
+                      </a:r>
+                      <a:endParaRPr lang="en-US" altLang="zh-CN" sz="1400" b="1">
+                        <a:sym typeface="+mn-ea"/>
+                      </a:endParaRPr>
+                    </a:p>
+                  </a:txBody>
+                  <a:tcPr/>
+                </a:tc>
+                <a:tc>
+                  <a:txBody>
+                    <a:bodyPr/>
+                    <a:p>
+                      <a:pPr marL="0" lvl="2">
+                        <a:buNone/>
+                      </a:pPr>
+                      <a:r>
+                        <a:rPr lang="en-US" altLang="zh-CN" sz="1400">
+                          <a:sym typeface="+mn-ea"/>
+                        </a:rPr>
+                        <a:t>input fields</a:t>
+                      </a:r>
+                      <a:endParaRPr lang="en-US" altLang="zh-CN" sz="1400">
+                        <a:sym typeface="+mn-ea"/>
+                      </a:endParaRPr>
+                    </a:p>
+                  </a:txBody>
+                  <a:tcPr/>
+                </a:tc>
+              </a:tr>
+              <a:tr h="1158240">
+                <a:tc>
+                  <a:txBody>
+                    <a:bodyPr/>
+                    <a:p>
+                      <a:pPr>
+                        <a:buNone/>
+                      </a:pPr>
+                      <a:r>
+                        <a:rPr lang="en-US" altLang="zh-CN" sz="1400">
+                          <a:sym typeface="+mn-ea"/>
+                        </a:rPr>
+                        <a:t>openssl req -out CSR.csr -new -newkey rsa:2048 -nodes -keyout privateKey.key -subj "/C=US/ST=Florida/L=Saint Petersburg/O=Your Company, Inc./OU=IT/CN=yourdomain.com"</a:t>
+                      </a:r>
+                      <a:endParaRPr lang="zh-CN" altLang="en-US" sz="1400"/>
+                    </a:p>
+                  </a:txBody>
+                  <a:tcPr/>
+                </a:tc>
+                <a:tc>
+                  <a:txBody>
+                    <a:bodyPr/>
+                    <a:p>
+                      <a:pPr>
+                        <a:buNone/>
+                      </a:pPr>
+                      <a:r>
+                        <a:rPr lang="en-US" altLang="zh-CN" sz="1400">
+                          <a:sym typeface="+mn-ea"/>
+                        </a:rPr>
+                        <a:t>Generate private key and CSR</a:t>
+                      </a:r>
+                      <a:endParaRPr lang="zh-CN" altLang="en-US" sz="1400"/>
+                    </a:p>
+                  </a:txBody>
+                  <a:tcPr/>
+                </a:tc>
+                <a:tc>
+                  <a:txBody>
+                    <a:bodyPr/>
+                    <a:p>
+                      <a:pPr>
+                        <a:buNone/>
+                      </a:pPr>
+                      <a:endParaRPr lang="zh-CN" altLang="en-US" sz="1400"/>
+                    </a:p>
+                  </a:txBody>
+                  <a:tcPr/>
+                </a:tc>
+              </a:tr>
+              <a:tr h="731520">
+                <a:tc>
+                  <a:txBody>
+                    <a:bodyPr/>
+                    <a:p>
+                      <a:pPr>
+                        <a:buNone/>
+                      </a:pPr>
+                      <a:r>
+                        <a:rPr lang="en-US" altLang="zh-CN" sz="1400">
+                          <a:sym typeface="+mn-ea"/>
+                        </a:rPr>
+                        <a:t>openssl req -x509 -sha256 -nodes -days 365 -newkey rsa:2048 -keyout privateKey.key -out certificate.crt</a:t>
+                      </a:r>
+                      <a:endParaRPr lang="zh-CN" altLang="en-US" sz="1400"/>
+                    </a:p>
+                  </a:txBody>
+                  <a:tcPr/>
+                </a:tc>
+                <a:tc>
+                  <a:txBody>
+                    <a:bodyPr/>
+                    <a:p>
+                      <a:pPr>
+                        <a:buNone/>
+                      </a:pPr>
+                      <a:r>
+                        <a:rPr lang="en-US" altLang="zh-CN" sz="1400">
+                          <a:sym typeface="+mn-ea"/>
+                        </a:rPr>
+                        <a:t>Generate a self-signed certificate</a:t>
+                      </a:r>
+                      <a:endParaRPr lang="zh-CN" altLang="en-US" sz="1400"/>
+                    </a:p>
+                  </a:txBody>
+                  <a:tcPr/>
+                </a:tc>
+                <a:tc>
+                  <a:txBody>
+                    <a:bodyPr/>
+                    <a:p>
+                      <a:pPr>
+                        <a:buNone/>
+                      </a:pPr>
+                      <a:endParaRPr lang="zh-CN" altLang="en-US" sz="1400"/>
+                    </a:p>
+                  </a:txBody>
+                  <a:tcPr/>
+                </a:tc>
+              </a:tr>
+              <a:tr h="324485">
+                <a:tc>
+                  <a:txBody>
+                    <a:bodyPr/>
+                    <a:p>
+                      <a:pPr marL="0" lvl="1">
+                        <a:buNone/>
+                      </a:pPr>
+                      <a:r>
+                        <a:rPr lang="en-US" altLang="zh-CN" sz="1400">
+                          <a:sym typeface="+mn-ea"/>
+                        </a:rPr>
+                        <a:t>openssl rsa -text -in privateKey.key -noout</a:t>
+                      </a:r>
+                      <a:endParaRPr lang="zh-CN" altLang="en-US" sz="1400"/>
+                    </a:p>
+                  </a:txBody>
+                  <a:tcPr/>
+                </a:tc>
+                <a:tc>
+                  <a:txBody>
+                    <a:bodyPr/>
+                    <a:p>
+                      <a:pPr>
+                        <a:buNone/>
+                      </a:pPr>
+                      <a:r>
+                        <a:rPr lang="en-US" altLang="zh-CN" sz="1400">
+                          <a:sym typeface="+mn-ea"/>
+                        </a:rPr>
+                        <a:t>Check private key info</a:t>
+                      </a:r>
+                      <a:endParaRPr lang="zh-CN" altLang="en-US" sz="1400"/>
+                    </a:p>
+                  </a:txBody>
+                  <a:tcPr/>
+                </a:tc>
+                <a:tc>
+                  <a:txBody>
+                    <a:bodyPr/>
+                    <a:p>
+                      <a:pPr>
+                        <a:buNone/>
+                      </a:pPr>
+                      <a:endParaRPr lang="zh-CN" altLang="en-US" sz="1400"/>
+                    </a:p>
+                  </a:txBody>
+                  <a:tcPr/>
+                </a:tc>
+              </a:tr>
+              <a:tr h="304800">
+                <a:tc>
+                  <a:txBody>
+                    <a:bodyPr/>
+                    <a:p>
+                      <a:pPr marL="0" lvl="1">
+                        <a:buNone/>
+                      </a:pPr>
+                      <a:r>
+                        <a:rPr lang="en-US" altLang="zh-CN" sz="1400">
+                          <a:sym typeface="+mn-ea"/>
+                        </a:rPr>
+                        <a:t>openssl req -text -in CSR.csr -noout</a:t>
+                      </a:r>
+                      <a:endParaRPr lang="zh-CN" altLang="en-US" sz="1400"/>
+                    </a:p>
+                  </a:txBody>
+                  <a:tcPr/>
+                </a:tc>
+                <a:tc>
+                  <a:txBody>
+                    <a:bodyPr/>
+                    <a:p>
+                      <a:pPr>
+                        <a:buNone/>
+                      </a:pPr>
+                      <a:r>
+                        <a:rPr lang="en-US" altLang="zh-CN" sz="1400">
+                          <a:sym typeface="+mn-ea"/>
+                        </a:rPr>
+                        <a:t>Check CSR info</a:t>
+                      </a:r>
+                      <a:endParaRPr lang="zh-CN" altLang="en-US" sz="1400"/>
+                    </a:p>
+                  </a:txBody>
+                  <a:tcPr/>
+                </a:tc>
+                <a:tc>
+                  <a:txBody>
+                    <a:bodyPr/>
+                    <a:p>
+                      <a:pPr>
+                        <a:buNone/>
+                      </a:pPr>
+                      <a:endParaRPr lang="zh-CN" altLang="en-US" sz="1400"/>
+                    </a:p>
+                  </a:txBody>
+                  <a:tcPr/>
+                </a:tc>
+              </a:tr>
+              <a:tr h="304800">
+                <a:tc>
+                  <a:txBody>
+                    <a:bodyPr/>
+                    <a:p>
+                      <a:pPr marL="0" lvl="1">
+                        <a:buNone/>
+                      </a:pPr>
+                      <a:r>
+                        <a:rPr lang="en-US" altLang="zh-CN" sz="1400">
+                          <a:solidFill>
+                            <a:srgbClr val="FF0000"/>
+                          </a:solidFill>
+                          <a:sym typeface="+mn-ea"/>
+                        </a:rPr>
+                        <a:t>openssl x509 -text -in certificate.crt -noout</a:t>
+                      </a:r>
+                      <a:endParaRPr lang="zh-CN" altLang="en-US" sz="1400"/>
+                    </a:p>
+                  </a:txBody>
+                  <a:tcPr/>
+                </a:tc>
+                <a:tc>
+                  <a:txBody>
+                    <a:bodyPr/>
+                    <a:p>
+                      <a:pPr>
+                        <a:buNone/>
+                      </a:pPr>
+                      <a:r>
+                        <a:rPr lang="en-US" altLang="zh-CN" sz="1400">
+                          <a:sym typeface="+mn-ea"/>
+                        </a:rPr>
+                        <a:t>View certificate info</a:t>
+                      </a:r>
+                      <a:endParaRPr lang="zh-CN" altLang="en-US" sz="1400"/>
+                    </a:p>
+                  </a:txBody>
+                  <a:tcPr/>
+                </a:tc>
+                <a:tc>
+                  <a:txBody>
+                    <a:bodyPr/>
+                    <a:p>
+                      <a:pPr>
+                        <a:buNone/>
+                      </a:pPr>
+                      <a:endParaRPr lang="zh-CN" altLang="en-US" sz="1400"/>
+                    </a:p>
+                  </a:txBody>
+                  <a:tcPr/>
+                </a:tc>
+              </a:tr>
+              <a:tr h="518160">
+                <a:tc>
+                  <a:txBody>
+                    <a:bodyPr/>
+                    <a:p>
+                      <a:pPr marL="0" lvl="1">
+                        <a:buNone/>
+                      </a:pPr>
+                      <a:r>
+                        <a:rPr lang="en-US" altLang="zh-CN" sz="1400" b="1">
+                          <a:solidFill>
+                            <a:srgbClr val="FF0000"/>
+                          </a:solidFill>
+                          <a:sym typeface="+mn-ea"/>
+                        </a:rPr>
+                        <a:t>openssl s_client -showcerts -connect &lt;hostname&gt;:&lt;port&gt; -prexit</a:t>
+                      </a:r>
+                      <a:endParaRPr lang="zh-CN" altLang="en-US" sz="1400"/>
+                    </a:p>
+                  </a:txBody>
+                  <a:tcPr/>
+                </a:tc>
+                <a:tc>
+                  <a:txBody>
+                    <a:bodyPr/>
+                    <a:p>
+                      <a:pPr>
+                        <a:buNone/>
+                      </a:pPr>
+                      <a:r>
+                        <a:rPr lang="en-US" altLang="zh-CN" sz="1400" b="1">
+                          <a:solidFill>
+                            <a:srgbClr val="FF0000"/>
+                          </a:solidFill>
+                          <a:sym typeface="+mn-ea"/>
+                        </a:rPr>
+                        <a:t>Check certificate of website</a:t>
+                      </a:r>
+                      <a:endParaRPr lang="zh-CN" altLang="en-US" sz="1400"/>
+                    </a:p>
+                  </a:txBody>
+                  <a:tcPr/>
+                </a:tc>
+                <a:tc>
+                  <a:txBody>
+                    <a:bodyPr/>
+                    <a:p>
+                      <a:pPr>
+                        <a:buNone/>
+                      </a:pPr>
+                      <a:endParaRPr lang="zh-CN" altLang="en-US" sz="1400"/>
+                    </a:p>
+                  </a:txBody>
+                  <a:tcPr/>
+                </a:tc>
+              </a:tr>
+              <a:tr h="731520">
+                <a:tc>
+                  <a:txBody>
+                    <a:bodyPr/>
+                    <a:p>
+                      <a:pPr marL="0" lvl="1">
+                        <a:buNone/>
+                      </a:pPr>
+                      <a:r>
+                        <a:rPr lang="en-US" altLang="zh-CN" sz="1400">
+                          <a:sym typeface="+mn-ea"/>
+                        </a:rPr>
+                        <a:t>echo -n | openssl s_client -connect fr.cib-biz.com:8097 | openssl x509 &gt; /tmp/cis.cert</a:t>
+                      </a:r>
+                      <a:endParaRPr lang="zh-CN" altLang="en-US" sz="1400"/>
+                    </a:p>
+                  </a:txBody>
+                  <a:tcPr/>
+                </a:tc>
+                <a:tc>
+                  <a:txBody>
+                    <a:bodyPr/>
+                    <a:p>
+                      <a:pPr>
+                        <a:buNone/>
+                      </a:pPr>
+                      <a:r>
+                        <a:rPr lang="en-US" altLang="zh-CN" sz="1400">
+                          <a:sym typeface="+mn-ea"/>
+                        </a:rPr>
+                        <a:t>Download certificate from a website</a:t>
+                      </a:r>
+                      <a:endParaRPr lang="zh-CN" altLang="en-US" sz="1400"/>
+                    </a:p>
+                  </a:txBody>
+                  <a:tcPr/>
+                </a:tc>
+                <a:tc>
+                  <a:txBody>
+                    <a:bodyPr/>
+                    <a:p>
+                      <a:pPr>
+                        <a:buNone/>
+                      </a:pPr>
+                      <a:r>
+                        <a:rPr lang="en-US" altLang="zh-CN" sz="1400" b="1">
+                          <a:sym typeface="+mn-ea"/>
+                        </a:rPr>
+                        <a:t>PKS (Public Key Cryptography Standards)</a:t>
+                      </a:r>
+                      <a:endParaRPr lang="zh-CN" altLang="en-US" sz="1400"/>
+                    </a:p>
+                  </a:txBody>
+                  <a:tcPr/>
+                </a:tc>
+              </a:tr>
+            </a:tbl>
+          </a:graphicData>
+        </a:graphic>
+      </p:graphicFrame>
+      <p:sp>
+        <p:nvSpPr>
+          <p:cNvPr id="13" name="文本框 12"/>
+          <p:cNvSpPr txBox="1"/>
+          <p:nvPr/>
+        </p:nvSpPr>
+        <p:spPr>
+          <a:xfrm>
+            <a:off x="8549005" y="5688330"/>
+            <a:ext cx="3200400" cy="1168400"/>
+          </a:xfrm>
+          <a:prstGeom prst="rect">
+            <a:avLst/>
+          </a:prstGeom>
+          <a:noFill/>
+        </p:spPr>
+        <p:txBody>
+          <a:bodyPr wrap="square" rtlCol="0">
+            <a:spAutoFit/>
+          </a:bodyPr>
+          <a:p>
+            <a:r>
+              <a:rPr lang="en-US" altLang="zh-CN" sz="1400"/>
+              <a:t>Ref: </a:t>
+            </a:r>
+            <a:endParaRPr lang="en-US" altLang="zh-CN" sz="1400"/>
+          </a:p>
+          <a:p>
+            <a:pPr marL="285750" indent="-285750">
+              <a:buFont typeface="Arial" panose="020B0604020202020204" pitchFamily="34" charset="0"/>
+              <a:buChar char="•"/>
+            </a:pPr>
+            <a:r>
+              <a:rPr lang="zh-CN" altLang="en-US" sz="1400"/>
+              <a:t>https://www.digitalocean.com/community/tutorials/openssl-essentials-working-with-ssl-certificates-private-keys-and-csrs</a:t>
+            </a:r>
+            <a:endParaRPr lang="zh-CN" altLang="en-US" sz="1400"/>
+          </a:p>
+        </p:txBody>
+      </p:sp>
     </p:spTree>
     <p:custDataLst>
-      <p:tags r:id="rId1"/>
+      <p:tags r:id="rId2"/>
     </p:custDataLst>
   </p:cSld>
   <p:clrMapOvr>
@@ -7979,9 +8390,17 @@
           <a:p>
             <a:r>
               <a:rPr lang="en-US" altLang="zh-CN" sz="1400"/>
-              <a:t>Check website certificate</a:t>
+              <a:t>References</a:t>
             </a:r>
             <a:endParaRPr lang="en-US" altLang="zh-CN" sz="1400"/>
+          </a:p>
+          <a:p>
+            <a:pPr lvl="1"/>
+            <a:r>
+              <a:rPr lang="en-US" altLang="zh-CN" sz="1165"/>
+              <a:t>https://thesecmaster.com/what-are-the-different-types-of-certificate-formats/</a:t>
+            </a:r>
+            <a:endParaRPr lang="en-US" altLang="zh-CN" sz="1165"/>
           </a:p>
           <a:p>
             <a:r>
@@ -8274,23 +8693,23 @@
           <a:p>
             <a:pPr lvl="1"/>
             <a:r>
-              <a:rPr lang="en-US" altLang="zh-CN" sz="1600"/>
+              <a:rPr lang="en-US" altLang="zh-CN" sz="1600" b="1"/>
               <a:t>keytool -list -keystore </a:t>
             </a:r>
             <a:r>
-              <a:rPr lang="zh-CN" altLang="en-US" sz="1600">
+              <a:rPr lang="zh-CN" altLang="en-US" sz="1600" b="1">
                 <a:sym typeface="+mn-ea"/>
               </a:rPr>
               <a:t>$JAVA_HOME\jre\lib\security</a:t>
             </a:r>
             <a:r>
-              <a:rPr lang="en-US" altLang="zh-CN" sz="1600">
+              <a:rPr lang="en-US" altLang="zh-CN" sz="1600" b="1">
                 <a:sym typeface="+mn-ea"/>
               </a:rPr>
               <a:t>\</a:t>
             </a:r>
             <a:r>
-              <a:rPr lang="en-US" altLang="zh-CN" sz="1600"/>
+              <a:rPr lang="en-US" altLang="zh-CN" sz="1600" b="1"/>
               <a:t>cacerts</a:t>
             </a:r>
             <a:endParaRPr lang="en-US" altLang="zh-CN" sz="1600"/>
@@ -8314,7 +8733,7 @@
           <a:p>
             <a:pPr lvl="1"/>
             <a:r>
-              <a:rPr lang="en-US" altLang="zh-CN" sz="1600"/>
+              <a:rPr lang="en-US" altLang="zh-CN" sz="1600" b="1"/>
               <a:t>$JAVA_HOME/bin/keytool -import -trustcacerts -file booking.crt -keystore $JAVA_HOME/jre/lib/security/cacerts</a:t>
             </a:r>
             <a:endParaRPr lang="en-US" altLang="zh-CN" sz="1600"/>
@@ -12234,7 +12653,7 @@
           <a:p>
             <a:r>
               <a:rPr lang="en-US" altLang="zh-CN"/>
-              <a:t>Redis Server</a:t>
+              <a:t>Redis</a:t>
             </a:r>
             <a:endParaRPr lang="en-US" altLang="zh-CN"/>
           </a:p>
@@ -12250,13 +12669,20 @@
             <p:ph idx="1"/>
           </p:nvPr>
         </p:nvSpPr>
-        <p:spPr/>
-        <p:txBody>
-          <a:bodyPr/>
-          <a:p>
-            <a:r>
-              <a:rPr lang="en-US" altLang="zh-CN"/>
-              <a:t>Steps</a:t>
+        <p:spPr>
+          <a:xfrm>
+            <a:off x="838200" y="1211580"/>
+            <a:ext cx="4767580" cy="3620770"/>
+          </a:xfrm>
+        </p:spPr>
+        <p:txBody>
+          <a:bodyPr>
+            <a:normAutofit fontScale="90000"/>
+          </a:bodyPr>
+          <a:p>
+            <a:r>
+              <a:rPr lang="en-US" altLang="zh-CN"/>
+              <a:t>Server</a:t>
             </a:r>
             <a:endParaRPr lang="en-US" altLang="zh-CN"/>
           </a:p>
@@ -12292,11 +12718,638 @@
             </a:r>
             <a:endParaRPr lang="en-US" altLang="zh-CN"/>
           </a:p>
-        </p:txBody>
-      </p:sp>
+          <a:p>
+            <a:pPr lvl="0"/>
+            <a:r>
+              <a:rPr lang="en-US" altLang="zh-CN"/>
+              <a:t>Client</a:t>
+            </a:r>
+            <a:endParaRPr lang="en-US" altLang="zh-CN"/>
+          </a:p>
+          <a:p>
+            <a:pPr lvl="1"/>
+            <a:r>
+              <a:rPr lang="en-US" altLang="zh-CN" sz="2000"/>
+              <a:t>redis-cli</a:t>
+            </a:r>
+            <a:endParaRPr lang="en-US" altLang="zh-CN" sz="2000"/>
+          </a:p>
+          <a:p>
+            <a:pPr lvl="2"/>
+            <a:r>
+              <a:rPr lang="en-US" altLang="zh-CN"/>
+              <a:t>sudo apt install redis-tools</a:t>
+            </a:r>
+            <a:endParaRPr lang="en-US" altLang="zh-CN" sz="1800"/>
+          </a:p>
+          <a:p>
+            <a:pPr lvl="2"/>
+            <a:r>
+              <a:rPr lang="en-US" altLang="zh-CN" sz="1800"/>
+              <a:t>https://redis.com.cn/commands.html</a:t>
+            </a:r>
+            <a:endParaRPr lang="en-US" altLang="zh-CN" sz="1800"/>
+          </a:p>
+          <a:p>
+            <a:pPr lvl="2"/>
+            <a:r>
+              <a:rPr lang="en-US" altLang="zh-CN">
+                <a:sym typeface="+mn-ea"/>
+              </a:rPr>
+              <a:t>redis-cli --rdb /tmp/dump.rdb // dump keys/values</a:t>
+            </a:r>
+            <a:endParaRPr lang="en-US" altLang="zh-CN"/>
+          </a:p>
+        </p:txBody>
+      </p:sp>
+      <p:graphicFrame>
+        <p:nvGraphicFramePr>
+          <p:cNvPr id="5" name="表格 4"/>
+          <p:cNvGraphicFramePr/>
+          <p:nvPr>
+            <p:custDataLst>
+              <p:tags r:id="rId1"/>
+            </p:custDataLst>
+          </p:nvPr>
+        </p:nvGraphicFramePr>
+        <p:xfrm>
+          <a:off x="5723255" y="1211580"/>
+          <a:ext cx="6130925" cy="4358640"/>
+        </p:xfrm>
+        <a:graphic>
+          <a:graphicData uri="http://schemas.openxmlformats.org/drawingml/2006/table">
+            <a:tbl>
+              <a:tblPr firstRow="1" bandRow="1">
+                <a:tableStyleId>{5C22544A-7EE6-4342-B048-85BDC9FD1C3A}</a:tableStyleId>
+              </a:tblPr>
+              <a:tblGrid>
+                <a:gridCol w="1603375"/>
+                <a:gridCol w="3082290"/>
+                <a:gridCol w="1445260"/>
+              </a:tblGrid>
+              <a:tr h="335280">
+                <a:tc>
+                  <a:txBody>
+                    <a:bodyPr/>
+                    <a:p>
+                      <a:pPr algn="ctr">
+                        <a:buNone/>
+                      </a:pPr>
+                      <a:r>
+                        <a:rPr lang="en-US" altLang="zh-CN" sz="1600"/>
+                        <a:t>Command</a:t>
+                      </a:r>
+                      <a:endParaRPr lang="en-US" altLang="zh-CN" sz="1600"/>
+                    </a:p>
+                  </a:txBody>
+                  <a:tcPr/>
+                </a:tc>
+                <a:tc>
+                  <a:txBody>
+                    <a:bodyPr/>
+                    <a:p>
+                      <a:pPr algn="ctr">
+                        <a:buNone/>
+                      </a:pPr>
+                      <a:r>
+                        <a:rPr lang="en-US" altLang="zh-CN" sz="1600"/>
+                        <a:t>Explanation</a:t>
+                      </a:r>
+                      <a:endParaRPr lang="en-US" altLang="zh-CN" sz="1600"/>
+                    </a:p>
+                  </a:txBody>
+                  <a:tcPr/>
+                </a:tc>
+                <a:tc>
+                  <a:txBody>
+                    <a:bodyPr/>
+                    <a:p>
+                      <a:pPr algn="ctr">
+                        <a:buNone/>
+                      </a:pPr>
+                      <a:r>
+                        <a:rPr lang="en-US" altLang="zh-CN" sz="1600"/>
+                        <a:t>Note</a:t>
+                      </a:r>
+                      <a:endParaRPr lang="en-US" altLang="zh-CN" sz="1600"/>
+                    </a:p>
+                  </a:txBody>
+                  <a:tcPr/>
+                </a:tc>
+              </a:tr>
+              <a:tr h="335280">
+                <a:tc>
+                  <a:txBody>
+                    <a:bodyPr/>
+                    <a:p>
+                      <a:pPr>
+                        <a:buNone/>
+                      </a:pPr>
+                      <a:r>
+                        <a:rPr lang="en-US" altLang="zh-CN" sz="1600"/>
+                        <a:t>info</a:t>
+                      </a:r>
+                      <a:endParaRPr lang="en-US" altLang="zh-CN" sz="1600"/>
+                    </a:p>
+                  </a:txBody>
+                  <a:tcPr/>
+                </a:tc>
+                <a:tc>
+                  <a:txBody>
+                    <a:bodyPr/>
+                    <a:p>
+                      <a:pPr>
+                        <a:buNone/>
+                      </a:pPr>
+                      <a:r>
+                        <a:rPr lang="en-US" altLang="zh-CN" sz="1600">
+                          <a:sym typeface="+mn-ea"/>
+                        </a:rPr>
+                        <a:t>show info</a:t>
+                      </a:r>
+                      <a:endParaRPr lang="en-US" altLang="zh-CN" sz="1600">
+                        <a:sym typeface="+mn-ea"/>
+                      </a:endParaRPr>
+                    </a:p>
+                  </a:txBody>
+                  <a:tcPr/>
+                </a:tc>
+                <a:tc>
+                  <a:txBody>
+                    <a:bodyPr/>
+                    <a:p>
+                      <a:pPr>
+                        <a:buNone/>
+                      </a:pPr>
+                      <a:endParaRPr lang="zh-CN" altLang="en-US" sz="1600"/>
+                    </a:p>
+                  </a:txBody>
+                  <a:tcPr/>
+                </a:tc>
+              </a:tr>
+              <a:tr h="335280">
+                <a:tc>
+                  <a:txBody>
+                    <a:bodyPr/>
+                    <a:p>
+                      <a:pPr>
+                        <a:buNone/>
+                      </a:pPr>
+                      <a:r>
+                        <a:rPr lang="en-US" altLang="zh-CN" sz="1600"/>
+                        <a:t>auth {pwd}</a:t>
+                      </a:r>
+                      <a:endParaRPr lang="en-US" altLang="zh-CN" sz="1600"/>
+                    </a:p>
+                  </a:txBody>
+                  <a:tcPr/>
+                </a:tc>
+                <a:tc>
+                  <a:txBody>
+                    <a:bodyPr/>
+                    <a:p>
+                      <a:pPr>
+                        <a:buNone/>
+                      </a:pPr>
+                      <a:r>
+                        <a:rPr lang="en-US" altLang="zh-CN" sz="1600"/>
+                        <a:t>verify password</a:t>
+                      </a:r>
+                      <a:endParaRPr lang="en-US" altLang="zh-CN" sz="1600"/>
+                    </a:p>
+                  </a:txBody>
+                  <a:tcPr/>
+                </a:tc>
+                <a:tc>
+                  <a:txBody>
+                    <a:bodyPr/>
+                    <a:p>
+                      <a:pPr>
+                        <a:buNone/>
+                      </a:pPr>
+                      <a:endParaRPr lang="zh-CN" altLang="en-US" sz="1600"/>
+                    </a:p>
+                  </a:txBody>
+                  <a:tcPr/>
+                </a:tc>
+              </a:tr>
+              <a:tr h="335280">
+                <a:tc>
+                  <a:txBody>
+                    <a:bodyPr/>
+                    <a:p>
+                      <a:pPr>
+                        <a:buNone/>
+                      </a:pPr>
+                      <a:r>
+                        <a:rPr lang="en-US" altLang="zh-CN" sz="1600"/>
+                        <a:t>ping</a:t>
+                      </a:r>
+                      <a:endParaRPr lang="en-US" altLang="zh-CN" sz="1600"/>
+                    </a:p>
+                  </a:txBody>
+                  <a:tcPr/>
+                </a:tc>
+                <a:tc>
+                  <a:txBody>
+                    <a:bodyPr/>
+                    <a:p>
+                      <a:pPr>
+                        <a:buNone/>
+                      </a:pPr>
+                      <a:r>
+                        <a:rPr lang="en-US" altLang="zh-CN" sz="1600"/>
+                        <a:t>verify whether or not work</a:t>
+                      </a:r>
+                      <a:endParaRPr lang="en-US" altLang="zh-CN" sz="1600"/>
+                    </a:p>
+                  </a:txBody>
+                  <a:tcPr/>
+                </a:tc>
+                <a:tc>
+                  <a:txBody>
+                    <a:bodyPr/>
+                    <a:p>
+                      <a:pPr>
+                        <a:buNone/>
+                      </a:pPr>
+                      <a:endParaRPr lang="zh-CN" altLang="en-US" sz="1600"/>
+                    </a:p>
+                  </a:txBody>
+                  <a:tcPr/>
+                </a:tc>
+              </a:tr>
+              <a:tr h="335280">
+                <a:tc>
+                  <a:txBody>
+                    <a:bodyPr/>
+                    <a:p>
+                      <a:pPr>
+                        <a:buNone/>
+                      </a:pPr>
+                      <a:r>
+                        <a:rPr lang="en-US" altLang="zh-CN" sz="1600"/>
+                        <a:t>select {idx}</a:t>
+                      </a:r>
+                      <a:endParaRPr lang="en-US" altLang="zh-CN" sz="1600"/>
+                    </a:p>
+                  </a:txBody>
+                  <a:tcPr/>
+                </a:tc>
+                <a:tc>
+                  <a:txBody>
+                    <a:bodyPr/>
+                    <a:p>
+                      <a:pPr>
+                        <a:buNone/>
+                      </a:pPr>
+                      <a:r>
+                        <a:rPr lang="en-US" altLang="zh-CN" sz="1600"/>
+                        <a:t>select a db</a:t>
+                      </a:r>
+                      <a:endParaRPr lang="en-US" altLang="zh-CN" sz="1600"/>
+                    </a:p>
+                  </a:txBody>
+                  <a:tcPr/>
+                </a:tc>
+                <a:tc>
+                  <a:txBody>
+                    <a:bodyPr/>
+                    <a:p>
+                      <a:pPr>
+                        <a:buNone/>
+                      </a:pPr>
+                      <a:endParaRPr lang="zh-CN" altLang="en-US" sz="1600"/>
+                    </a:p>
+                  </a:txBody>
+                  <a:tcPr/>
+                </a:tc>
+              </a:tr>
+              <a:tr h="335280">
+                <a:tc>
+                  <a:txBody>
+                    <a:bodyPr/>
+                    <a:p>
+                      <a:pPr>
+                        <a:buNone/>
+                      </a:pPr>
+                      <a:r>
+                        <a:rPr lang="en-US" altLang="zh-CN" sz="1600"/>
+                        <a:t>keys *</a:t>
+                      </a:r>
+                      <a:endParaRPr lang="en-US" altLang="zh-CN" sz="1600"/>
+                    </a:p>
+                  </a:txBody>
+                  <a:tcPr/>
+                </a:tc>
+                <a:tc>
+                  <a:txBody>
+                    <a:bodyPr/>
+                    <a:p>
+                      <a:pPr>
+                        <a:buNone/>
+                      </a:pPr>
+                      <a:r>
+                        <a:rPr lang="en-US" altLang="zh-CN" sz="1600"/>
+                        <a:t>list all keys</a:t>
+                      </a:r>
+                      <a:endParaRPr lang="en-US" altLang="zh-CN" sz="1600"/>
+                    </a:p>
+                  </a:txBody>
+                  <a:tcPr/>
+                </a:tc>
+                <a:tc>
+                  <a:txBody>
+                    <a:bodyPr/>
+                    <a:p>
+                      <a:pPr>
+                        <a:buNone/>
+                      </a:pPr>
+                      <a:endParaRPr lang="zh-CN" altLang="en-US" sz="1600"/>
+                    </a:p>
+                  </a:txBody>
+                  <a:tcPr/>
+                </a:tc>
+              </a:tr>
+              <a:tr h="335280">
+                <a:tc>
+                  <a:txBody>
+                    <a:bodyPr/>
+                    <a:p>
+                      <a:pPr>
+                        <a:buNone/>
+                      </a:pPr>
+                      <a:r>
+                        <a:rPr lang="en-US" altLang="zh-CN" sz="1600"/>
+                        <a:t>scan 0</a:t>
+                      </a:r>
+                      <a:endParaRPr lang="en-US" altLang="zh-CN" sz="1600"/>
+                    </a:p>
+                  </a:txBody>
+                  <a:tcPr/>
+                </a:tc>
+                <a:tc>
+                  <a:txBody>
+                    <a:bodyPr/>
+                    <a:p>
+                      <a:pPr>
+                        <a:buNone/>
+                      </a:pPr>
+                      <a:r>
+                        <a:rPr lang="en-US" altLang="zh-CN" sz="1600"/>
+                        <a:t>list keys starting from 0</a:t>
+                      </a:r>
+                      <a:endParaRPr lang="en-US" altLang="zh-CN" sz="1600"/>
+                    </a:p>
+                  </a:txBody>
+                  <a:tcPr/>
+                </a:tc>
+                <a:tc>
+                  <a:txBody>
+                    <a:bodyPr/>
+                    <a:p>
+                      <a:pPr>
+                        <a:buNone/>
+                      </a:pPr>
+                      <a:endParaRPr lang="zh-CN" altLang="en-US" sz="1600"/>
+                    </a:p>
+                  </a:txBody>
+                  <a:tcPr/>
+                </a:tc>
+              </a:tr>
+              <a:tr h="335280">
+                <a:tc>
+                  <a:txBody>
+                    <a:bodyPr/>
+                    <a:p>
+                      <a:pPr>
+                        <a:buNone/>
+                      </a:pPr>
+                      <a:r>
+                        <a:rPr lang="en-US" altLang="zh-CN" sz="1600"/>
+                        <a:t>client list</a:t>
+                      </a:r>
+                      <a:endParaRPr lang="en-US" altLang="zh-CN" sz="1600"/>
+                    </a:p>
+                  </a:txBody>
+                  <a:tcPr/>
+                </a:tc>
+                <a:tc>
+                  <a:txBody>
+                    <a:bodyPr/>
+                    <a:p>
+                      <a:pPr>
+                        <a:buNone/>
+                      </a:pPr>
+                      <a:r>
+                        <a:rPr lang="en-US" altLang="zh-CN" sz="1600"/>
+                        <a:t>list all clients</a:t>
+                      </a:r>
+                      <a:endParaRPr lang="en-US" altLang="zh-CN" sz="1600"/>
+                    </a:p>
+                  </a:txBody>
+                  <a:tcPr/>
+                </a:tc>
+                <a:tc>
+                  <a:txBody>
+                    <a:bodyPr/>
+                    <a:p>
+                      <a:pPr>
+                        <a:buNone/>
+                      </a:pPr>
+                      <a:endParaRPr lang="zh-CN" altLang="en-US" sz="1600"/>
+                    </a:p>
+                  </a:txBody>
+                  <a:tcPr/>
+                </a:tc>
+              </a:tr>
+              <a:tr h="335280">
+                <a:tc>
+                  <a:txBody>
+                    <a:bodyPr/>
+                    <a:p>
+                      <a:pPr>
+                        <a:buNone/>
+                      </a:pPr>
+                      <a:r>
+                        <a:rPr lang="en-US" altLang="zh-CN" sz="1600"/>
+                        <a:t>flushall</a:t>
+                      </a:r>
+                      <a:endParaRPr lang="en-US" altLang="zh-CN" sz="1600"/>
+                    </a:p>
+                  </a:txBody>
+                  <a:tcPr/>
+                </a:tc>
+                <a:tc>
+                  <a:txBody>
+                    <a:bodyPr/>
+                    <a:p>
+                      <a:pPr>
+                        <a:buNone/>
+                      </a:pPr>
+                      <a:r>
+                        <a:rPr lang="en-US" altLang="zh-CN" sz="1600"/>
+                        <a:t>delete all keys in all dbs</a:t>
+                      </a:r>
+                      <a:endParaRPr lang="en-US" altLang="zh-CN" sz="1600"/>
+                    </a:p>
+                  </a:txBody>
+                  <a:tcPr/>
+                </a:tc>
+                <a:tc>
+                  <a:txBody>
+                    <a:bodyPr/>
+                    <a:p>
+                      <a:pPr>
+                        <a:buNone/>
+                      </a:pPr>
+                      <a:endParaRPr lang="zh-CN" altLang="en-US" sz="1600"/>
+                    </a:p>
+                  </a:txBody>
+                  <a:tcPr/>
+                </a:tc>
+              </a:tr>
+              <a:tr h="335280">
+                <a:tc>
+                  <a:txBody>
+                    <a:bodyPr/>
+                    <a:p>
+                      <a:pPr>
+                        <a:buNone/>
+                      </a:pPr>
+                      <a:r>
+                        <a:rPr lang="en-US" altLang="zh-CN" sz="1600"/>
+                        <a:t>flushdb</a:t>
+                      </a:r>
+                      <a:endParaRPr lang="en-US" altLang="zh-CN" sz="1600"/>
+                    </a:p>
+                  </a:txBody>
+                  <a:tcPr/>
+                </a:tc>
+                <a:tc>
+                  <a:txBody>
+                    <a:bodyPr/>
+                    <a:p>
+                      <a:pPr>
+                        <a:buNone/>
+                      </a:pPr>
+                      <a:r>
+                        <a:rPr lang="en-US" altLang="zh-CN" sz="1600"/>
+                        <a:t>delete all keys in current db</a:t>
+                      </a:r>
+                      <a:endParaRPr lang="en-US" altLang="zh-CN" sz="1600"/>
+                    </a:p>
+                  </a:txBody>
+                  <a:tcPr/>
+                </a:tc>
+                <a:tc>
+                  <a:txBody>
+                    <a:bodyPr/>
+                    <a:p>
+                      <a:pPr>
+                        <a:buNone/>
+                      </a:pPr>
+                      <a:endParaRPr lang="zh-CN" altLang="en-US" sz="1600"/>
+                    </a:p>
+                  </a:txBody>
+                  <a:tcPr/>
+                </a:tc>
+              </a:tr>
+              <a:tr h="335280">
+                <a:tc>
+                  <a:txBody>
+                    <a:bodyPr/>
+                    <a:p>
+                      <a:pPr>
+                        <a:buNone/>
+                      </a:pPr>
+                      <a:r>
+                        <a:rPr lang="en-US" altLang="zh-CN" sz="1600"/>
+                        <a:t>monitor</a:t>
+                      </a:r>
+                      <a:endParaRPr lang="en-US" altLang="zh-CN" sz="1600"/>
+                    </a:p>
+                  </a:txBody>
+                  <a:tcPr/>
+                </a:tc>
+                <a:tc>
+                  <a:txBody>
+                    <a:bodyPr/>
+                    <a:p>
+                      <a:pPr>
+                        <a:buNone/>
+                      </a:pPr>
+                      <a:r>
+                        <a:rPr lang="en-US" altLang="zh-CN" sz="1600"/>
+                        <a:t>monitor changes</a:t>
+                      </a:r>
+                      <a:endParaRPr lang="en-US" altLang="zh-CN" sz="1600"/>
+                    </a:p>
+                  </a:txBody>
+                  <a:tcPr/>
+                </a:tc>
+                <a:tc>
+                  <a:txBody>
+                    <a:bodyPr/>
+                    <a:p>
+                      <a:pPr>
+                        <a:buNone/>
+                      </a:pPr>
+                      <a:endParaRPr lang="zh-CN" altLang="en-US" sz="1600"/>
+                    </a:p>
+                  </a:txBody>
+                  <a:tcPr/>
+                </a:tc>
+              </a:tr>
+              <a:tr h="335280">
+                <a:tc>
+                  <a:txBody>
+                    <a:bodyPr/>
+                    <a:p>
+                      <a:pPr>
+                        <a:buNone/>
+                      </a:pPr>
+                      <a:r>
+                        <a:rPr lang="en-US" altLang="zh-CN" sz="1600"/>
+                        <a:t>role</a:t>
+                      </a:r>
+                      <a:endParaRPr lang="en-US" altLang="zh-CN" sz="1600"/>
+                    </a:p>
+                  </a:txBody>
+                  <a:tcPr/>
+                </a:tc>
+                <a:tc>
+                  <a:txBody>
+                    <a:bodyPr/>
+                    <a:p>
+                      <a:pPr>
+                        <a:buNone/>
+                      </a:pPr>
+                      <a:endParaRPr lang="en-US" altLang="zh-CN" sz="1600"/>
+                    </a:p>
+                  </a:txBody>
+                  <a:tcPr/>
+                </a:tc>
+                <a:tc>
+                  <a:txBody>
+                    <a:bodyPr/>
+                    <a:p>
+                      <a:pPr>
+                        <a:buNone/>
+                      </a:pPr>
+                      <a:endParaRPr lang="zh-CN" altLang="en-US" sz="1600"/>
+                    </a:p>
+                  </a:txBody>
+                  <a:tcPr/>
+                </a:tc>
+              </a:tr>
+            </a:tbl>
+          </a:graphicData>
+        </a:graphic>
+      </p:graphicFrame>
     </p:spTree>
     <p:custDataLst>
-      <p:tags r:id="rId1"/>
+      <p:tags r:id="rId2"/>
     </p:custDataLst>
   </p:cSld>
   <p:clrMapOvr>
@@ -17044,6 +18097,67 @@
 </p:sld>
 </file>
 
+<file path=ppt/slides/slide59.xml><?xml version="1.0" encoding="utf-8"?>
+<p:sld xmlns:a="http://schemas.openxmlformats.org/drawingml/2006/main" xmlns:r="http://schemas.openxmlformats.org/officeDocument/2006/relationships" xmlns:p="http://schemas.openxmlformats.org/presentationml/2006/main">
+  <p:cSld>
+    <p:spTree>
+      <p:nvGrpSpPr>
+        <p:cNvPr id="1" name=""/>
+        <p:cNvGrpSpPr/>
+        <p:nvPr/>
+      </p:nvGrpSpPr>
+      <p:grpSpPr/>
+      <p:sp>
+        <p:nvSpPr>
+          <p:cNvPr id="4" name="标题 3"/>
+          <p:cNvSpPr>
+            <a:spLocks noGrp="1"/>
+          </p:cNvSpPr>
+          <p:nvPr>
+            <p:ph type="title"/>
+          </p:nvPr>
+        </p:nvSpPr>
+        <p:spPr/>
+        <p:txBody>
+          <a:bodyPr/>
+          <a:p>
+            <a:r>
+              <a:rPr lang="en-US" altLang="zh-CN"/>
+              <a:t>Docker</a:t>
+            </a:r>
+            <a:endParaRPr lang="en-US" altLang="zh-CN"/>
+          </a:p>
+        </p:txBody>
+      </p:sp>
+      <p:sp>
+        <p:nvSpPr>
+          <p:cNvPr id="5" name="文本占位符 4"/>
+          <p:cNvSpPr>
+            <a:spLocks noGrp="1"/>
+          </p:cNvSpPr>
+          <p:nvPr>
+            <p:ph type="body" idx="1"/>
+          </p:nvPr>
+        </p:nvSpPr>
+        <p:spPr/>
+        <p:txBody>
+          <a:bodyPr/>
+          <a:p>
+            <a:endParaRPr lang="zh-CN" altLang="en-US"/>
+          </a:p>
+        </p:txBody>
+      </p:sp>
+    </p:spTree>
+    <p:custDataLst>
+      <p:tags r:id="rId1"/>
+    </p:custDataLst>
+  </p:cSld>
+  <p:clrMapOvr>
+    <a:masterClrMapping/>
+  </p:clrMapOvr>
+</p:sld>
+</file>
+
 <file path=ppt/slides/slide6.xml><?xml version="1.0" encoding="utf-8"?>
 <p:sld xmlns:a="http://schemas.openxmlformats.org/drawingml/2006/main" xmlns:r="http://schemas.openxmlformats.org/officeDocument/2006/relationships" xmlns:p="http://schemas.openxmlformats.org/presentationml/2006/main">
   <p:cSld>
@@ -17611,6 +18725,149 @@
 </p:sld>
 </file>
 
+<file path=ppt/slides/slide60.xml><?xml version="1.0" encoding="utf-8"?>
+<p:sld xmlns:a="http://schemas.openxmlformats.org/drawingml/2006/main" xmlns:r="http://schemas.openxmlformats.org/officeDocument/2006/relationships" xmlns:p="http://schemas.openxmlformats.org/presentationml/2006/main">
+  <p:cSld>
+    <p:spTree>
+      <p:nvGrpSpPr>
+        <p:cNvPr id="1" name=""/>
+        <p:cNvGrpSpPr/>
+        <p:nvPr/>
+      </p:nvGrpSpPr>
+      <p:grpSpPr/>
+      <p:sp>
+        <p:nvSpPr>
+          <p:cNvPr id="4" name="标题 3"/>
+          <p:cNvSpPr>
+            <a:spLocks noGrp="1"/>
+          </p:cNvSpPr>
+          <p:nvPr>
+            <p:ph type="title"/>
+          </p:nvPr>
+        </p:nvSpPr>
+        <p:spPr/>
+        <p:txBody>
+          <a:bodyPr/>
+          <a:p>
+            <a:r>
+              <a:rPr lang="en-US" altLang="zh-CN"/>
+              <a:t>Tomcat</a:t>
+            </a:r>
+            <a:endParaRPr lang="en-US" altLang="zh-CN"/>
+          </a:p>
+        </p:txBody>
+      </p:sp>
+      <p:sp>
+        <p:nvSpPr>
+          <p:cNvPr id="5" name="内容占位符 4"/>
+          <p:cNvSpPr>
+            <a:spLocks noGrp="1"/>
+          </p:cNvSpPr>
+          <p:nvPr>
+            <p:ph idx="1"/>
+          </p:nvPr>
+        </p:nvSpPr>
+        <p:spPr>
+          <a:xfrm>
+            <a:off x="838200" y="1211580"/>
+            <a:ext cx="7153910" cy="4549140"/>
+          </a:xfrm>
+        </p:spPr>
+        <p:txBody>
+          <a:bodyPr>
+            <a:normAutofit/>
+          </a:bodyPr>
+          <a:p>
+            <a:r>
+              <a:rPr lang="en-US" altLang="zh-CN"/>
+              <a:t>References</a:t>
+            </a:r>
+            <a:endParaRPr lang="en-US" altLang="zh-CN"/>
+          </a:p>
+          <a:p>
+            <a:pPr lvl="1"/>
+            <a:r>
+              <a:rPr lang="en-US" altLang="zh-CN"/>
+              <a:t>https://blog.lukaspradel.com/dockerizing-a-tomcat-postgresql-java-web-application/</a:t>
+            </a:r>
+            <a:endParaRPr lang="en-US" altLang="zh-CN"/>
+          </a:p>
+          <a:p>
+            <a:pPr lvl="1"/>
+            <a:r>
+              <a:rPr lang="en-US" altLang="zh-CN"/>
+              <a:t>https://javatodev.com/docker-compose-spring-boot-postgresql/</a:t>
+            </a:r>
+            <a:endParaRPr lang="en-US" altLang="zh-CN"/>
+          </a:p>
+          <a:p>
+            <a:pPr lvl="1"/>
+            <a:r>
+              <a:rPr lang="en-US" altLang="zh-CN"/>
+              <a:t>https://github.com/bezkoder/docker-compose-spring-boot-postgres</a:t>
+            </a:r>
+            <a:endParaRPr lang="en-US" altLang="zh-CN"/>
+          </a:p>
+          <a:p>
+            <a:pPr lvl="1"/>
+            <a:r>
+              <a:rPr lang="en-US" altLang="zh-CN"/>
+              <a:t>https://juejin.cn/post/7176899356585361466</a:t>
+            </a:r>
+            <a:endParaRPr lang="en-US" altLang="zh-CN"/>
+          </a:p>
+          <a:p>
+            <a:r>
+              <a:rPr lang="en-US" altLang="zh-CN"/>
+              <a:t>Dockerfile</a:t>
+            </a:r>
+            <a:endParaRPr lang="en-US" altLang="zh-CN"/>
+          </a:p>
+          <a:p>
+            <a:pPr lvl="1"/>
+            <a:r>
+              <a:rPr lang="en-US" altLang="zh-CN"/>
+              <a:t>FROM tomcat</a:t>
+            </a:r>
+            <a:endParaRPr lang="en-US" altLang="zh-CN"/>
+          </a:p>
+          <a:p>
+            <a:pPr lvl="1"/>
+            <a:r>
+              <a:rPr lang="en-US" altLang="zh-CN"/>
+              <a:t>COPY ROOT.war /usr/local/tomcat/webapps/</a:t>
+            </a:r>
+            <a:endParaRPr lang="en-US" altLang="zh-CN"/>
+          </a:p>
+          <a:p>
+            <a:pPr lvl="0"/>
+            <a:r>
+              <a:rPr lang="en-US" altLang="zh-CN"/>
+              <a:t>Docker compose</a:t>
+            </a:r>
+            <a:endParaRPr lang="en-US" altLang="zh-CN"/>
+          </a:p>
+          <a:p>
+            <a:pPr lvl="1"/>
+            <a:r>
+              <a:rPr lang="en-US" altLang="zh-CN"/>
+              <a:t>web, db</a:t>
+            </a:r>
+            <a:endParaRPr lang="en-US" altLang="zh-CN"/>
+          </a:p>
+        </p:txBody>
+      </p:sp>
+    </p:spTree>
+    <p:custDataLst>
+      <p:tags r:id="rId1"/>
+    </p:custDataLst>
+  </p:cSld>
+  <p:clrMapOvr>
+    <a:masterClrMapping/>
+  </p:clrMapOvr>
+</p:sld>
+</file>
+
 <file path=ppt/slides/slide7.xml><?xml version="1.0" encoding="utf-8"?>
 <p:sld xmlns:a="http://schemas.openxmlformats.org/drawingml/2006/main" xmlns:r="http://schemas.openxmlformats.org/officeDocument/2006/relationships" xmlns:p="http://schemas.openxmlformats.org/presentationml/2006/main">
   <p:cSld>
@@ -18163,7 +19420,7 @@
 
 <file path=ppt/tags/tag20.xml><?xml version="1.0" encoding="utf-8"?>
 <p:tagLst xmlns:p="http://schemas.openxmlformats.org/presentationml/2006/main">
-  <p:tag name="KSO_WM_UNIT_TABLE_BEAUTIFY" val="smartTable{99aee9ff-5b5f-4aaf-9c92-8085ec331e2a}"/>
+  <p:tag name="KSO_WM_UNIT_TABLE_BEAUTIFY" val="smartTable{7f2bddbb-6e2b-4333-bd1a-4db34413a3a7}"/>
 </p:tagLst>
 </file>
 
@@ -18322,10 +19579,8 @@
 
 <file path=ppt/tags/tag34.xml><?xml version="1.0" encoding="utf-8"?>
 <p:tagLst xmlns:p="http://schemas.openxmlformats.org/presentationml/2006/main">
-  <p:tag name="KSO_WM_BEAUTIFY_FLAG" val="#wm#"/>
-  <p:tag name="KSO_WM_TEMPLATE_CATEGORY" val="custom"/>
-  <p:tag name="KSO_WM_TEMPLATE_INDEX" val="160402"/>
-  <p:tag name="KSO_WM_SPECIAL_SOURCE" val="bdnull"/>
+  <p:tag name="TABLE_ENDDRAG_ORIGIN_RECT" val="633*384"/>
+  <p:tag name="TABLE_ENDDRAG_RECT" val="27*95*633*384"/>
 </p:tagLst>
 </file>
 
@@ -18334,6 +19589,7 @@
   <p:tag name="KSO_WM_BEAUTIFY_FLAG" val="#wm#"/>
   <p:tag name="KSO_WM_TEMPLATE_CATEGORY" val="custom"/>
   <p:tag name="KSO_WM_TEMPLATE_INDEX" val="160402"/>
+  <p:tag name="KSO_WM_SPECIAL_SOURCE" val="bdnull"/>
 </p:tagLst>
 </file>
 
@@ -18358,7 +19614,6 @@
   <p:tag name="KSO_WM_BEAUTIFY_FLAG" val="#wm#"/>
   <p:tag name="KSO_WM_TEMPLATE_CATEGORY" val="custom"/>
   <p:tag name="KSO_WM_TEMPLATE_INDEX" val="160402"/>
-  <p:tag name="KSO_WM_SPECIAL_SOURCE" val="bdnull"/>
 </p:tagLst>
 </file>
 
@@ -18456,7 +19711,8 @@
 
 <file path=ppt/tags/tag47.xml><?xml version="1.0" encoding="utf-8"?>
 <p:tagLst xmlns:p="http://schemas.openxmlformats.org/presentationml/2006/main">
-  <p:tag name="KSO_WM_UNIT_PLACING_PICTURE_USER_VIEWPORT" val="{&quot;height&quot;:6720,&quot;width&quot;:8292}"/>
+  <p:tag name="TABLE_ENDDRAG_ORIGIN_RECT" val="482*164"/>
+  <p:tag name="TABLE_ENDDRAG_RECT" val="450*105*482*164"/>
 </p:tagLst>
 </file>
 
@@ -18471,10 +19727,7 @@
 
 <file path=ppt/tags/tag49.xml><?xml version="1.0" encoding="utf-8"?>
 <p:tagLst xmlns:p="http://schemas.openxmlformats.org/presentationml/2006/main">
-  <p:tag name="KSO_WM_BEAUTIFY_FLAG" val="#wm#"/>
-  <p:tag name="KSO_WM_TEMPLATE_CATEGORY" val="custom"/>
-  <p:tag name="KSO_WM_TEMPLATE_INDEX" val="160402"/>
-  <p:tag name="KSO_WM_SPECIAL_SOURCE" val="bdnull"/>
+  <p:tag name="KSO_WM_UNIT_PLACING_PICTURE_USER_VIEWPORT" val="{&quot;height&quot;:6720,&quot;width&quot;:8292}"/>
 </p:tagLst>
 </file>
 
@@ -18661,7 +19914,10 @@
 
 <file path=ppt/tags/tag66.xml><?xml version="1.0" encoding="utf-8"?>
 <p:tagLst xmlns:p="http://schemas.openxmlformats.org/presentationml/2006/main">
-  <p:tag name="KSO_WM_UNIT_PLACING_PICTURE_USER_VIEWPORT" val="{&quot;height&quot;:6120,&quot;width&quot;:9264}"/>
+  <p:tag name="KSO_WM_BEAUTIFY_FLAG" val="#wm#"/>
+  <p:tag name="KSO_WM_TEMPLATE_CATEGORY" val="custom"/>
+  <p:tag name="KSO_WM_TEMPLATE_INDEX" val="160402"/>
+  <p:tag name="KSO_WM_SPECIAL_SOURCE" val="bdnull"/>
 </p:tagLst>
 </file>
 
@@ -18676,10 +19932,7 @@
 
 <file path=ppt/tags/tag68.xml><?xml version="1.0" encoding="utf-8"?>
 <p:tagLst xmlns:p="http://schemas.openxmlformats.org/presentationml/2006/main">
-  <p:tag name="KSO_WM_BEAUTIFY_FLAG" val="#wm#"/>
-  <p:tag name="KSO_WM_TEMPLATE_CATEGORY" val="custom"/>
-  <p:tag name="KSO_WM_TEMPLATE_INDEX" val="160402"/>
-  <p:tag name="KSO_WM_SPECIAL_SOURCE" val="bdnull"/>
+  <p:tag name="KSO_WM_UNIT_PLACING_PICTURE_USER_VIEWPORT" val="{&quot;height&quot;:6120,&quot;width&quot;:9264}"/>
 </p:tagLst>
 </file>
 
@@ -18706,6 +19959,7 @@
   <p:tag name="KSO_WM_BEAUTIFY_FLAG" val="#wm#"/>
   <p:tag name="KSO_WM_TEMPLATE_CATEGORY" val="custom"/>
   <p:tag name="KSO_WM_TEMPLATE_INDEX" val="160402"/>
+  <p:tag name="KSO_WM_SPECIAL_SOURCE" val="bdnull"/>
 </p:tagLst>
 </file>
 
@@ -18714,14 +19968,48 @@
   <p:tag name="KSO_WM_BEAUTIFY_FLAG" val="#wm#"/>
   <p:tag name="KSO_WM_TEMPLATE_CATEGORY" val="custom"/>
   <p:tag name="KSO_WM_TEMPLATE_INDEX" val="160402"/>
+  <p:tag name="KSO_WM_SPECIAL_SOURCE" val="bdnull"/>
 </p:tagLst>
 </file>
 
 <file path=ppt/tags/tag72.xml><?xml version="1.0" encoding="utf-8"?>
 <p:tagLst xmlns:p="http://schemas.openxmlformats.org/presentationml/2006/main">
+  <p:tag name="KSO_WM_BEAUTIFY_FLAG" val="#wm#"/>
+  <p:tag name="KSO_WM_TEMPLATE_CATEGORY" val="custom"/>
+  <p:tag name="KSO_WM_TEMPLATE_INDEX" val="160402"/>
+</p:tagLst>
+</file>
+
+<file path=ppt/tags/tag73.xml><?xml version="1.0" encoding="utf-8"?>
+<p:tagLst xmlns:p="http://schemas.openxmlformats.org/presentationml/2006/main">
+  <p:tag name="KSO_WM_BEAUTIFY_FLAG" val="#wm#"/>
+  <p:tag name="KSO_WM_TEMPLATE_CATEGORY" val="custom"/>
+  <p:tag name="KSO_WM_TEMPLATE_INDEX" val="160402"/>
+</p:tagLst>
+</file>
+
+<file path=ppt/tags/tag74.xml><?xml version="1.0" encoding="utf-8"?>
+<p:tagLst xmlns:p="http://schemas.openxmlformats.org/presentationml/2006/main">
+  <p:tag name="KSO_WM_BEAUTIFY_FLAG" val="#wm#"/>
+  <p:tag name="KSO_WM_TEMPLATE_CATEGORY" val="custom"/>
+  <p:tag name="KSO_WM_TEMPLATE_INDEX" val="160402"/>
+</p:tagLst>
+</file>
+
+<file path=ppt/tags/tag75.xml><?xml version="1.0" encoding="utf-8"?>
+<p:tagLst xmlns:p="http://schemas.openxmlformats.org/presentationml/2006/main">
+  <p:tag name="KSO_WM_BEAUTIFY_FLAG" val="#wm#"/>
+  <p:tag name="KSO_WM_TEMPLATE_CATEGORY" val="custom"/>
+  <p:tag name="KSO_WM_TEMPLATE_INDEX" val="160402"/>
+</p:tagLst>
+</file>
+
+<file path=ppt/tags/tag76.xml><?xml version="1.0" encoding="utf-8"?>
+<p:tagLst xmlns:p="http://schemas.openxmlformats.org/presentationml/2006/main">
   <p:tag name="KSO_DOCER_TEMPLATE_OPEN_ONCE_MARK" val="1"/>
   <p:tag name="COMMONDATA" val="eyJoZGlkIjoiYjRhZjQ5NWVmZmQxNmM3NmNkNDYxNWRmNzNmMjA1ZDAifQ=="/>
   <p:tag name="KSO_WPP_MARK_KEY" val="409d257b-de08-4ad9-871a-703355bca735"/>
+  <p:tag name="commondata" val="eyJoZGlkIjoiYjk5ODM0YmMxOWJiYWQyNDU4MGIzYWRmYTA0ZmI5NDcifQ=="/>
 </p:tagLst>
 </file>
 
